--- a/assets/lectures/cbw-cshl/2019/mini/RNASeq_MiniLecture_07_FASTA_FASTQ_GTF.pptx
+++ b/assets/lectures/cbw-cshl/2019/mini/RNASeq_MiniLecture_07_FASTA_FASTQ_GTF.pptx
@@ -5,12 +5,10 @@
     <p:sldMasterId id="2147483660" r:id="rId1"/>
   </p:sldMasterIdLst>
   <p:notesMasterIdLst>
-    <p:notesMasterId r:id="rId5"/>
+    <p:notesMasterId r:id="rId3"/>
   </p:notesMasterIdLst>
   <p:sldIdLst>
-    <p:sldId id="257" r:id="rId2"/>
-    <p:sldId id="258" r:id="rId3"/>
-    <p:sldId id="259" r:id="rId4"/>
+    <p:sldId id="259" r:id="rId2"/>
   </p:sldIdLst>
   <p:sldSz cx="12192000" cy="6858000"/>
   <p:notesSz cx="6858000" cy="9144000"/>
@@ -199,7 +197,7 @@
           <a:p>
             <a:fld id="{827BD9F9-8452-A342-BB1B-28ECF19E2CC5}" type="datetimeFigureOut">
               <a:rPr lang="en-US" smtClean="0"/>
-              <a:t>3/4/19</a:t>
+              <a:t>3/11/19</a:t>
             </a:fld>
             <a:endParaRPr lang="en-US"/>
           </a:p>
@@ -720,14 +718,14 @@
           </a:ln>
           <a:extLst>
             <a:ext uri="{909E8E84-426E-40dd-AFC4-6F175D3DCCD1}">
-              <a14:hiddenFill xmlns:a14="http://schemas.microsoft.com/office/drawing/2010/main" xmlns="">
+              <a14:hiddenFill xmlns="" xmlns:a14="http://schemas.microsoft.com/office/drawing/2010/main">
                 <a:solidFill>
                   <a:srgbClr val="FFFFFF"/>
                 </a:solidFill>
               </a14:hiddenFill>
             </a:ext>
             <a:ext uri="{91240B29-F687-4f45-9708-019B960494DF}">
-              <a14:hiddenLine xmlns:a14="http://schemas.microsoft.com/office/drawing/2010/main" xmlns="" w="9525">
+              <a14:hiddenLine xmlns="" xmlns:a14="http://schemas.microsoft.com/office/drawing/2010/main" w="9525">
                 <a:solidFill>
                   <a:srgbClr val="000000"/>
                 </a:solidFill>
@@ -3483,14 +3481,14 @@
           </a:ln>
           <a:extLst>
             <a:ext uri="{909E8E84-426E-40dd-AFC4-6F175D3DCCD1}">
-              <a14:hiddenFill xmlns:a14="http://schemas.microsoft.com/office/drawing/2010/main" xmlns="">
+              <a14:hiddenFill xmlns="" xmlns:a14="http://schemas.microsoft.com/office/drawing/2010/main">
                 <a:solidFill>
                   <a:srgbClr val="FFFFFF"/>
                 </a:solidFill>
               </a14:hiddenFill>
             </a:ext>
             <a:ext uri="{91240B29-F687-4f45-9708-019B960494DF}">
-              <a14:hiddenLine xmlns:a14="http://schemas.microsoft.com/office/drawing/2010/main" xmlns="" w="9525">
+              <a14:hiddenLine xmlns="" xmlns:a14="http://schemas.microsoft.com/office/drawing/2010/main" w="9525">
                 <a:solidFill>
                   <a:srgbClr val="000000"/>
                 </a:solidFill>
@@ -3625,7 +3623,7 @@
                 <a:latin typeface="Calibri" charset="0"/>
                 <a:cs typeface="Calibri" charset="0"/>
               </a:rPr>
-              <a:t>Module </a:t>
+              <a:t>Module 7 </a:t>
             </a:r>
           </a:p>
         </p:txBody>
@@ -3772,19 +3770,7 @@
               <a:rPr lang="en-US" b="1" dirty="0" err="1">
                 <a:cs typeface="Arial" charset="0"/>
               </a:rPr>
-              <a:t>bio</a:t>
-            </a:r>
-            <a:r>
-              <a:rPr lang="en-US" dirty="0" err="1">
-                <a:cs typeface="Arial" charset="0"/>
-              </a:rPr>
-              <a:t>informatics</a:t>
-            </a:r>
-            <a:r>
-              <a:rPr lang="en-US" sz="1400" dirty="0" err="1">
-                <a:cs typeface="Arial" charset="0"/>
-              </a:rPr>
-              <a:t>.ca</a:t>
+              <a:t>rnabio.org</a:t>
             </a:r>
             <a:endParaRPr lang="en-US" dirty="0">
               <a:cs typeface="Arial" charset="0"/>
@@ -4116,510 +4102,6 @@
       </p:grpSpPr>
       <p:sp>
         <p:nvSpPr>
-          <p:cNvPr id="4" name="Rectangle 2">
-            <a:extLst>
-              <a:ext uri="{FF2B5EF4-FFF2-40B4-BE49-F238E27FC236}">
-                <a16:creationId xmlns:a16="http://schemas.microsoft.com/office/drawing/2014/main" id="{3951701B-699C-D042-8C4F-2B7A911EC7B7}"/>
-              </a:ext>
-            </a:extLst>
-          </p:cNvPr>
-          <p:cNvSpPr txBox="1">
-            <a:spLocks noChangeArrowheads="1"/>
-          </p:cNvSpPr>
-          <p:nvPr/>
-        </p:nvSpPr>
-        <p:spPr>
-          <a:xfrm>
-            <a:off x="931221" y="2489451"/>
-            <a:ext cx="10294920" cy="1447800"/>
-          </a:xfrm>
-          <a:prstGeom prst="rect">
-            <a:avLst/>
-          </a:prstGeom>
-        </p:spPr>
-        <p:txBody>
-          <a:bodyPr vert="horz" lIns="91440" tIns="45720" rIns="91440" bIns="45720" rtlCol="0" anchor="ctr">
-            <a:normAutofit/>
-          </a:bodyPr>
-          <a:lstStyle>
-            <a:lvl1pPr algn="l" defTabSz="914400" rtl="0" eaLnBrk="1" latinLnBrk="0" hangingPunct="1">
-              <a:lnSpc>
-                <a:spcPct val="90000"/>
-              </a:lnSpc>
-              <a:spcBef>
-                <a:spcPct val="0"/>
-              </a:spcBef>
-              <a:buNone/>
-              <a:defRPr sz="4400" kern="1200">
-                <a:solidFill>
-                  <a:schemeClr val="tx1"/>
-                </a:solidFill>
-                <a:latin typeface="+mj-lt"/>
-                <a:ea typeface="+mj-ea"/>
-                <a:cs typeface="+mj-cs"/>
-              </a:defRPr>
-            </a:lvl1pPr>
-          </a:lstStyle>
-          <a:p>
-            <a:pPr marL="0" marR="0" lvl="0" indent="0" algn="l" defTabSz="914400" rtl="0" eaLnBrk="1" fontAlgn="auto" latinLnBrk="0" hangingPunct="1">
-              <a:lnSpc>
-                <a:spcPct val="90000"/>
-              </a:lnSpc>
-              <a:spcBef>
-                <a:spcPct val="0"/>
-              </a:spcBef>
-              <a:spcAft>
-                <a:spcPts val="0"/>
-              </a:spcAft>
-              <a:buClrTx/>
-              <a:buSzTx/>
-              <a:buFontTx/>
-              <a:buNone/>
-              <a:tabLst/>
-              <a:defRPr/>
-            </a:pPr>
-            <a:r>
-              <a:rPr kumimoji="0" lang="en-US" sz="4400" b="0" i="0" u="none" strike="noStrike" kern="1200" cap="none" spc="0" normalizeH="0" baseline="0" noProof="0" dirty="0">
-                <a:ln>
-                  <a:noFill/>
-                </a:ln>
-                <a:solidFill>
-                  <a:srgbClr val="9A3334"/>
-                </a:solidFill>
-                <a:effectLst/>
-                <a:uLnTx/>
-                <a:uFillTx/>
-                <a:latin typeface="Verdana" panose="020B0604030504040204" pitchFamily="34" charset="0"/>
-                <a:ea typeface="Verdana" panose="020B0604030504040204" pitchFamily="34" charset="0"/>
-                <a:cs typeface="Verdana" panose="020B0604030504040204" pitchFamily="34" charset="0"/>
-              </a:rPr>
-              <a:t>Canadian Bioinformatics Workshops</a:t>
-            </a:r>
-          </a:p>
-        </p:txBody>
-      </p:sp>
-      <p:sp>
-        <p:nvSpPr>
-          <p:cNvPr id="5" name="Rectangle 3">
-            <a:extLst>
-              <a:ext uri="{FF2B5EF4-FFF2-40B4-BE49-F238E27FC236}">
-                <a16:creationId xmlns:a16="http://schemas.microsoft.com/office/drawing/2014/main" id="{F9B358B9-3A44-4642-B0D6-A899FE00280C}"/>
-              </a:ext>
-            </a:extLst>
-          </p:cNvPr>
-          <p:cNvSpPr txBox="1">
-            <a:spLocks noChangeArrowheads="1"/>
-          </p:cNvSpPr>
-          <p:nvPr/>
-        </p:nvSpPr>
-        <p:spPr>
-          <a:xfrm>
-            <a:off x="2058889" y="3719450"/>
-            <a:ext cx="8039584" cy="1927225"/>
-          </a:xfrm>
-          <a:prstGeom prst="rect">
-            <a:avLst/>
-          </a:prstGeom>
-        </p:spPr>
-        <p:txBody>
-          <a:bodyPr vert="horz" lIns="91440" tIns="45720" rIns="91440" bIns="45720" rtlCol="0">
-            <a:normAutofit/>
-          </a:bodyPr>
-          <a:lstStyle>
-            <a:lvl1pPr marL="228600" indent="-228600" algn="l" defTabSz="914400" rtl="0" eaLnBrk="1" latinLnBrk="0" hangingPunct="1">
-              <a:lnSpc>
-                <a:spcPct val="90000"/>
-              </a:lnSpc>
-              <a:spcBef>
-                <a:spcPts val="1000"/>
-              </a:spcBef>
-              <a:buFont typeface="Arial" panose="020B0604020202020204" pitchFamily="34" charset="0"/>
-              <a:buChar char="•"/>
-              <a:defRPr sz="2800" kern="1200">
-                <a:solidFill>
-                  <a:schemeClr val="tx1"/>
-                </a:solidFill>
-                <a:latin typeface="+mn-lt"/>
-                <a:ea typeface="+mn-ea"/>
-                <a:cs typeface="+mn-cs"/>
-              </a:defRPr>
-            </a:lvl1pPr>
-            <a:lvl2pPr marL="685800" indent="-228600" algn="l" defTabSz="914400" rtl="0" eaLnBrk="1" latinLnBrk="0" hangingPunct="1">
-              <a:lnSpc>
-                <a:spcPct val="90000"/>
-              </a:lnSpc>
-              <a:spcBef>
-                <a:spcPts val="500"/>
-              </a:spcBef>
-              <a:buFont typeface="Arial" panose="020B0604020202020204" pitchFamily="34" charset="0"/>
-              <a:buChar char="•"/>
-              <a:defRPr sz="2400" kern="1200">
-                <a:solidFill>
-                  <a:schemeClr val="tx1"/>
-                </a:solidFill>
-                <a:latin typeface="+mn-lt"/>
-                <a:ea typeface="+mn-ea"/>
-                <a:cs typeface="+mn-cs"/>
-              </a:defRPr>
-            </a:lvl2pPr>
-            <a:lvl3pPr marL="1143000" indent="-228600" algn="l" defTabSz="914400" rtl="0" eaLnBrk="1" latinLnBrk="0" hangingPunct="1">
-              <a:lnSpc>
-                <a:spcPct val="90000"/>
-              </a:lnSpc>
-              <a:spcBef>
-                <a:spcPts val="500"/>
-              </a:spcBef>
-              <a:buFont typeface="Arial" panose="020B0604020202020204" pitchFamily="34" charset="0"/>
-              <a:buChar char="•"/>
-              <a:defRPr sz="2000" kern="1200">
-                <a:solidFill>
-                  <a:schemeClr val="tx1"/>
-                </a:solidFill>
-                <a:latin typeface="+mn-lt"/>
-                <a:ea typeface="+mn-ea"/>
-                <a:cs typeface="+mn-cs"/>
-              </a:defRPr>
-            </a:lvl3pPr>
-            <a:lvl4pPr marL="1600200" indent="-228600" algn="l" defTabSz="914400" rtl="0" eaLnBrk="1" latinLnBrk="0" hangingPunct="1">
-              <a:lnSpc>
-                <a:spcPct val="90000"/>
-              </a:lnSpc>
-              <a:spcBef>
-                <a:spcPts val="500"/>
-              </a:spcBef>
-              <a:buFont typeface="Arial" panose="020B0604020202020204" pitchFamily="34" charset="0"/>
-              <a:buChar char="•"/>
-              <a:defRPr sz="1800" kern="1200">
-                <a:solidFill>
-                  <a:schemeClr val="tx1"/>
-                </a:solidFill>
-                <a:latin typeface="+mn-lt"/>
-                <a:ea typeface="+mn-ea"/>
-                <a:cs typeface="+mn-cs"/>
-              </a:defRPr>
-            </a:lvl4pPr>
-            <a:lvl5pPr marL="2057400" indent="-228600" algn="l" defTabSz="914400" rtl="0" eaLnBrk="1" latinLnBrk="0" hangingPunct="1">
-              <a:lnSpc>
-                <a:spcPct val="90000"/>
-              </a:lnSpc>
-              <a:spcBef>
-                <a:spcPts val="500"/>
-              </a:spcBef>
-              <a:buFont typeface="Arial" panose="020B0604020202020204" pitchFamily="34" charset="0"/>
-              <a:buChar char="•"/>
-              <a:defRPr sz="1800" kern="1200">
-                <a:solidFill>
-                  <a:schemeClr val="tx1"/>
-                </a:solidFill>
-                <a:latin typeface="+mn-lt"/>
-                <a:ea typeface="+mn-ea"/>
-                <a:cs typeface="+mn-cs"/>
-              </a:defRPr>
-            </a:lvl5pPr>
-            <a:lvl6pPr marL="2514600" indent="-228600" algn="l" defTabSz="914400" rtl="0" eaLnBrk="1" latinLnBrk="0" hangingPunct="1">
-              <a:lnSpc>
-                <a:spcPct val="90000"/>
-              </a:lnSpc>
-              <a:spcBef>
-                <a:spcPts val="500"/>
-              </a:spcBef>
-              <a:buFont typeface="Arial" panose="020B0604020202020204" pitchFamily="34" charset="0"/>
-              <a:buChar char="•"/>
-              <a:defRPr sz="1800" kern="1200">
-                <a:solidFill>
-                  <a:schemeClr val="tx1"/>
-                </a:solidFill>
-                <a:latin typeface="+mn-lt"/>
-                <a:ea typeface="+mn-ea"/>
-                <a:cs typeface="+mn-cs"/>
-              </a:defRPr>
-            </a:lvl6pPr>
-            <a:lvl7pPr marL="2971800" indent="-228600" algn="l" defTabSz="914400" rtl="0" eaLnBrk="1" latinLnBrk="0" hangingPunct="1">
-              <a:lnSpc>
-                <a:spcPct val="90000"/>
-              </a:lnSpc>
-              <a:spcBef>
-                <a:spcPts val="500"/>
-              </a:spcBef>
-              <a:buFont typeface="Arial" panose="020B0604020202020204" pitchFamily="34" charset="0"/>
-              <a:buChar char="•"/>
-              <a:defRPr sz="1800" kern="1200">
-                <a:solidFill>
-                  <a:schemeClr val="tx1"/>
-                </a:solidFill>
-                <a:latin typeface="+mn-lt"/>
-                <a:ea typeface="+mn-ea"/>
-                <a:cs typeface="+mn-cs"/>
-              </a:defRPr>
-            </a:lvl7pPr>
-            <a:lvl8pPr marL="3429000" indent="-228600" algn="l" defTabSz="914400" rtl="0" eaLnBrk="1" latinLnBrk="0" hangingPunct="1">
-              <a:lnSpc>
-                <a:spcPct val="90000"/>
-              </a:lnSpc>
-              <a:spcBef>
-                <a:spcPts val="500"/>
-              </a:spcBef>
-              <a:buFont typeface="Arial" panose="020B0604020202020204" pitchFamily="34" charset="0"/>
-              <a:buChar char="•"/>
-              <a:defRPr sz="1800" kern="1200">
-                <a:solidFill>
-                  <a:schemeClr val="tx1"/>
-                </a:solidFill>
-                <a:latin typeface="+mn-lt"/>
-                <a:ea typeface="+mn-ea"/>
-                <a:cs typeface="+mn-cs"/>
-              </a:defRPr>
-            </a:lvl8pPr>
-            <a:lvl9pPr marL="3886200" indent="-228600" algn="l" defTabSz="914400" rtl="0" eaLnBrk="1" latinLnBrk="0" hangingPunct="1">
-              <a:lnSpc>
-                <a:spcPct val="90000"/>
-              </a:lnSpc>
-              <a:spcBef>
-                <a:spcPts val="500"/>
-              </a:spcBef>
-              <a:buFont typeface="Arial" panose="020B0604020202020204" pitchFamily="34" charset="0"/>
-              <a:buChar char="•"/>
-              <a:defRPr sz="1800" kern="1200">
-                <a:solidFill>
-                  <a:schemeClr val="tx1"/>
-                </a:solidFill>
-                <a:latin typeface="+mn-lt"/>
-                <a:ea typeface="+mn-ea"/>
-                <a:cs typeface="+mn-cs"/>
-              </a:defRPr>
-            </a:lvl9pPr>
-          </a:lstStyle>
-          <a:p>
-            <a:pPr marL="0" marR="0" lvl="0" indent="0" algn="ctr" defTabSz="914400" rtl="0" eaLnBrk="1" fontAlgn="auto" latinLnBrk="0" hangingPunct="1">
-              <a:lnSpc>
-                <a:spcPct val="90000"/>
-              </a:lnSpc>
-              <a:spcBef>
-                <a:spcPts val="1000"/>
-              </a:spcBef>
-              <a:spcAft>
-                <a:spcPts val="0"/>
-              </a:spcAft>
-              <a:buClrTx/>
-              <a:buSzTx/>
-              <a:buFont typeface="Arial" charset="0"/>
-              <a:buNone/>
-              <a:tabLst/>
-              <a:defRPr/>
-            </a:pPr>
-            <a:r>
-              <a:rPr kumimoji="0" lang="en-US" sz="2800" b="0" i="0" u="none" strike="noStrike" kern="1200" cap="none" spc="0" normalizeH="0" baseline="0" noProof="0" dirty="0" err="1">
-                <a:ln>
-                  <a:noFill/>
-                </a:ln>
-                <a:solidFill>
-                  <a:prstClr val="black"/>
-                </a:solidFill>
-                <a:effectLst/>
-                <a:uLnTx/>
-                <a:uFillTx/>
-                <a:latin typeface="Verdana" panose="020B0604030504040204"/>
-                <a:ea typeface="ＭＳ Ｐゴシック" charset="0"/>
-                <a:cs typeface="ＭＳ Ｐゴシック" charset="0"/>
-              </a:rPr>
-              <a:t>www.bioinformatics.ca</a:t>
-            </a:r>
-            <a:endParaRPr kumimoji="0" lang="en-US" sz="2800" b="0" i="0" u="none" strike="noStrike" kern="1200" cap="none" spc="0" normalizeH="0" baseline="0" noProof="0" dirty="0">
-              <a:ln>
-                <a:noFill/>
-              </a:ln>
-              <a:solidFill>
-                <a:prstClr val="black"/>
-              </a:solidFill>
-              <a:effectLst/>
-              <a:uLnTx/>
-              <a:uFillTx/>
-              <a:latin typeface="Verdana" panose="020B0604030504040204"/>
-              <a:ea typeface="ＭＳ Ｐゴシック" charset="0"/>
-              <a:cs typeface="ＭＳ Ｐゴシック" charset="0"/>
-            </a:endParaRPr>
-          </a:p>
-          <a:p>
-            <a:pPr marL="0" marR="0" lvl="0" indent="0" algn="ctr" defTabSz="914400" rtl="0" eaLnBrk="1" fontAlgn="auto" latinLnBrk="0" hangingPunct="1">
-              <a:lnSpc>
-                <a:spcPct val="90000"/>
-              </a:lnSpc>
-              <a:spcBef>
-                <a:spcPts val="1000"/>
-              </a:spcBef>
-              <a:spcAft>
-                <a:spcPts val="0"/>
-              </a:spcAft>
-              <a:buClrTx/>
-              <a:buSzTx/>
-              <a:buFont typeface="Arial" charset="0"/>
-              <a:buNone/>
-              <a:tabLst/>
-              <a:defRPr/>
-            </a:pPr>
-            <a:r>
-              <a:rPr kumimoji="0" lang="en-US" sz="2800" b="0" i="0" u="none" strike="noStrike" kern="1200" cap="none" spc="0" normalizeH="0" baseline="0" noProof="0" dirty="0" err="1">
-                <a:ln>
-                  <a:noFill/>
-                </a:ln>
-                <a:solidFill>
-                  <a:prstClr val="black"/>
-                </a:solidFill>
-                <a:effectLst/>
-                <a:uLnTx/>
-                <a:uFillTx/>
-                <a:latin typeface="Verdana" panose="020B0604030504040204"/>
-                <a:ea typeface="ＭＳ Ｐゴシック" charset="0"/>
-                <a:cs typeface="ＭＳ Ｐゴシック" charset="0"/>
-              </a:rPr>
-              <a:t>bioinformaticsdotca.github.io</a:t>
-            </a:r>
-            <a:endParaRPr kumimoji="0" lang="en-US" sz="2800" b="0" i="0" u="none" strike="noStrike" kern="1200" cap="none" spc="0" normalizeH="0" baseline="0" noProof="0" dirty="0">
-              <a:ln>
-                <a:noFill/>
-              </a:ln>
-              <a:solidFill>
-                <a:prstClr val="black"/>
-              </a:solidFill>
-              <a:effectLst/>
-              <a:uLnTx/>
-              <a:uFillTx/>
-              <a:latin typeface="Verdana" panose="020B0604030504040204"/>
-              <a:ea typeface="ＭＳ Ｐゴシック" charset="0"/>
-              <a:cs typeface="ＭＳ Ｐゴシック" charset="0"/>
-            </a:endParaRPr>
-          </a:p>
-        </p:txBody>
-      </p:sp>
-      <p:pic>
-        <p:nvPicPr>
-          <p:cNvPr id="6" name="Picture 5">
-            <a:extLst>
-              <a:ext uri="{FF2B5EF4-FFF2-40B4-BE49-F238E27FC236}">
-                <a16:creationId xmlns:a16="http://schemas.microsoft.com/office/drawing/2014/main" id="{7E3CC30E-EF41-4A4B-AD78-53A11C3D8B87}"/>
-              </a:ext>
-            </a:extLst>
-          </p:cNvPr>
-          <p:cNvPicPr>
-            <a:picLocks noChangeAspect="1"/>
-          </p:cNvPicPr>
-          <p:nvPr/>
-        </p:nvPicPr>
-        <p:blipFill>
-          <a:blip r:embed="rId2"/>
-          <a:stretch>
-            <a:fillRect/>
-          </a:stretch>
-        </p:blipFill>
-        <p:spPr>
-          <a:xfrm>
-            <a:off x="10608072" y="5106390"/>
-            <a:ext cx="1583928" cy="1313871"/>
-          </a:xfrm>
-          <a:prstGeom prst="rect">
-            <a:avLst/>
-          </a:prstGeom>
-        </p:spPr>
-      </p:pic>
-    </p:spTree>
-    <p:extLst>
-      <p:ext uri="{BB962C8B-B14F-4D97-AF65-F5344CB8AC3E}">
-        <p14:creationId xmlns:p14="http://schemas.microsoft.com/office/powerpoint/2010/main" val="454110252"/>
-      </p:ext>
-    </p:extLst>
-  </p:cSld>
-  <p:clrMapOvr>
-    <a:masterClrMapping/>
-  </p:clrMapOvr>
-</p:sld>
-</file>
-
-<file path=ppt/slides/slide2.xml><?xml version="1.0" encoding="utf-8"?>
-<p:sld xmlns:a="http://schemas.openxmlformats.org/drawingml/2006/main" xmlns:r="http://schemas.openxmlformats.org/officeDocument/2006/relationships" xmlns:p="http://schemas.openxmlformats.org/presentationml/2006/main">
-  <p:cSld>
-    <p:spTree>
-      <p:nvGrpSpPr>
-        <p:cNvPr id="1" name=""/>
-        <p:cNvGrpSpPr/>
-        <p:nvPr/>
-      </p:nvGrpSpPr>
-      <p:grpSpPr>
-        <a:xfrm>
-          <a:off x="0" y="0"/>
-          <a:ext cx="0" cy="0"/>
-          <a:chOff x="0" y="0"/>
-          <a:chExt cx="0" cy="0"/>
-        </a:xfrm>
-      </p:grpSpPr>
-      <p:pic>
-        <p:nvPicPr>
-          <p:cNvPr id="4" name="Content Placeholder 9" descr="Picture 1.png">
-            <a:extLst>
-              <a:ext uri="{FF2B5EF4-FFF2-40B4-BE49-F238E27FC236}">
-                <a16:creationId xmlns:a16="http://schemas.microsoft.com/office/drawing/2014/main" id="{548BE5EC-9575-1847-9F91-986B05624E52}"/>
-              </a:ext>
-            </a:extLst>
-          </p:cNvPr>
-          <p:cNvPicPr>
-            <a:picLocks noChangeAspect="1"/>
-          </p:cNvPicPr>
-          <p:nvPr/>
-        </p:nvPicPr>
-        <p:blipFill>
-          <a:blip r:embed="rId2">
-            <a:extLst>
-              <a:ext uri="{28A0092B-C50C-407E-A947-70E740481C1C}">
-                <a14:useLocalDpi xmlns:a14="http://schemas.microsoft.com/office/drawing/2010/main" val="0"/>
-              </a:ext>
-            </a:extLst>
-          </a:blip>
-          <a:srcRect/>
-          <a:stretch>
-            <a:fillRect/>
-          </a:stretch>
-        </p:blipFill>
-        <p:spPr>
-          <a:xfrm>
-            <a:off x="2822576" y="0"/>
-            <a:ext cx="6518495" cy="6400800"/>
-          </a:xfrm>
-          <a:prstGeom prst="rect">
-            <a:avLst/>
-          </a:prstGeom>
-        </p:spPr>
-      </p:pic>
-    </p:spTree>
-    <p:extLst>
-      <p:ext uri="{BB962C8B-B14F-4D97-AF65-F5344CB8AC3E}">
-        <p14:creationId xmlns:p14="http://schemas.microsoft.com/office/powerpoint/2010/main" val="1334057523"/>
-      </p:ext>
-    </p:extLst>
-  </p:cSld>
-  <p:clrMapOvr>
-    <a:masterClrMapping/>
-  </p:clrMapOvr>
-</p:sld>
-</file>
-
-<file path=ppt/slides/slide3.xml><?xml version="1.0" encoding="utf-8"?>
-<p:sld xmlns:a="http://schemas.openxmlformats.org/drawingml/2006/main" xmlns:r="http://schemas.openxmlformats.org/officeDocument/2006/relationships" xmlns:p="http://schemas.openxmlformats.org/presentationml/2006/main">
-  <p:cSld>
-    <p:spTree>
-      <p:nvGrpSpPr>
-        <p:cNvPr id="1" name=""/>
-        <p:cNvGrpSpPr/>
-        <p:nvPr/>
-      </p:nvGrpSpPr>
-      <p:grpSpPr>
-        <a:xfrm>
-          <a:off x="0" y="0"/>
-          <a:ext cx="0" cy="0"/>
-          <a:chOff x="0" y="0"/>
-          <a:chExt cx="0" cy="0"/>
-        </a:xfrm>
-      </p:grpSpPr>
-      <p:sp>
-        <p:nvSpPr>
           <p:cNvPr id="2" name="Title 1">
             <a:extLst>
               <a:ext uri="{FF2B5EF4-FFF2-40B4-BE49-F238E27FC236}">
@@ -4675,10 +4157,10 @@
                 <a:latin typeface="Calibri" charset="0"/>
                 <a:cs typeface="Segoe UI" charset="0"/>
               </a:rPr>
-              <a:t> Module 2</a:t>
+              <a:t> Module 7</a:t>
             </a:r>
             <a:br>
-              <a:rPr lang="en-US" sz="3600">
+              <a:rPr lang="en-US" sz="3600" dirty="0">
                 <a:solidFill>
                   <a:schemeClr val="bg1"/>
                 </a:solidFill>
@@ -4687,14 +4169,14 @@
               </a:rPr>
             </a:br>
             <a:r>
-              <a:rPr lang="en-US" sz="3600">
+              <a:rPr lang="en-US" sz="3600" dirty="0">
                 <a:solidFill>
                   <a:schemeClr val="bg1"/>
                 </a:solidFill>
                 <a:latin typeface="Calibri" charset="0"/>
                 <a:cs typeface="Segoe UI" charset="0"/>
               </a:rPr>
-              <a:t>Alignment</a:t>
+              <a:t>FASTA/FASTQ/GTF formats</a:t>
             </a:r>
             <a:endParaRPr lang="en-US" sz="3200" b="1" dirty="0">
               <a:solidFill>
@@ -4754,28 +4236,6 @@
                 <a:schemeClr val="bg1"/>
               </a:solidFill>
             </a:endParaRPr>
-          </a:p>
-          <a:p>
-            <a:pPr algn="r"/>
-            <a:r>
-              <a:rPr lang="en-US" dirty="0">
-                <a:solidFill>
-                  <a:schemeClr val="bg1"/>
-                </a:solidFill>
-              </a:rPr>
-              <a:t>High-Throughput Biology: From Sequence to Networks</a:t>
-            </a:r>
-          </a:p>
-          <a:p>
-            <a:pPr algn="r"/>
-            <a:r>
-              <a:rPr lang="en-US" dirty="0">
-                <a:solidFill>
-                  <a:schemeClr val="bg1"/>
-                </a:solidFill>
-              </a:rPr>
-              <a:t>March 11-17, 2019</a:t>
-            </a:r>
           </a:p>
         </p:txBody>
       </p:sp>
@@ -4915,14 +4375,14 @@
           </a:ln>
           <a:extLst>
             <a:ext uri="{909E8E84-426E-40dd-AFC4-6F175D3DCCD1}">
-              <a14:hiddenFill xmlns:a14="http://schemas.microsoft.com/office/drawing/2010/main" xmlns="">
+              <a14:hiddenFill xmlns="" xmlns:a14="http://schemas.microsoft.com/office/drawing/2010/main">
                 <a:solidFill>
                   <a:srgbClr val="FFFFFF"/>
                 </a:solidFill>
               </a14:hiddenFill>
             </a:ext>
             <a:ext uri="{91240B29-F687-4f45-9708-019B960494DF}">
-              <a14:hiddenLine xmlns:a14="http://schemas.microsoft.com/office/drawing/2010/main" xmlns="" w="9525">
+              <a14:hiddenLine xmlns="" xmlns:a14="http://schemas.microsoft.com/office/drawing/2010/main" w="9525">
                 <a:solidFill>
                   <a:srgbClr val="000000"/>
                 </a:solidFill>

--- a/assets/lectures/cbw-cshl/2019/mini/RNASeq_MiniLecture_07_FASTA_FASTQ_GTF.pptx
+++ b/assets/lectures/cbw-cshl/2019/mini/RNASeq_MiniLecture_07_FASTA_FASTQ_GTF.pptx
@@ -5,10 +5,14 @@
     <p:sldMasterId id="2147483660" r:id="rId1"/>
   </p:sldMasterIdLst>
   <p:notesMasterIdLst>
-    <p:notesMasterId r:id="rId3"/>
+    <p:notesMasterId r:id="rId7"/>
   </p:notesMasterIdLst>
   <p:sldIdLst>
     <p:sldId id="259" r:id="rId2"/>
+    <p:sldId id="314" r:id="rId3"/>
+    <p:sldId id="262" r:id="rId4"/>
+    <p:sldId id="315" r:id="rId5"/>
+    <p:sldId id="313" r:id="rId6"/>
   </p:sldIdLst>
   <p:sldSz cx="12192000" cy="6858000"/>
   <p:notesSz cx="6858000" cy="9144000"/>
@@ -464,6 +468,129 @@
 </p:notesMaster>
 </file>
 
+<file path=ppt/notesSlides/notesSlide1.xml><?xml version="1.0" encoding="utf-8"?>
+<p:notes xmlns:a="http://schemas.openxmlformats.org/drawingml/2006/main" xmlns:r="http://schemas.openxmlformats.org/officeDocument/2006/relationships" xmlns:p="http://schemas.openxmlformats.org/presentationml/2006/main">
+  <p:cSld>
+    <p:spTree>
+      <p:nvGrpSpPr>
+        <p:cNvPr id="1" name=""/>
+        <p:cNvGrpSpPr/>
+        <p:nvPr/>
+      </p:nvGrpSpPr>
+      <p:grpSpPr>
+        <a:xfrm>
+          <a:off x="0" y="0"/>
+          <a:ext cx="0" cy="0"/>
+          <a:chOff x="0" y="0"/>
+          <a:chExt cx="0" cy="0"/>
+        </a:xfrm>
+      </p:grpSpPr>
+      <p:sp>
+        <p:nvSpPr>
+          <p:cNvPr id="2" name="Slide Image Placeholder 1"/>
+          <p:cNvSpPr>
+            <a:spLocks noGrp="1" noRot="1" noChangeAspect="1"/>
+          </p:cNvSpPr>
+          <p:nvPr>
+            <p:ph type="sldImg"/>
+          </p:nvPr>
+        </p:nvSpPr>
+        <p:spPr/>
+      </p:sp>
+      <p:sp>
+        <p:nvSpPr>
+          <p:cNvPr id="3" name="Notes Placeholder 2"/>
+          <p:cNvSpPr>
+            <a:spLocks noGrp="1"/>
+          </p:cNvSpPr>
+          <p:nvPr>
+            <p:ph type="body" idx="1"/>
+          </p:nvPr>
+        </p:nvSpPr>
+        <p:spPr/>
+        <p:txBody>
+          <a:bodyPr/>
+          <a:lstStyle/>
+          <a:p>
+            <a:r>
+              <a:rPr lang="en-US" dirty="0"/>
+              <a:t>http://</a:t>
+            </a:r>
+            <a:r>
+              <a:rPr lang="en-US" dirty="0" err="1"/>
+              <a:t>www.somewhereville.com</a:t>
+            </a:r>
+            <a:r>
+              <a:rPr lang="en-US" dirty="0"/>
+              <a:t>/2011/12/16/sanger-and-illumina-1-3-and-solexa-phred-score-q-ascii-glyph-base-error-conversion-tables/</a:t>
+            </a:r>
+          </a:p>
+          <a:p>
+            <a:endParaRPr lang="en-US" dirty="0"/>
+          </a:p>
+          <a:p>
+            <a:r>
+              <a:rPr lang="en-US" dirty="0"/>
+              <a:t>https://</a:t>
+            </a:r>
+            <a:r>
+              <a:rPr lang="en-US" dirty="0" err="1"/>
+              <a:t>en.wikipedia.org</a:t>
+            </a:r>
+            <a:r>
+              <a:rPr lang="en-US" dirty="0"/>
+              <a:t>/wiki/</a:t>
+            </a:r>
+            <a:r>
+              <a:rPr lang="en-US" dirty="0" err="1"/>
+              <a:t>FASTQ_format#Quality</a:t>
+            </a:r>
+            <a:endParaRPr lang="en-US" dirty="0"/>
+          </a:p>
+          <a:p>
+            <a:endParaRPr lang="en-US" dirty="0"/>
+          </a:p>
+          <a:p>
+            <a:endParaRPr lang="en-US" dirty="0"/>
+          </a:p>
+        </p:txBody>
+      </p:sp>
+      <p:sp>
+        <p:nvSpPr>
+          <p:cNvPr id="4" name="Slide Number Placeholder 3"/>
+          <p:cNvSpPr>
+            <a:spLocks noGrp="1"/>
+          </p:cNvSpPr>
+          <p:nvPr>
+            <p:ph type="sldNum" sz="quarter" idx="10"/>
+          </p:nvPr>
+        </p:nvSpPr>
+        <p:spPr/>
+        <p:txBody>
+          <a:bodyPr/>
+          <a:lstStyle/>
+          <a:p>
+            <a:fld id="{099D50AF-F628-504F-B99D-05BB4C0BF79D}" type="slidenum">
+              <a:rPr lang="en-US" smtClean="0"/>
+              <a:t>5</a:t>
+            </a:fld>
+            <a:endParaRPr lang="en-US"/>
+          </a:p>
+        </p:txBody>
+      </p:sp>
+    </p:spTree>
+    <p:extLst>
+      <p:ext uri="{BB962C8B-B14F-4D97-AF65-F5344CB8AC3E}">
+        <p14:creationId xmlns:p14="http://schemas.microsoft.com/office/powerpoint/2010/main" val="378807193"/>
+      </p:ext>
+    </p:extLst>
+  </p:cSld>
+  <p:clrMapOvr>
+    <a:masterClrMapping/>
+  </p:clrMapOvr>
+</p:notes>
+</file>
+
 <file path=ppt/slideLayouts/slideLayout1.xml><?xml version="1.0" encoding="utf-8"?>
 <p:sldLayout xmlns:a="http://schemas.openxmlformats.org/drawingml/2006/main" xmlns:r="http://schemas.openxmlformats.org/officeDocument/2006/relationships" xmlns:p="http://schemas.openxmlformats.org/presentationml/2006/main" type="title" preserve="1">
   <p:cSld name="Title Slide">
@@ -718,14 +845,14 @@
           </a:ln>
           <a:extLst>
             <a:ext uri="{909E8E84-426E-40dd-AFC4-6F175D3DCCD1}">
-              <a14:hiddenFill xmlns="" xmlns:a14="http://schemas.microsoft.com/office/drawing/2010/main">
+              <a14:hiddenFill xmlns:a14="http://schemas.microsoft.com/office/drawing/2010/main" xmlns="">
                 <a:solidFill>
                   <a:srgbClr val="FFFFFF"/>
                 </a:solidFill>
               </a14:hiddenFill>
             </a:ext>
             <a:ext uri="{91240B29-F687-4f45-9708-019B960494DF}">
-              <a14:hiddenLine xmlns="" xmlns:a14="http://schemas.microsoft.com/office/drawing/2010/main" w="9525">
+              <a14:hiddenLine xmlns:a14="http://schemas.microsoft.com/office/drawing/2010/main" xmlns="" w="9525">
                 <a:solidFill>
                   <a:srgbClr val="000000"/>
                 </a:solidFill>
@@ -3481,14 +3608,14 @@
           </a:ln>
           <a:extLst>
             <a:ext uri="{909E8E84-426E-40dd-AFC4-6F175D3DCCD1}">
-              <a14:hiddenFill xmlns="" xmlns:a14="http://schemas.microsoft.com/office/drawing/2010/main">
+              <a14:hiddenFill xmlns:a14="http://schemas.microsoft.com/office/drawing/2010/main" xmlns="">
                 <a:solidFill>
                   <a:srgbClr val="FFFFFF"/>
                 </a:solidFill>
               </a14:hiddenFill>
             </a:ext>
             <a:ext uri="{91240B29-F687-4f45-9708-019B960494DF}">
-              <a14:hiddenLine xmlns="" xmlns:a14="http://schemas.microsoft.com/office/drawing/2010/main" w="9525">
+              <a14:hiddenLine xmlns:a14="http://schemas.microsoft.com/office/drawing/2010/main" xmlns="" w="9525">
                 <a:solidFill>
                   <a:srgbClr val="000000"/>
                 </a:solidFill>
@@ -4375,14 +4502,14 @@
           </a:ln>
           <a:extLst>
             <a:ext uri="{909E8E84-426E-40dd-AFC4-6F175D3DCCD1}">
-              <a14:hiddenFill xmlns="" xmlns:a14="http://schemas.microsoft.com/office/drawing/2010/main">
+              <a14:hiddenFill xmlns:a14="http://schemas.microsoft.com/office/drawing/2010/main" xmlns="">
                 <a:solidFill>
                   <a:srgbClr val="FFFFFF"/>
                 </a:solidFill>
               </a14:hiddenFill>
             </a:ext>
             <a:ext uri="{91240B29-F687-4f45-9708-019B960494DF}">
-              <a14:hiddenLine xmlns="" xmlns:a14="http://schemas.microsoft.com/office/drawing/2010/main" w="9525">
+              <a14:hiddenLine xmlns:a14="http://schemas.microsoft.com/office/drawing/2010/main" xmlns="" w="9525">
                 <a:solidFill>
                   <a:srgbClr val="000000"/>
                 </a:solidFill>
@@ -4398,6 +4525,2275 @@
     <p:extLst>
       <p:ext uri="{BB962C8B-B14F-4D97-AF65-F5344CB8AC3E}">
         <p14:creationId xmlns:p14="http://schemas.microsoft.com/office/powerpoint/2010/main" val="1702947648"/>
+      </p:ext>
+    </p:extLst>
+  </p:cSld>
+  <p:clrMapOvr>
+    <a:masterClrMapping/>
+  </p:clrMapOvr>
+</p:sld>
+</file>
+
+<file path=ppt/slides/slide2.xml><?xml version="1.0" encoding="utf-8"?>
+<p:sld xmlns:a="http://schemas.openxmlformats.org/drawingml/2006/main" xmlns:r="http://schemas.openxmlformats.org/officeDocument/2006/relationships" xmlns:p="http://schemas.openxmlformats.org/presentationml/2006/main">
+  <p:cSld>
+    <p:spTree>
+      <p:nvGrpSpPr>
+        <p:cNvPr id="1" name=""/>
+        <p:cNvGrpSpPr/>
+        <p:nvPr/>
+      </p:nvGrpSpPr>
+      <p:grpSpPr>
+        <a:xfrm>
+          <a:off x="0" y="0"/>
+          <a:ext cx="0" cy="0"/>
+          <a:chOff x="0" y="0"/>
+          <a:chExt cx="0" cy="0"/>
+        </a:xfrm>
+      </p:grpSpPr>
+      <p:sp>
+        <p:nvSpPr>
+          <p:cNvPr id="2" name="Title 1">
+            <a:extLst>
+              <a:ext uri="{FF2B5EF4-FFF2-40B4-BE49-F238E27FC236}">
+                <a16:creationId xmlns:a16="http://schemas.microsoft.com/office/drawing/2014/main" id="{AB3AF11C-02B0-E048-AC0A-A234EFF9D791}"/>
+              </a:ext>
+            </a:extLst>
+          </p:cNvPr>
+          <p:cNvSpPr>
+            <a:spLocks noGrp="1"/>
+          </p:cNvSpPr>
+          <p:nvPr>
+            <p:ph type="title"/>
+          </p:nvPr>
+        </p:nvSpPr>
+        <p:spPr>
+          <a:xfrm>
+            <a:off x="294290" y="18256"/>
+            <a:ext cx="11750564" cy="1169414"/>
+          </a:xfrm>
+        </p:spPr>
+        <p:txBody>
+          <a:bodyPr>
+            <a:normAutofit/>
+          </a:bodyPr>
+          <a:lstStyle/>
+          <a:p>
+            <a:r>
+              <a:rPr lang="en-US" sz="3600" b="1" dirty="0" err="1">
+                <a:latin typeface="Calibri" panose="020F0502020204030204" pitchFamily="34" charset="0"/>
+                <a:cs typeface="Calibri" panose="020F0502020204030204" pitchFamily="34" charset="0"/>
+              </a:rPr>
+              <a:t>Fasta</a:t>
+            </a:r>
+            <a:r>
+              <a:rPr lang="en-US" sz="3600" b="1" dirty="0">
+                <a:latin typeface="Calibri" panose="020F0502020204030204" pitchFamily="34" charset="0"/>
+                <a:cs typeface="Calibri" panose="020F0502020204030204" pitchFamily="34" charset="0"/>
+              </a:rPr>
+              <a:t> – format for representing nucleic acid or amino acid sequences</a:t>
+            </a:r>
+          </a:p>
+        </p:txBody>
+      </p:sp>
+      <p:sp>
+        <p:nvSpPr>
+          <p:cNvPr id="3" name="Content Placeholder 2">
+            <a:extLst>
+              <a:ext uri="{FF2B5EF4-FFF2-40B4-BE49-F238E27FC236}">
+                <a16:creationId xmlns:a16="http://schemas.microsoft.com/office/drawing/2014/main" id="{F0F34C72-5D74-D949-9DB5-32190B978970}"/>
+              </a:ext>
+            </a:extLst>
+          </p:cNvPr>
+          <p:cNvSpPr>
+            <a:spLocks noGrp="1"/>
+          </p:cNvSpPr>
+          <p:nvPr>
+            <p:ph idx="1"/>
+          </p:nvPr>
+        </p:nvSpPr>
+        <p:spPr>
+          <a:xfrm>
+            <a:off x="538152" y="1376972"/>
+            <a:ext cx="7170683" cy="4966678"/>
+          </a:xfrm>
+        </p:spPr>
+        <p:txBody>
+          <a:bodyPr>
+            <a:normAutofit/>
+          </a:bodyPr>
+          <a:lstStyle/>
+          <a:p>
+            <a:pPr marL="0" indent="0">
+              <a:buNone/>
+            </a:pPr>
+            <a:r>
+              <a:rPr lang="en-US" sz="1400" dirty="0">
+                <a:latin typeface="Calibri" panose="020F0502020204030204" pitchFamily="34" charset="0"/>
+                <a:cs typeface="Calibri" panose="020F0502020204030204" pitchFamily="34" charset="0"/>
+              </a:rPr>
+              <a:t>&gt;AY274119.3 Severe acute respiratory syndrome-related coronavirus isolate Tor2, complete genome</a:t>
+            </a:r>
+          </a:p>
+          <a:p>
+            <a:pPr marL="0" indent="0">
+              <a:buNone/>
+            </a:pPr>
+            <a:endParaRPr lang="en-US" sz="1400" dirty="0">
+              <a:latin typeface="Calibri" panose="020F0502020204030204" pitchFamily="34" charset="0"/>
+              <a:cs typeface="Calibri" panose="020F0502020204030204" pitchFamily="34" charset="0"/>
+            </a:endParaRPr>
+          </a:p>
+          <a:p>
+            <a:pPr marL="0" indent="0">
+              <a:buNone/>
+            </a:pPr>
+            <a:r>
+              <a:rPr lang="en-US" sz="1400" dirty="0">
+                <a:latin typeface="Calibri" panose="020F0502020204030204" pitchFamily="34" charset="0"/>
+                <a:cs typeface="Calibri" panose="020F0502020204030204" pitchFamily="34" charset="0"/>
+              </a:rPr>
+              <a:t>ATATTAGGTTTTTACCTACCCAGGAAAAGCCAACCAACCTCGATCTCTTGTAGATCTGTTCTCTAAACGA</a:t>
+            </a:r>
+          </a:p>
+          <a:p>
+            <a:pPr marL="0" indent="0">
+              <a:buNone/>
+            </a:pPr>
+            <a:r>
+              <a:rPr lang="en-US" sz="1400" dirty="0">
+                <a:latin typeface="Calibri" panose="020F0502020204030204" pitchFamily="34" charset="0"/>
+                <a:cs typeface="Calibri" panose="020F0502020204030204" pitchFamily="34" charset="0"/>
+              </a:rPr>
+              <a:t>ACTTTAAAATCTGTGTAGCTGTCGCTCGGCTGCATGCCTAGTGCACCTACGCAGTATAAACAATAATAAA</a:t>
+            </a:r>
+          </a:p>
+          <a:p>
+            <a:pPr marL="0" indent="0">
+              <a:buNone/>
+            </a:pPr>
+            <a:r>
+              <a:rPr lang="en-US" sz="1400" dirty="0">
+                <a:latin typeface="Calibri" panose="020F0502020204030204" pitchFamily="34" charset="0"/>
+                <a:cs typeface="Calibri" panose="020F0502020204030204" pitchFamily="34" charset="0"/>
+              </a:rPr>
+              <a:t>TTTTACTGTCGTTGACAAGAAACGAGTAACTCGTCCCTCTTCTGCAGACTGCTTACGGTTTCGTCCGTGT</a:t>
+            </a:r>
+          </a:p>
+          <a:p>
+            <a:pPr marL="0" indent="0">
+              <a:buNone/>
+            </a:pPr>
+            <a:r>
+              <a:rPr lang="en-US" sz="1400" dirty="0">
+                <a:latin typeface="Calibri" panose="020F0502020204030204" pitchFamily="34" charset="0"/>
+                <a:cs typeface="Calibri" panose="020F0502020204030204" pitchFamily="34" charset="0"/>
+              </a:rPr>
+              <a:t>TGCAGTCGATCATCAGCATACCTAGGTTTCGTCCGGGTGTGACCGAAAGGTAAGATGGAGAGCCTTGTTC</a:t>
+            </a:r>
+          </a:p>
+          <a:p>
+            <a:pPr marL="0" indent="0">
+              <a:buNone/>
+            </a:pPr>
+            <a:r>
+              <a:rPr lang="en-US" sz="1400" dirty="0">
+                <a:latin typeface="Calibri" panose="020F0502020204030204" pitchFamily="34" charset="0"/>
+                <a:cs typeface="Calibri" panose="020F0502020204030204" pitchFamily="34" charset="0"/>
+              </a:rPr>
+              <a:t>TTGGTGTCAACGAGAAAACACACGTCCAACTCAGTTTGCCTGTCCTTCAGGTTAGAGACGTGCTAGTGCG</a:t>
+            </a:r>
+          </a:p>
+          <a:p>
+            <a:pPr marL="0" indent="0">
+              <a:buNone/>
+            </a:pPr>
+            <a:r>
+              <a:rPr lang="en-US" sz="1400" dirty="0">
+                <a:latin typeface="Calibri" panose="020F0502020204030204" pitchFamily="34" charset="0"/>
+                <a:cs typeface="Calibri" panose="020F0502020204030204" pitchFamily="34" charset="0"/>
+              </a:rPr>
+              <a:t>TGGCTTCGGGGACTCTGTGGAAGAGGCCCTATCGGAGGCACGTGAACACCTCAAAAATGGCACTTGTGGT</a:t>
+            </a:r>
+          </a:p>
+          <a:p>
+            <a:pPr marL="0" indent="0">
+              <a:buNone/>
+            </a:pPr>
+            <a:r>
+              <a:rPr lang="en-US" sz="1400" dirty="0">
+                <a:latin typeface="Calibri" panose="020F0502020204030204" pitchFamily="34" charset="0"/>
+                <a:cs typeface="Calibri" panose="020F0502020204030204" pitchFamily="34" charset="0"/>
+              </a:rPr>
+              <a:t>…</a:t>
+            </a:r>
+          </a:p>
+          <a:p>
+            <a:pPr marL="0" indent="0">
+              <a:buNone/>
+            </a:pPr>
+            <a:endParaRPr lang="en-US" sz="1400" dirty="0">
+              <a:latin typeface="Calibri" panose="020F0502020204030204" pitchFamily="34" charset="0"/>
+              <a:cs typeface="Calibri" panose="020F0502020204030204" pitchFamily="34" charset="0"/>
+            </a:endParaRPr>
+          </a:p>
+          <a:p>
+            <a:pPr marL="0" indent="0">
+              <a:buNone/>
+            </a:pPr>
+            <a:r>
+              <a:rPr lang="en-US" sz="1400" dirty="0">
+                <a:latin typeface="Calibri" panose="020F0502020204030204" pitchFamily="34" charset="0"/>
+                <a:cs typeface="Calibri" panose="020F0502020204030204" pitchFamily="34" charset="0"/>
+              </a:rPr>
+              <a:t>&gt;FJ882960.1 SARS coronavirus ExoN1 isolate P3pp34, complete genome</a:t>
+            </a:r>
+          </a:p>
+          <a:p>
+            <a:pPr marL="0" indent="0">
+              <a:buNone/>
+            </a:pPr>
+            <a:r>
+              <a:rPr lang="en-US" sz="1400" dirty="0">
+                <a:latin typeface="Calibri" panose="020F0502020204030204" pitchFamily="34" charset="0"/>
+                <a:cs typeface="Calibri" panose="020F0502020204030204" pitchFamily="34" charset="0"/>
+              </a:rPr>
+              <a:t>CGATCTCTTGTAGATCTGTTCTCTAAACGAACTTTAAAATCTGTGTAGCTGTCGCTCGGCTGCATGCCTA</a:t>
+            </a:r>
+          </a:p>
+          <a:p>
+            <a:pPr marL="0" indent="0">
+              <a:buNone/>
+            </a:pPr>
+            <a:r>
+              <a:rPr lang="en-US" sz="1400" dirty="0">
+                <a:latin typeface="Calibri" panose="020F0502020204030204" pitchFamily="34" charset="0"/>
+                <a:cs typeface="Calibri" panose="020F0502020204030204" pitchFamily="34" charset="0"/>
+              </a:rPr>
+              <a:t>GTGCACCTACGCAGTATAAACAATAATAAATTTTACTGTCGTTGACAAGAAACGAGTAACTCGTCCCTCT</a:t>
+            </a:r>
+          </a:p>
+          <a:p>
+            <a:pPr marL="0" indent="0">
+              <a:buNone/>
+            </a:pPr>
+            <a:r>
+              <a:rPr lang="en-US" sz="1400" dirty="0">
+                <a:latin typeface="Calibri" panose="020F0502020204030204" pitchFamily="34" charset="0"/>
+                <a:cs typeface="Calibri" panose="020F0502020204030204" pitchFamily="34" charset="0"/>
+              </a:rPr>
+              <a:t>TCTGCAGACTGCTTACGGTTTCGTCCGTGTTGCAGTCGATCATCAGCATACCTAGGTTTCGTCCGGGTGT</a:t>
+            </a:r>
+          </a:p>
+          <a:p>
+            <a:pPr marL="0" indent="0">
+              <a:buNone/>
+            </a:pPr>
+            <a:r>
+              <a:rPr lang="en-US" sz="1400" dirty="0">
+                <a:latin typeface="Calibri" panose="020F0502020204030204" pitchFamily="34" charset="0"/>
+                <a:cs typeface="Calibri" panose="020F0502020204030204" pitchFamily="34" charset="0"/>
+              </a:rPr>
+              <a:t>…</a:t>
+            </a:r>
+          </a:p>
+        </p:txBody>
+      </p:sp>
+      <p:sp>
+        <p:nvSpPr>
+          <p:cNvPr id="4" name="TextBox 3">
+            <a:extLst>
+              <a:ext uri="{FF2B5EF4-FFF2-40B4-BE49-F238E27FC236}">
+                <a16:creationId xmlns:a16="http://schemas.microsoft.com/office/drawing/2014/main" id="{276B2D58-E33B-3F49-8887-F790D29E79A6}"/>
+              </a:ext>
+            </a:extLst>
+          </p:cNvPr>
+          <p:cNvSpPr txBox="1"/>
+          <p:nvPr/>
+        </p:nvSpPr>
+        <p:spPr>
+          <a:xfrm>
+            <a:off x="8080323" y="934058"/>
+            <a:ext cx="3815255" cy="1200329"/>
+          </a:xfrm>
+          <a:prstGeom prst="rect">
+            <a:avLst/>
+          </a:prstGeom>
+          <a:noFill/>
+        </p:spPr>
+        <p:txBody>
+          <a:bodyPr wrap="square" rtlCol="0">
+            <a:spAutoFit/>
+          </a:bodyPr>
+          <a:lstStyle/>
+          <a:p>
+            <a:r>
+              <a:rPr lang="en-US" dirty="0">
+                <a:latin typeface="Calibri" panose="020F0502020204030204" pitchFamily="34" charset="0"/>
+                <a:cs typeface="Calibri" panose="020F0502020204030204" pitchFamily="34" charset="0"/>
+              </a:rPr>
+              <a:t>First line starts with “&gt;” header or ”Comment”; used as a summary/description, often starting with unique accession/identifier</a:t>
+            </a:r>
+          </a:p>
+        </p:txBody>
+      </p:sp>
+      <p:cxnSp>
+        <p:nvCxnSpPr>
+          <p:cNvPr id="6" name="Straight Connector 5">
+            <a:extLst>
+              <a:ext uri="{FF2B5EF4-FFF2-40B4-BE49-F238E27FC236}">
+                <a16:creationId xmlns:a16="http://schemas.microsoft.com/office/drawing/2014/main" id="{AC9AF0E9-54F8-734B-963A-E3CE46BD4DFA}"/>
+              </a:ext>
+            </a:extLst>
+          </p:cNvPr>
+          <p:cNvCxnSpPr/>
+          <p:nvPr/>
+        </p:nvCxnSpPr>
+        <p:spPr>
+          <a:xfrm>
+            <a:off x="7934001" y="1343845"/>
+            <a:ext cx="0" cy="367862"/>
+          </a:xfrm>
+          <a:prstGeom prst="line">
+            <a:avLst/>
+          </a:prstGeom>
+          <a:ln w="50800">
+            <a:solidFill>
+              <a:srgbClr val="FF0000"/>
+            </a:solidFill>
+          </a:ln>
+        </p:spPr>
+        <p:style>
+          <a:lnRef idx="1">
+            <a:schemeClr val="accent1"/>
+          </a:lnRef>
+          <a:fillRef idx="0">
+            <a:schemeClr val="accent1"/>
+          </a:fillRef>
+          <a:effectRef idx="0">
+            <a:schemeClr val="accent1"/>
+          </a:effectRef>
+          <a:fontRef idx="minor">
+            <a:schemeClr val="tx1"/>
+          </a:fontRef>
+        </p:style>
+      </p:cxnSp>
+      <p:cxnSp>
+        <p:nvCxnSpPr>
+          <p:cNvPr id="7" name="Straight Connector 6">
+            <a:extLst>
+              <a:ext uri="{FF2B5EF4-FFF2-40B4-BE49-F238E27FC236}">
+                <a16:creationId xmlns:a16="http://schemas.microsoft.com/office/drawing/2014/main" id="{7ECF239F-F843-744A-AB66-83AE2EE0799F}"/>
+              </a:ext>
+            </a:extLst>
+          </p:cNvPr>
+          <p:cNvCxnSpPr>
+            <a:cxnSpLocks/>
+          </p:cNvCxnSpPr>
+          <p:nvPr/>
+        </p:nvCxnSpPr>
+        <p:spPr>
+          <a:xfrm>
+            <a:off x="7934001" y="2228855"/>
+            <a:ext cx="0" cy="1957388"/>
+          </a:xfrm>
+          <a:prstGeom prst="line">
+            <a:avLst/>
+          </a:prstGeom>
+          <a:ln w="50800">
+            <a:solidFill>
+              <a:srgbClr val="FF0000"/>
+            </a:solidFill>
+          </a:ln>
+        </p:spPr>
+        <p:style>
+          <a:lnRef idx="1">
+            <a:schemeClr val="accent1"/>
+          </a:lnRef>
+          <a:fillRef idx="0">
+            <a:schemeClr val="accent1"/>
+          </a:fillRef>
+          <a:effectRef idx="0">
+            <a:schemeClr val="accent1"/>
+          </a:effectRef>
+          <a:fontRef idx="minor">
+            <a:schemeClr val="tx1"/>
+          </a:fontRef>
+        </p:style>
+      </p:cxnSp>
+      <p:sp>
+        <p:nvSpPr>
+          <p:cNvPr id="10" name="TextBox 9">
+            <a:extLst>
+              <a:ext uri="{FF2B5EF4-FFF2-40B4-BE49-F238E27FC236}">
+                <a16:creationId xmlns:a16="http://schemas.microsoft.com/office/drawing/2014/main" id="{8C585702-0D1B-834A-8781-6EFB02C7F419}"/>
+              </a:ext>
+            </a:extLst>
+          </p:cNvPr>
+          <p:cNvSpPr txBox="1"/>
+          <p:nvPr/>
+        </p:nvSpPr>
+        <p:spPr>
+          <a:xfrm>
+            <a:off x="8080322" y="2340303"/>
+            <a:ext cx="3815255" cy="1754326"/>
+          </a:xfrm>
+          <a:prstGeom prst="rect">
+            <a:avLst/>
+          </a:prstGeom>
+          <a:noFill/>
+        </p:spPr>
+        <p:txBody>
+          <a:bodyPr wrap="square" rtlCol="0">
+            <a:spAutoFit/>
+          </a:bodyPr>
+          <a:lstStyle/>
+          <a:p>
+            <a:r>
+              <a:rPr lang="en-US" dirty="0">
+                <a:latin typeface="Calibri" panose="020F0502020204030204" pitchFamily="34" charset="0"/>
+                <a:cs typeface="Calibri" panose="020F0502020204030204" pitchFamily="34" charset="0"/>
+              </a:rPr>
+              <a:t>Subsequent lines contain sequence</a:t>
+            </a:r>
+          </a:p>
+          <a:p>
+            <a:pPr marL="285750" indent="-285750">
+              <a:buFontTx/>
+              <a:buChar char="-"/>
+            </a:pPr>
+            <a:r>
+              <a:rPr lang="en-US" dirty="0">
+                <a:latin typeface="Calibri" panose="020F0502020204030204" pitchFamily="34" charset="0"/>
+                <a:cs typeface="Calibri" panose="020F0502020204030204" pitchFamily="34" charset="0"/>
+              </a:rPr>
+              <a:t>Interleaved: sequence broken into multiple lines of 70/80/120 characters</a:t>
+            </a:r>
+          </a:p>
+          <a:p>
+            <a:pPr marL="285750" indent="-285750">
+              <a:buFontTx/>
+              <a:buChar char="-"/>
+            </a:pPr>
+            <a:r>
+              <a:rPr lang="en-US" dirty="0">
+                <a:latin typeface="Calibri" panose="020F0502020204030204" pitchFamily="34" charset="0"/>
+                <a:cs typeface="Calibri" panose="020F0502020204030204" pitchFamily="34" charset="0"/>
+              </a:rPr>
+              <a:t>Sequential: entire sequence on a single line</a:t>
+            </a:r>
+          </a:p>
+        </p:txBody>
+      </p:sp>
+      <p:cxnSp>
+        <p:nvCxnSpPr>
+          <p:cNvPr id="11" name="Straight Connector 10">
+            <a:extLst>
+              <a:ext uri="{FF2B5EF4-FFF2-40B4-BE49-F238E27FC236}">
+                <a16:creationId xmlns:a16="http://schemas.microsoft.com/office/drawing/2014/main" id="{22033CE3-0238-7D4A-9DEE-ECC6E3457FB3}"/>
+              </a:ext>
+            </a:extLst>
+          </p:cNvPr>
+          <p:cNvCxnSpPr>
+            <a:cxnSpLocks/>
+          </p:cNvCxnSpPr>
+          <p:nvPr/>
+        </p:nvCxnSpPr>
+        <p:spPr>
+          <a:xfrm flipH="1">
+            <a:off x="7933677" y="4886325"/>
+            <a:ext cx="324" cy="1014413"/>
+          </a:xfrm>
+          <a:prstGeom prst="line">
+            <a:avLst/>
+          </a:prstGeom>
+          <a:ln w="50800">
+            <a:solidFill>
+              <a:srgbClr val="FF0000"/>
+            </a:solidFill>
+          </a:ln>
+        </p:spPr>
+        <p:style>
+          <a:lnRef idx="1">
+            <a:schemeClr val="accent1"/>
+          </a:lnRef>
+          <a:fillRef idx="0">
+            <a:schemeClr val="accent1"/>
+          </a:fillRef>
+          <a:effectRef idx="0">
+            <a:schemeClr val="accent1"/>
+          </a:effectRef>
+          <a:fontRef idx="minor">
+            <a:schemeClr val="tx1"/>
+          </a:fontRef>
+        </p:style>
+      </p:cxnSp>
+      <p:sp>
+        <p:nvSpPr>
+          <p:cNvPr id="14" name="TextBox 13">
+            <a:extLst>
+              <a:ext uri="{FF2B5EF4-FFF2-40B4-BE49-F238E27FC236}">
+                <a16:creationId xmlns:a16="http://schemas.microsoft.com/office/drawing/2014/main" id="{052D6C74-88A2-D54B-9A91-D730A6B9FC93}"/>
+              </a:ext>
+            </a:extLst>
+          </p:cNvPr>
+          <p:cNvSpPr txBox="1"/>
+          <p:nvPr/>
+        </p:nvSpPr>
+        <p:spPr>
+          <a:xfrm>
+            <a:off x="8080321" y="4916422"/>
+            <a:ext cx="3815255" cy="923330"/>
+          </a:xfrm>
+          <a:prstGeom prst="rect">
+            <a:avLst/>
+          </a:prstGeom>
+          <a:noFill/>
+        </p:spPr>
+        <p:txBody>
+          <a:bodyPr wrap="square" rtlCol="0">
+            <a:spAutoFit/>
+          </a:bodyPr>
+          <a:lstStyle/>
+          <a:p>
+            <a:r>
+              <a:rPr lang="en-US" dirty="0">
+                <a:latin typeface="Calibri" panose="020F0502020204030204" pitchFamily="34" charset="0"/>
+                <a:cs typeface="Calibri" panose="020F0502020204030204" pitchFamily="34" charset="0"/>
+              </a:rPr>
+              <a:t>Multiple sequence FASTA obtained by simply concatenating multiple FASTA records together</a:t>
+            </a:r>
+          </a:p>
+        </p:txBody>
+      </p:sp>
+    </p:spTree>
+    <p:extLst>
+      <p:ext uri="{BB962C8B-B14F-4D97-AF65-F5344CB8AC3E}">
+        <p14:creationId xmlns:p14="http://schemas.microsoft.com/office/powerpoint/2010/main" val="4219258120"/>
+      </p:ext>
+    </p:extLst>
+  </p:cSld>
+  <p:clrMapOvr>
+    <a:masterClrMapping/>
+  </p:clrMapOvr>
+</p:sld>
+</file>
+
+<file path=ppt/slides/slide3.xml><?xml version="1.0" encoding="utf-8"?>
+<p:sld xmlns:a="http://schemas.openxmlformats.org/drawingml/2006/main" xmlns:r="http://schemas.openxmlformats.org/officeDocument/2006/relationships" xmlns:p="http://schemas.openxmlformats.org/presentationml/2006/main">
+  <p:cSld>
+    <p:spTree>
+      <p:nvGrpSpPr>
+        <p:cNvPr id="1" name=""/>
+        <p:cNvGrpSpPr/>
+        <p:nvPr/>
+      </p:nvGrpSpPr>
+      <p:grpSpPr>
+        <a:xfrm>
+          <a:off x="0" y="0"/>
+          <a:ext cx="0" cy="0"/>
+          <a:chOff x="0" y="0"/>
+          <a:chExt cx="0" cy="0"/>
+        </a:xfrm>
+      </p:grpSpPr>
+      <p:sp>
+        <p:nvSpPr>
+          <p:cNvPr id="2" name="Title 1"/>
+          <p:cNvSpPr>
+            <a:spLocks noGrp="1"/>
+          </p:cNvSpPr>
+          <p:nvPr>
+            <p:ph type="title"/>
+          </p:nvPr>
+        </p:nvSpPr>
+        <p:spPr>
+          <a:xfrm>
+            <a:off x="304800" y="111850"/>
+            <a:ext cx="11684000" cy="949695"/>
+          </a:xfrm>
+        </p:spPr>
+        <p:txBody>
+          <a:bodyPr>
+            <a:noAutofit/>
+          </a:bodyPr>
+          <a:lstStyle/>
+          <a:p>
+            <a:r>
+              <a:rPr lang="en-US" sz="3600" b="1" dirty="0" err="1">
+                <a:latin typeface="Calibri" panose="020F0502020204030204" pitchFamily="34" charset="0"/>
+                <a:cs typeface="Calibri" panose="020F0502020204030204" pitchFamily="34" charset="0"/>
+              </a:rPr>
+              <a:t>Fastq</a:t>
+            </a:r>
+            <a:r>
+              <a:rPr lang="en-US" sz="3600" b="1" dirty="0">
+                <a:latin typeface="Calibri" panose="020F0502020204030204" pitchFamily="34" charset="0"/>
+                <a:cs typeface="Calibri" panose="020F0502020204030204" pitchFamily="34" charset="0"/>
+              </a:rPr>
+              <a:t> – format for representing raw sequence – base calls and quality values</a:t>
+            </a:r>
+          </a:p>
+        </p:txBody>
+      </p:sp>
+      <p:sp>
+        <p:nvSpPr>
+          <p:cNvPr id="3" name="Content Placeholder 2"/>
+          <p:cNvSpPr>
+            <a:spLocks noGrp="1"/>
+          </p:cNvSpPr>
+          <p:nvPr>
+            <p:ph idx="1"/>
+          </p:nvPr>
+        </p:nvSpPr>
+        <p:spPr>
+          <a:xfrm>
+            <a:off x="304800" y="1354666"/>
+            <a:ext cx="8026400" cy="4817535"/>
+          </a:xfrm>
+        </p:spPr>
+        <p:txBody>
+          <a:bodyPr>
+            <a:noAutofit/>
+          </a:bodyPr>
+          <a:lstStyle/>
+          <a:p>
+            <a:pPr marL="0" indent="0">
+              <a:buNone/>
+            </a:pPr>
+            <a:r>
+              <a:rPr lang="en-US" sz="2667" dirty="0">
+                <a:latin typeface="Calibri" panose="020F0502020204030204" pitchFamily="34" charset="0"/>
+                <a:cs typeface="Calibri" panose="020F0502020204030204" pitchFamily="34" charset="0"/>
+              </a:rPr>
+              <a:t>@HWI-ST718_146963544:6:1213:8996:10047/1</a:t>
+            </a:r>
+          </a:p>
+          <a:p>
+            <a:pPr marL="0" indent="0">
+              <a:buNone/>
+            </a:pPr>
+            <a:r>
+              <a:rPr lang="en-US" sz="2667" dirty="0">
+                <a:latin typeface="Calibri" panose="020F0502020204030204" pitchFamily="34" charset="0"/>
+                <a:cs typeface="Calibri" panose="020F0502020204030204" pitchFamily="34" charset="0"/>
+              </a:rPr>
+              <a:t>CTTTTTTATTTTTGTCTGACTGGGTTGATTCAAAA</a:t>
+            </a:r>
+          </a:p>
+          <a:p>
+            <a:pPr marL="0" indent="0">
+              <a:buNone/>
+            </a:pPr>
+            <a:r>
+              <a:rPr lang="en-US" sz="2667" dirty="0">
+                <a:latin typeface="Calibri" panose="020F0502020204030204" pitchFamily="34" charset="0"/>
+                <a:cs typeface="Calibri" panose="020F0502020204030204" pitchFamily="34" charset="0"/>
+              </a:rPr>
+              <a:t>+</a:t>
+            </a:r>
+          </a:p>
+          <a:p>
+            <a:pPr marL="0" indent="0">
+              <a:buNone/>
+            </a:pPr>
+            <a:r>
+              <a:rPr lang="en-US" sz="2667" dirty="0">
+                <a:latin typeface="Calibri" panose="020F0502020204030204" pitchFamily="34" charset="0"/>
+                <a:cs typeface="Calibri" panose="020F0502020204030204" pitchFamily="34" charset="0"/>
+              </a:rPr>
+              <a:t>CCCFFFFFHHHHGJHIIJHIHIIIFHIJJJJIJJGIBBFGE</a:t>
+            </a:r>
+          </a:p>
+          <a:p>
+            <a:pPr marL="0" indent="0">
+              <a:buNone/>
+            </a:pPr>
+            <a:endParaRPr lang="en-US" sz="2667" dirty="0">
+              <a:latin typeface="Calibri" panose="020F0502020204030204" pitchFamily="34" charset="0"/>
+              <a:cs typeface="Calibri" panose="020F0502020204030204" pitchFamily="34" charset="0"/>
+            </a:endParaRPr>
+          </a:p>
+          <a:p>
+            <a:pPr marL="0" indent="0">
+              <a:buNone/>
+            </a:pPr>
+            <a:r>
+              <a:rPr lang="en-US" sz="2667" dirty="0">
+                <a:latin typeface="Calibri" panose="020F0502020204030204" pitchFamily="34" charset="0"/>
+                <a:cs typeface="Calibri" panose="020F0502020204030204" pitchFamily="34" charset="0"/>
+              </a:rPr>
+              <a:t>@HWI-ST718_146963544:5:2303:11793:37095/1</a:t>
+            </a:r>
+          </a:p>
+          <a:p>
+            <a:pPr marL="0" indent="0">
+              <a:buNone/>
+            </a:pPr>
+            <a:r>
+              <a:rPr lang="en-US" sz="2667" dirty="0">
+                <a:latin typeface="Calibri" panose="020F0502020204030204" pitchFamily="34" charset="0"/>
+                <a:cs typeface="Calibri" panose="020F0502020204030204" pitchFamily="34" charset="0"/>
+              </a:rPr>
+              <a:t>ATGAATTATAGGGCTGTATTTTAATTTTGCATTTTAA</a:t>
+            </a:r>
+          </a:p>
+          <a:p>
+            <a:pPr marL="0" indent="0">
+              <a:buNone/>
+            </a:pPr>
+            <a:r>
+              <a:rPr lang="en-US" sz="2667" dirty="0">
+                <a:latin typeface="Calibri" panose="020F0502020204030204" pitchFamily="34" charset="0"/>
+                <a:cs typeface="Calibri" panose="020F0502020204030204" pitchFamily="34" charset="0"/>
+              </a:rPr>
+              <a:t>+</a:t>
+            </a:r>
+          </a:p>
+          <a:p>
+            <a:pPr marL="0" indent="0">
+              <a:buNone/>
+            </a:pPr>
+            <a:r>
+              <a:rPr lang="en-US" sz="2667" dirty="0">
+                <a:latin typeface="Calibri" panose="020F0502020204030204" pitchFamily="34" charset="0"/>
+                <a:cs typeface="Calibri" panose="020F0502020204030204" pitchFamily="34" charset="0"/>
+              </a:rPr>
+              <a:t>@@??BDDFFF&lt;FHEGFFGGIEBGHIIIIIBEHIIGIH&lt;FHE</a:t>
+            </a:r>
+          </a:p>
+        </p:txBody>
+      </p:sp>
+      <p:sp>
+        <p:nvSpPr>
+          <p:cNvPr id="4" name="TextBox 3">
+            <a:extLst>
+              <a:ext uri="{FF2B5EF4-FFF2-40B4-BE49-F238E27FC236}">
+                <a16:creationId xmlns:a16="http://schemas.microsoft.com/office/drawing/2014/main" id="{19BBC957-3CDA-C642-82A9-C6B485DF2732}"/>
+              </a:ext>
+            </a:extLst>
+          </p:cNvPr>
+          <p:cNvSpPr txBox="1"/>
+          <p:nvPr/>
+        </p:nvSpPr>
+        <p:spPr>
+          <a:xfrm>
+            <a:off x="7866009" y="819754"/>
+            <a:ext cx="3815255" cy="923330"/>
+          </a:xfrm>
+          <a:prstGeom prst="rect">
+            <a:avLst/>
+          </a:prstGeom>
+          <a:noFill/>
+        </p:spPr>
+        <p:txBody>
+          <a:bodyPr wrap="square" rtlCol="0">
+            <a:spAutoFit/>
+          </a:bodyPr>
+          <a:lstStyle/>
+          <a:p>
+            <a:r>
+              <a:rPr lang="en-US" dirty="0">
+                <a:latin typeface="Calibri" panose="020F0502020204030204" pitchFamily="34" charset="0"/>
+                <a:cs typeface="Calibri" panose="020F0502020204030204" pitchFamily="34" charset="0"/>
+              </a:rPr>
+              <a:t>First line starts with “@” header or ”Comment”; followed by sequence identifier and optional description</a:t>
+            </a:r>
+          </a:p>
+        </p:txBody>
+      </p:sp>
+      <p:cxnSp>
+        <p:nvCxnSpPr>
+          <p:cNvPr id="5" name="Straight Connector 4">
+            <a:extLst>
+              <a:ext uri="{FF2B5EF4-FFF2-40B4-BE49-F238E27FC236}">
+                <a16:creationId xmlns:a16="http://schemas.microsoft.com/office/drawing/2014/main" id="{3B04837A-3716-1243-801B-EB947C4190F8}"/>
+              </a:ext>
+            </a:extLst>
+          </p:cNvPr>
+          <p:cNvCxnSpPr/>
+          <p:nvPr/>
+        </p:nvCxnSpPr>
+        <p:spPr>
+          <a:xfrm>
+            <a:off x="7248195" y="1343845"/>
+            <a:ext cx="0" cy="367862"/>
+          </a:xfrm>
+          <a:prstGeom prst="line">
+            <a:avLst/>
+          </a:prstGeom>
+          <a:ln w="50800">
+            <a:solidFill>
+              <a:srgbClr val="FF0000"/>
+            </a:solidFill>
+          </a:ln>
+        </p:spPr>
+        <p:style>
+          <a:lnRef idx="1">
+            <a:schemeClr val="accent1"/>
+          </a:lnRef>
+          <a:fillRef idx="0">
+            <a:schemeClr val="accent1"/>
+          </a:fillRef>
+          <a:effectRef idx="0">
+            <a:schemeClr val="accent1"/>
+          </a:effectRef>
+          <a:fontRef idx="minor">
+            <a:schemeClr val="tx1"/>
+          </a:fontRef>
+        </p:style>
+      </p:cxnSp>
+      <p:cxnSp>
+        <p:nvCxnSpPr>
+          <p:cNvPr id="6" name="Straight Connector 5">
+            <a:extLst>
+              <a:ext uri="{FF2B5EF4-FFF2-40B4-BE49-F238E27FC236}">
+                <a16:creationId xmlns:a16="http://schemas.microsoft.com/office/drawing/2014/main" id="{22FDCBB5-5E95-484C-B809-DDA09776CFAB}"/>
+              </a:ext>
+            </a:extLst>
+          </p:cNvPr>
+          <p:cNvCxnSpPr/>
+          <p:nvPr/>
+        </p:nvCxnSpPr>
+        <p:spPr>
+          <a:xfrm>
+            <a:off x="7248195" y="1871676"/>
+            <a:ext cx="0" cy="367862"/>
+          </a:xfrm>
+          <a:prstGeom prst="line">
+            <a:avLst/>
+          </a:prstGeom>
+          <a:ln w="50800">
+            <a:solidFill>
+              <a:srgbClr val="FF0000"/>
+            </a:solidFill>
+          </a:ln>
+        </p:spPr>
+        <p:style>
+          <a:lnRef idx="1">
+            <a:schemeClr val="accent1"/>
+          </a:lnRef>
+          <a:fillRef idx="0">
+            <a:schemeClr val="accent1"/>
+          </a:fillRef>
+          <a:effectRef idx="0">
+            <a:schemeClr val="accent1"/>
+          </a:effectRef>
+          <a:fontRef idx="minor">
+            <a:schemeClr val="tx1"/>
+          </a:fontRef>
+        </p:style>
+      </p:cxnSp>
+      <p:cxnSp>
+        <p:nvCxnSpPr>
+          <p:cNvPr id="7" name="Straight Connector 6">
+            <a:extLst>
+              <a:ext uri="{FF2B5EF4-FFF2-40B4-BE49-F238E27FC236}">
+                <a16:creationId xmlns:a16="http://schemas.microsoft.com/office/drawing/2014/main" id="{FD24E734-D6F2-5245-8F11-FAAE402C16CC}"/>
+              </a:ext>
+            </a:extLst>
+          </p:cNvPr>
+          <p:cNvCxnSpPr>
+            <a:cxnSpLocks/>
+            <a:stCxn id="4" idx="1"/>
+          </p:cNvCxnSpPr>
+          <p:nvPr/>
+        </p:nvCxnSpPr>
+        <p:spPr>
+          <a:xfrm flipH="1">
+            <a:off x="7248195" y="1281419"/>
+            <a:ext cx="617814" cy="261631"/>
+          </a:xfrm>
+          <a:prstGeom prst="line">
+            <a:avLst/>
+          </a:prstGeom>
+          <a:ln w="50800">
+            <a:solidFill>
+              <a:srgbClr val="FF0000"/>
+            </a:solidFill>
+          </a:ln>
+        </p:spPr>
+        <p:style>
+          <a:lnRef idx="1">
+            <a:schemeClr val="accent1"/>
+          </a:lnRef>
+          <a:fillRef idx="0">
+            <a:schemeClr val="accent1"/>
+          </a:fillRef>
+          <a:effectRef idx="0">
+            <a:schemeClr val="accent1"/>
+          </a:effectRef>
+          <a:fontRef idx="minor">
+            <a:schemeClr val="tx1"/>
+          </a:fontRef>
+        </p:style>
+      </p:cxnSp>
+      <p:cxnSp>
+        <p:nvCxnSpPr>
+          <p:cNvPr id="10" name="Straight Connector 9">
+            <a:extLst>
+              <a:ext uri="{FF2B5EF4-FFF2-40B4-BE49-F238E27FC236}">
+                <a16:creationId xmlns:a16="http://schemas.microsoft.com/office/drawing/2014/main" id="{61DD2357-69F7-3C4F-B715-BB004FB11B64}"/>
+              </a:ext>
+            </a:extLst>
+          </p:cNvPr>
+          <p:cNvCxnSpPr>
+            <a:cxnSpLocks/>
+            <a:stCxn id="12" idx="1"/>
+          </p:cNvCxnSpPr>
+          <p:nvPr/>
+        </p:nvCxnSpPr>
+        <p:spPr>
+          <a:xfrm flipH="1" flipV="1">
+            <a:off x="7248195" y="2055607"/>
+            <a:ext cx="617814" cy="59678"/>
+          </a:xfrm>
+          <a:prstGeom prst="line">
+            <a:avLst/>
+          </a:prstGeom>
+          <a:ln w="50800">
+            <a:solidFill>
+              <a:srgbClr val="FF0000"/>
+            </a:solidFill>
+          </a:ln>
+        </p:spPr>
+        <p:style>
+          <a:lnRef idx="1">
+            <a:schemeClr val="accent1"/>
+          </a:lnRef>
+          <a:fillRef idx="0">
+            <a:schemeClr val="accent1"/>
+          </a:fillRef>
+          <a:effectRef idx="0">
+            <a:schemeClr val="accent1"/>
+          </a:effectRef>
+          <a:fontRef idx="minor">
+            <a:schemeClr val="tx1"/>
+          </a:fontRef>
+        </p:style>
+      </p:cxnSp>
+      <p:sp>
+        <p:nvSpPr>
+          <p:cNvPr id="12" name="TextBox 11">
+            <a:extLst>
+              <a:ext uri="{FF2B5EF4-FFF2-40B4-BE49-F238E27FC236}">
+                <a16:creationId xmlns:a16="http://schemas.microsoft.com/office/drawing/2014/main" id="{E900BF09-2E18-AB46-9663-89B3F830FD0E}"/>
+              </a:ext>
+            </a:extLst>
+          </p:cNvPr>
+          <p:cNvSpPr txBox="1"/>
+          <p:nvPr/>
+        </p:nvSpPr>
+        <p:spPr>
+          <a:xfrm>
+            <a:off x="7866009" y="1930619"/>
+            <a:ext cx="3815255" cy="369332"/>
+          </a:xfrm>
+          <a:prstGeom prst="rect">
+            <a:avLst/>
+          </a:prstGeom>
+          <a:noFill/>
+        </p:spPr>
+        <p:txBody>
+          <a:bodyPr wrap="square" rtlCol="0">
+            <a:spAutoFit/>
+          </a:bodyPr>
+          <a:lstStyle/>
+          <a:p>
+            <a:r>
+              <a:rPr lang="en-US" dirty="0">
+                <a:latin typeface="Calibri" panose="020F0502020204030204" pitchFamily="34" charset="0"/>
+                <a:cs typeface="Calibri" panose="020F0502020204030204" pitchFamily="34" charset="0"/>
+              </a:rPr>
+              <a:t>Sequence line</a:t>
+            </a:r>
+          </a:p>
+        </p:txBody>
+      </p:sp>
+    </p:spTree>
+    <p:extLst>
+      <p:ext uri="{BB962C8B-B14F-4D97-AF65-F5344CB8AC3E}">
+        <p14:creationId xmlns:p14="http://schemas.microsoft.com/office/powerpoint/2010/main" val="3652896461"/>
+      </p:ext>
+    </p:extLst>
+  </p:cSld>
+  <p:clrMapOvr>
+    <a:masterClrMapping/>
+  </p:clrMapOvr>
+</p:sld>
+</file>
+
+<file path=ppt/slides/slide4.xml><?xml version="1.0" encoding="utf-8"?>
+<p:sld xmlns:a="http://schemas.openxmlformats.org/drawingml/2006/main" xmlns:r="http://schemas.openxmlformats.org/officeDocument/2006/relationships" xmlns:p="http://schemas.openxmlformats.org/presentationml/2006/main">
+  <p:cSld>
+    <p:spTree>
+      <p:nvGrpSpPr>
+        <p:cNvPr id="1" name=""/>
+        <p:cNvGrpSpPr/>
+        <p:nvPr/>
+      </p:nvGrpSpPr>
+      <p:grpSpPr>
+        <a:xfrm>
+          <a:off x="0" y="0"/>
+          <a:ext cx="0" cy="0"/>
+          <a:chOff x="0" y="0"/>
+          <a:chExt cx="0" cy="0"/>
+        </a:xfrm>
+      </p:grpSpPr>
+      <p:sp>
+        <p:nvSpPr>
+          <p:cNvPr id="2" name="Title 1"/>
+          <p:cNvSpPr>
+            <a:spLocks noGrp="1"/>
+          </p:cNvSpPr>
+          <p:nvPr>
+            <p:ph type="title"/>
+          </p:nvPr>
+        </p:nvSpPr>
+        <p:spPr>
+          <a:xfrm>
+            <a:off x="304800" y="111850"/>
+            <a:ext cx="11684000" cy="949695"/>
+          </a:xfrm>
+        </p:spPr>
+        <p:txBody>
+          <a:bodyPr>
+            <a:noAutofit/>
+          </a:bodyPr>
+          <a:lstStyle/>
+          <a:p>
+            <a:r>
+              <a:rPr lang="en-US" sz="3600" b="1" dirty="0" err="1">
+                <a:latin typeface="Calibri" panose="020F0502020204030204" pitchFamily="34" charset="0"/>
+                <a:cs typeface="Calibri" panose="020F0502020204030204" pitchFamily="34" charset="0"/>
+              </a:rPr>
+              <a:t>Fastq</a:t>
+            </a:r>
+            <a:r>
+              <a:rPr lang="en-US" sz="3600" b="1" dirty="0">
+                <a:latin typeface="Calibri" panose="020F0502020204030204" pitchFamily="34" charset="0"/>
+                <a:cs typeface="Calibri" panose="020F0502020204030204" pitchFamily="34" charset="0"/>
+              </a:rPr>
+              <a:t> – format for representing raw sequence – base calls and quality values</a:t>
+            </a:r>
+          </a:p>
+        </p:txBody>
+      </p:sp>
+      <p:sp>
+        <p:nvSpPr>
+          <p:cNvPr id="3" name="Content Placeholder 2"/>
+          <p:cNvSpPr>
+            <a:spLocks noGrp="1"/>
+          </p:cNvSpPr>
+          <p:nvPr>
+            <p:ph idx="1"/>
+          </p:nvPr>
+        </p:nvSpPr>
+        <p:spPr>
+          <a:xfrm>
+            <a:off x="304800" y="1354666"/>
+            <a:ext cx="8026400" cy="4817535"/>
+          </a:xfrm>
+        </p:spPr>
+        <p:txBody>
+          <a:bodyPr>
+            <a:noAutofit/>
+          </a:bodyPr>
+          <a:lstStyle/>
+          <a:p>
+            <a:pPr marL="0" indent="0">
+              <a:buNone/>
+            </a:pPr>
+            <a:r>
+              <a:rPr lang="en-US" sz="2667" dirty="0">
+                <a:latin typeface="Calibri" panose="020F0502020204030204" pitchFamily="34" charset="0"/>
+                <a:cs typeface="Calibri" panose="020F0502020204030204" pitchFamily="34" charset="0"/>
+              </a:rPr>
+              <a:t>@HWI-ST718_146963544:6:1213:8996:10047/1</a:t>
+            </a:r>
+          </a:p>
+          <a:p>
+            <a:pPr marL="0" indent="0">
+              <a:buNone/>
+            </a:pPr>
+            <a:r>
+              <a:rPr lang="en-US" sz="2667" dirty="0">
+                <a:latin typeface="Calibri" panose="020F0502020204030204" pitchFamily="34" charset="0"/>
+                <a:cs typeface="Calibri" panose="020F0502020204030204" pitchFamily="34" charset="0"/>
+              </a:rPr>
+              <a:t>CTTTTTTATTTTTGTCTGACTGGGTTGATTCAAAA</a:t>
+            </a:r>
+          </a:p>
+          <a:p>
+            <a:pPr marL="0" indent="0">
+              <a:buNone/>
+            </a:pPr>
+            <a:r>
+              <a:rPr lang="en-US" sz="2667" dirty="0">
+                <a:latin typeface="Calibri" panose="020F0502020204030204" pitchFamily="34" charset="0"/>
+                <a:cs typeface="Calibri" panose="020F0502020204030204" pitchFamily="34" charset="0"/>
+              </a:rPr>
+              <a:t>+</a:t>
+            </a:r>
+          </a:p>
+          <a:p>
+            <a:pPr marL="0" indent="0">
+              <a:buNone/>
+            </a:pPr>
+            <a:r>
+              <a:rPr lang="en-US" sz="2667" dirty="0">
+                <a:latin typeface="Calibri" panose="020F0502020204030204" pitchFamily="34" charset="0"/>
+                <a:cs typeface="Calibri" panose="020F0502020204030204" pitchFamily="34" charset="0"/>
+              </a:rPr>
+              <a:t>CCCFFFFFHHHHGJHIIJHIHIIIFHIJJJJIJJGIBBFGE</a:t>
+            </a:r>
+          </a:p>
+          <a:p>
+            <a:pPr marL="0" indent="0">
+              <a:buNone/>
+            </a:pPr>
+            <a:endParaRPr lang="en-US" sz="2667" dirty="0">
+              <a:latin typeface="Calibri" panose="020F0502020204030204" pitchFamily="34" charset="0"/>
+              <a:cs typeface="Calibri" panose="020F0502020204030204" pitchFamily="34" charset="0"/>
+            </a:endParaRPr>
+          </a:p>
+          <a:p>
+            <a:pPr marL="0" indent="0">
+              <a:buNone/>
+            </a:pPr>
+            <a:r>
+              <a:rPr lang="en-US" sz="2667" dirty="0">
+                <a:latin typeface="Calibri" panose="020F0502020204030204" pitchFamily="34" charset="0"/>
+                <a:cs typeface="Calibri" panose="020F0502020204030204" pitchFamily="34" charset="0"/>
+              </a:rPr>
+              <a:t>@HWI-ST718_146963544:5:2303:11793:37095/1</a:t>
+            </a:r>
+          </a:p>
+          <a:p>
+            <a:pPr marL="0" indent="0">
+              <a:buNone/>
+            </a:pPr>
+            <a:r>
+              <a:rPr lang="en-US" sz="2667" dirty="0">
+                <a:latin typeface="Calibri" panose="020F0502020204030204" pitchFamily="34" charset="0"/>
+                <a:cs typeface="Calibri" panose="020F0502020204030204" pitchFamily="34" charset="0"/>
+              </a:rPr>
+              <a:t>ATGAATTATAGGGCTGTATTTTAATTTTGCATTTTAA</a:t>
+            </a:r>
+          </a:p>
+          <a:p>
+            <a:pPr marL="0" indent="0">
+              <a:buNone/>
+            </a:pPr>
+            <a:r>
+              <a:rPr lang="en-US" sz="2667" dirty="0">
+                <a:latin typeface="Calibri" panose="020F0502020204030204" pitchFamily="34" charset="0"/>
+                <a:cs typeface="Calibri" panose="020F0502020204030204" pitchFamily="34" charset="0"/>
+              </a:rPr>
+              <a:t>+</a:t>
+            </a:r>
+          </a:p>
+          <a:p>
+            <a:pPr marL="0" indent="0">
+              <a:buNone/>
+            </a:pPr>
+            <a:r>
+              <a:rPr lang="en-US" sz="2667" dirty="0">
+                <a:latin typeface="Calibri" panose="020F0502020204030204" pitchFamily="34" charset="0"/>
+                <a:cs typeface="Calibri" panose="020F0502020204030204" pitchFamily="34" charset="0"/>
+              </a:rPr>
+              <a:t>@@??BDDFFF&lt;FHEGFFGGIEBGHIIIIIBEHIIGIH&lt;FHE</a:t>
+            </a:r>
+          </a:p>
+        </p:txBody>
+      </p:sp>
+    </p:spTree>
+    <p:extLst>
+      <p:ext uri="{BB962C8B-B14F-4D97-AF65-F5344CB8AC3E}">
+        <p14:creationId xmlns:p14="http://schemas.microsoft.com/office/powerpoint/2010/main" val="3845206435"/>
+      </p:ext>
+    </p:extLst>
+  </p:cSld>
+  <p:clrMapOvr>
+    <a:masterClrMapping/>
+  </p:clrMapOvr>
+</p:sld>
+</file>
+
+<file path=ppt/slides/slide5.xml><?xml version="1.0" encoding="utf-8"?>
+<p:sld xmlns:a="http://schemas.openxmlformats.org/drawingml/2006/main" xmlns:r="http://schemas.openxmlformats.org/officeDocument/2006/relationships" xmlns:p="http://schemas.openxmlformats.org/presentationml/2006/main">
+  <p:cSld>
+    <p:spTree>
+      <p:nvGrpSpPr>
+        <p:cNvPr id="1" name=""/>
+        <p:cNvGrpSpPr/>
+        <p:nvPr/>
+      </p:nvGrpSpPr>
+      <p:grpSpPr>
+        <a:xfrm>
+          <a:off x="0" y="0"/>
+          <a:ext cx="0" cy="0"/>
+          <a:chOff x="0" y="0"/>
+          <a:chExt cx="0" cy="0"/>
+        </a:xfrm>
+      </p:grpSpPr>
+      <p:sp>
+        <p:nvSpPr>
+          <p:cNvPr id="2" name="Title 1"/>
+          <p:cNvSpPr>
+            <a:spLocks noGrp="1"/>
+          </p:cNvSpPr>
+          <p:nvPr>
+            <p:ph type="title"/>
+          </p:nvPr>
+        </p:nvSpPr>
+        <p:spPr>
+          <a:xfrm>
+            <a:off x="381000" y="0"/>
+            <a:ext cx="11453648" cy="819807"/>
+          </a:xfrm>
+        </p:spPr>
+        <p:txBody>
+          <a:bodyPr>
+            <a:normAutofit/>
+          </a:bodyPr>
+          <a:lstStyle/>
+          <a:p>
+            <a:r>
+              <a:rPr lang="en-US" sz="4000" dirty="0" err="1">
+                <a:latin typeface="Calibri" panose="020F0502020204030204" pitchFamily="34" charset="0"/>
+                <a:cs typeface="Calibri" panose="020F0502020204030204" pitchFamily="34" charset="0"/>
+              </a:rPr>
+              <a:t>Phred</a:t>
+            </a:r>
+            <a:r>
+              <a:rPr lang="en-US" sz="4000" dirty="0">
+                <a:latin typeface="Calibri" panose="020F0502020204030204" pitchFamily="34" charset="0"/>
+                <a:cs typeface="Calibri" panose="020F0502020204030204" pitchFamily="34" charset="0"/>
+              </a:rPr>
+              <a:t> scores and ASCII glyphs</a:t>
+            </a:r>
+          </a:p>
+        </p:txBody>
+      </p:sp>
+      <p:graphicFrame>
+        <p:nvGraphicFramePr>
+          <p:cNvPr id="7" name="Table 6"/>
+          <p:cNvGraphicFramePr>
+            <a:graphicFrameLocks noGrp="1"/>
+          </p:cNvGraphicFramePr>
+          <p:nvPr>
+            <p:extLst>
+              <p:ext uri="{D42A27DB-BD31-4B8C-83A1-F6EECF244321}">
+                <p14:modId xmlns:p14="http://schemas.microsoft.com/office/powerpoint/2010/main" val="3171265672"/>
+              </p:ext>
+            </p:extLst>
+          </p:nvPr>
+        </p:nvGraphicFramePr>
+        <p:xfrm>
+          <a:off x="1639614" y="716712"/>
+          <a:ext cx="8055427" cy="3238435"/>
+        </p:xfrm>
+        <a:graphic>
+          <a:graphicData uri="http://schemas.openxmlformats.org/drawingml/2006/table">
+            <a:tbl>
+              <a:tblPr firstRow="1" bandRow="1">
+                <a:tableStyleId>{5C22544A-7EE6-4342-B048-85BDC9FD1C3A}</a:tableStyleId>
+              </a:tblPr>
+              <a:tblGrid>
+                <a:gridCol w="1219200">
+                  <a:extLst>
+                    <a:ext uri="{9D8B030D-6E8A-4147-A177-3AD203B41FA5}">
+                      <a16:colId xmlns:a16="http://schemas.microsoft.com/office/drawing/2014/main" val="20000"/>
+                    </a:ext>
+                  </a:extLst>
+                </a:gridCol>
+                <a:gridCol w="2002971">
+                  <a:extLst>
+                    <a:ext uri="{9D8B030D-6E8A-4147-A177-3AD203B41FA5}">
+                      <a16:colId xmlns:a16="http://schemas.microsoft.com/office/drawing/2014/main" val="20001"/>
+                    </a:ext>
+                  </a:extLst>
+                </a:gridCol>
+                <a:gridCol w="1349829">
+                  <a:extLst>
+                    <a:ext uri="{9D8B030D-6E8A-4147-A177-3AD203B41FA5}">
+                      <a16:colId xmlns:a16="http://schemas.microsoft.com/office/drawing/2014/main" val="20002"/>
+                    </a:ext>
+                  </a:extLst>
+                </a:gridCol>
+                <a:gridCol w="1422400">
+                  <a:extLst>
+                    <a:ext uri="{9D8B030D-6E8A-4147-A177-3AD203B41FA5}">
+                      <a16:colId xmlns:a16="http://schemas.microsoft.com/office/drawing/2014/main" val="20003"/>
+                    </a:ext>
+                  </a:extLst>
+                </a:gridCol>
+                <a:gridCol w="2061027">
+                  <a:extLst>
+                    <a:ext uri="{9D8B030D-6E8A-4147-A177-3AD203B41FA5}">
+                      <a16:colId xmlns:a16="http://schemas.microsoft.com/office/drawing/2014/main" val="20004"/>
+                    </a:ext>
+                  </a:extLst>
+                </a:gridCol>
+              </a:tblGrid>
+              <a:tr h="870373">
+                <a:tc>
+                  <a:txBody>
+                    <a:bodyPr/>
+                    <a:lstStyle/>
+                    <a:p>
+                      <a:pPr algn="ctr" fontAlgn="b"/>
+                      <a:r>
+                        <a:rPr lang="en-US" sz="1900" b="1" i="0" u="none" strike="noStrike" dirty="0" err="1">
+                          <a:solidFill>
+                            <a:srgbClr val="333333"/>
+                          </a:solidFill>
+                          <a:effectLst/>
+                          <a:latin typeface="+mn-lt"/>
+                        </a:rPr>
+                        <a:t>Phred</a:t>
+                      </a:r>
+                      <a:r>
+                        <a:rPr lang="en-US" sz="1900" b="1" i="0" u="none" strike="noStrike" dirty="0">
+                          <a:solidFill>
+                            <a:srgbClr val="333333"/>
+                          </a:solidFill>
+                          <a:effectLst/>
+                          <a:latin typeface="+mn-lt"/>
+                        </a:rPr>
+                        <a:t> Q</a:t>
+                      </a:r>
+                    </a:p>
+                  </a:txBody>
+                  <a:tcPr marL="16933" marR="16933" marT="16933" marB="0" anchor="b"/>
+                </a:tc>
+                <a:tc>
+                  <a:txBody>
+                    <a:bodyPr/>
+                    <a:lstStyle/>
+                    <a:p>
+                      <a:pPr algn="ctr" fontAlgn="b"/>
+                      <a:r>
+                        <a:rPr lang="en-US" sz="1900" b="1" i="0" u="none" strike="noStrike" dirty="0">
+                          <a:solidFill>
+                            <a:srgbClr val="333333"/>
+                          </a:solidFill>
+                          <a:effectLst/>
+                          <a:latin typeface="+mn-lt"/>
+                        </a:rPr>
+                        <a:t>Probability (P) of Wrong Base</a:t>
+                      </a:r>
+                    </a:p>
+                  </a:txBody>
+                  <a:tcPr marL="16933" marR="16933" marT="16933" marB="0" anchor="b"/>
+                </a:tc>
+                <a:tc>
+                  <a:txBody>
+                    <a:bodyPr/>
+                    <a:lstStyle/>
+                    <a:p>
+                      <a:pPr algn="ctr" fontAlgn="b"/>
+                      <a:r>
+                        <a:rPr lang="en-US" sz="1900" b="1" i="0" u="none" strike="noStrike" dirty="0">
+                          <a:solidFill>
+                            <a:srgbClr val="333333"/>
+                          </a:solidFill>
+                          <a:effectLst/>
+                          <a:latin typeface="+mn-lt"/>
+                        </a:rPr>
+                        <a:t>Base</a:t>
+                      </a:r>
+                      <a:r>
+                        <a:rPr lang="en-US" sz="1900" b="1" i="0" u="none" strike="noStrike" baseline="0" dirty="0">
+                          <a:solidFill>
+                            <a:srgbClr val="333333"/>
+                          </a:solidFill>
+                          <a:effectLst/>
+                          <a:latin typeface="+mn-lt"/>
+                        </a:rPr>
+                        <a:t> Call Accuracy</a:t>
+                      </a:r>
+                      <a:endParaRPr lang="en-US" sz="1900" b="1" i="0" u="none" strike="noStrike" dirty="0">
+                        <a:solidFill>
+                          <a:srgbClr val="333333"/>
+                        </a:solidFill>
+                        <a:effectLst/>
+                        <a:latin typeface="+mn-lt"/>
+                      </a:endParaRPr>
+                    </a:p>
+                  </a:txBody>
+                  <a:tcPr marL="16933" marR="16933" marT="16933" marB="0" anchor="b"/>
+                </a:tc>
+                <a:tc>
+                  <a:txBody>
+                    <a:bodyPr/>
+                    <a:lstStyle/>
+                    <a:p>
+                      <a:pPr algn="ctr" fontAlgn="b"/>
+                      <a:r>
+                        <a:rPr lang="en-US" sz="1900" b="1" i="0" u="none" strike="noStrike" dirty="0">
+                          <a:solidFill>
+                            <a:srgbClr val="333333"/>
+                          </a:solidFill>
+                          <a:effectLst/>
+                          <a:latin typeface="+mn-lt"/>
+                        </a:rPr>
+                        <a:t>Sanger “Q + 33” Shift</a:t>
+                      </a:r>
+                    </a:p>
+                  </a:txBody>
+                  <a:tcPr marL="16933" marR="16933" marT="16933" marB="0" anchor="b"/>
+                </a:tc>
+                <a:tc>
+                  <a:txBody>
+                    <a:bodyPr/>
+                    <a:lstStyle/>
+                    <a:p>
+                      <a:pPr algn="ctr" fontAlgn="b"/>
+                      <a:r>
+                        <a:rPr lang="en-US" sz="1900" b="1" i="0" u="none" strike="noStrike" dirty="0">
+                          <a:solidFill>
+                            <a:srgbClr val="333333"/>
+                          </a:solidFill>
+                          <a:effectLst/>
+                          <a:latin typeface="+mn-lt"/>
+                        </a:rPr>
+                        <a:t>Sanger “Q + 33” Shift ASCII glyph</a:t>
+                      </a:r>
+                    </a:p>
+                  </a:txBody>
+                  <a:tcPr marL="16933" marR="16933" marT="16933" marB="0" anchor="b"/>
+                </a:tc>
+                <a:extLst>
+                  <a:ext uri="{0D108BD9-81ED-4DB2-BD59-A6C34878D82A}">
+                    <a16:rowId xmlns:a16="http://schemas.microsoft.com/office/drawing/2014/main" val="10000"/>
+                  </a:ext>
+                </a:extLst>
+              </a:tr>
+              <a:tr h="392137">
+                <a:tc>
+                  <a:txBody>
+                    <a:bodyPr/>
+                    <a:lstStyle/>
+                    <a:p>
+                      <a:pPr algn="ctr" fontAlgn="b"/>
+                      <a:r>
+                        <a:rPr lang="en-US" sz="1900" b="0" i="0" u="none" strike="noStrike" dirty="0">
+                          <a:solidFill>
+                            <a:srgbClr val="333333"/>
+                          </a:solidFill>
+                          <a:effectLst/>
+                          <a:latin typeface="+mn-lt"/>
+                        </a:rPr>
+                        <a:t>0</a:t>
+                      </a:r>
+                    </a:p>
+                  </a:txBody>
+                  <a:tcPr marL="16933" marR="16933" marT="16933" marB="0" anchor="b"/>
+                </a:tc>
+                <a:tc>
+                  <a:txBody>
+                    <a:bodyPr/>
+                    <a:lstStyle/>
+                    <a:p>
+                      <a:pPr algn="ctr" fontAlgn="b"/>
+                      <a:r>
+                        <a:rPr lang="en-US" sz="1900" b="0" i="0" u="none" strike="noStrike" dirty="0">
+                          <a:solidFill>
+                            <a:srgbClr val="333333"/>
+                          </a:solidFill>
+                          <a:effectLst/>
+                          <a:latin typeface="+mn-lt"/>
+                        </a:rPr>
+                        <a:t>1</a:t>
+                      </a:r>
+                    </a:p>
+                  </a:txBody>
+                  <a:tcPr marL="16933" marR="16933" marT="16933" marB="0" anchor="b"/>
+                </a:tc>
+                <a:tc>
+                  <a:txBody>
+                    <a:bodyPr/>
+                    <a:lstStyle/>
+                    <a:p>
+                      <a:pPr algn="ctr" fontAlgn="b"/>
+                      <a:r>
+                        <a:rPr lang="en-US" sz="1900" b="0" i="0" u="none" strike="noStrike" dirty="0">
+                          <a:solidFill>
+                            <a:srgbClr val="333333"/>
+                          </a:solidFill>
+                          <a:effectLst/>
+                          <a:latin typeface="+mn-lt"/>
+                        </a:rPr>
+                        <a:t>0</a:t>
+                      </a:r>
+                    </a:p>
+                  </a:txBody>
+                  <a:tcPr marL="16933" marR="16933" marT="16933" marB="0" anchor="b"/>
+                </a:tc>
+                <a:tc>
+                  <a:txBody>
+                    <a:bodyPr/>
+                    <a:lstStyle/>
+                    <a:p>
+                      <a:pPr algn="ctr" fontAlgn="b"/>
+                      <a:r>
+                        <a:rPr lang="en-US" sz="1900" b="0" i="0" u="none" strike="noStrike" dirty="0">
+                          <a:solidFill>
+                            <a:srgbClr val="333333"/>
+                          </a:solidFill>
+                          <a:effectLst/>
+                          <a:latin typeface="+mn-lt"/>
+                        </a:rPr>
+                        <a:t>33</a:t>
+                      </a:r>
+                    </a:p>
+                  </a:txBody>
+                  <a:tcPr marL="16933" marR="16933" marT="16933" marB="0" anchor="b"/>
+                </a:tc>
+                <a:tc>
+                  <a:txBody>
+                    <a:bodyPr/>
+                    <a:lstStyle/>
+                    <a:p>
+                      <a:pPr algn="ctr" fontAlgn="b"/>
+                      <a:r>
+                        <a:rPr lang="ru-RU" sz="1900" b="0" i="0" u="none" strike="noStrike">
+                          <a:solidFill>
+                            <a:srgbClr val="333333"/>
+                          </a:solidFill>
+                          <a:effectLst/>
+                          <a:latin typeface="+mn-lt"/>
+                        </a:rPr>
+                        <a:t>!</a:t>
+                      </a:r>
+                    </a:p>
+                  </a:txBody>
+                  <a:tcPr marL="16933" marR="16933" marT="16933" marB="0" anchor="b"/>
+                </a:tc>
+                <a:extLst>
+                  <a:ext uri="{0D108BD9-81ED-4DB2-BD59-A6C34878D82A}">
+                    <a16:rowId xmlns:a16="http://schemas.microsoft.com/office/drawing/2014/main" val="10001"/>
+                  </a:ext>
+                </a:extLst>
+              </a:tr>
+              <a:tr h="392137">
+                <a:tc>
+                  <a:txBody>
+                    <a:bodyPr/>
+                    <a:lstStyle/>
+                    <a:p>
+                      <a:pPr algn="ctr" fontAlgn="b"/>
+                      <a:r>
+                        <a:rPr lang="en-US" sz="1900" b="0" i="0" u="none" strike="noStrike">
+                          <a:solidFill>
+                            <a:srgbClr val="333333"/>
+                          </a:solidFill>
+                          <a:effectLst/>
+                          <a:latin typeface="+mn-lt"/>
+                        </a:rPr>
+                        <a:t>1</a:t>
+                      </a:r>
+                    </a:p>
+                  </a:txBody>
+                  <a:tcPr marL="16933" marR="16933" marT="16933" marB="0" anchor="b"/>
+                </a:tc>
+                <a:tc>
+                  <a:txBody>
+                    <a:bodyPr/>
+                    <a:lstStyle/>
+                    <a:p>
+                      <a:pPr algn="ctr" fontAlgn="b"/>
+                      <a:r>
+                        <a:rPr lang="is-IS" sz="1900" b="0" i="0" u="none" strike="noStrike" dirty="0">
+                          <a:solidFill>
+                            <a:srgbClr val="333333"/>
+                          </a:solidFill>
+                          <a:effectLst/>
+                          <a:latin typeface="+mn-lt"/>
+                        </a:rPr>
+                        <a:t>0.794</a:t>
+                      </a:r>
+                    </a:p>
+                  </a:txBody>
+                  <a:tcPr marL="16933" marR="16933" marT="16933" marB="0" anchor="b"/>
+                </a:tc>
+                <a:tc>
+                  <a:txBody>
+                    <a:bodyPr/>
+                    <a:lstStyle/>
+                    <a:p>
+                      <a:pPr algn="ctr" fontAlgn="b"/>
+                      <a:r>
+                        <a:rPr lang="en-US" sz="1900" b="0" i="0" u="none" strike="noStrike" dirty="0">
+                          <a:solidFill>
+                            <a:srgbClr val="333333"/>
+                          </a:solidFill>
+                          <a:effectLst/>
+                          <a:latin typeface="+mn-lt"/>
+                        </a:rPr>
+                        <a:t>0.206</a:t>
+                      </a:r>
+                      <a:endParaRPr lang="ru-RU" sz="1900" b="0" i="0" u="none" strike="noStrike" dirty="0">
+                        <a:solidFill>
+                          <a:srgbClr val="333333"/>
+                        </a:solidFill>
+                        <a:effectLst/>
+                        <a:latin typeface="+mn-lt"/>
+                      </a:endParaRPr>
+                    </a:p>
+                  </a:txBody>
+                  <a:tcPr marL="16933" marR="16933" marT="16933" marB="0" anchor="b"/>
+                </a:tc>
+                <a:tc>
+                  <a:txBody>
+                    <a:bodyPr/>
+                    <a:lstStyle/>
+                    <a:p>
+                      <a:pPr algn="ctr" fontAlgn="b"/>
+                      <a:r>
+                        <a:rPr lang="ru-RU" sz="1900" b="0" i="0" u="none" strike="noStrike" dirty="0">
+                          <a:solidFill>
+                            <a:srgbClr val="333333"/>
+                          </a:solidFill>
+                          <a:effectLst/>
+                          <a:latin typeface="+mn-lt"/>
+                        </a:rPr>
+                        <a:t>34</a:t>
+                      </a:r>
+                    </a:p>
+                  </a:txBody>
+                  <a:tcPr marL="16933" marR="16933" marT="16933" marB="0" anchor="b"/>
+                </a:tc>
+                <a:tc>
+                  <a:txBody>
+                    <a:bodyPr/>
+                    <a:lstStyle/>
+                    <a:p>
+                      <a:pPr algn="ctr" fontAlgn="b"/>
+                      <a:r>
+                        <a:rPr lang="de-DE" sz="1900" b="0" i="0" u="none" strike="noStrike">
+                          <a:solidFill>
+                            <a:srgbClr val="333333"/>
+                          </a:solidFill>
+                          <a:effectLst/>
+                          <a:latin typeface="+mn-lt"/>
+                        </a:rPr>
+                        <a:t>“</a:t>
+                      </a:r>
+                    </a:p>
+                  </a:txBody>
+                  <a:tcPr marL="16933" marR="16933" marT="16933" marB="0" anchor="b"/>
+                </a:tc>
+                <a:extLst>
+                  <a:ext uri="{0D108BD9-81ED-4DB2-BD59-A6C34878D82A}">
+                    <a16:rowId xmlns:a16="http://schemas.microsoft.com/office/drawing/2014/main" val="10002"/>
+                  </a:ext>
+                </a:extLst>
+              </a:tr>
+              <a:tr h="392137">
+                <a:tc>
+                  <a:txBody>
+                    <a:bodyPr/>
+                    <a:lstStyle/>
+                    <a:p>
+                      <a:pPr algn="ctr" fontAlgn="b"/>
+                      <a:r>
+                        <a:rPr lang="is-IS" sz="1900" b="0" i="0" u="none" strike="noStrike" dirty="0">
+                          <a:solidFill>
+                            <a:srgbClr val="333333"/>
+                          </a:solidFill>
+                          <a:effectLst/>
+                          <a:latin typeface="+mn-lt"/>
+                        </a:rPr>
+                        <a:t>2</a:t>
+                      </a:r>
+                    </a:p>
+                  </a:txBody>
+                  <a:tcPr marL="16933" marR="16933" marT="16933" marB="0" anchor="b"/>
+                </a:tc>
+                <a:tc>
+                  <a:txBody>
+                    <a:bodyPr/>
+                    <a:lstStyle/>
+                    <a:p>
+                      <a:pPr algn="ctr" fontAlgn="b"/>
+                      <a:r>
+                        <a:rPr lang="is-IS" sz="1900" b="0" i="0" u="none" strike="noStrike" dirty="0">
+                          <a:solidFill>
+                            <a:srgbClr val="333333"/>
+                          </a:solidFill>
+                          <a:effectLst/>
+                          <a:latin typeface="+mn-lt"/>
+                        </a:rPr>
+                        <a:t>0.631</a:t>
+                      </a:r>
+                    </a:p>
+                  </a:txBody>
+                  <a:tcPr marL="16933" marR="16933" marT="16933" marB="0" anchor="b"/>
+                </a:tc>
+                <a:tc>
+                  <a:txBody>
+                    <a:bodyPr/>
+                    <a:lstStyle/>
+                    <a:p>
+                      <a:pPr algn="ctr" fontAlgn="b"/>
+                      <a:r>
+                        <a:rPr lang="en-US" sz="1900" b="0" i="0" u="none" strike="noStrike" dirty="0">
+                          <a:solidFill>
+                            <a:srgbClr val="333333"/>
+                          </a:solidFill>
+                          <a:effectLst/>
+                          <a:latin typeface="+mn-lt"/>
+                        </a:rPr>
+                        <a:t>0.369</a:t>
+                      </a:r>
+                    </a:p>
+                  </a:txBody>
+                  <a:tcPr marL="16933" marR="16933" marT="16933" marB="0" anchor="b"/>
+                </a:tc>
+                <a:tc>
+                  <a:txBody>
+                    <a:bodyPr/>
+                    <a:lstStyle/>
+                    <a:p>
+                      <a:pPr algn="ctr" fontAlgn="b"/>
+                      <a:r>
+                        <a:rPr lang="en-US" sz="1900" b="0" i="0" u="none" strike="noStrike" dirty="0">
+                          <a:solidFill>
+                            <a:srgbClr val="333333"/>
+                          </a:solidFill>
+                          <a:effectLst/>
+                          <a:latin typeface="+mn-lt"/>
+                        </a:rPr>
+                        <a:t>35</a:t>
+                      </a:r>
+                    </a:p>
+                  </a:txBody>
+                  <a:tcPr marL="16933" marR="16933" marT="16933" marB="0" anchor="b"/>
+                </a:tc>
+                <a:tc>
+                  <a:txBody>
+                    <a:bodyPr/>
+                    <a:lstStyle/>
+                    <a:p>
+                      <a:pPr algn="ctr" fontAlgn="b"/>
+                      <a:r>
+                        <a:rPr lang="uk-UA" sz="1900" b="0" i="0" u="none" strike="noStrike" dirty="0">
+                          <a:solidFill>
+                            <a:srgbClr val="333333"/>
+                          </a:solidFill>
+                          <a:effectLst/>
+                          <a:latin typeface="+mn-lt"/>
+                        </a:rPr>
+                        <a:t>#</a:t>
+                      </a:r>
+                    </a:p>
+                  </a:txBody>
+                  <a:tcPr marL="16933" marR="16933" marT="16933" marB="0" anchor="b"/>
+                </a:tc>
+                <a:extLst>
+                  <a:ext uri="{0D108BD9-81ED-4DB2-BD59-A6C34878D82A}">
+                    <a16:rowId xmlns:a16="http://schemas.microsoft.com/office/drawing/2014/main" val="10003"/>
+                  </a:ext>
+                </a:extLst>
+              </a:tr>
+              <a:tr h="392137">
+                <a:tc>
+                  <a:txBody>
+                    <a:bodyPr/>
+                    <a:lstStyle/>
+                    <a:p>
+                      <a:pPr algn="ctr" fontAlgn="b"/>
+                      <a:r>
+                        <a:rPr lang="en-US" sz="1900" b="0" i="0" u="none" strike="noStrike" dirty="0">
+                          <a:solidFill>
+                            <a:srgbClr val="333333"/>
+                          </a:solidFill>
+                          <a:effectLst/>
+                          <a:latin typeface="+mn-lt"/>
+                        </a:rPr>
+                        <a:t>10</a:t>
+                      </a:r>
+                    </a:p>
+                  </a:txBody>
+                  <a:tcPr marL="16933" marR="16933" marT="16933" marB="0" anchor="b"/>
+                </a:tc>
+                <a:tc>
+                  <a:txBody>
+                    <a:bodyPr/>
+                    <a:lstStyle/>
+                    <a:p>
+                      <a:pPr algn="ctr" fontAlgn="b"/>
+                      <a:r>
+                        <a:rPr lang="nb-NO" sz="1900" b="0" i="0" u="none" strike="noStrike" dirty="0">
+                          <a:solidFill>
+                            <a:srgbClr val="333333"/>
+                          </a:solidFill>
+                          <a:effectLst/>
+                          <a:latin typeface="+mn-lt"/>
+                        </a:rPr>
+                        <a:t>0.1</a:t>
+                      </a:r>
+                    </a:p>
+                  </a:txBody>
+                  <a:tcPr marL="16933" marR="16933" marT="16933" marB="0" anchor="b"/>
+                </a:tc>
+                <a:tc>
+                  <a:txBody>
+                    <a:bodyPr/>
+                    <a:lstStyle/>
+                    <a:p>
+                      <a:pPr algn="ctr"/>
+                      <a:r>
+                        <a:rPr lang="en-US" sz="1900" dirty="0">
+                          <a:latin typeface="+mn-lt"/>
+                        </a:rPr>
+                        <a:t>0.90</a:t>
+                      </a:r>
+                    </a:p>
+                  </a:txBody>
+                  <a:tcPr marL="16933" marR="16933" marT="16933" marB="0" anchor="b"/>
+                </a:tc>
+                <a:tc>
+                  <a:txBody>
+                    <a:bodyPr/>
+                    <a:lstStyle/>
+                    <a:p>
+                      <a:pPr algn="ctr" fontAlgn="b"/>
+                      <a:r>
+                        <a:rPr lang="en-US" sz="1900" b="0" i="0" u="none" strike="noStrike" dirty="0">
+                          <a:solidFill>
+                            <a:srgbClr val="333333"/>
+                          </a:solidFill>
+                          <a:effectLst/>
+                          <a:latin typeface="+mn-lt"/>
+                        </a:rPr>
+                        <a:t>43</a:t>
+                      </a:r>
+                    </a:p>
+                  </a:txBody>
+                  <a:tcPr marL="16933" marR="16933" marT="16933" marB="0" anchor="b"/>
+                </a:tc>
+                <a:tc>
+                  <a:txBody>
+                    <a:bodyPr/>
+                    <a:lstStyle/>
+                    <a:p>
+                      <a:pPr algn="ctr" fontAlgn="b"/>
+                      <a:r>
+                        <a:rPr lang="en-US" sz="1900" b="0" i="0" u="none" strike="noStrike" dirty="0">
+                          <a:solidFill>
+                            <a:srgbClr val="333333"/>
+                          </a:solidFill>
+                          <a:effectLst/>
+                          <a:latin typeface="+mn-lt"/>
+                        </a:rPr>
+                        <a:t>+</a:t>
+                      </a:r>
+                    </a:p>
+                  </a:txBody>
+                  <a:tcPr marL="16933" marR="16933" marT="16933" marB="0" anchor="b"/>
+                </a:tc>
+                <a:extLst>
+                  <a:ext uri="{0D108BD9-81ED-4DB2-BD59-A6C34878D82A}">
+                    <a16:rowId xmlns:a16="http://schemas.microsoft.com/office/drawing/2014/main" val="10004"/>
+                  </a:ext>
+                </a:extLst>
+              </a:tr>
+              <a:tr h="392137">
+                <a:tc>
+                  <a:txBody>
+                    <a:bodyPr/>
+                    <a:lstStyle/>
+                    <a:p>
+                      <a:pPr algn="ctr" fontAlgn="b"/>
+                      <a:r>
+                        <a:rPr lang="is-IS" sz="1900" b="0" i="0" u="none" strike="noStrike" dirty="0">
+                          <a:solidFill>
+                            <a:srgbClr val="333333"/>
+                          </a:solidFill>
+                          <a:effectLst/>
+                          <a:latin typeface="+mn-lt"/>
+                        </a:rPr>
+                        <a:t>20</a:t>
+                      </a:r>
+                    </a:p>
+                  </a:txBody>
+                  <a:tcPr marL="16933" marR="16933" marT="16933" marB="0" anchor="b"/>
+                </a:tc>
+                <a:tc>
+                  <a:txBody>
+                    <a:bodyPr/>
+                    <a:lstStyle/>
+                    <a:p>
+                      <a:pPr algn="ctr" fontAlgn="b"/>
+                      <a:r>
+                        <a:rPr lang="nb-NO" sz="1900" b="0" i="0" u="none" strike="noStrike" dirty="0">
+                          <a:solidFill>
+                            <a:srgbClr val="333333"/>
+                          </a:solidFill>
+                          <a:effectLst/>
+                          <a:latin typeface="+mn-lt"/>
+                        </a:rPr>
+                        <a:t>0.01</a:t>
+                      </a:r>
+                    </a:p>
+                  </a:txBody>
+                  <a:tcPr marL="16933" marR="16933" marT="16933" marB="0" anchor="b"/>
+                </a:tc>
+                <a:tc>
+                  <a:txBody>
+                    <a:bodyPr/>
+                    <a:lstStyle/>
+                    <a:p>
+                      <a:pPr algn="ctr"/>
+                      <a:r>
+                        <a:rPr lang="en-US" sz="1900" dirty="0">
+                          <a:latin typeface="+mn-lt"/>
+                        </a:rPr>
+                        <a:t>0.99</a:t>
+                      </a:r>
+                    </a:p>
+                  </a:txBody>
+                  <a:tcPr marL="16933" marR="16933" marT="16933" marB="0" anchor="b"/>
+                </a:tc>
+                <a:tc>
+                  <a:txBody>
+                    <a:bodyPr/>
+                    <a:lstStyle/>
+                    <a:p>
+                      <a:pPr algn="ctr" fontAlgn="b"/>
+                      <a:r>
+                        <a:rPr lang="en-US" sz="1900" b="0" i="0" u="none" strike="noStrike" dirty="0">
+                          <a:solidFill>
+                            <a:srgbClr val="333333"/>
+                          </a:solidFill>
+                          <a:effectLst/>
+                          <a:latin typeface="+mn-lt"/>
+                        </a:rPr>
+                        <a:t>53</a:t>
+                      </a:r>
+                    </a:p>
+                  </a:txBody>
+                  <a:tcPr marL="16933" marR="16933" marT="16933" marB="0" anchor="b"/>
+                </a:tc>
+                <a:tc>
+                  <a:txBody>
+                    <a:bodyPr/>
+                    <a:lstStyle/>
+                    <a:p>
+                      <a:pPr algn="ctr" fontAlgn="b"/>
+                      <a:r>
+                        <a:rPr lang="en-US" sz="1900" b="0" i="0" u="none" strike="noStrike" dirty="0">
+                          <a:solidFill>
+                            <a:srgbClr val="333333"/>
+                          </a:solidFill>
+                          <a:effectLst/>
+                          <a:latin typeface="+mn-lt"/>
+                        </a:rPr>
+                        <a:t>5</a:t>
+                      </a:r>
+                    </a:p>
+                  </a:txBody>
+                  <a:tcPr marL="16933" marR="16933" marT="16933" marB="0" anchor="b"/>
+                </a:tc>
+                <a:extLst>
+                  <a:ext uri="{0D108BD9-81ED-4DB2-BD59-A6C34878D82A}">
+                    <a16:rowId xmlns:a16="http://schemas.microsoft.com/office/drawing/2014/main" val="10005"/>
+                  </a:ext>
+                </a:extLst>
+              </a:tr>
+              <a:tr h="392137">
+                <a:tc>
+                  <a:txBody>
+                    <a:bodyPr/>
+                    <a:lstStyle/>
+                    <a:p>
+                      <a:pPr algn="ctr" fontAlgn="b"/>
+                      <a:r>
+                        <a:rPr lang="en-US" sz="1900" b="0" i="0" u="none" strike="noStrike" dirty="0">
+                          <a:solidFill>
+                            <a:srgbClr val="333333"/>
+                          </a:solidFill>
+                          <a:effectLst/>
+                          <a:latin typeface="+mn-lt"/>
+                        </a:rPr>
+                        <a:t>30</a:t>
+                      </a:r>
+                    </a:p>
+                  </a:txBody>
+                  <a:tcPr marL="16933" marR="16933" marT="16933" marB="0" anchor="b"/>
+                </a:tc>
+                <a:tc>
+                  <a:txBody>
+                    <a:bodyPr/>
+                    <a:lstStyle/>
+                    <a:p>
+                      <a:pPr algn="ctr" fontAlgn="b"/>
+                      <a:r>
+                        <a:rPr lang="nb-NO" sz="1900" b="0" i="0" u="none" strike="noStrike">
+                          <a:solidFill>
+                            <a:srgbClr val="333333"/>
+                          </a:solidFill>
+                          <a:effectLst/>
+                          <a:latin typeface="+mn-lt"/>
+                        </a:rPr>
+                        <a:t>0.001</a:t>
+                      </a:r>
+                    </a:p>
+                  </a:txBody>
+                  <a:tcPr marL="16933" marR="16933" marT="16933" marB="0" anchor="b"/>
+                </a:tc>
+                <a:tc>
+                  <a:txBody>
+                    <a:bodyPr/>
+                    <a:lstStyle/>
+                    <a:p>
+                      <a:pPr algn="ctr"/>
+                      <a:r>
+                        <a:rPr lang="en-US" sz="1900" dirty="0">
+                          <a:latin typeface="+mn-lt"/>
+                        </a:rPr>
+                        <a:t>0.999</a:t>
+                      </a:r>
+                    </a:p>
+                  </a:txBody>
+                  <a:tcPr marL="16933" marR="16933" marT="16933" marB="0" anchor="b"/>
+                </a:tc>
+                <a:tc>
+                  <a:txBody>
+                    <a:bodyPr/>
+                    <a:lstStyle/>
+                    <a:p>
+                      <a:pPr algn="ctr" fontAlgn="b"/>
+                      <a:r>
+                        <a:rPr lang="is-IS" sz="1900" b="0" i="0" u="none" strike="noStrike" dirty="0">
+                          <a:solidFill>
+                            <a:srgbClr val="333333"/>
+                          </a:solidFill>
+                          <a:effectLst/>
+                          <a:latin typeface="+mn-lt"/>
+                        </a:rPr>
+                        <a:t>63</a:t>
+                      </a:r>
+                    </a:p>
+                  </a:txBody>
+                  <a:tcPr marL="16933" marR="16933" marT="16933" marB="0" anchor="b"/>
+                </a:tc>
+                <a:tc>
+                  <a:txBody>
+                    <a:bodyPr/>
+                    <a:lstStyle/>
+                    <a:p>
+                      <a:pPr algn="ctr" fontAlgn="b"/>
+                      <a:r>
+                        <a:rPr lang="ru-RU" sz="1900" b="0" i="0" u="none" strike="noStrike" dirty="0">
+                          <a:solidFill>
+                            <a:srgbClr val="333333"/>
+                          </a:solidFill>
+                          <a:effectLst/>
+                          <a:latin typeface="+mn-lt"/>
+                        </a:rPr>
+                        <a:t>?</a:t>
+                      </a:r>
+                    </a:p>
+                  </a:txBody>
+                  <a:tcPr marL="16933" marR="16933" marT="16933" marB="0" anchor="b"/>
+                </a:tc>
+                <a:extLst>
+                  <a:ext uri="{0D108BD9-81ED-4DB2-BD59-A6C34878D82A}">
+                    <a16:rowId xmlns:a16="http://schemas.microsoft.com/office/drawing/2014/main" val="10006"/>
+                  </a:ext>
+                </a:extLst>
+              </a:tr>
+            </a:tbl>
+          </a:graphicData>
+        </a:graphic>
+      </p:graphicFrame>
+      <p:sp>
+        <p:nvSpPr>
+          <p:cNvPr id="9" name="Content Placeholder 2"/>
+          <p:cNvSpPr>
+            <a:spLocks noGrp="1"/>
+          </p:cNvSpPr>
+          <p:nvPr>
+            <p:ph idx="1"/>
+          </p:nvPr>
+        </p:nvSpPr>
+        <p:spPr>
+          <a:xfrm>
+            <a:off x="1639614" y="4143705"/>
+            <a:ext cx="8055427" cy="2336800"/>
+          </a:xfrm>
+        </p:spPr>
+        <p:txBody>
+          <a:bodyPr>
+            <a:normAutofit fontScale="70000" lnSpcReduction="20000"/>
+          </a:bodyPr>
+          <a:lstStyle/>
+          <a:p>
+            <a:pPr marL="0" indent="0">
+              <a:buNone/>
+              <a:defRPr/>
+            </a:pPr>
+            <a:r>
+              <a:rPr lang="en-US" dirty="0">
+                <a:latin typeface="Calibri" panose="020F0502020204030204" pitchFamily="34" charset="0"/>
+                <a:ea typeface="ＭＳ Ｐゴシック" charset="0"/>
+                <a:cs typeface="Calibri" panose="020F0502020204030204" pitchFamily="34" charset="0"/>
+              </a:rPr>
+              <a:t>Encoding History:</a:t>
+            </a:r>
+          </a:p>
+          <a:p>
+            <a:pPr>
+              <a:defRPr/>
+            </a:pPr>
+            <a:r>
+              <a:rPr lang="en-US" dirty="0">
+                <a:latin typeface="Calibri" panose="020F0502020204030204" pitchFamily="34" charset="0"/>
+                <a:ea typeface="ＭＳ Ｐゴシック" charset="0"/>
+                <a:cs typeface="Calibri" panose="020F0502020204030204" pitchFamily="34" charset="0"/>
+              </a:rPr>
+              <a:t>Sanger Format (shown above): Q of 0 to 93 using ASCII 33 to 126</a:t>
+            </a:r>
+          </a:p>
+          <a:p>
+            <a:pPr lvl="1">
+              <a:defRPr/>
+            </a:pPr>
+            <a:r>
+              <a:rPr lang="en-US" dirty="0">
+                <a:latin typeface="Calibri" panose="020F0502020204030204" pitchFamily="34" charset="0"/>
+                <a:ea typeface="ＭＳ Ｐゴシック" charset="0"/>
+                <a:cs typeface="Calibri" panose="020F0502020204030204" pitchFamily="34" charset="0"/>
+              </a:rPr>
+              <a:t>Sanger data, SAM format, </a:t>
+            </a:r>
+            <a:r>
+              <a:rPr lang="en-US" dirty="0" err="1">
+                <a:latin typeface="Calibri" panose="020F0502020204030204" pitchFamily="34" charset="0"/>
+                <a:ea typeface="ＭＳ Ｐゴシック" charset="0"/>
+                <a:cs typeface="Calibri" panose="020F0502020204030204" pitchFamily="34" charset="0"/>
+              </a:rPr>
+              <a:t>Illumina</a:t>
+            </a:r>
+            <a:r>
+              <a:rPr lang="en-US" dirty="0">
+                <a:latin typeface="Calibri" panose="020F0502020204030204" pitchFamily="34" charset="0"/>
+                <a:ea typeface="ＭＳ Ｐゴシック" charset="0"/>
+                <a:cs typeface="Calibri" panose="020F0502020204030204" pitchFamily="34" charset="0"/>
+              </a:rPr>
+              <a:t> 1.8+</a:t>
+            </a:r>
+          </a:p>
+          <a:p>
+            <a:pPr>
+              <a:defRPr/>
+            </a:pPr>
+            <a:r>
+              <a:rPr lang="en-US" dirty="0" err="1">
+                <a:latin typeface="Calibri" panose="020F0502020204030204" pitchFamily="34" charset="0"/>
+                <a:ea typeface="ＭＳ Ｐゴシック" charset="0"/>
+                <a:cs typeface="Calibri" panose="020F0502020204030204" pitchFamily="34" charset="0"/>
+              </a:rPr>
+              <a:t>Solexa</a:t>
+            </a:r>
+            <a:r>
+              <a:rPr lang="en-US" dirty="0">
+                <a:latin typeface="Calibri" panose="020F0502020204030204" pitchFamily="34" charset="0"/>
+                <a:ea typeface="ＭＳ Ｐゴシック" charset="0"/>
+                <a:cs typeface="Calibri" panose="020F0502020204030204" pitchFamily="34" charset="0"/>
+              </a:rPr>
+              <a:t>/</a:t>
+            </a:r>
+            <a:r>
+              <a:rPr lang="en-US" dirty="0" err="1">
+                <a:latin typeface="Calibri" panose="020F0502020204030204" pitchFamily="34" charset="0"/>
+                <a:ea typeface="ＭＳ Ｐゴシック" charset="0"/>
+                <a:cs typeface="Calibri" panose="020F0502020204030204" pitchFamily="34" charset="0"/>
+              </a:rPr>
+              <a:t>Illumina</a:t>
+            </a:r>
+            <a:r>
+              <a:rPr lang="en-US" dirty="0">
+                <a:latin typeface="Calibri" panose="020F0502020204030204" pitchFamily="34" charset="0"/>
+                <a:ea typeface="ＭＳ Ｐゴシック" charset="0"/>
+                <a:cs typeface="Calibri" panose="020F0502020204030204" pitchFamily="34" charset="0"/>
+              </a:rPr>
+              <a:t> 1.0: Q of -5 to 62 using ASCII 59 to 126</a:t>
+            </a:r>
+          </a:p>
+          <a:p>
+            <a:pPr>
+              <a:defRPr/>
+            </a:pPr>
+            <a:r>
+              <a:rPr lang="en-US" dirty="0" err="1">
+                <a:latin typeface="Calibri" panose="020F0502020204030204" pitchFamily="34" charset="0"/>
+                <a:ea typeface="ＭＳ Ｐゴシック" charset="0"/>
+                <a:cs typeface="Calibri" panose="020F0502020204030204" pitchFamily="34" charset="0"/>
+              </a:rPr>
+              <a:t>Illumina</a:t>
+            </a:r>
+            <a:r>
+              <a:rPr lang="en-US" dirty="0">
+                <a:latin typeface="Calibri" panose="020F0502020204030204" pitchFamily="34" charset="0"/>
+                <a:ea typeface="ＭＳ Ｐゴシック" charset="0"/>
+                <a:cs typeface="Calibri" panose="020F0502020204030204" pitchFamily="34" charset="0"/>
+              </a:rPr>
+              <a:t> 1.3 to 1.8: Q of 0 to 62 using ASCII 64 to 126</a:t>
+            </a:r>
+          </a:p>
+          <a:p>
+            <a:pPr>
+              <a:defRPr/>
+            </a:pPr>
+            <a:r>
+              <a:rPr lang="en-US" dirty="0">
+                <a:latin typeface="Calibri" panose="020F0502020204030204" pitchFamily="34" charset="0"/>
+                <a:ea typeface="ＭＳ Ｐゴシック" charset="0"/>
+                <a:cs typeface="Calibri" panose="020F0502020204030204" pitchFamily="34" charset="0"/>
+              </a:rPr>
+              <a:t>Illumina 1.5 to 1.7: </a:t>
+            </a:r>
+            <a:r>
+              <a:rPr lang="en-US" dirty="0" err="1">
+                <a:latin typeface="Calibri" panose="020F0502020204030204" pitchFamily="34" charset="0"/>
+                <a:ea typeface="ＭＳ Ｐゴシック" charset="0"/>
+                <a:cs typeface="Calibri" panose="020F0502020204030204" pitchFamily="34" charset="0"/>
+              </a:rPr>
+              <a:t>Phred</a:t>
+            </a:r>
+            <a:r>
+              <a:rPr lang="en-US" dirty="0">
+                <a:latin typeface="Calibri" panose="020F0502020204030204" pitchFamily="34" charset="0"/>
+                <a:ea typeface="ＭＳ Ｐゴシック" charset="0"/>
+                <a:cs typeface="Calibri" panose="020F0502020204030204" pitchFamily="34" charset="0"/>
+              </a:rPr>
+              <a:t> scores 0 to 2 have a slightly different meaning</a:t>
+            </a:r>
+          </a:p>
+          <a:p>
+            <a:pPr>
+              <a:defRPr/>
+            </a:pPr>
+            <a:r>
+              <a:rPr lang="en-US" dirty="0">
+                <a:latin typeface="Calibri" panose="020F0502020204030204" pitchFamily="34" charset="0"/>
+                <a:ea typeface="ＭＳ Ｐゴシック" charset="0"/>
+                <a:cs typeface="Calibri" panose="020F0502020204030204" pitchFamily="34" charset="0"/>
+              </a:rPr>
+              <a:t>Illumina 1.8+ -&gt; Sanger Format</a:t>
+            </a:r>
+          </a:p>
+        </p:txBody>
+      </p:sp>
+    </p:spTree>
+    <p:extLst>
+      <p:ext uri="{BB962C8B-B14F-4D97-AF65-F5344CB8AC3E}">
+        <p14:creationId xmlns:p14="http://schemas.microsoft.com/office/powerpoint/2010/main" val="3957395573"/>
       </p:ext>
     </p:extLst>
   </p:cSld>

--- a/assets/lectures/cbw-cshl/2019/mini/RNASeq_MiniLecture_07_FASTA_FASTQ_GTF.pptx
+++ b/assets/lectures/cbw-cshl/2019/mini/RNASeq_MiniLecture_07_FASTA_FASTQ_GTF.pptx
@@ -5,14 +5,17 @@
     <p:sldMasterId id="2147483660" r:id="rId1"/>
   </p:sldMasterIdLst>
   <p:notesMasterIdLst>
-    <p:notesMasterId r:id="rId7"/>
+    <p:notesMasterId r:id="rId10"/>
   </p:notesMasterIdLst>
   <p:sldIdLst>
     <p:sldId id="259" r:id="rId2"/>
     <p:sldId id="314" r:id="rId3"/>
     <p:sldId id="262" r:id="rId4"/>
-    <p:sldId id="315" r:id="rId5"/>
+    <p:sldId id="316" r:id="rId5"/>
     <p:sldId id="313" r:id="rId6"/>
+    <p:sldId id="317" r:id="rId7"/>
+    <p:sldId id="318" r:id="rId8"/>
+    <p:sldId id="319" r:id="rId9"/>
   </p:sldIdLst>
   <p:sldSz cx="12192000" cy="6858000"/>
   <p:notesSz cx="6858000" cy="9144000"/>
@@ -582,6 +585,433 @@
     <p:extLst>
       <p:ext uri="{BB962C8B-B14F-4D97-AF65-F5344CB8AC3E}">
         <p14:creationId xmlns:p14="http://schemas.microsoft.com/office/powerpoint/2010/main" val="378807193"/>
+      </p:ext>
+    </p:extLst>
+  </p:cSld>
+  <p:clrMapOvr>
+    <a:masterClrMapping/>
+  </p:clrMapOvr>
+</p:notes>
+</file>
+
+<file path=ppt/notesSlides/notesSlide2.xml><?xml version="1.0" encoding="utf-8"?>
+<p:notes xmlns:a="http://schemas.openxmlformats.org/drawingml/2006/main" xmlns:r="http://schemas.openxmlformats.org/officeDocument/2006/relationships" xmlns:p="http://schemas.openxmlformats.org/presentationml/2006/main">
+  <p:cSld>
+    <p:spTree>
+      <p:nvGrpSpPr>
+        <p:cNvPr id="1" name=""/>
+        <p:cNvGrpSpPr/>
+        <p:nvPr/>
+      </p:nvGrpSpPr>
+      <p:grpSpPr>
+        <a:xfrm>
+          <a:off x="0" y="0"/>
+          <a:ext cx="0" cy="0"/>
+          <a:chOff x="0" y="0"/>
+          <a:chExt cx="0" cy="0"/>
+        </a:xfrm>
+      </p:grpSpPr>
+      <p:sp>
+        <p:nvSpPr>
+          <p:cNvPr id="2" name="Slide Image Placeholder 1"/>
+          <p:cNvSpPr>
+            <a:spLocks noGrp="1" noRot="1" noChangeAspect="1"/>
+          </p:cNvSpPr>
+          <p:nvPr>
+            <p:ph type="sldImg"/>
+          </p:nvPr>
+        </p:nvSpPr>
+        <p:spPr/>
+      </p:sp>
+      <p:sp>
+        <p:nvSpPr>
+          <p:cNvPr id="3" name="Notes Placeholder 2"/>
+          <p:cNvSpPr>
+            <a:spLocks noGrp="1"/>
+          </p:cNvSpPr>
+          <p:nvPr>
+            <p:ph type="body" idx="1"/>
+          </p:nvPr>
+        </p:nvSpPr>
+        <p:spPr/>
+        <p:txBody>
+          <a:bodyPr/>
+          <a:lstStyle/>
+          <a:p>
+            <a:r>
+              <a:rPr lang="en-US" dirty="0"/>
+              <a:t>https://</a:t>
+            </a:r>
+            <a:r>
+              <a:rPr lang="en-US" dirty="0" err="1"/>
+              <a:t>en.wikipedia.org</a:t>
+            </a:r>
+            <a:r>
+              <a:rPr lang="en-US" dirty="0"/>
+              <a:t>/wiki/</a:t>
+            </a:r>
+            <a:r>
+              <a:rPr lang="en-US" dirty="0" err="1"/>
+              <a:t>General_feature_format</a:t>
+            </a:r>
+            <a:endParaRPr lang="en-US" dirty="0"/>
+          </a:p>
+        </p:txBody>
+      </p:sp>
+      <p:sp>
+        <p:nvSpPr>
+          <p:cNvPr id="4" name="Slide Number Placeholder 3"/>
+          <p:cNvSpPr>
+            <a:spLocks noGrp="1"/>
+          </p:cNvSpPr>
+          <p:nvPr>
+            <p:ph type="sldNum" sz="quarter" idx="5"/>
+          </p:nvPr>
+        </p:nvSpPr>
+        <p:spPr/>
+        <p:txBody>
+          <a:bodyPr/>
+          <a:lstStyle/>
+          <a:p>
+            <a:fld id="{91C65747-E6F5-D94A-981D-658B04DED679}" type="slidenum">
+              <a:rPr lang="en-US" smtClean="0"/>
+              <a:t>7</a:t>
+            </a:fld>
+            <a:endParaRPr lang="en-US"/>
+          </a:p>
+        </p:txBody>
+      </p:sp>
+    </p:spTree>
+    <p:extLst>
+      <p:ext uri="{BB962C8B-B14F-4D97-AF65-F5344CB8AC3E}">
+        <p14:creationId xmlns:p14="http://schemas.microsoft.com/office/powerpoint/2010/main" val="4192585587"/>
+      </p:ext>
+    </p:extLst>
+  </p:cSld>
+  <p:clrMapOvr>
+    <a:masterClrMapping/>
+  </p:clrMapOvr>
+</p:notes>
+</file>
+
+<file path=ppt/notesSlides/notesSlide3.xml><?xml version="1.0" encoding="utf-8"?>
+<p:notes xmlns:a="http://schemas.openxmlformats.org/drawingml/2006/main" xmlns:r="http://schemas.openxmlformats.org/officeDocument/2006/relationships" xmlns:p="http://schemas.openxmlformats.org/presentationml/2006/main">
+  <p:cSld>
+    <p:spTree>
+      <p:nvGrpSpPr>
+        <p:cNvPr id="1" name=""/>
+        <p:cNvGrpSpPr/>
+        <p:nvPr/>
+      </p:nvGrpSpPr>
+      <p:grpSpPr>
+        <a:xfrm>
+          <a:off x="0" y="0"/>
+          <a:ext cx="0" cy="0"/>
+          <a:chOff x="0" y="0"/>
+          <a:chExt cx="0" cy="0"/>
+        </a:xfrm>
+      </p:grpSpPr>
+      <p:sp>
+        <p:nvSpPr>
+          <p:cNvPr id="2" name="Slide Image Placeholder 1"/>
+          <p:cNvSpPr>
+            <a:spLocks noGrp="1" noRot="1" noChangeAspect="1"/>
+          </p:cNvSpPr>
+          <p:nvPr>
+            <p:ph type="sldImg"/>
+          </p:nvPr>
+        </p:nvSpPr>
+        <p:spPr/>
+      </p:sp>
+      <p:sp>
+        <p:nvSpPr>
+          <p:cNvPr id="3" name="Notes Placeholder 2"/>
+          <p:cNvSpPr>
+            <a:spLocks noGrp="1"/>
+          </p:cNvSpPr>
+          <p:nvPr>
+            <p:ph type="body" idx="1"/>
+          </p:nvPr>
+        </p:nvSpPr>
+        <p:spPr/>
+        <p:txBody>
+          <a:bodyPr/>
+          <a:lstStyle/>
+          <a:p>
+            <a:pPr marL="0" marR="0" lvl="0" indent="0" algn="l" defTabSz="914400" rtl="0" eaLnBrk="1" fontAlgn="auto" latinLnBrk="0" hangingPunct="1">
+              <a:lnSpc>
+                <a:spcPct val="100000"/>
+              </a:lnSpc>
+              <a:spcBef>
+                <a:spcPts val="0"/>
+              </a:spcBef>
+              <a:spcAft>
+                <a:spcPts val="0"/>
+              </a:spcAft>
+              <a:buClrTx/>
+              <a:buSzTx/>
+              <a:buFontTx/>
+              <a:buNone/>
+              <a:tabLst/>
+              <a:defRPr/>
+            </a:pPr>
+            <a:r>
+              <a:rPr lang="en-US" sz="1200" dirty="0" err="1">
+                <a:latin typeface="Calibri" panose="020F0502020204030204" pitchFamily="34" charset="0"/>
+                <a:cs typeface="Calibri" panose="020F0502020204030204" pitchFamily="34" charset="0"/>
+              </a:rPr>
+              <a:t>gene_id</a:t>
+            </a:r>
+            <a:r>
+              <a:rPr lang="en-US" sz="1200" dirty="0">
+                <a:latin typeface="Calibri" panose="020F0502020204030204" pitchFamily="34" charset="0"/>
+                <a:cs typeface="Calibri" panose="020F0502020204030204" pitchFamily="34" charset="0"/>
+              </a:rPr>
+              <a:t> "ENSG00000279973”; </a:t>
+            </a:r>
+            <a:r>
+              <a:rPr lang="en-US" sz="1200" dirty="0" err="1">
+                <a:latin typeface="Calibri" panose="020F0502020204030204" pitchFamily="34" charset="0"/>
+                <a:cs typeface="Calibri" panose="020F0502020204030204" pitchFamily="34" charset="0"/>
+              </a:rPr>
+              <a:t>gene_version</a:t>
+            </a:r>
+            <a:r>
+              <a:rPr lang="en-US" sz="1200" dirty="0">
+                <a:latin typeface="Calibri" panose="020F0502020204030204" pitchFamily="34" charset="0"/>
+                <a:cs typeface="Calibri" panose="020F0502020204030204" pitchFamily="34" charset="0"/>
+              </a:rPr>
+              <a:t> "1"; </a:t>
+            </a:r>
+            <a:r>
+              <a:rPr lang="en-US" sz="1200" dirty="0" err="1">
+                <a:latin typeface="Calibri" panose="020F0502020204030204" pitchFamily="34" charset="0"/>
+                <a:cs typeface="Calibri" panose="020F0502020204030204" pitchFamily="34" charset="0"/>
+              </a:rPr>
+              <a:t>transcript_id</a:t>
+            </a:r>
+            <a:r>
+              <a:rPr lang="en-US" sz="1200" dirty="0">
+                <a:latin typeface="Calibri" panose="020F0502020204030204" pitchFamily="34" charset="0"/>
+                <a:cs typeface="Calibri" panose="020F0502020204030204" pitchFamily="34" charset="0"/>
+              </a:rPr>
+              <a:t> "ENST00000624155"; </a:t>
+            </a:r>
+            <a:r>
+              <a:rPr lang="en-US" sz="1200" dirty="0" err="1">
+                <a:latin typeface="Calibri" panose="020F0502020204030204" pitchFamily="34" charset="0"/>
+                <a:cs typeface="Calibri" panose="020F0502020204030204" pitchFamily="34" charset="0"/>
+              </a:rPr>
+              <a:t>transcript_version</a:t>
+            </a:r>
+            <a:r>
+              <a:rPr lang="en-US" sz="1200" dirty="0">
+                <a:latin typeface="Calibri" panose="020F0502020204030204" pitchFamily="34" charset="0"/>
+                <a:cs typeface="Calibri" panose="020F0502020204030204" pitchFamily="34" charset="0"/>
+              </a:rPr>
+              <a:t> "1"; </a:t>
+            </a:r>
+            <a:r>
+              <a:rPr lang="en-US" sz="1200" dirty="0" err="1">
+                <a:latin typeface="Calibri" panose="020F0502020204030204" pitchFamily="34" charset="0"/>
+                <a:cs typeface="Calibri" panose="020F0502020204030204" pitchFamily="34" charset="0"/>
+              </a:rPr>
+              <a:t>exon_number</a:t>
+            </a:r>
+            <a:r>
+              <a:rPr lang="en-US" sz="1200" dirty="0">
+                <a:latin typeface="Calibri" panose="020F0502020204030204" pitchFamily="34" charset="0"/>
+                <a:cs typeface="Calibri" panose="020F0502020204030204" pitchFamily="34" charset="0"/>
+              </a:rPr>
+              <a:t> "1"; </a:t>
+            </a:r>
+            <a:r>
+              <a:rPr lang="en-US" sz="1200" dirty="0" err="1">
+                <a:latin typeface="Calibri" panose="020F0502020204030204" pitchFamily="34" charset="0"/>
+                <a:cs typeface="Calibri" panose="020F0502020204030204" pitchFamily="34" charset="0"/>
+              </a:rPr>
+              <a:t>gene_name</a:t>
+            </a:r>
+            <a:r>
+              <a:rPr lang="en-US" sz="1200" dirty="0">
+                <a:latin typeface="Calibri" panose="020F0502020204030204" pitchFamily="34" charset="0"/>
+                <a:cs typeface="Calibri" panose="020F0502020204030204" pitchFamily="34" charset="0"/>
+              </a:rPr>
+              <a:t> "BAGE5"; </a:t>
+            </a:r>
+            <a:r>
+              <a:rPr lang="en-US" sz="1200" dirty="0" err="1">
+                <a:latin typeface="Calibri" panose="020F0502020204030204" pitchFamily="34" charset="0"/>
+                <a:cs typeface="Calibri" panose="020F0502020204030204" pitchFamily="34" charset="0"/>
+              </a:rPr>
+              <a:t>gene_source</a:t>
+            </a:r>
+            <a:r>
+              <a:rPr lang="en-US" sz="1200" dirty="0">
+                <a:latin typeface="Calibri" panose="020F0502020204030204" pitchFamily="34" charset="0"/>
+                <a:cs typeface="Calibri" panose="020F0502020204030204" pitchFamily="34" charset="0"/>
+              </a:rPr>
+              <a:t> "</a:t>
+            </a:r>
+            <a:r>
+              <a:rPr lang="en-US" sz="1200" dirty="0" err="1">
+                <a:latin typeface="Calibri" panose="020F0502020204030204" pitchFamily="34" charset="0"/>
+                <a:cs typeface="Calibri" panose="020F0502020204030204" pitchFamily="34" charset="0"/>
+              </a:rPr>
+              <a:t>ensembl</a:t>
+            </a:r>
+            <a:r>
+              <a:rPr lang="en-US" sz="1200" dirty="0">
+                <a:latin typeface="Calibri" panose="020F0502020204030204" pitchFamily="34" charset="0"/>
+                <a:cs typeface="Calibri" panose="020F0502020204030204" pitchFamily="34" charset="0"/>
+              </a:rPr>
+              <a:t>"; </a:t>
+            </a:r>
+            <a:r>
+              <a:rPr lang="en-US" sz="1200" dirty="0" err="1">
+                <a:latin typeface="Calibri" panose="020F0502020204030204" pitchFamily="34" charset="0"/>
+                <a:cs typeface="Calibri" panose="020F0502020204030204" pitchFamily="34" charset="0"/>
+              </a:rPr>
+              <a:t>gene_biotype</a:t>
+            </a:r>
+            <a:r>
+              <a:rPr lang="en-US" sz="1200" dirty="0">
+                <a:latin typeface="Calibri" panose="020F0502020204030204" pitchFamily="34" charset="0"/>
+                <a:cs typeface="Calibri" panose="020F0502020204030204" pitchFamily="34" charset="0"/>
+              </a:rPr>
+              <a:t> "</a:t>
+            </a:r>
+            <a:r>
+              <a:rPr lang="en-US" sz="1200" dirty="0" err="1">
+                <a:latin typeface="Calibri" panose="020F0502020204030204" pitchFamily="34" charset="0"/>
+                <a:cs typeface="Calibri" panose="020F0502020204030204" pitchFamily="34" charset="0"/>
+              </a:rPr>
+              <a:t>protein_coding</a:t>
+            </a:r>
+            <a:r>
+              <a:rPr lang="en-US" sz="1200" dirty="0">
+                <a:latin typeface="Calibri" panose="020F0502020204030204" pitchFamily="34" charset="0"/>
+                <a:cs typeface="Calibri" panose="020F0502020204030204" pitchFamily="34" charset="0"/>
+              </a:rPr>
+              <a:t>"; </a:t>
+            </a:r>
+            <a:r>
+              <a:rPr lang="en-US" sz="1200" dirty="0" err="1">
+                <a:latin typeface="Calibri" panose="020F0502020204030204" pitchFamily="34" charset="0"/>
+                <a:cs typeface="Calibri" panose="020F0502020204030204" pitchFamily="34" charset="0"/>
+              </a:rPr>
+              <a:t>transcript_name</a:t>
+            </a:r>
+            <a:r>
+              <a:rPr lang="en-US" sz="1200" dirty="0">
+                <a:latin typeface="Calibri" panose="020F0502020204030204" pitchFamily="34" charset="0"/>
+                <a:cs typeface="Calibri" panose="020F0502020204030204" pitchFamily="34" charset="0"/>
+              </a:rPr>
+              <a:t> "BAGE5-201"; </a:t>
+            </a:r>
+            <a:r>
+              <a:rPr lang="en-US" sz="1200" dirty="0" err="1">
+                <a:latin typeface="Calibri" panose="020F0502020204030204" pitchFamily="34" charset="0"/>
+                <a:cs typeface="Calibri" panose="020F0502020204030204" pitchFamily="34" charset="0"/>
+              </a:rPr>
+              <a:t>transcript_source</a:t>
+            </a:r>
+            <a:r>
+              <a:rPr lang="en-US" sz="1200" dirty="0">
+                <a:latin typeface="Calibri" panose="020F0502020204030204" pitchFamily="34" charset="0"/>
+                <a:cs typeface="Calibri" panose="020F0502020204030204" pitchFamily="34" charset="0"/>
+              </a:rPr>
+              <a:t> "</a:t>
+            </a:r>
+            <a:r>
+              <a:rPr lang="en-US" sz="1200" dirty="0" err="1">
+                <a:latin typeface="Calibri" panose="020F0502020204030204" pitchFamily="34" charset="0"/>
+                <a:cs typeface="Calibri" panose="020F0502020204030204" pitchFamily="34" charset="0"/>
+              </a:rPr>
+              <a:t>ensembl</a:t>
+            </a:r>
+            <a:r>
+              <a:rPr lang="en-US" sz="1200" dirty="0">
+                <a:latin typeface="Calibri" panose="020F0502020204030204" pitchFamily="34" charset="0"/>
+                <a:cs typeface="Calibri" panose="020F0502020204030204" pitchFamily="34" charset="0"/>
+              </a:rPr>
+              <a:t>"; </a:t>
+            </a:r>
+            <a:r>
+              <a:rPr lang="en-US" sz="1200" dirty="0" err="1">
+                <a:latin typeface="Calibri" panose="020F0502020204030204" pitchFamily="34" charset="0"/>
+                <a:cs typeface="Calibri" panose="020F0502020204030204" pitchFamily="34" charset="0"/>
+              </a:rPr>
+              <a:t>transcript_biotype</a:t>
+            </a:r>
+            <a:r>
+              <a:rPr lang="en-US" sz="1200" dirty="0">
+                <a:latin typeface="Calibri" panose="020F0502020204030204" pitchFamily="34" charset="0"/>
+                <a:cs typeface="Calibri" panose="020F0502020204030204" pitchFamily="34" charset="0"/>
+              </a:rPr>
+              <a:t> "</a:t>
+            </a:r>
+            <a:r>
+              <a:rPr lang="en-US" sz="1200" dirty="0" err="1">
+                <a:latin typeface="Calibri" panose="020F0502020204030204" pitchFamily="34" charset="0"/>
+                <a:cs typeface="Calibri" panose="020F0502020204030204" pitchFamily="34" charset="0"/>
+              </a:rPr>
+              <a:t>protein_coding</a:t>
+            </a:r>
+            <a:r>
+              <a:rPr lang="en-US" sz="1200" dirty="0">
+                <a:latin typeface="Calibri" panose="020F0502020204030204" pitchFamily="34" charset="0"/>
+                <a:cs typeface="Calibri" panose="020F0502020204030204" pitchFamily="34" charset="0"/>
+              </a:rPr>
+              <a:t>"; tag "basic"; </a:t>
+            </a:r>
+            <a:r>
+              <a:rPr lang="en-US" sz="1200" dirty="0" err="1">
+                <a:latin typeface="Calibri" panose="020F0502020204030204" pitchFamily="34" charset="0"/>
+                <a:cs typeface="Calibri" panose="020F0502020204030204" pitchFamily="34" charset="0"/>
+              </a:rPr>
+              <a:t>transcript_support_level</a:t>
+            </a:r>
+            <a:r>
+              <a:rPr lang="en-US" sz="1200" dirty="0">
+                <a:latin typeface="Calibri" panose="020F0502020204030204" pitchFamily="34" charset="0"/>
+                <a:cs typeface="Calibri" panose="020F0502020204030204" pitchFamily="34" charset="0"/>
+              </a:rPr>
+              <a:t> "1";</a:t>
+            </a:r>
+          </a:p>
+          <a:p>
+            <a:endParaRPr lang="en-US" dirty="0"/>
+          </a:p>
+        </p:txBody>
+      </p:sp>
+      <p:sp>
+        <p:nvSpPr>
+          <p:cNvPr id="4" name="Slide Number Placeholder 3"/>
+          <p:cNvSpPr>
+            <a:spLocks noGrp="1"/>
+          </p:cNvSpPr>
+          <p:nvPr>
+            <p:ph type="sldNum" sz="quarter" idx="5"/>
+          </p:nvPr>
+        </p:nvSpPr>
+        <p:spPr/>
+        <p:txBody>
+          <a:bodyPr/>
+          <a:lstStyle/>
+          <a:p>
+            <a:fld id="{91C65747-E6F5-D94A-981D-658B04DED679}" type="slidenum">
+              <a:rPr lang="en-US" smtClean="0"/>
+              <a:t>8</a:t>
+            </a:fld>
+            <a:endParaRPr lang="en-US"/>
+          </a:p>
+        </p:txBody>
+      </p:sp>
+    </p:spTree>
+    <p:extLst>
+      <p:ext uri="{BB962C8B-B14F-4D97-AF65-F5344CB8AC3E}">
+        <p14:creationId xmlns:p14="http://schemas.microsoft.com/office/powerpoint/2010/main" val="1878439297"/>
       </p:ext>
     </p:extLst>
   </p:cSld>
@@ -5165,7 +5595,7 @@
                 <a:latin typeface="Calibri" panose="020F0502020204030204" pitchFamily="34" charset="0"/>
                 <a:cs typeface="Calibri" panose="020F0502020204030204" pitchFamily="34" charset="0"/>
               </a:rPr>
-              <a:t>@HWI-ST718_146963544:6:1213:8996:10047/1</a:t>
+              <a:t>@HWUSI-EAS100R:6:73:941:1973#0/1</a:t>
             </a:r>
           </a:p>
           <a:p>
@@ -5222,7 +5652,7 @@
                 <a:latin typeface="Calibri" panose="020F0502020204030204" pitchFamily="34" charset="0"/>
                 <a:cs typeface="Calibri" panose="020F0502020204030204" pitchFamily="34" charset="0"/>
               </a:rPr>
-              <a:t>@HWI-ST718_146963544:5:2303:11793:37095/1</a:t>
+              <a:t>@HWUSI-EAS100R:6:2303:11793:37095#0/1</a:t>
             </a:r>
           </a:p>
           <a:p>
@@ -5277,7 +5707,7 @@
         </p:nvSpPr>
         <p:spPr>
           <a:xfrm>
-            <a:off x="7866009" y="819754"/>
+            <a:off x="8080329" y="819754"/>
             <a:ext cx="3815255" cy="923330"/>
           </a:xfrm>
           <a:prstGeom prst="rect">
@@ -5315,7 +5745,7 @@
         </p:nvCxnSpPr>
         <p:spPr>
           <a:xfrm>
-            <a:off x="7248195" y="1343845"/>
+            <a:off x="7462515" y="1343845"/>
             <a:ext cx="0" cy="367862"/>
           </a:xfrm>
           <a:prstGeom prst="line">
@@ -5356,7 +5786,7 @@
         </p:nvCxnSpPr>
         <p:spPr>
           <a:xfrm>
-            <a:off x="7248195" y="1871676"/>
+            <a:off x="7462515" y="1871676"/>
             <a:ext cx="0" cy="367862"/>
           </a:xfrm>
           <a:prstGeom prst="line">
@@ -5400,7 +5830,7 @@
         </p:nvCxnSpPr>
         <p:spPr>
           <a:xfrm flipH="1">
-            <a:off x="7248195" y="1281419"/>
+            <a:off x="7462515" y="1281419"/>
             <a:ext cx="617814" cy="261631"/>
           </a:xfrm>
           <a:prstGeom prst="line">
@@ -5444,7 +5874,7 @@
         </p:nvCxnSpPr>
         <p:spPr>
           <a:xfrm flipH="1" flipV="1">
-            <a:off x="7248195" y="2055607"/>
+            <a:off x="7462515" y="2055607"/>
             <a:ext cx="617814" cy="59678"/>
           </a:xfrm>
           <a:prstGeom prst="line">
@@ -5485,7 +5915,7 @@
         </p:nvSpPr>
         <p:spPr>
           <a:xfrm>
-            <a:off x="7866009" y="1930619"/>
+            <a:off x="8080329" y="1930619"/>
             <a:ext cx="3815255" cy="369332"/>
           </a:xfrm>
           <a:prstGeom prst="rect">
@@ -5509,6 +5939,376 @@
           </a:p>
         </p:txBody>
       </p:sp>
+      <p:cxnSp>
+        <p:nvCxnSpPr>
+          <p:cNvPr id="15" name="Straight Connector 14">
+            <a:extLst>
+              <a:ext uri="{FF2B5EF4-FFF2-40B4-BE49-F238E27FC236}">
+                <a16:creationId xmlns:a16="http://schemas.microsoft.com/office/drawing/2014/main" id="{CEAF38E6-1521-9741-935C-B7CAAEF80F74}"/>
+              </a:ext>
+            </a:extLst>
+          </p:cNvPr>
+          <p:cNvCxnSpPr/>
+          <p:nvPr/>
+        </p:nvCxnSpPr>
+        <p:spPr>
+          <a:xfrm>
+            <a:off x="7462515" y="2352686"/>
+            <a:ext cx="0" cy="367862"/>
+          </a:xfrm>
+          <a:prstGeom prst="line">
+            <a:avLst/>
+          </a:prstGeom>
+          <a:ln w="50800">
+            <a:solidFill>
+              <a:srgbClr val="FF0000"/>
+            </a:solidFill>
+          </a:ln>
+        </p:spPr>
+        <p:style>
+          <a:lnRef idx="1">
+            <a:schemeClr val="accent1"/>
+          </a:lnRef>
+          <a:fillRef idx="0">
+            <a:schemeClr val="accent1"/>
+          </a:fillRef>
+          <a:effectRef idx="0">
+            <a:schemeClr val="accent1"/>
+          </a:effectRef>
+          <a:fontRef idx="minor">
+            <a:schemeClr val="tx1"/>
+          </a:fontRef>
+        </p:style>
+      </p:cxnSp>
+      <p:cxnSp>
+        <p:nvCxnSpPr>
+          <p:cNvPr id="16" name="Straight Connector 15">
+            <a:extLst>
+              <a:ext uri="{FF2B5EF4-FFF2-40B4-BE49-F238E27FC236}">
+                <a16:creationId xmlns:a16="http://schemas.microsoft.com/office/drawing/2014/main" id="{2380B5A4-97A8-EC43-8DA3-D931DD2C5926}"/>
+              </a:ext>
+            </a:extLst>
+          </p:cNvPr>
+          <p:cNvCxnSpPr>
+            <a:cxnSpLocks/>
+            <a:stCxn id="17" idx="1"/>
+          </p:cNvCxnSpPr>
+          <p:nvPr/>
+        </p:nvCxnSpPr>
+        <p:spPr>
+          <a:xfrm flipH="1" flipV="1">
+            <a:off x="7457747" y="2522333"/>
+            <a:ext cx="617814" cy="59678"/>
+          </a:xfrm>
+          <a:prstGeom prst="line">
+            <a:avLst/>
+          </a:prstGeom>
+          <a:ln w="50800">
+            <a:solidFill>
+              <a:srgbClr val="FF0000"/>
+            </a:solidFill>
+          </a:ln>
+        </p:spPr>
+        <p:style>
+          <a:lnRef idx="1">
+            <a:schemeClr val="accent1"/>
+          </a:lnRef>
+          <a:fillRef idx="0">
+            <a:schemeClr val="accent1"/>
+          </a:fillRef>
+          <a:effectRef idx="0">
+            <a:schemeClr val="accent1"/>
+          </a:effectRef>
+          <a:fontRef idx="minor">
+            <a:schemeClr val="tx1"/>
+          </a:fontRef>
+        </p:style>
+      </p:cxnSp>
+      <p:sp>
+        <p:nvSpPr>
+          <p:cNvPr id="17" name="TextBox 16">
+            <a:extLst>
+              <a:ext uri="{FF2B5EF4-FFF2-40B4-BE49-F238E27FC236}">
+                <a16:creationId xmlns:a16="http://schemas.microsoft.com/office/drawing/2014/main" id="{96E7E04F-2C57-704F-B88D-0695E12B16C7}"/>
+              </a:ext>
+            </a:extLst>
+          </p:cNvPr>
+          <p:cNvSpPr txBox="1"/>
+          <p:nvPr/>
+        </p:nvSpPr>
+        <p:spPr>
+          <a:xfrm>
+            <a:off x="8075561" y="2397345"/>
+            <a:ext cx="3815255" cy="369332"/>
+          </a:xfrm>
+          <a:prstGeom prst="rect">
+            <a:avLst/>
+          </a:prstGeom>
+          <a:noFill/>
+        </p:spPr>
+        <p:txBody>
+          <a:bodyPr wrap="square" rtlCol="0">
+            <a:spAutoFit/>
+          </a:bodyPr>
+          <a:lstStyle/>
+          <a:p>
+            <a:r>
+              <a:rPr lang="en-US" dirty="0">
+                <a:latin typeface="Calibri" panose="020F0502020204030204" pitchFamily="34" charset="0"/>
+                <a:cs typeface="Calibri" panose="020F0502020204030204" pitchFamily="34" charset="0"/>
+              </a:rPr>
+              <a:t>Spacer line</a:t>
+            </a:r>
+          </a:p>
+        </p:txBody>
+      </p:sp>
+      <p:cxnSp>
+        <p:nvCxnSpPr>
+          <p:cNvPr id="18" name="Straight Connector 17">
+            <a:extLst>
+              <a:ext uri="{FF2B5EF4-FFF2-40B4-BE49-F238E27FC236}">
+                <a16:creationId xmlns:a16="http://schemas.microsoft.com/office/drawing/2014/main" id="{2F087723-70B6-B54F-B082-8EB4D925BAED}"/>
+              </a:ext>
+            </a:extLst>
+          </p:cNvPr>
+          <p:cNvCxnSpPr/>
+          <p:nvPr/>
+        </p:nvCxnSpPr>
+        <p:spPr>
+          <a:xfrm>
+            <a:off x="7462515" y="2853461"/>
+            <a:ext cx="0" cy="367862"/>
+          </a:xfrm>
+          <a:prstGeom prst="line">
+            <a:avLst/>
+          </a:prstGeom>
+          <a:ln w="50800">
+            <a:solidFill>
+              <a:srgbClr val="FF0000"/>
+            </a:solidFill>
+          </a:ln>
+        </p:spPr>
+        <p:style>
+          <a:lnRef idx="1">
+            <a:schemeClr val="accent1"/>
+          </a:lnRef>
+          <a:fillRef idx="0">
+            <a:schemeClr val="accent1"/>
+          </a:fillRef>
+          <a:effectRef idx="0">
+            <a:schemeClr val="accent1"/>
+          </a:effectRef>
+          <a:fontRef idx="minor">
+            <a:schemeClr val="tx1"/>
+          </a:fontRef>
+        </p:style>
+      </p:cxnSp>
+      <p:cxnSp>
+        <p:nvCxnSpPr>
+          <p:cNvPr id="19" name="Straight Connector 18">
+            <a:extLst>
+              <a:ext uri="{FF2B5EF4-FFF2-40B4-BE49-F238E27FC236}">
+                <a16:creationId xmlns:a16="http://schemas.microsoft.com/office/drawing/2014/main" id="{23C63083-18EA-1D4C-B542-2B1CAD1C18BC}"/>
+              </a:ext>
+            </a:extLst>
+          </p:cNvPr>
+          <p:cNvCxnSpPr>
+            <a:cxnSpLocks/>
+            <a:stCxn id="20" idx="1"/>
+          </p:cNvCxnSpPr>
+          <p:nvPr/>
+        </p:nvCxnSpPr>
+        <p:spPr>
+          <a:xfrm flipH="1" flipV="1">
+            <a:off x="7457747" y="3023108"/>
+            <a:ext cx="617814" cy="59678"/>
+          </a:xfrm>
+          <a:prstGeom prst="line">
+            <a:avLst/>
+          </a:prstGeom>
+          <a:ln w="50800">
+            <a:solidFill>
+              <a:srgbClr val="FF0000"/>
+            </a:solidFill>
+          </a:ln>
+        </p:spPr>
+        <p:style>
+          <a:lnRef idx="1">
+            <a:schemeClr val="accent1"/>
+          </a:lnRef>
+          <a:fillRef idx="0">
+            <a:schemeClr val="accent1"/>
+          </a:fillRef>
+          <a:effectRef idx="0">
+            <a:schemeClr val="accent1"/>
+          </a:effectRef>
+          <a:fontRef idx="minor">
+            <a:schemeClr val="tx1"/>
+          </a:fontRef>
+        </p:style>
+      </p:cxnSp>
+      <p:sp>
+        <p:nvSpPr>
+          <p:cNvPr id="20" name="TextBox 19">
+            <a:extLst>
+              <a:ext uri="{FF2B5EF4-FFF2-40B4-BE49-F238E27FC236}">
+                <a16:creationId xmlns:a16="http://schemas.microsoft.com/office/drawing/2014/main" id="{590BD163-9923-254E-8053-5465D2392965}"/>
+              </a:ext>
+            </a:extLst>
+          </p:cNvPr>
+          <p:cNvSpPr txBox="1"/>
+          <p:nvPr/>
+        </p:nvSpPr>
+        <p:spPr>
+          <a:xfrm>
+            <a:off x="8075561" y="2898120"/>
+            <a:ext cx="3815255" cy="369332"/>
+          </a:xfrm>
+          <a:prstGeom prst="rect">
+            <a:avLst/>
+          </a:prstGeom>
+          <a:noFill/>
+        </p:spPr>
+        <p:txBody>
+          <a:bodyPr wrap="square" rtlCol="0">
+            <a:spAutoFit/>
+          </a:bodyPr>
+          <a:lstStyle/>
+          <a:p>
+            <a:r>
+              <a:rPr lang="en-US" dirty="0">
+                <a:latin typeface="Calibri" panose="020F0502020204030204" pitchFamily="34" charset="0"/>
+                <a:cs typeface="Calibri" panose="020F0502020204030204" pitchFamily="34" charset="0"/>
+              </a:rPr>
+              <a:t>Quality values</a:t>
+            </a:r>
+          </a:p>
+        </p:txBody>
+      </p:sp>
+      <p:cxnSp>
+        <p:nvCxnSpPr>
+          <p:cNvPr id="21" name="Straight Connector 20">
+            <a:extLst>
+              <a:ext uri="{FF2B5EF4-FFF2-40B4-BE49-F238E27FC236}">
+                <a16:creationId xmlns:a16="http://schemas.microsoft.com/office/drawing/2014/main" id="{8916DFC2-CD44-B042-9261-755B7388AFEB}"/>
+              </a:ext>
+            </a:extLst>
+          </p:cNvPr>
+          <p:cNvCxnSpPr>
+            <a:cxnSpLocks/>
+          </p:cNvCxnSpPr>
+          <p:nvPr/>
+        </p:nvCxnSpPr>
+        <p:spPr>
+          <a:xfrm>
+            <a:off x="7457747" y="3877399"/>
+            <a:ext cx="0" cy="1809026"/>
+          </a:xfrm>
+          <a:prstGeom prst="line">
+            <a:avLst/>
+          </a:prstGeom>
+          <a:ln w="50800">
+            <a:solidFill>
+              <a:srgbClr val="FF0000"/>
+            </a:solidFill>
+          </a:ln>
+        </p:spPr>
+        <p:style>
+          <a:lnRef idx="1">
+            <a:schemeClr val="accent1"/>
+          </a:lnRef>
+          <a:fillRef idx="0">
+            <a:schemeClr val="accent1"/>
+          </a:fillRef>
+          <a:effectRef idx="0">
+            <a:schemeClr val="accent1"/>
+          </a:effectRef>
+          <a:fontRef idx="minor">
+            <a:schemeClr val="tx1"/>
+          </a:fontRef>
+        </p:style>
+      </p:cxnSp>
+      <p:sp>
+        <p:nvSpPr>
+          <p:cNvPr id="23" name="TextBox 22">
+            <a:extLst>
+              <a:ext uri="{FF2B5EF4-FFF2-40B4-BE49-F238E27FC236}">
+                <a16:creationId xmlns:a16="http://schemas.microsoft.com/office/drawing/2014/main" id="{DEDF96B4-F1BE-7943-88A6-3958F8C705B1}"/>
+              </a:ext>
+            </a:extLst>
+          </p:cNvPr>
+          <p:cNvSpPr txBox="1"/>
+          <p:nvPr/>
+        </p:nvSpPr>
+        <p:spPr>
+          <a:xfrm>
+            <a:off x="8080329" y="4602705"/>
+            <a:ext cx="3815255" cy="369332"/>
+          </a:xfrm>
+          <a:prstGeom prst="rect">
+            <a:avLst/>
+          </a:prstGeom>
+          <a:noFill/>
+        </p:spPr>
+        <p:txBody>
+          <a:bodyPr wrap="square" rtlCol="0">
+            <a:spAutoFit/>
+          </a:bodyPr>
+          <a:lstStyle/>
+          <a:p>
+            <a:r>
+              <a:rPr lang="en-US" dirty="0">
+                <a:latin typeface="Calibri" panose="020F0502020204030204" pitchFamily="34" charset="0"/>
+                <a:cs typeface="Calibri" panose="020F0502020204030204" pitchFamily="34" charset="0"/>
+              </a:rPr>
+              <a:t>Next sequence record</a:t>
+            </a:r>
+          </a:p>
+        </p:txBody>
+      </p:sp>
+      <p:cxnSp>
+        <p:nvCxnSpPr>
+          <p:cNvPr id="24" name="Straight Connector 23">
+            <a:extLst>
+              <a:ext uri="{FF2B5EF4-FFF2-40B4-BE49-F238E27FC236}">
+                <a16:creationId xmlns:a16="http://schemas.microsoft.com/office/drawing/2014/main" id="{BFE6F201-BFE5-8A41-A220-49581FAD893D}"/>
+              </a:ext>
+            </a:extLst>
+          </p:cNvPr>
+          <p:cNvCxnSpPr>
+            <a:cxnSpLocks/>
+          </p:cNvCxnSpPr>
+          <p:nvPr/>
+        </p:nvCxnSpPr>
+        <p:spPr>
+          <a:xfrm flipH="1">
+            <a:off x="7452001" y="4780407"/>
+            <a:ext cx="623560" cy="0"/>
+          </a:xfrm>
+          <a:prstGeom prst="line">
+            <a:avLst/>
+          </a:prstGeom>
+          <a:ln w="50800">
+            <a:solidFill>
+              <a:srgbClr val="FF0000"/>
+            </a:solidFill>
+          </a:ln>
+        </p:spPr>
+        <p:style>
+          <a:lnRef idx="1">
+            <a:schemeClr val="accent1"/>
+          </a:lnRef>
+          <a:fillRef idx="0">
+            <a:schemeClr val="accent1"/>
+          </a:fillRef>
+          <a:effectRef idx="0">
+            <a:schemeClr val="accent1"/>
+          </a:effectRef>
+          <a:fontRef idx="minor">
+            <a:schemeClr val="tx1"/>
+          </a:fontRef>
+        </p:style>
+      </p:cxnSp>
     </p:spTree>
     <p:extLst>
       <p:ext uri="{BB962C8B-B14F-4D97-AF65-F5344CB8AC3E}">
@@ -5590,8 +6390,8 @@
         </p:nvSpPr>
         <p:spPr>
           <a:xfrm>
-            <a:off x="304800" y="1354666"/>
-            <a:ext cx="8026400" cy="4817535"/>
+            <a:off x="90480" y="1354666"/>
+            <a:ext cx="5972032" cy="881593"/>
           </a:xfrm>
         </p:spPr>
         <p:txBody>
@@ -5600,7 +6400,7 @@
           </a:bodyPr>
           <a:lstStyle/>
           <a:p>
-            <a:pPr marL="0" indent="0">
+            <a:pPr marL="0" indent="0" algn="ctr">
               <a:buNone/>
             </a:pPr>
             <a:r>
@@ -5608,11 +6408,204 @@
                 <a:latin typeface="Calibri" panose="020F0502020204030204" pitchFamily="34" charset="0"/>
                 <a:cs typeface="Calibri" panose="020F0502020204030204" pitchFamily="34" charset="0"/>
               </a:rPr>
-              <a:t>@HWI-ST718_146963544:6:1213:8996:10047/1</a:t>
-            </a:r>
-          </a:p>
-          <a:p>
-            <a:pPr marL="0" indent="0">
+              <a:t>@HWUSI-EAS100R:6:73:941:1973#0/1</a:t>
+            </a:r>
+          </a:p>
+        </p:txBody>
+      </p:sp>
+      <p:sp>
+        <p:nvSpPr>
+          <p:cNvPr id="22" name="Content Placeholder 2">
+            <a:extLst>
+              <a:ext uri="{FF2B5EF4-FFF2-40B4-BE49-F238E27FC236}">
+                <a16:creationId xmlns:a16="http://schemas.microsoft.com/office/drawing/2014/main" id="{18DB3472-C3BB-B24F-A6BC-E12CF5FF5A9B}"/>
+              </a:ext>
+            </a:extLst>
+          </p:cNvPr>
+          <p:cNvSpPr txBox="1">
+            <a:spLocks/>
+          </p:cNvSpPr>
+          <p:nvPr/>
+        </p:nvSpPr>
+        <p:spPr>
+          <a:xfrm>
+            <a:off x="133344" y="4350285"/>
+            <a:ext cx="11684000" cy="881593"/>
+          </a:xfrm>
+          <a:prstGeom prst="rect">
+            <a:avLst/>
+          </a:prstGeom>
+        </p:spPr>
+        <p:txBody>
+          <a:bodyPr vert="horz" lIns="91440" tIns="45720" rIns="91440" bIns="45720" rtlCol="0">
+            <a:noAutofit/>
+          </a:bodyPr>
+          <a:lstStyle>
+            <a:lvl1pPr marL="228600" indent="-228600" algn="l" defTabSz="914400" rtl="0" eaLnBrk="1" latinLnBrk="0" hangingPunct="1">
+              <a:lnSpc>
+                <a:spcPct val="90000"/>
+              </a:lnSpc>
+              <a:spcBef>
+                <a:spcPts val="1000"/>
+              </a:spcBef>
+              <a:buFont typeface="Arial" panose="020B0604020202020204" pitchFamily="34" charset="0"/>
+              <a:buChar char="•"/>
+              <a:defRPr sz="2800" kern="1200">
+                <a:solidFill>
+                  <a:schemeClr val="tx1"/>
+                </a:solidFill>
+                <a:latin typeface="+mn-lt"/>
+                <a:ea typeface="+mn-ea"/>
+                <a:cs typeface="+mn-cs"/>
+              </a:defRPr>
+            </a:lvl1pPr>
+            <a:lvl2pPr marL="685800" indent="-228600" algn="l" defTabSz="914400" rtl="0" eaLnBrk="1" latinLnBrk="0" hangingPunct="1">
+              <a:lnSpc>
+                <a:spcPct val="90000"/>
+              </a:lnSpc>
+              <a:spcBef>
+                <a:spcPts val="500"/>
+              </a:spcBef>
+              <a:buFont typeface="Arial" panose="020B0604020202020204" pitchFamily="34" charset="0"/>
+              <a:buChar char="•"/>
+              <a:defRPr sz="2400" kern="1200">
+                <a:solidFill>
+                  <a:schemeClr val="tx1"/>
+                </a:solidFill>
+                <a:latin typeface="+mn-lt"/>
+                <a:ea typeface="+mn-ea"/>
+                <a:cs typeface="+mn-cs"/>
+              </a:defRPr>
+            </a:lvl2pPr>
+            <a:lvl3pPr marL="1143000" indent="-228600" algn="l" defTabSz="914400" rtl="0" eaLnBrk="1" latinLnBrk="0" hangingPunct="1">
+              <a:lnSpc>
+                <a:spcPct val="90000"/>
+              </a:lnSpc>
+              <a:spcBef>
+                <a:spcPts val="500"/>
+              </a:spcBef>
+              <a:buFont typeface="Arial" panose="020B0604020202020204" pitchFamily="34" charset="0"/>
+              <a:buChar char="•"/>
+              <a:defRPr sz="2000" kern="1200">
+                <a:solidFill>
+                  <a:schemeClr val="tx1"/>
+                </a:solidFill>
+                <a:latin typeface="+mn-lt"/>
+                <a:ea typeface="+mn-ea"/>
+                <a:cs typeface="+mn-cs"/>
+              </a:defRPr>
+            </a:lvl3pPr>
+            <a:lvl4pPr marL="1600200" indent="-228600" algn="l" defTabSz="914400" rtl="0" eaLnBrk="1" latinLnBrk="0" hangingPunct="1">
+              <a:lnSpc>
+                <a:spcPct val="90000"/>
+              </a:lnSpc>
+              <a:spcBef>
+                <a:spcPts val="500"/>
+              </a:spcBef>
+              <a:buFont typeface="Arial" panose="020B0604020202020204" pitchFamily="34" charset="0"/>
+              <a:buChar char="•"/>
+              <a:defRPr sz="1800" kern="1200">
+                <a:solidFill>
+                  <a:schemeClr val="tx1"/>
+                </a:solidFill>
+                <a:latin typeface="+mn-lt"/>
+                <a:ea typeface="+mn-ea"/>
+                <a:cs typeface="+mn-cs"/>
+              </a:defRPr>
+            </a:lvl4pPr>
+            <a:lvl5pPr marL="2057400" indent="-228600" algn="l" defTabSz="914400" rtl="0" eaLnBrk="1" latinLnBrk="0" hangingPunct="1">
+              <a:lnSpc>
+                <a:spcPct val="90000"/>
+              </a:lnSpc>
+              <a:spcBef>
+                <a:spcPts val="500"/>
+              </a:spcBef>
+              <a:buFont typeface="Arial" panose="020B0604020202020204" pitchFamily="34" charset="0"/>
+              <a:buChar char="•"/>
+              <a:defRPr sz="1800" kern="1200">
+                <a:solidFill>
+                  <a:schemeClr val="tx1"/>
+                </a:solidFill>
+                <a:latin typeface="+mn-lt"/>
+                <a:ea typeface="+mn-ea"/>
+                <a:cs typeface="+mn-cs"/>
+              </a:defRPr>
+            </a:lvl5pPr>
+            <a:lvl6pPr marL="2514600" indent="-228600" algn="l" defTabSz="914400" rtl="0" eaLnBrk="1" latinLnBrk="0" hangingPunct="1">
+              <a:lnSpc>
+                <a:spcPct val="90000"/>
+              </a:lnSpc>
+              <a:spcBef>
+                <a:spcPts val="500"/>
+              </a:spcBef>
+              <a:buFont typeface="Arial" panose="020B0604020202020204" pitchFamily="34" charset="0"/>
+              <a:buChar char="•"/>
+              <a:defRPr sz="1800" kern="1200">
+                <a:solidFill>
+                  <a:schemeClr val="tx1"/>
+                </a:solidFill>
+                <a:latin typeface="+mn-lt"/>
+                <a:ea typeface="+mn-ea"/>
+                <a:cs typeface="+mn-cs"/>
+              </a:defRPr>
+            </a:lvl6pPr>
+            <a:lvl7pPr marL="2971800" indent="-228600" algn="l" defTabSz="914400" rtl="0" eaLnBrk="1" latinLnBrk="0" hangingPunct="1">
+              <a:lnSpc>
+                <a:spcPct val="90000"/>
+              </a:lnSpc>
+              <a:spcBef>
+                <a:spcPts val="500"/>
+              </a:spcBef>
+              <a:buFont typeface="Arial" panose="020B0604020202020204" pitchFamily="34" charset="0"/>
+              <a:buChar char="•"/>
+              <a:defRPr sz="1800" kern="1200">
+                <a:solidFill>
+                  <a:schemeClr val="tx1"/>
+                </a:solidFill>
+                <a:latin typeface="+mn-lt"/>
+                <a:ea typeface="+mn-ea"/>
+                <a:cs typeface="+mn-cs"/>
+              </a:defRPr>
+            </a:lvl7pPr>
+            <a:lvl8pPr marL="3429000" indent="-228600" algn="l" defTabSz="914400" rtl="0" eaLnBrk="1" latinLnBrk="0" hangingPunct="1">
+              <a:lnSpc>
+                <a:spcPct val="90000"/>
+              </a:lnSpc>
+              <a:spcBef>
+                <a:spcPts val="500"/>
+              </a:spcBef>
+              <a:buFont typeface="Arial" panose="020B0604020202020204" pitchFamily="34" charset="0"/>
+              <a:buChar char="•"/>
+              <a:defRPr sz="1800" kern="1200">
+                <a:solidFill>
+                  <a:schemeClr val="tx1"/>
+                </a:solidFill>
+                <a:latin typeface="+mn-lt"/>
+                <a:ea typeface="+mn-ea"/>
+                <a:cs typeface="+mn-cs"/>
+              </a:defRPr>
+            </a:lvl8pPr>
+            <a:lvl9pPr marL="3886200" indent="-228600" algn="l" defTabSz="914400" rtl="0" eaLnBrk="1" latinLnBrk="0" hangingPunct="1">
+              <a:lnSpc>
+                <a:spcPct val="90000"/>
+              </a:lnSpc>
+              <a:spcBef>
+                <a:spcPts val="500"/>
+              </a:spcBef>
+              <a:buFont typeface="Arial" panose="020B0604020202020204" pitchFamily="34" charset="0"/>
+              <a:buChar char="•"/>
+              <a:defRPr sz="1800" kern="1200">
+                <a:solidFill>
+                  <a:schemeClr val="tx1"/>
+                </a:solidFill>
+                <a:latin typeface="+mn-lt"/>
+                <a:ea typeface="+mn-ea"/>
+                <a:cs typeface="+mn-cs"/>
+              </a:defRPr>
+            </a:lvl9pPr>
+          </a:lstStyle>
+          <a:p>
+            <a:pPr marL="0" indent="0" algn="ctr">
               <a:buNone/>
             </a:pPr>
             <a:r>
@@ -5620,88 +6613,2160 @@
                 <a:latin typeface="Calibri" panose="020F0502020204030204" pitchFamily="34" charset="0"/>
                 <a:cs typeface="Calibri" panose="020F0502020204030204" pitchFamily="34" charset="0"/>
               </a:rPr>
-              <a:t>CTTTTTTATTTTTGTCTGACTGGGTTGATTCAAAA</a:t>
-            </a:r>
-          </a:p>
-          <a:p>
-            <a:pPr marL="0" indent="0">
-              <a:buNone/>
-            </a:pPr>
-            <a:r>
-              <a:rPr lang="en-US" sz="2667" dirty="0">
-                <a:latin typeface="Calibri" panose="020F0502020204030204" pitchFamily="34" charset="0"/>
-                <a:cs typeface="Calibri" panose="020F0502020204030204" pitchFamily="34" charset="0"/>
-              </a:rPr>
-              <a:t>+</a:t>
-            </a:r>
-          </a:p>
-          <a:p>
-            <a:pPr marL="0" indent="0">
-              <a:buNone/>
-            </a:pPr>
-            <a:r>
-              <a:rPr lang="en-US" sz="2667" dirty="0">
-                <a:latin typeface="Calibri" panose="020F0502020204030204" pitchFamily="34" charset="0"/>
-                <a:cs typeface="Calibri" panose="020F0502020204030204" pitchFamily="34" charset="0"/>
-              </a:rPr>
-              <a:t>CCCFFFFFHHHHGJHIIJHIHIIIFHIJJJJIJJGIBBFGE</a:t>
-            </a:r>
-          </a:p>
-          <a:p>
-            <a:pPr marL="0" indent="0">
-              <a:buNone/>
-            </a:pPr>
-            <a:endParaRPr lang="en-US" sz="2667" dirty="0">
+              <a:t>@EAS139:136:FC706VJ:2:2104:15343:197393:GATTACT+GTCTTAAC 1:Y:0:ATCACG</a:t>
+            </a:r>
+          </a:p>
+        </p:txBody>
+      </p:sp>
+      <p:cxnSp>
+        <p:nvCxnSpPr>
+          <p:cNvPr id="25" name="Straight Connector 24">
+            <a:extLst>
+              <a:ext uri="{FF2B5EF4-FFF2-40B4-BE49-F238E27FC236}">
+                <a16:creationId xmlns:a16="http://schemas.microsoft.com/office/drawing/2014/main" id="{3858A60D-EF89-0246-9D55-747BDF4690FA}"/>
+              </a:ext>
+            </a:extLst>
+          </p:cNvPr>
+          <p:cNvCxnSpPr>
+            <a:cxnSpLocks/>
+          </p:cNvCxnSpPr>
+          <p:nvPr/>
+        </p:nvCxnSpPr>
+        <p:spPr>
+          <a:xfrm flipH="1">
+            <a:off x="500064" y="1870270"/>
+            <a:ext cx="2457450" cy="0"/>
+          </a:xfrm>
+          <a:prstGeom prst="line">
+            <a:avLst/>
+          </a:prstGeom>
+          <a:ln w="50800">
+            <a:solidFill>
+              <a:srgbClr val="FF0000"/>
+            </a:solidFill>
+          </a:ln>
+        </p:spPr>
+        <p:style>
+          <a:lnRef idx="1">
+            <a:schemeClr val="accent1"/>
+          </a:lnRef>
+          <a:fillRef idx="0">
+            <a:schemeClr val="accent1"/>
+          </a:fillRef>
+          <a:effectRef idx="0">
+            <a:schemeClr val="accent1"/>
+          </a:effectRef>
+          <a:fontRef idx="minor">
+            <a:schemeClr val="tx1"/>
+          </a:fontRef>
+        </p:style>
+      </p:cxnSp>
+      <p:cxnSp>
+        <p:nvCxnSpPr>
+          <p:cNvPr id="26" name="Straight Connector 25">
+            <a:extLst>
+              <a:ext uri="{FF2B5EF4-FFF2-40B4-BE49-F238E27FC236}">
+                <a16:creationId xmlns:a16="http://schemas.microsoft.com/office/drawing/2014/main" id="{4E24B9E6-279E-6B43-BEA6-87928588941A}"/>
+              </a:ext>
+            </a:extLst>
+          </p:cNvPr>
+          <p:cNvCxnSpPr>
+            <a:cxnSpLocks/>
+          </p:cNvCxnSpPr>
+          <p:nvPr/>
+        </p:nvCxnSpPr>
+        <p:spPr>
+          <a:xfrm flipV="1">
+            <a:off x="1700213" y="1871664"/>
+            <a:ext cx="1" cy="514349"/>
+          </a:xfrm>
+          <a:prstGeom prst="line">
+            <a:avLst/>
+          </a:prstGeom>
+          <a:ln w="50800">
+            <a:solidFill>
+              <a:srgbClr val="FF0000"/>
+            </a:solidFill>
+          </a:ln>
+        </p:spPr>
+        <p:style>
+          <a:lnRef idx="1">
+            <a:schemeClr val="accent1"/>
+          </a:lnRef>
+          <a:fillRef idx="0">
+            <a:schemeClr val="accent1"/>
+          </a:fillRef>
+          <a:effectRef idx="0">
+            <a:schemeClr val="accent1"/>
+          </a:effectRef>
+          <a:fontRef idx="minor">
+            <a:schemeClr val="tx1"/>
+          </a:fontRef>
+        </p:style>
+      </p:cxnSp>
+      <p:sp>
+        <p:nvSpPr>
+          <p:cNvPr id="28" name="TextBox 27">
+            <a:extLst>
+              <a:ext uri="{FF2B5EF4-FFF2-40B4-BE49-F238E27FC236}">
+                <a16:creationId xmlns:a16="http://schemas.microsoft.com/office/drawing/2014/main" id="{22809CF8-2D01-C24D-9409-9264058D429A}"/>
+              </a:ext>
+            </a:extLst>
+          </p:cNvPr>
+          <p:cNvSpPr txBox="1"/>
+          <p:nvPr/>
+        </p:nvSpPr>
+        <p:spPr>
+          <a:xfrm>
+            <a:off x="960202" y="2415076"/>
+            <a:ext cx="1480021" cy="369332"/>
+          </a:xfrm>
+          <a:prstGeom prst="rect">
+            <a:avLst/>
+          </a:prstGeom>
+          <a:noFill/>
+        </p:spPr>
+        <p:txBody>
+          <a:bodyPr wrap="none" rtlCol="0">
+            <a:spAutoFit/>
+          </a:bodyPr>
+          <a:lstStyle/>
+          <a:p>
+            <a:pPr algn="ctr"/>
+            <a:r>
+              <a:rPr lang="en-US" dirty="0">
+                <a:latin typeface="Calibri" panose="020F0502020204030204" pitchFamily="34" charset="0"/>
+                <a:cs typeface="Calibri" panose="020F0502020204030204" pitchFamily="34" charset="0"/>
+              </a:rPr>
+              <a:t>Instrument ID</a:t>
+            </a:r>
+          </a:p>
+        </p:txBody>
+      </p:sp>
+      <p:cxnSp>
+        <p:nvCxnSpPr>
+          <p:cNvPr id="29" name="Straight Connector 28">
+            <a:extLst>
+              <a:ext uri="{FF2B5EF4-FFF2-40B4-BE49-F238E27FC236}">
+                <a16:creationId xmlns:a16="http://schemas.microsoft.com/office/drawing/2014/main" id="{0B9182FC-7B29-6041-94ED-FDDF0C41C58A}"/>
+              </a:ext>
+            </a:extLst>
+          </p:cNvPr>
+          <p:cNvCxnSpPr>
+            <a:cxnSpLocks/>
+          </p:cNvCxnSpPr>
+          <p:nvPr/>
+        </p:nvCxnSpPr>
+        <p:spPr>
+          <a:xfrm flipH="1" flipV="1">
+            <a:off x="3183545" y="1869757"/>
+            <a:ext cx="20" cy="1026033"/>
+          </a:xfrm>
+          <a:prstGeom prst="line">
+            <a:avLst/>
+          </a:prstGeom>
+          <a:ln w="50800">
+            <a:solidFill>
+              <a:srgbClr val="FF0000"/>
+            </a:solidFill>
+          </a:ln>
+        </p:spPr>
+        <p:style>
+          <a:lnRef idx="1">
+            <a:schemeClr val="accent1"/>
+          </a:lnRef>
+          <a:fillRef idx="0">
+            <a:schemeClr val="accent1"/>
+          </a:fillRef>
+          <a:effectRef idx="0">
+            <a:schemeClr val="accent1"/>
+          </a:effectRef>
+          <a:fontRef idx="minor">
+            <a:schemeClr val="tx1"/>
+          </a:fontRef>
+        </p:style>
+      </p:cxnSp>
+      <p:cxnSp>
+        <p:nvCxnSpPr>
+          <p:cNvPr id="30" name="Straight Connector 29">
+            <a:extLst>
+              <a:ext uri="{FF2B5EF4-FFF2-40B4-BE49-F238E27FC236}">
+                <a16:creationId xmlns:a16="http://schemas.microsoft.com/office/drawing/2014/main" id="{2C3C686A-61DE-2D4D-81C6-899CAED81CB0}"/>
+              </a:ext>
+            </a:extLst>
+          </p:cNvPr>
+          <p:cNvCxnSpPr>
+            <a:cxnSpLocks/>
+          </p:cNvCxnSpPr>
+          <p:nvPr/>
+        </p:nvCxnSpPr>
+        <p:spPr>
+          <a:xfrm flipH="1">
+            <a:off x="3081007" y="1870270"/>
+            <a:ext cx="205115" cy="0"/>
+          </a:xfrm>
+          <a:prstGeom prst="line">
+            <a:avLst/>
+          </a:prstGeom>
+          <a:ln w="50800">
+            <a:solidFill>
+              <a:srgbClr val="FF0000"/>
+            </a:solidFill>
+          </a:ln>
+        </p:spPr>
+        <p:style>
+          <a:lnRef idx="1">
+            <a:schemeClr val="accent1"/>
+          </a:lnRef>
+          <a:fillRef idx="0">
+            <a:schemeClr val="accent1"/>
+          </a:fillRef>
+          <a:effectRef idx="0">
+            <a:schemeClr val="accent1"/>
+          </a:effectRef>
+          <a:fontRef idx="minor">
+            <a:schemeClr val="tx1"/>
+          </a:fontRef>
+        </p:style>
+      </p:cxnSp>
+      <p:sp>
+        <p:nvSpPr>
+          <p:cNvPr id="34" name="TextBox 33">
+            <a:extLst>
+              <a:ext uri="{FF2B5EF4-FFF2-40B4-BE49-F238E27FC236}">
+                <a16:creationId xmlns:a16="http://schemas.microsoft.com/office/drawing/2014/main" id="{D0123E1E-48BE-F548-9B4F-B8EC442DF6FE}"/>
+              </a:ext>
+            </a:extLst>
+          </p:cNvPr>
+          <p:cNvSpPr txBox="1"/>
+          <p:nvPr/>
+        </p:nvSpPr>
+        <p:spPr>
+          <a:xfrm>
+            <a:off x="2875922" y="2901091"/>
+            <a:ext cx="630301" cy="369332"/>
+          </a:xfrm>
+          <a:prstGeom prst="rect">
+            <a:avLst/>
+          </a:prstGeom>
+          <a:noFill/>
+        </p:spPr>
+        <p:txBody>
+          <a:bodyPr wrap="none" rtlCol="0">
+            <a:spAutoFit/>
+          </a:bodyPr>
+          <a:lstStyle/>
+          <a:p>
+            <a:pPr algn="ctr"/>
+            <a:r>
+              <a:rPr lang="en-US" dirty="0">
+                <a:latin typeface="Calibri" panose="020F0502020204030204" pitchFamily="34" charset="0"/>
+                <a:cs typeface="Calibri" panose="020F0502020204030204" pitchFamily="34" charset="0"/>
+              </a:rPr>
+              <a:t>Lane</a:t>
+            </a:r>
+          </a:p>
+        </p:txBody>
+      </p:sp>
+      <p:cxnSp>
+        <p:nvCxnSpPr>
+          <p:cNvPr id="39" name="Straight Connector 38">
+            <a:extLst>
+              <a:ext uri="{FF2B5EF4-FFF2-40B4-BE49-F238E27FC236}">
+                <a16:creationId xmlns:a16="http://schemas.microsoft.com/office/drawing/2014/main" id="{CF08F8A9-1C0B-C346-AE6C-65783C3FB23C}"/>
+              </a:ext>
+            </a:extLst>
+          </p:cNvPr>
+          <p:cNvCxnSpPr>
+            <a:cxnSpLocks/>
+          </p:cNvCxnSpPr>
+          <p:nvPr/>
+        </p:nvCxnSpPr>
+        <p:spPr>
+          <a:xfrm flipV="1">
+            <a:off x="3493752" y="1875565"/>
+            <a:ext cx="4004" cy="510311"/>
+          </a:xfrm>
+          <a:prstGeom prst="line">
+            <a:avLst/>
+          </a:prstGeom>
+          <a:ln w="50800">
+            <a:solidFill>
+              <a:srgbClr val="FF0000"/>
+            </a:solidFill>
+          </a:ln>
+        </p:spPr>
+        <p:style>
+          <a:lnRef idx="1">
+            <a:schemeClr val="accent1"/>
+          </a:lnRef>
+          <a:fillRef idx="0">
+            <a:schemeClr val="accent1"/>
+          </a:fillRef>
+          <a:effectRef idx="0">
+            <a:schemeClr val="accent1"/>
+          </a:effectRef>
+          <a:fontRef idx="minor">
+            <a:schemeClr val="tx1"/>
+          </a:fontRef>
+        </p:style>
+      </p:cxnSp>
+      <p:cxnSp>
+        <p:nvCxnSpPr>
+          <p:cNvPr id="40" name="Straight Connector 39">
+            <a:extLst>
+              <a:ext uri="{FF2B5EF4-FFF2-40B4-BE49-F238E27FC236}">
+                <a16:creationId xmlns:a16="http://schemas.microsoft.com/office/drawing/2014/main" id="{FC403368-AD83-FB44-AC5C-A8755C2FE74A}"/>
+              </a:ext>
+            </a:extLst>
+          </p:cNvPr>
+          <p:cNvCxnSpPr>
+            <a:cxnSpLocks/>
+          </p:cNvCxnSpPr>
+          <p:nvPr/>
+        </p:nvCxnSpPr>
+        <p:spPr>
+          <a:xfrm flipH="1">
+            <a:off x="3394959" y="1870270"/>
+            <a:ext cx="205115" cy="0"/>
+          </a:xfrm>
+          <a:prstGeom prst="line">
+            <a:avLst/>
+          </a:prstGeom>
+          <a:ln w="50800">
+            <a:solidFill>
+              <a:srgbClr val="FF0000"/>
+            </a:solidFill>
+          </a:ln>
+        </p:spPr>
+        <p:style>
+          <a:lnRef idx="1">
+            <a:schemeClr val="accent1"/>
+          </a:lnRef>
+          <a:fillRef idx="0">
+            <a:schemeClr val="accent1"/>
+          </a:fillRef>
+          <a:effectRef idx="0">
+            <a:schemeClr val="accent1"/>
+          </a:effectRef>
+          <a:fontRef idx="minor">
+            <a:schemeClr val="tx1"/>
+          </a:fontRef>
+        </p:style>
+      </p:cxnSp>
+      <p:sp>
+        <p:nvSpPr>
+          <p:cNvPr id="41" name="TextBox 40">
+            <a:extLst>
+              <a:ext uri="{FF2B5EF4-FFF2-40B4-BE49-F238E27FC236}">
+                <a16:creationId xmlns:a16="http://schemas.microsoft.com/office/drawing/2014/main" id="{12E9017D-6938-DE4F-BA67-60A5517CA9DD}"/>
+              </a:ext>
+            </a:extLst>
+          </p:cNvPr>
+          <p:cNvSpPr txBox="1"/>
+          <p:nvPr/>
+        </p:nvSpPr>
+        <p:spPr>
+          <a:xfrm>
+            <a:off x="3259750" y="2385284"/>
+            <a:ext cx="518091" cy="369332"/>
+          </a:xfrm>
+          <a:prstGeom prst="rect">
+            <a:avLst/>
+          </a:prstGeom>
+          <a:noFill/>
+        </p:spPr>
+        <p:txBody>
+          <a:bodyPr wrap="none" rtlCol="0">
+            <a:spAutoFit/>
+          </a:bodyPr>
+          <a:lstStyle/>
+          <a:p>
+            <a:pPr algn="ctr"/>
+            <a:r>
+              <a:rPr lang="en-US" dirty="0">
+                <a:latin typeface="Calibri" panose="020F0502020204030204" pitchFamily="34" charset="0"/>
+                <a:cs typeface="Calibri" panose="020F0502020204030204" pitchFamily="34" charset="0"/>
+              </a:rPr>
+              <a:t>Tile</a:t>
+            </a:r>
+          </a:p>
+        </p:txBody>
+      </p:sp>
+      <p:cxnSp>
+        <p:nvCxnSpPr>
+          <p:cNvPr id="44" name="Straight Connector 43">
+            <a:extLst>
+              <a:ext uri="{FF2B5EF4-FFF2-40B4-BE49-F238E27FC236}">
+                <a16:creationId xmlns:a16="http://schemas.microsoft.com/office/drawing/2014/main" id="{25EFFEEB-D829-0345-AA77-C4F9B3D29319}"/>
+              </a:ext>
+            </a:extLst>
+          </p:cNvPr>
+          <p:cNvCxnSpPr>
+            <a:cxnSpLocks/>
+          </p:cNvCxnSpPr>
+          <p:nvPr/>
+        </p:nvCxnSpPr>
+        <p:spPr>
+          <a:xfrm flipV="1">
+            <a:off x="4344786" y="1862931"/>
+            <a:ext cx="0" cy="1032858"/>
+          </a:xfrm>
+          <a:prstGeom prst="line">
+            <a:avLst/>
+          </a:prstGeom>
+          <a:ln w="50800">
+            <a:solidFill>
+              <a:srgbClr val="FF0000"/>
+            </a:solidFill>
+          </a:ln>
+        </p:spPr>
+        <p:style>
+          <a:lnRef idx="1">
+            <a:schemeClr val="accent1"/>
+          </a:lnRef>
+          <a:fillRef idx="0">
+            <a:schemeClr val="accent1"/>
+          </a:fillRef>
+          <a:effectRef idx="0">
+            <a:schemeClr val="accent1"/>
+          </a:effectRef>
+          <a:fontRef idx="minor">
+            <a:schemeClr val="tx1"/>
+          </a:fontRef>
+        </p:style>
+      </p:cxnSp>
+      <p:cxnSp>
+        <p:nvCxnSpPr>
+          <p:cNvPr id="45" name="Straight Connector 44">
+            <a:extLst>
+              <a:ext uri="{FF2B5EF4-FFF2-40B4-BE49-F238E27FC236}">
+                <a16:creationId xmlns:a16="http://schemas.microsoft.com/office/drawing/2014/main" id="{82D0D98C-E70C-9B45-B44D-89120083683A}"/>
+              </a:ext>
+            </a:extLst>
+          </p:cNvPr>
+          <p:cNvCxnSpPr>
+            <a:cxnSpLocks/>
+          </p:cNvCxnSpPr>
+          <p:nvPr/>
+        </p:nvCxnSpPr>
+        <p:spPr>
+          <a:xfrm flipH="1">
+            <a:off x="3886201" y="1866344"/>
+            <a:ext cx="1042794" cy="0"/>
+          </a:xfrm>
+          <a:prstGeom prst="line">
+            <a:avLst/>
+          </a:prstGeom>
+          <a:ln w="50800">
+            <a:solidFill>
+              <a:srgbClr val="FF0000"/>
+            </a:solidFill>
+          </a:ln>
+        </p:spPr>
+        <p:style>
+          <a:lnRef idx="1">
+            <a:schemeClr val="accent1"/>
+          </a:lnRef>
+          <a:fillRef idx="0">
+            <a:schemeClr val="accent1"/>
+          </a:fillRef>
+          <a:effectRef idx="0">
+            <a:schemeClr val="accent1"/>
+          </a:effectRef>
+          <a:fontRef idx="minor">
+            <a:schemeClr val="tx1"/>
+          </a:fontRef>
+        </p:style>
+      </p:cxnSp>
+      <p:sp>
+        <p:nvSpPr>
+          <p:cNvPr id="46" name="TextBox 45">
+            <a:extLst>
+              <a:ext uri="{FF2B5EF4-FFF2-40B4-BE49-F238E27FC236}">
+                <a16:creationId xmlns:a16="http://schemas.microsoft.com/office/drawing/2014/main" id="{3C2E421F-5BD8-F64F-A42A-43EDF5855F84}"/>
+              </a:ext>
+            </a:extLst>
+          </p:cNvPr>
+          <p:cNvSpPr txBox="1"/>
+          <p:nvPr/>
+        </p:nvSpPr>
+        <p:spPr>
+          <a:xfrm>
+            <a:off x="3769960" y="2895789"/>
+            <a:ext cx="1187889" cy="369332"/>
+          </a:xfrm>
+          <a:prstGeom prst="rect">
+            <a:avLst/>
+          </a:prstGeom>
+          <a:noFill/>
+        </p:spPr>
+        <p:txBody>
+          <a:bodyPr wrap="none" rtlCol="0">
+            <a:spAutoFit/>
+          </a:bodyPr>
+          <a:lstStyle/>
+          <a:p>
+            <a:pPr algn="ctr"/>
+            <a:r>
+              <a:rPr lang="en-US" dirty="0">
+                <a:latin typeface="Calibri" panose="020F0502020204030204" pitchFamily="34" charset="0"/>
+                <a:cs typeface="Calibri" panose="020F0502020204030204" pitchFamily="34" charset="0"/>
+              </a:rPr>
+              <a:t>X/Y </a:t>
+            </a:r>
+            <a:r>
+              <a:rPr lang="en-US" dirty="0" err="1">
+                <a:latin typeface="Calibri" panose="020F0502020204030204" pitchFamily="34" charset="0"/>
+                <a:cs typeface="Calibri" panose="020F0502020204030204" pitchFamily="34" charset="0"/>
+              </a:rPr>
+              <a:t>coords</a:t>
+            </a:r>
+            <a:endParaRPr lang="en-US" dirty="0">
               <a:latin typeface="Calibri" panose="020F0502020204030204" pitchFamily="34" charset="0"/>
               <a:cs typeface="Calibri" panose="020F0502020204030204" pitchFamily="34" charset="0"/>
             </a:endParaRPr>
           </a:p>
-          <a:p>
-            <a:pPr marL="0" indent="0">
-              <a:buNone/>
-            </a:pPr>
-            <a:r>
-              <a:rPr lang="en-US" sz="2667" dirty="0">
-                <a:latin typeface="Calibri" panose="020F0502020204030204" pitchFamily="34" charset="0"/>
-                <a:cs typeface="Calibri" panose="020F0502020204030204" pitchFamily="34" charset="0"/>
-              </a:rPr>
-              <a:t>@HWI-ST718_146963544:5:2303:11793:37095/1</a:t>
-            </a:r>
-          </a:p>
-          <a:p>
-            <a:pPr marL="0" indent="0">
-              <a:buNone/>
-            </a:pPr>
-            <a:r>
-              <a:rPr lang="en-US" sz="2667" dirty="0">
-                <a:latin typeface="Calibri" panose="020F0502020204030204" pitchFamily="34" charset="0"/>
-                <a:cs typeface="Calibri" panose="020F0502020204030204" pitchFamily="34" charset="0"/>
-              </a:rPr>
-              <a:t>ATGAATTATAGGGCTGTATTTTAATTTTGCATTTTAA</a:t>
-            </a:r>
-          </a:p>
-          <a:p>
-            <a:pPr marL="0" indent="0">
-              <a:buNone/>
-            </a:pPr>
-            <a:r>
-              <a:rPr lang="en-US" sz="2667" dirty="0">
-                <a:latin typeface="Calibri" panose="020F0502020204030204" pitchFamily="34" charset="0"/>
-                <a:cs typeface="Calibri" panose="020F0502020204030204" pitchFamily="34" charset="0"/>
-              </a:rPr>
-              <a:t>+</a:t>
-            </a:r>
-          </a:p>
-          <a:p>
-            <a:pPr marL="0" indent="0">
-              <a:buNone/>
-            </a:pPr>
-            <a:r>
-              <a:rPr lang="en-US" sz="2667" dirty="0">
-                <a:latin typeface="Calibri" panose="020F0502020204030204" pitchFamily="34" charset="0"/>
-                <a:cs typeface="Calibri" panose="020F0502020204030204" pitchFamily="34" charset="0"/>
-              </a:rPr>
-              <a:t>@@??BDDFFF&lt;FHEGFFGGIEBGHIIIIIBEHIIGIH&lt;FHE</a:t>
+        </p:txBody>
+      </p:sp>
+      <p:cxnSp>
+        <p:nvCxnSpPr>
+          <p:cNvPr id="51" name="Straight Connector 50">
+            <a:extLst>
+              <a:ext uri="{FF2B5EF4-FFF2-40B4-BE49-F238E27FC236}">
+                <a16:creationId xmlns:a16="http://schemas.microsoft.com/office/drawing/2014/main" id="{4CF89BD3-6382-3D47-8DA3-73A4EC44F9FC}"/>
+              </a:ext>
+            </a:extLst>
+          </p:cNvPr>
+          <p:cNvCxnSpPr>
+            <a:cxnSpLocks/>
+          </p:cNvCxnSpPr>
+          <p:nvPr/>
+        </p:nvCxnSpPr>
+        <p:spPr>
+          <a:xfrm flipH="1" flipV="1">
+            <a:off x="5334565" y="1862931"/>
+            <a:ext cx="1228" cy="518505"/>
+          </a:xfrm>
+          <a:prstGeom prst="line">
+            <a:avLst/>
+          </a:prstGeom>
+          <a:ln w="50800">
+            <a:solidFill>
+              <a:srgbClr val="FF0000"/>
+            </a:solidFill>
+          </a:ln>
+        </p:spPr>
+        <p:style>
+          <a:lnRef idx="1">
+            <a:schemeClr val="accent1"/>
+          </a:lnRef>
+          <a:fillRef idx="0">
+            <a:schemeClr val="accent1"/>
+          </a:fillRef>
+          <a:effectRef idx="0">
+            <a:schemeClr val="accent1"/>
+          </a:effectRef>
+          <a:fontRef idx="minor">
+            <a:schemeClr val="tx1"/>
+          </a:fontRef>
+        </p:style>
+      </p:cxnSp>
+      <p:cxnSp>
+        <p:nvCxnSpPr>
+          <p:cNvPr id="52" name="Straight Connector 51">
+            <a:extLst>
+              <a:ext uri="{FF2B5EF4-FFF2-40B4-BE49-F238E27FC236}">
+                <a16:creationId xmlns:a16="http://schemas.microsoft.com/office/drawing/2014/main" id="{1FF942CF-E33E-C640-9070-D28E5279C564}"/>
+              </a:ext>
+            </a:extLst>
+          </p:cNvPr>
+          <p:cNvCxnSpPr>
+            <a:cxnSpLocks/>
+          </p:cNvCxnSpPr>
+          <p:nvPr/>
+        </p:nvCxnSpPr>
+        <p:spPr>
+          <a:xfrm flipH="1" flipV="1">
+            <a:off x="5186363" y="1866344"/>
+            <a:ext cx="254319" cy="3413"/>
+          </a:xfrm>
+          <a:prstGeom prst="line">
+            <a:avLst/>
+          </a:prstGeom>
+          <a:ln w="50800">
+            <a:solidFill>
+              <a:srgbClr val="FF0000"/>
+            </a:solidFill>
+          </a:ln>
+        </p:spPr>
+        <p:style>
+          <a:lnRef idx="1">
+            <a:schemeClr val="accent1"/>
+          </a:lnRef>
+          <a:fillRef idx="0">
+            <a:schemeClr val="accent1"/>
+          </a:fillRef>
+          <a:effectRef idx="0">
+            <a:schemeClr val="accent1"/>
+          </a:effectRef>
+          <a:fontRef idx="minor">
+            <a:schemeClr val="tx1"/>
+          </a:fontRef>
+        </p:style>
+      </p:cxnSp>
+      <p:sp>
+        <p:nvSpPr>
+          <p:cNvPr id="53" name="TextBox 52">
+            <a:extLst>
+              <a:ext uri="{FF2B5EF4-FFF2-40B4-BE49-F238E27FC236}">
+                <a16:creationId xmlns:a16="http://schemas.microsoft.com/office/drawing/2014/main" id="{A2D284DB-B08D-8147-8916-62B8D23526BE}"/>
+              </a:ext>
+            </a:extLst>
+          </p:cNvPr>
+          <p:cNvSpPr txBox="1"/>
+          <p:nvPr/>
+        </p:nvSpPr>
+        <p:spPr>
+          <a:xfrm>
+            <a:off x="4984877" y="2385284"/>
+            <a:ext cx="699377" cy="369332"/>
+          </a:xfrm>
+          <a:prstGeom prst="rect">
+            <a:avLst/>
+          </a:prstGeom>
+          <a:noFill/>
+        </p:spPr>
+        <p:txBody>
+          <a:bodyPr wrap="square" rtlCol="0">
+            <a:spAutoFit/>
+          </a:bodyPr>
+          <a:lstStyle/>
+          <a:p>
+            <a:pPr algn="ctr"/>
+            <a:r>
+              <a:rPr lang="en-US" dirty="0">
+                <a:latin typeface="Calibri" panose="020F0502020204030204" pitchFamily="34" charset="0"/>
+                <a:cs typeface="Calibri" panose="020F0502020204030204" pitchFamily="34" charset="0"/>
+              </a:rPr>
+              <a:t>Index</a:t>
+            </a:r>
+          </a:p>
+        </p:txBody>
+      </p:sp>
+      <p:cxnSp>
+        <p:nvCxnSpPr>
+          <p:cNvPr id="60" name="Straight Connector 59">
+            <a:extLst>
+              <a:ext uri="{FF2B5EF4-FFF2-40B4-BE49-F238E27FC236}">
+                <a16:creationId xmlns:a16="http://schemas.microsoft.com/office/drawing/2014/main" id="{E6B322E8-9E1F-C84E-B3CD-7DEBE3831AA3}"/>
+              </a:ext>
+            </a:extLst>
+          </p:cNvPr>
+          <p:cNvCxnSpPr>
+            <a:cxnSpLocks/>
+          </p:cNvCxnSpPr>
+          <p:nvPr/>
+        </p:nvCxnSpPr>
+        <p:spPr>
+          <a:xfrm flipV="1">
+            <a:off x="5642815" y="1875565"/>
+            <a:ext cx="0" cy="1020224"/>
+          </a:xfrm>
+          <a:prstGeom prst="line">
+            <a:avLst/>
+          </a:prstGeom>
+          <a:ln w="50800">
+            <a:solidFill>
+              <a:srgbClr val="FF0000"/>
+            </a:solidFill>
+          </a:ln>
+        </p:spPr>
+        <p:style>
+          <a:lnRef idx="1">
+            <a:schemeClr val="accent1"/>
+          </a:lnRef>
+          <a:fillRef idx="0">
+            <a:schemeClr val="accent1"/>
+          </a:fillRef>
+          <a:effectRef idx="0">
+            <a:schemeClr val="accent1"/>
+          </a:effectRef>
+          <a:fontRef idx="minor">
+            <a:schemeClr val="tx1"/>
+          </a:fontRef>
+        </p:style>
+      </p:cxnSp>
+      <p:cxnSp>
+        <p:nvCxnSpPr>
+          <p:cNvPr id="61" name="Straight Connector 60">
+            <a:extLst>
+              <a:ext uri="{FF2B5EF4-FFF2-40B4-BE49-F238E27FC236}">
+                <a16:creationId xmlns:a16="http://schemas.microsoft.com/office/drawing/2014/main" id="{79305F2F-B712-804A-B7EC-3A64109CD0A2}"/>
+              </a:ext>
+            </a:extLst>
+          </p:cNvPr>
+          <p:cNvCxnSpPr>
+            <a:cxnSpLocks/>
+          </p:cNvCxnSpPr>
+          <p:nvPr/>
+        </p:nvCxnSpPr>
+        <p:spPr>
+          <a:xfrm flipH="1">
+            <a:off x="5515656" y="1862931"/>
+            <a:ext cx="270405" cy="1"/>
+          </a:xfrm>
+          <a:prstGeom prst="line">
+            <a:avLst/>
+          </a:prstGeom>
+          <a:ln w="50800">
+            <a:solidFill>
+              <a:srgbClr val="FF0000"/>
+            </a:solidFill>
+          </a:ln>
+        </p:spPr>
+        <p:style>
+          <a:lnRef idx="1">
+            <a:schemeClr val="accent1"/>
+          </a:lnRef>
+          <a:fillRef idx="0">
+            <a:schemeClr val="accent1"/>
+          </a:fillRef>
+          <a:effectRef idx="0">
+            <a:schemeClr val="accent1"/>
+          </a:effectRef>
+          <a:fontRef idx="minor">
+            <a:schemeClr val="tx1"/>
+          </a:fontRef>
+        </p:style>
+      </p:cxnSp>
+      <p:sp>
+        <p:nvSpPr>
+          <p:cNvPr id="62" name="TextBox 61">
+            <a:extLst>
+              <a:ext uri="{FF2B5EF4-FFF2-40B4-BE49-F238E27FC236}">
+                <a16:creationId xmlns:a16="http://schemas.microsoft.com/office/drawing/2014/main" id="{B060E848-7E8A-4546-8EFA-B6B06FBA6A14}"/>
+              </a:ext>
+            </a:extLst>
+          </p:cNvPr>
+          <p:cNvSpPr txBox="1"/>
+          <p:nvPr/>
+        </p:nvSpPr>
+        <p:spPr>
+          <a:xfrm>
+            <a:off x="5356584" y="2903641"/>
+            <a:ext cx="585418" cy="369332"/>
+          </a:xfrm>
+          <a:prstGeom prst="rect">
+            <a:avLst/>
+          </a:prstGeom>
+          <a:noFill/>
+        </p:spPr>
+        <p:txBody>
+          <a:bodyPr wrap="square" rtlCol="0">
+            <a:spAutoFit/>
+          </a:bodyPr>
+          <a:lstStyle/>
+          <a:p>
+            <a:pPr algn="ctr"/>
+            <a:r>
+              <a:rPr lang="en-US" dirty="0">
+                <a:latin typeface="Calibri" panose="020F0502020204030204" pitchFamily="34" charset="0"/>
+                <a:cs typeface="Calibri" panose="020F0502020204030204" pitchFamily="34" charset="0"/>
+              </a:rPr>
+              <a:t>Pair</a:t>
+            </a:r>
+          </a:p>
+        </p:txBody>
+      </p:sp>
+      <p:cxnSp>
+        <p:nvCxnSpPr>
+          <p:cNvPr id="65" name="Straight Connector 64">
+            <a:extLst>
+              <a:ext uri="{FF2B5EF4-FFF2-40B4-BE49-F238E27FC236}">
+                <a16:creationId xmlns:a16="http://schemas.microsoft.com/office/drawing/2014/main" id="{96EABDA1-7E64-964B-9720-7F7F9398AE62}"/>
+              </a:ext>
+            </a:extLst>
+          </p:cNvPr>
+          <p:cNvCxnSpPr>
+            <a:cxnSpLocks/>
+          </p:cNvCxnSpPr>
+          <p:nvPr/>
+        </p:nvCxnSpPr>
+        <p:spPr>
+          <a:xfrm flipH="1">
+            <a:off x="520937" y="4864716"/>
+            <a:ext cx="1179276" cy="3926"/>
+          </a:xfrm>
+          <a:prstGeom prst="line">
+            <a:avLst/>
+          </a:prstGeom>
+          <a:ln w="50800">
+            <a:solidFill>
+              <a:srgbClr val="FF0000"/>
+            </a:solidFill>
+          </a:ln>
+        </p:spPr>
+        <p:style>
+          <a:lnRef idx="1">
+            <a:schemeClr val="accent1"/>
+          </a:lnRef>
+          <a:fillRef idx="0">
+            <a:schemeClr val="accent1"/>
+          </a:fillRef>
+          <a:effectRef idx="0">
+            <a:schemeClr val="accent1"/>
+          </a:effectRef>
+          <a:fontRef idx="minor">
+            <a:schemeClr val="tx1"/>
+          </a:fontRef>
+        </p:style>
+      </p:cxnSp>
+      <p:cxnSp>
+        <p:nvCxnSpPr>
+          <p:cNvPr id="66" name="Straight Connector 65">
+            <a:extLst>
+              <a:ext uri="{FF2B5EF4-FFF2-40B4-BE49-F238E27FC236}">
+                <a16:creationId xmlns:a16="http://schemas.microsoft.com/office/drawing/2014/main" id="{D51F80D3-C1C7-2446-9E9B-69E79FF6BCF8}"/>
+              </a:ext>
+            </a:extLst>
+          </p:cNvPr>
+          <p:cNvCxnSpPr>
+            <a:cxnSpLocks/>
+          </p:cNvCxnSpPr>
+          <p:nvPr/>
+        </p:nvCxnSpPr>
+        <p:spPr>
+          <a:xfrm flipV="1">
+            <a:off x="1121008" y="4870036"/>
+            <a:ext cx="1" cy="514349"/>
+          </a:xfrm>
+          <a:prstGeom prst="line">
+            <a:avLst/>
+          </a:prstGeom>
+          <a:ln w="50800">
+            <a:solidFill>
+              <a:srgbClr val="FF0000"/>
+            </a:solidFill>
+          </a:ln>
+        </p:spPr>
+        <p:style>
+          <a:lnRef idx="1">
+            <a:schemeClr val="accent1"/>
+          </a:lnRef>
+          <a:fillRef idx="0">
+            <a:schemeClr val="accent1"/>
+          </a:fillRef>
+          <a:effectRef idx="0">
+            <a:schemeClr val="accent1"/>
+          </a:effectRef>
+          <a:fontRef idx="minor">
+            <a:schemeClr val="tx1"/>
+          </a:fontRef>
+        </p:style>
+      </p:cxnSp>
+      <p:sp>
+        <p:nvSpPr>
+          <p:cNvPr id="67" name="TextBox 66">
+            <a:extLst>
+              <a:ext uri="{FF2B5EF4-FFF2-40B4-BE49-F238E27FC236}">
+                <a16:creationId xmlns:a16="http://schemas.microsoft.com/office/drawing/2014/main" id="{4E686D7A-F71B-844E-B231-14440355B6C6}"/>
+              </a:ext>
+            </a:extLst>
+          </p:cNvPr>
+          <p:cNvSpPr txBox="1"/>
+          <p:nvPr/>
+        </p:nvSpPr>
+        <p:spPr>
+          <a:xfrm>
+            <a:off x="380997" y="5413448"/>
+            <a:ext cx="1480021" cy="369332"/>
+          </a:xfrm>
+          <a:prstGeom prst="rect">
+            <a:avLst/>
+          </a:prstGeom>
+          <a:noFill/>
+        </p:spPr>
+        <p:txBody>
+          <a:bodyPr wrap="none" rtlCol="0">
+            <a:spAutoFit/>
+          </a:bodyPr>
+          <a:lstStyle/>
+          <a:p>
+            <a:pPr algn="ctr"/>
+            <a:r>
+              <a:rPr lang="en-US" dirty="0">
+                <a:latin typeface="Calibri" panose="020F0502020204030204" pitchFamily="34" charset="0"/>
+                <a:cs typeface="Calibri" panose="020F0502020204030204" pitchFamily="34" charset="0"/>
+              </a:rPr>
+              <a:t>Instrument ID</a:t>
+            </a:r>
+          </a:p>
+        </p:txBody>
+      </p:sp>
+      <p:cxnSp>
+        <p:nvCxnSpPr>
+          <p:cNvPr id="68" name="Straight Connector 67">
+            <a:extLst>
+              <a:ext uri="{FF2B5EF4-FFF2-40B4-BE49-F238E27FC236}">
+                <a16:creationId xmlns:a16="http://schemas.microsoft.com/office/drawing/2014/main" id="{35B51002-2CB7-5340-8BFA-F41CE766FED4}"/>
+              </a:ext>
+            </a:extLst>
+          </p:cNvPr>
+          <p:cNvCxnSpPr>
+            <a:cxnSpLocks/>
+          </p:cNvCxnSpPr>
+          <p:nvPr/>
+        </p:nvCxnSpPr>
+        <p:spPr>
+          <a:xfrm flipH="1" flipV="1">
+            <a:off x="3743140" y="4851822"/>
+            <a:ext cx="16278" cy="1029368"/>
+          </a:xfrm>
+          <a:prstGeom prst="line">
+            <a:avLst/>
+          </a:prstGeom>
+          <a:ln w="50800">
+            <a:solidFill>
+              <a:srgbClr val="FF0000"/>
+            </a:solidFill>
+          </a:ln>
+        </p:spPr>
+        <p:style>
+          <a:lnRef idx="1">
+            <a:schemeClr val="accent1"/>
+          </a:lnRef>
+          <a:fillRef idx="0">
+            <a:schemeClr val="accent1"/>
+          </a:fillRef>
+          <a:effectRef idx="0">
+            <a:schemeClr val="accent1"/>
+          </a:effectRef>
+          <a:fontRef idx="minor">
+            <a:schemeClr val="tx1"/>
+          </a:fontRef>
+        </p:style>
+      </p:cxnSp>
+      <p:cxnSp>
+        <p:nvCxnSpPr>
+          <p:cNvPr id="69" name="Straight Connector 68">
+            <a:extLst>
+              <a:ext uri="{FF2B5EF4-FFF2-40B4-BE49-F238E27FC236}">
+                <a16:creationId xmlns:a16="http://schemas.microsoft.com/office/drawing/2014/main" id="{B9612ACE-871B-D44D-B5F4-12A3832A6E69}"/>
+              </a:ext>
+            </a:extLst>
+          </p:cNvPr>
+          <p:cNvCxnSpPr>
+            <a:cxnSpLocks/>
+          </p:cNvCxnSpPr>
+          <p:nvPr/>
+        </p:nvCxnSpPr>
+        <p:spPr>
+          <a:xfrm flipH="1">
+            <a:off x="3644782" y="4851822"/>
+            <a:ext cx="205115" cy="0"/>
+          </a:xfrm>
+          <a:prstGeom prst="line">
+            <a:avLst/>
+          </a:prstGeom>
+          <a:ln w="50800">
+            <a:solidFill>
+              <a:srgbClr val="FF0000"/>
+            </a:solidFill>
+          </a:ln>
+        </p:spPr>
+        <p:style>
+          <a:lnRef idx="1">
+            <a:schemeClr val="accent1"/>
+          </a:lnRef>
+          <a:fillRef idx="0">
+            <a:schemeClr val="accent1"/>
+          </a:fillRef>
+          <a:effectRef idx="0">
+            <a:schemeClr val="accent1"/>
+          </a:effectRef>
+          <a:fontRef idx="minor">
+            <a:schemeClr val="tx1"/>
+          </a:fontRef>
+        </p:style>
+      </p:cxnSp>
+      <p:sp>
+        <p:nvSpPr>
+          <p:cNvPr id="70" name="TextBox 69">
+            <a:extLst>
+              <a:ext uri="{FF2B5EF4-FFF2-40B4-BE49-F238E27FC236}">
+                <a16:creationId xmlns:a16="http://schemas.microsoft.com/office/drawing/2014/main" id="{EA899F80-B9ED-D14A-8D1C-A2757FCBEB79}"/>
+              </a:ext>
+            </a:extLst>
+          </p:cNvPr>
+          <p:cNvSpPr txBox="1"/>
+          <p:nvPr/>
+        </p:nvSpPr>
+        <p:spPr>
+          <a:xfrm>
+            <a:off x="3466743" y="5898010"/>
+            <a:ext cx="585417" cy="369332"/>
+          </a:xfrm>
+          <a:prstGeom prst="rect">
+            <a:avLst/>
+          </a:prstGeom>
+          <a:noFill/>
+        </p:spPr>
+        <p:txBody>
+          <a:bodyPr wrap="none" rtlCol="0">
+            <a:spAutoFit/>
+          </a:bodyPr>
+          <a:lstStyle/>
+          <a:p>
+            <a:pPr algn="ctr"/>
+            <a:r>
+              <a:rPr lang="en-US" dirty="0">
+                <a:latin typeface="Calibri" panose="020F0502020204030204" pitchFamily="34" charset="0"/>
+                <a:cs typeface="Calibri" panose="020F0502020204030204" pitchFamily="34" charset="0"/>
+              </a:rPr>
+              <a:t>lane</a:t>
+            </a:r>
+          </a:p>
+        </p:txBody>
+      </p:sp>
+      <p:cxnSp>
+        <p:nvCxnSpPr>
+          <p:cNvPr id="71" name="Straight Connector 70">
+            <a:extLst>
+              <a:ext uri="{FF2B5EF4-FFF2-40B4-BE49-F238E27FC236}">
+                <a16:creationId xmlns:a16="http://schemas.microsoft.com/office/drawing/2014/main" id="{195804D6-F4EE-6F4D-BB27-9A5273B99F6B}"/>
+              </a:ext>
+            </a:extLst>
+          </p:cNvPr>
+          <p:cNvCxnSpPr>
+            <a:cxnSpLocks/>
+          </p:cNvCxnSpPr>
+          <p:nvPr/>
+        </p:nvCxnSpPr>
+        <p:spPr>
+          <a:xfrm flipH="1" flipV="1">
+            <a:off x="4294636" y="4852827"/>
+            <a:ext cx="1" cy="531422"/>
+          </a:xfrm>
+          <a:prstGeom prst="line">
+            <a:avLst/>
+          </a:prstGeom>
+          <a:ln w="50800">
+            <a:solidFill>
+              <a:srgbClr val="FF0000"/>
+            </a:solidFill>
+          </a:ln>
+        </p:spPr>
+        <p:style>
+          <a:lnRef idx="1">
+            <a:schemeClr val="accent1"/>
+          </a:lnRef>
+          <a:fillRef idx="0">
+            <a:schemeClr val="accent1"/>
+          </a:fillRef>
+          <a:effectRef idx="0">
+            <a:schemeClr val="accent1"/>
+          </a:effectRef>
+          <a:fontRef idx="minor">
+            <a:schemeClr val="tx1"/>
+          </a:fontRef>
+        </p:style>
+      </p:cxnSp>
+      <p:cxnSp>
+        <p:nvCxnSpPr>
+          <p:cNvPr id="72" name="Straight Connector 71">
+            <a:extLst>
+              <a:ext uri="{FF2B5EF4-FFF2-40B4-BE49-F238E27FC236}">
+                <a16:creationId xmlns:a16="http://schemas.microsoft.com/office/drawing/2014/main" id="{560D3991-322A-3A44-9546-B0204020708F}"/>
+              </a:ext>
+            </a:extLst>
+          </p:cNvPr>
+          <p:cNvCxnSpPr>
+            <a:cxnSpLocks/>
+          </p:cNvCxnSpPr>
+          <p:nvPr/>
+        </p:nvCxnSpPr>
+        <p:spPr>
+          <a:xfrm flipH="1">
+            <a:off x="4052161" y="4852827"/>
+            <a:ext cx="579024" cy="1560"/>
+          </a:xfrm>
+          <a:prstGeom prst="line">
+            <a:avLst/>
+          </a:prstGeom>
+          <a:ln w="50800">
+            <a:solidFill>
+              <a:srgbClr val="FF0000"/>
+            </a:solidFill>
+          </a:ln>
+        </p:spPr>
+        <p:style>
+          <a:lnRef idx="1">
+            <a:schemeClr val="accent1"/>
+          </a:lnRef>
+          <a:fillRef idx="0">
+            <a:schemeClr val="accent1"/>
+          </a:fillRef>
+          <a:effectRef idx="0">
+            <a:schemeClr val="accent1"/>
+          </a:effectRef>
+          <a:fontRef idx="minor">
+            <a:schemeClr val="tx1"/>
+          </a:fontRef>
+        </p:style>
+      </p:cxnSp>
+      <p:sp>
+        <p:nvSpPr>
+          <p:cNvPr id="73" name="TextBox 72">
+            <a:extLst>
+              <a:ext uri="{FF2B5EF4-FFF2-40B4-BE49-F238E27FC236}">
+                <a16:creationId xmlns:a16="http://schemas.microsoft.com/office/drawing/2014/main" id="{D7A20B43-AD9E-E548-A376-6FF5326D3AF2}"/>
+              </a:ext>
+            </a:extLst>
+          </p:cNvPr>
+          <p:cNvSpPr txBox="1"/>
+          <p:nvPr/>
+        </p:nvSpPr>
+        <p:spPr>
+          <a:xfrm>
+            <a:off x="4052167" y="5383656"/>
+            <a:ext cx="482824" cy="369332"/>
+          </a:xfrm>
+          <a:prstGeom prst="rect">
+            <a:avLst/>
+          </a:prstGeom>
+          <a:noFill/>
+        </p:spPr>
+        <p:txBody>
+          <a:bodyPr wrap="none" rtlCol="0">
+            <a:spAutoFit/>
+          </a:bodyPr>
+          <a:lstStyle/>
+          <a:p>
+            <a:pPr algn="ctr"/>
+            <a:r>
+              <a:rPr lang="en-US" dirty="0">
+                <a:latin typeface="Calibri" panose="020F0502020204030204" pitchFamily="34" charset="0"/>
+                <a:cs typeface="Calibri" panose="020F0502020204030204" pitchFamily="34" charset="0"/>
+              </a:rPr>
+              <a:t>tile</a:t>
+            </a:r>
+          </a:p>
+        </p:txBody>
+      </p:sp>
+      <p:cxnSp>
+        <p:nvCxnSpPr>
+          <p:cNvPr id="74" name="Straight Connector 73">
+            <a:extLst>
+              <a:ext uri="{FF2B5EF4-FFF2-40B4-BE49-F238E27FC236}">
+                <a16:creationId xmlns:a16="http://schemas.microsoft.com/office/drawing/2014/main" id="{D7A1025F-9F4F-F044-B416-01A047C64349}"/>
+              </a:ext>
+            </a:extLst>
+          </p:cNvPr>
+          <p:cNvCxnSpPr>
+            <a:cxnSpLocks/>
+          </p:cNvCxnSpPr>
+          <p:nvPr/>
+        </p:nvCxnSpPr>
+        <p:spPr>
+          <a:xfrm flipH="1" flipV="1">
+            <a:off x="5589607" y="4899017"/>
+            <a:ext cx="4798" cy="995144"/>
+          </a:xfrm>
+          <a:prstGeom prst="line">
+            <a:avLst/>
+          </a:prstGeom>
+          <a:ln w="50800">
+            <a:solidFill>
+              <a:srgbClr val="FF0000"/>
+            </a:solidFill>
+          </a:ln>
+        </p:spPr>
+        <p:style>
+          <a:lnRef idx="1">
+            <a:schemeClr val="accent1"/>
+          </a:lnRef>
+          <a:fillRef idx="0">
+            <a:schemeClr val="accent1"/>
+          </a:fillRef>
+          <a:effectRef idx="0">
+            <a:schemeClr val="accent1"/>
+          </a:effectRef>
+          <a:fontRef idx="minor">
+            <a:schemeClr val="tx1"/>
+          </a:fontRef>
+        </p:style>
+      </p:cxnSp>
+      <p:cxnSp>
+        <p:nvCxnSpPr>
+          <p:cNvPr id="75" name="Straight Connector 74">
+            <a:extLst>
+              <a:ext uri="{FF2B5EF4-FFF2-40B4-BE49-F238E27FC236}">
+                <a16:creationId xmlns:a16="http://schemas.microsoft.com/office/drawing/2014/main" id="{86B7AC85-8782-924F-A86E-D657BF0A7BCA}"/>
+              </a:ext>
+            </a:extLst>
+          </p:cNvPr>
+          <p:cNvCxnSpPr>
+            <a:cxnSpLocks/>
+          </p:cNvCxnSpPr>
+          <p:nvPr/>
+        </p:nvCxnSpPr>
+        <p:spPr>
+          <a:xfrm flipH="1">
+            <a:off x="4775580" y="4868130"/>
+            <a:ext cx="1768096" cy="0"/>
+          </a:xfrm>
+          <a:prstGeom prst="line">
+            <a:avLst/>
+          </a:prstGeom>
+          <a:ln w="50800">
+            <a:solidFill>
+              <a:srgbClr val="FF0000"/>
+            </a:solidFill>
+          </a:ln>
+        </p:spPr>
+        <p:style>
+          <a:lnRef idx="1">
+            <a:schemeClr val="accent1"/>
+          </a:lnRef>
+          <a:fillRef idx="0">
+            <a:schemeClr val="accent1"/>
+          </a:fillRef>
+          <a:effectRef idx="0">
+            <a:schemeClr val="accent1"/>
+          </a:effectRef>
+          <a:fontRef idx="minor">
+            <a:schemeClr val="tx1"/>
+          </a:fontRef>
+        </p:style>
+      </p:cxnSp>
+      <p:sp>
+        <p:nvSpPr>
+          <p:cNvPr id="76" name="TextBox 75">
+            <a:extLst>
+              <a:ext uri="{FF2B5EF4-FFF2-40B4-BE49-F238E27FC236}">
+                <a16:creationId xmlns:a16="http://schemas.microsoft.com/office/drawing/2014/main" id="{9062DD63-2E7B-E94C-9750-A7EA3F608780}"/>
+              </a:ext>
+            </a:extLst>
+          </p:cNvPr>
+          <p:cNvSpPr txBox="1"/>
+          <p:nvPr/>
+        </p:nvSpPr>
+        <p:spPr>
+          <a:xfrm>
+            <a:off x="5019579" y="5894161"/>
+            <a:ext cx="1159035" cy="369332"/>
+          </a:xfrm>
+          <a:prstGeom prst="rect">
+            <a:avLst/>
+          </a:prstGeom>
+          <a:noFill/>
+        </p:spPr>
+        <p:txBody>
+          <a:bodyPr wrap="none" rtlCol="0">
+            <a:spAutoFit/>
+          </a:bodyPr>
+          <a:lstStyle/>
+          <a:p>
+            <a:pPr algn="ctr"/>
+            <a:r>
+              <a:rPr lang="en-US" dirty="0">
+                <a:latin typeface="Calibri" panose="020F0502020204030204" pitchFamily="34" charset="0"/>
+                <a:cs typeface="Calibri" panose="020F0502020204030204" pitchFamily="34" charset="0"/>
+              </a:rPr>
+              <a:t>x/y </a:t>
+            </a:r>
+            <a:r>
+              <a:rPr lang="en-US" dirty="0" err="1">
+                <a:latin typeface="Calibri" panose="020F0502020204030204" pitchFamily="34" charset="0"/>
+                <a:cs typeface="Calibri" panose="020F0502020204030204" pitchFamily="34" charset="0"/>
+              </a:rPr>
+              <a:t>coords</a:t>
+            </a:r>
+            <a:endParaRPr lang="en-US" dirty="0">
+              <a:latin typeface="Calibri" panose="020F0502020204030204" pitchFamily="34" charset="0"/>
+              <a:cs typeface="Calibri" panose="020F0502020204030204" pitchFamily="34" charset="0"/>
+            </a:endParaRPr>
+          </a:p>
+        </p:txBody>
+      </p:sp>
+      <p:cxnSp>
+        <p:nvCxnSpPr>
+          <p:cNvPr id="77" name="Straight Connector 76">
+            <a:extLst>
+              <a:ext uri="{FF2B5EF4-FFF2-40B4-BE49-F238E27FC236}">
+                <a16:creationId xmlns:a16="http://schemas.microsoft.com/office/drawing/2014/main" id="{8A07EE91-4E86-A845-8F6D-D11DA336F1D9}"/>
+              </a:ext>
+            </a:extLst>
+          </p:cNvPr>
+          <p:cNvCxnSpPr>
+            <a:cxnSpLocks/>
+            <a:stCxn id="79" idx="0"/>
+          </p:cNvCxnSpPr>
+          <p:nvPr/>
+        </p:nvCxnSpPr>
+        <p:spPr>
+          <a:xfrm flipV="1">
+            <a:off x="11114579" y="4854385"/>
+            <a:ext cx="0" cy="1047628"/>
+          </a:xfrm>
+          <a:prstGeom prst="line">
+            <a:avLst/>
+          </a:prstGeom>
+          <a:ln w="50800">
+            <a:solidFill>
+              <a:srgbClr val="FF0000"/>
+            </a:solidFill>
+          </a:ln>
+        </p:spPr>
+        <p:style>
+          <a:lnRef idx="1">
+            <a:schemeClr val="accent1"/>
+          </a:lnRef>
+          <a:fillRef idx="0">
+            <a:schemeClr val="accent1"/>
+          </a:fillRef>
+          <a:effectRef idx="0">
+            <a:schemeClr val="accent1"/>
+          </a:effectRef>
+          <a:fontRef idx="minor">
+            <a:schemeClr val="tx1"/>
+          </a:fontRef>
+        </p:style>
+      </p:cxnSp>
+      <p:cxnSp>
+        <p:nvCxnSpPr>
+          <p:cNvPr id="78" name="Straight Connector 77">
+            <a:extLst>
+              <a:ext uri="{FF2B5EF4-FFF2-40B4-BE49-F238E27FC236}">
+                <a16:creationId xmlns:a16="http://schemas.microsoft.com/office/drawing/2014/main" id="{E592C603-D336-6545-A9EB-2DAD782A07C0}"/>
+              </a:ext>
+            </a:extLst>
+          </p:cNvPr>
+          <p:cNvCxnSpPr>
+            <a:cxnSpLocks/>
+          </p:cNvCxnSpPr>
+          <p:nvPr/>
+        </p:nvCxnSpPr>
+        <p:spPr>
+          <a:xfrm flipH="1">
+            <a:off x="10510812" y="4868130"/>
+            <a:ext cx="953455" cy="0"/>
+          </a:xfrm>
+          <a:prstGeom prst="line">
+            <a:avLst/>
+          </a:prstGeom>
+          <a:ln w="50800">
+            <a:solidFill>
+              <a:srgbClr val="FF0000"/>
+            </a:solidFill>
+          </a:ln>
+        </p:spPr>
+        <p:style>
+          <a:lnRef idx="1">
+            <a:schemeClr val="accent1"/>
+          </a:lnRef>
+          <a:fillRef idx="0">
+            <a:schemeClr val="accent1"/>
+          </a:fillRef>
+          <a:effectRef idx="0">
+            <a:schemeClr val="accent1"/>
+          </a:effectRef>
+          <a:fontRef idx="minor">
+            <a:schemeClr val="tx1"/>
+          </a:fontRef>
+        </p:style>
+      </p:cxnSp>
+      <p:sp>
+        <p:nvSpPr>
+          <p:cNvPr id="79" name="TextBox 78">
+            <a:extLst>
+              <a:ext uri="{FF2B5EF4-FFF2-40B4-BE49-F238E27FC236}">
+                <a16:creationId xmlns:a16="http://schemas.microsoft.com/office/drawing/2014/main" id="{9E573B45-2978-E346-A981-4F7EF3E982AF}"/>
+              </a:ext>
+            </a:extLst>
+          </p:cNvPr>
+          <p:cNvSpPr txBox="1"/>
+          <p:nvPr/>
+        </p:nvSpPr>
+        <p:spPr>
+          <a:xfrm>
+            <a:off x="10764890" y="5902013"/>
+            <a:ext cx="699377" cy="369332"/>
+          </a:xfrm>
+          <a:prstGeom prst="rect">
+            <a:avLst/>
+          </a:prstGeom>
+          <a:noFill/>
+        </p:spPr>
+        <p:txBody>
+          <a:bodyPr wrap="square" rtlCol="0">
+            <a:spAutoFit/>
+          </a:bodyPr>
+          <a:lstStyle/>
+          <a:p>
+            <a:pPr algn="ctr"/>
+            <a:r>
+              <a:rPr lang="en-US" dirty="0">
+                <a:latin typeface="Calibri" panose="020F0502020204030204" pitchFamily="34" charset="0"/>
+                <a:cs typeface="Calibri" panose="020F0502020204030204" pitchFamily="34" charset="0"/>
+              </a:rPr>
+              <a:t>Index</a:t>
+            </a:r>
+          </a:p>
+        </p:txBody>
+      </p:sp>
+      <p:cxnSp>
+        <p:nvCxnSpPr>
+          <p:cNvPr id="80" name="Straight Connector 79">
+            <a:extLst>
+              <a:ext uri="{FF2B5EF4-FFF2-40B4-BE49-F238E27FC236}">
+                <a16:creationId xmlns:a16="http://schemas.microsoft.com/office/drawing/2014/main" id="{3F06357D-386B-CE46-B666-3411F22330F4}"/>
+              </a:ext>
+            </a:extLst>
+          </p:cNvPr>
+          <p:cNvCxnSpPr>
+            <a:cxnSpLocks/>
+          </p:cNvCxnSpPr>
+          <p:nvPr/>
+        </p:nvCxnSpPr>
+        <p:spPr>
+          <a:xfrm flipV="1">
+            <a:off x="9749957" y="4873937"/>
+            <a:ext cx="0" cy="1020224"/>
+          </a:xfrm>
+          <a:prstGeom prst="line">
+            <a:avLst/>
+          </a:prstGeom>
+          <a:ln w="50800">
+            <a:solidFill>
+              <a:srgbClr val="FF0000"/>
+            </a:solidFill>
+          </a:ln>
+        </p:spPr>
+        <p:style>
+          <a:lnRef idx="1">
+            <a:schemeClr val="accent1"/>
+          </a:lnRef>
+          <a:fillRef idx="0">
+            <a:schemeClr val="accent1"/>
+          </a:fillRef>
+          <a:effectRef idx="0">
+            <a:schemeClr val="accent1"/>
+          </a:effectRef>
+          <a:fontRef idx="minor">
+            <a:schemeClr val="tx1"/>
+          </a:fontRef>
+        </p:style>
+      </p:cxnSp>
+      <p:cxnSp>
+        <p:nvCxnSpPr>
+          <p:cNvPr id="81" name="Straight Connector 80">
+            <a:extLst>
+              <a:ext uri="{FF2B5EF4-FFF2-40B4-BE49-F238E27FC236}">
+                <a16:creationId xmlns:a16="http://schemas.microsoft.com/office/drawing/2014/main" id="{DECE1987-A361-6C48-B9D5-EA438701A059}"/>
+              </a:ext>
+            </a:extLst>
+          </p:cNvPr>
+          <p:cNvCxnSpPr>
+            <a:cxnSpLocks/>
+          </p:cNvCxnSpPr>
+          <p:nvPr/>
+        </p:nvCxnSpPr>
+        <p:spPr>
+          <a:xfrm flipH="1">
+            <a:off x="9600529" y="4870525"/>
+            <a:ext cx="292806" cy="0"/>
+          </a:xfrm>
+          <a:prstGeom prst="line">
+            <a:avLst/>
+          </a:prstGeom>
+          <a:ln w="50800">
+            <a:solidFill>
+              <a:srgbClr val="FF0000"/>
+            </a:solidFill>
+          </a:ln>
+        </p:spPr>
+        <p:style>
+          <a:lnRef idx="1">
+            <a:schemeClr val="accent1"/>
+          </a:lnRef>
+          <a:fillRef idx="0">
+            <a:schemeClr val="accent1"/>
+          </a:fillRef>
+          <a:effectRef idx="0">
+            <a:schemeClr val="accent1"/>
+          </a:effectRef>
+          <a:fontRef idx="minor">
+            <a:schemeClr val="tx1"/>
+          </a:fontRef>
+        </p:style>
+      </p:cxnSp>
+      <p:sp>
+        <p:nvSpPr>
+          <p:cNvPr id="82" name="TextBox 81">
+            <a:extLst>
+              <a:ext uri="{FF2B5EF4-FFF2-40B4-BE49-F238E27FC236}">
+                <a16:creationId xmlns:a16="http://schemas.microsoft.com/office/drawing/2014/main" id="{C7DFC762-1356-D341-9050-53EB3466591B}"/>
+              </a:ext>
+            </a:extLst>
+          </p:cNvPr>
+          <p:cNvSpPr txBox="1"/>
+          <p:nvPr/>
+        </p:nvSpPr>
+        <p:spPr>
+          <a:xfrm>
+            <a:off x="9463726" y="5902013"/>
+            <a:ext cx="585418" cy="369332"/>
+          </a:xfrm>
+          <a:prstGeom prst="rect">
+            <a:avLst/>
+          </a:prstGeom>
+          <a:noFill/>
+        </p:spPr>
+        <p:txBody>
+          <a:bodyPr wrap="square" rtlCol="0">
+            <a:spAutoFit/>
+          </a:bodyPr>
+          <a:lstStyle/>
+          <a:p>
+            <a:pPr algn="ctr"/>
+            <a:r>
+              <a:rPr lang="en-US" dirty="0">
+                <a:latin typeface="Calibri" panose="020F0502020204030204" pitchFamily="34" charset="0"/>
+                <a:cs typeface="Calibri" panose="020F0502020204030204" pitchFamily="34" charset="0"/>
+              </a:rPr>
+              <a:t>Pair</a:t>
+            </a:r>
+          </a:p>
+        </p:txBody>
+      </p:sp>
+      <p:cxnSp>
+        <p:nvCxnSpPr>
+          <p:cNvPr id="84" name="Straight Connector 83">
+            <a:extLst>
+              <a:ext uri="{FF2B5EF4-FFF2-40B4-BE49-F238E27FC236}">
+                <a16:creationId xmlns:a16="http://schemas.microsoft.com/office/drawing/2014/main" id="{A013909F-898B-E049-8EAD-F6F20B543C41}"/>
+              </a:ext>
+            </a:extLst>
+          </p:cNvPr>
+          <p:cNvCxnSpPr>
+            <a:cxnSpLocks/>
+          </p:cNvCxnSpPr>
+          <p:nvPr/>
+        </p:nvCxnSpPr>
+        <p:spPr>
+          <a:xfrm flipH="1">
+            <a:off x="1913722" y="4859705"/>
+            <a:ext cx="386566" cy="0"/>
+          </a:xfrm>
+          <a:prstGeom prst="line">
+            <a:avLst/>
+          </a:prstGeom>
+          <a:ln w="50800">
+            <a:solidFill>
+              <a:srgbClr val="FF0000"/>
+            </a:solidFill>
+          </a:ln>
+        </p:spPr>
+        <p:style>
+          <a:lnRef idx="1">
+            <a:schemeClr val="accent1"/>
+          </a:lnRef>
+          <a:fillRef idx="0">
+            <a:schemeClr val="accent1"/>
+          </a:fillRef>
+          <a:effectRef idx="0">
+            <a:schemeClr val="accent1"/>
+          </a:effectRef>
+          <a:fontRef idx="minor">
+            <a:schemeClr val="tx1"/>
+          </a:fontRef>
+        </p:style>
+      </p:cxnSp>
+      <p:cxnSp>
+        <p:nvCxnSpPr>
+          <p:cNvPr id="85" name="Straight Connector 84">
+            <a:extLst>
+              <a:ext uri="{FF2B5EF4-FFF2-40B4-BE49-F238E27FC236}">
+                <a16:creationId xmlns:a16="http://schemas.microsoft.com/office/drawing/2014/main" id="{794F35B7-30A6-C240-88DE-5431EC581DE1}"/>
+              </a:ext>
+            </a:extLst>
+          </p:cNvPr>
+          <p:cNvCxnSpPr>
+            <a:cxnSpLocks/>
+            <a:stCxn id="86" idx="0"/>
+          </p:cNvCxnSpPr>
+          <p:nvPr/>
+        </p:nvCxnSpPr>
+        <p:spPr>
+          <a:xfrm flipV="1">
+            <a:off x="2116197" y="4865025"/>
+            <a:ext cx="1" cy="1036988"/>
+          </a:xfrm>
+          <a:prstGeom prst="line">
+            <a:avLst/>
+          </a:prstGeom>
+          <a:ln w="50800">
+            <a:solidFill>
+              <a:srgbClr val="FF0000"/>
+            </a:solidFill>
+          </a:ln>
+        </p:spPr>
+        <p:style>
+          <a:lnRef idx="1">
+            <a:schemeClr val="accent1"/>
+          </a:lnRef>
+          <a:fillRef idx="0">
+            <a:schemeClr val="accent1"/>
+          </a:fillRef>
+          <a:effectRef idx="0">
+            <a:schemeClr val="accent1"/>
+          </a:effectRef>
+          <a:fontRef idx="minor">
+            <a:schemeClr val="tx1"/>
+          </a:fontRef>
+        </p:style>
+      </p:cxnSp>
+      <p:sp>
+        <p:nvSpPr>
+          <p:cNvPr id="86" name="TextBox 85">
+            <a:extLst>
+              <a:ext uri="{FF2B5EF4-FFF2-40B4-BE49-F238E27FC236}">
+                <a16:creationId xmlns:a16="http://schemas.microsoft.com/office/drawing/2014/main" id="{9D43CEA9-25F5-BA48-A89A-55FA5C483140}"/>
+              </a:ext>
+            </a:extLst>
+          </p:cNvPr>
+          <p:cNvSpPr txBox="1"/>
+          <p:nvPr/>
+        </p:nvSpPr>
+        <p:spPr>
+          <a:xfrm>
+            <a:off x="1818613" y="5902013"/>
+            <a:ext cx="595167" cy="369332"/>
+          </a:xfrm>
+          <a:prstGeom prst="rect">
+            <a:avLst/>
+          </a:prstGeom>
+          <a:noFill/>
+        </p:spPr>
+        <p:txBody>
+          <a:bodyPr wrap="square" rtlCol="0">
+            <a:spAutoFit/>
+          </a:bodyPr>
+          <a:lstStyle/>
+          <a:p>
+            <a:pPr algn="ctr"/>
+            <a:r>
+              <a:rPr lang="en-US" dirty="0">
+                <a:latin typeface="Calibri" panose="020F0502020204030204" pitchFamily="34" charset="0"/>
+                <a:cs typeface="Calibri" panose="020F0502020204030204" pitchFamily="34" charset="0"/>
+              </a:rPr>
+              <a:t>Run</a:t>
+            </a:r>
+          </a:p>
+        </p:txBody>
+      </p:sp>
+      <p:cxnSp>
+        <p:nvCxnSpPr>
+          <p:cNvPr id="95" name="Straight Connector 94">
+            <a:extLst>
+              <a:ext uri="{FF2B5EF4-FFF2-40B4-BE49-F238E27FC236}">
+                <a16:creationId xmlns:a16="http://schemas.microsoft.com/office/drawing/2014/main" id="{3668AA36-EDFD-5B4F-8D27-EF0C90F83073}"/>
+              </a:ext>
+            </a:extLst>
+          </p:cNvPr>
+          <p:cNvCxnSpPr>
+            <a:cxnSpLocks/>
+          </p:cNvCxnSpPr>
+          <p:nvPr/>
+        </p:nvCxnSpPr>
+        <p:spPr>
+          <a:xfrm flipH="1">
+            <a:off x="2571751" y="4854385"/>
+            <a:ext cx="823208" cy="0"/>
+          </a:xfrm>
+          <a:prstGeom prst="line">
+            <a:avLst/>
+          </a:prstGeom>
+          <a:ln w="50800">
+            <a:solidFill>
+              <a:srgbClr val="FF0000"/>
+            </a:solidFill>
+          </a:ln>
+        </p:spPr>
+        <p:style>
+          <a:lnRef idx="1">
+            <a:schemeClr val="accent1"/>
+          </a:lnRef>
+          <a:fillRef idx="0">
+            <a:schemeClr val="accent1"/>
+          </a:fillRef>
+          <a:effectRef idx="0">
+            <a:schemeClr val="accent1"/>
+          </a:effectRef>
+          <a:fontRef idx="minor">
+            <a:schemeClr val="tx1"/>
+          </a:fontRef>
+        </p:style>
+      </p:cxnSp>
+      <p:cxnSp>
+        <p:nvCxnSpPr>
+          <p:cNvPr id="96" name="Straight Connector 95">
+            <a:extLst>
+              <a:ext uri="{FF2B5EF4-FFF2-40B4-BE49-F238E27FC236}">
+                <a16:creationId xmlns:a16="http://schemas.microsoft.com/office/drawing/2014/main" id="{6E6FD979-7298-7341-9BE8-A55E1605E15D}"/>
+              </a:ext>
+            </a:extLst>
+          </p:cNvPr>
+          <p:cNvCxnSpPr>
+            <a:cxnSpLocks/>
+          </p:cNvCxnSpPr>
+          <p:nvPr/>
+        </p:nvCxnSpPr>
+        <p:spPr>
+          <a:xfrm flipV="1">
+            <a:off x="2985125" y="4859705"/>
+            <a:ext cx="0" cy="520102"/>
+          </a:xfrm>
+          <a:prstGeom prst="line">
+            <a:avLst/>
+          </a:prstGeom>
+          <a:ln w="50800">
+            <a:solidFill>
+              <a:srgbClr val="FF0000"/>
+            </a:solidFill>
+          </a:ln>
+        </p:spPr>
+        <p:style>
+          <a:lnRef idx="1">
+            <a:schemeClr val="accent1"/>
+          </a:lnRef>
+          <a:fillRef idx="0">
+            <a:schemeClr val="accent1"/>
+          </a:fillRef>
+          <a:effectRef idx="0">
+            <a:schemeClr val="accent1"/>
+          </a:effectRef>
+          <a:fontRef idx="minor">
+            <a:schemeClr val="tx1"/>
+          </a:fontRef>
+        </p:style>
+      </p:cxnSp>
+      <p:sp>
+        <p:nvSpPr>
+          <p:cNvPr id="97" name="TextBox 96">
+            <a:extLst>
+              <a:ext uri="{FF2B5EF4-FFF2-40B4-BE49-F238E27FC236}">
+                <a16:creationId xmlns:a16="http://schemas.microsoft.com/office/drawing/2014/main" id="{150021F7-8DFE-784C-BBB3-60F35F5270E6}"/>
+              </a:ext>
+            </a:extLst>
+          </p:cNvPr>
+          <p:cNvSpPr txBox="1"/>
+          <p:nvPr/>
+        </p:nvSpPr>
+        <p:spPr>
+          <a:xfrm>
+            <a:off x="2470749" y="5413448"/>
+            <a:ext cx="1048198" cy="369332"/>
+          </a:xfrm>
+          <a:prstGeom prst="rect">
+            <a:avLst/>
+          </a:prstGeom>
+          <a:noFill/>
+        </p:spPr>
+        <p:txBody>
+          <a:bodyPr wrap="square" rtlCol="0">
+            <a:spAutoFit/>
+          </a:bodyPr>
+          <a:lstStyle/>
+          <a:p>
+            <a:pPr algn="ctr"/>
+            <a:r>
+              <a:rPr lang="en-US" dirty="0" err="1">
+                <a:latin typeface="Calibri" panose="020F0502020204030204" pitchFamily="34" charset="0"/>
+                <a:cs typeface="Calibri" panose="020F0502020204030204" pitchFamily="34" charset="0"/>
+              </a:rPr>
+              <a:t>Flowcell</a:t>
+            </a:r>
+            <a:endParaRPr lang="en-US" dirty="0">
+              <a:latin typeface="Calibri" panose="020F0502020204030204" pitchFamily="34" charset="0"/>
+              <a:cs typeface="Calibri" panose="020F0502020204030204" pitchFamily="34" charset="0"/>
+            </a:endParaRPr>
+          </a:p>
+        </p:txBody>
+      </p:sp>
+      <p:cxnSp>
+        <p:nvCxnSpPr>
+          <p:cNvPr id="99" name="Straight Connector 98">
+            <a:extLst>
+              <a:ext uri="{FF2B5EF4-FFF2-40B4-BE49-F238E27FC236}">
+                <a16:creationId xmlns:a16="http://schemas.microsoft.com/office/drawing/2014/main" id="{18A416B6-85E2-6A42-BA15-7D172DDA57AC}"/>
+              </a:ext>
+            </a:extLst>
+          </p:cNvPr>
+          <p:cNvCxnSpPr>
+            <a:cxnSpLocks/>
+          </p:cNvCxnSpPr>
+          <p:nvPr/>
+        </p:nvCxnSpPr>
+        <p:spPr>
+          <a:xfrm flipH="1" flipV="1">
+            <a:off x="8081937" y="4854385"/>
+            <a:ext cx="1" cy="524675"/>
+          </a:xfrm>
+          <a:prstGeom prst="line">
+            <a:avLst/>
+          </a:prstGeom>
+          <a:ln w="50800">
+            <a:solidFill>
+              <a:srgbClr val="FF0000"/>
+            </a:solidFill>
+          </a:ln>
+        </p:spPr>
+        <p:style>
+          <a:lnRef idx="1">
+            <a:schemeClr val="accent1"/>
+          </a:lnRef>
+          <a:fillRef idx="0">
+            <a:schemeClr val="accent1"/>
+          </a:fillRef>
+          <a:effectRef idx="0">
+            <a:schemeClr val="accent1"/>
+          </a:effectRef>
+          <a:fontRef idx="minor">
+            <a:schemeClr val="tx1"/>
+          </a:fontRef>
+        </p:style>
+      </p:cxnSp>
+      <p:cxnSp>
+        <p:nvCxnSpPr>
+          <p:cNvPr id="100" name="Straight Connector 99">
+            <a:extLst>
+              <a:ext uri="{FF2B5EF4-FFF2-40B4-BE49-F238E27FC236}">
+                <a16:creationId xmlns:a16="http://schemas.microsoft.com/office/drawing/2014/main" id="{291B6F05-2C30-EC4F-976D-EA5E88F8B77D}"/>
+              </a:ext>
+            </a:extLst>
+          </p:cNvPr>
+          <p:cNvCxnSpPr>
+            <a:cxnSpLocks/>
+          </p:cNvCxnSpPr>
+          <p:nvPr/>
+        </p:nvCxnSpPr>
+        <p:spPr>
+          <a:xfrm flipH="1">
+            <a:off x="6915150" y="4863453"/>
+            <a:ext cx="2428875" cy="0"/>
+          </a:xfrm>
+          <a:prstGeom prst="line">
+            <a:avLst/>
+          </a:prstGeom>
+          <a:ln w="50800">
+            <a:solidFill>
+              <a:srgbClr val="FF0000"/>
+            </a:solidFill>
+          </a:ln>
+        </p:spPr>
+        <p:style>
+          <a:lnRef idx="1">
+            <a:schemeClr val="accent1"/>
+          </a:lnRef>
+          <a:fillRef idx="0">
+            <a:schemeClr val="accent1"/>
+          </a:fillRef>
+          <a:effectRef idx="0">
+            <a:schemeClr val="accent1"/>
+          </a:effectRef>
+          <a:fontRef idx="minor">
+            <a:schemeClr val="tx1"/>
+          </a:fontRef>
+        </p:style>
+      </p:cxnSp>
+      <p:sp>
+        <p:nvSpPr>
+          <p:cNvPr id="101" name="TextBox 100">
+            <a:extLst>
+              <a:ext uri="{FF2B5EF4-FFF2-40B4-BE49-F238E27FC236}">
+                <a16:creationId xmlns:a16="http://schemas.microsoft.com/office/drawing/2014/main" id="{6729C2C7-F2EE-724D-92F9-8D3EBA879729}"/>
+              </a:ext>
+            </a:extLst>
+          </p:cNvPr>
+          <p:cNvSpPr txBox="1"/>
+          <p:nvPr/>
+        </p:nvSpPr>
+        <p:spPr>
+          <a:xfrm>
+            <a:off x="7782316" y="5378467"/>
+            <a:ext cx="587020" cy="369332"/>
+          </a:xfrm>
+          <a:prstGeom prst="rect">
+            <a:avLst/>
+          </a:prstGeom>
+          <a:noFill/>
+        </p:spPr>
+        <p:txBody>
+          <a:bodyPr wrap="none" rtlCol="0">
+            <a:spAutoFit/>
+          </a:bodyPr>
+          <a:lstStyle/>
+          <a:p>
+            <a:pPr algn="ctr"/>
+            <a:r>
+              <a:rPr lang="en-US" dirty="0">
+                <a:latin typeface="Calibri" panose="020F0502020204030204" pitchFamily="34" charset="0"/>
+                <a:cs typeface="Calibri" panose="020F0502020204030204" pitchFamily="34" charset="0"/>
+              </a:rPr>
+              <a:t>UMI</a:t>
+            </a:r>
+          </a:p>
+        </p:txBody>
+      </p:sp>
+      <p:cxnSp>
+        <p:nvCxnSpPr>
+          <p:cNvPr id="114" name="Straight Connector 113">
+            <a:extLst>
+              <a:ext uri="{FF2B5EF4-FFF2-40B4-BE49-F238E27FC236}">
+                <a16:creationId xmlns:a16="http://schemas.microsoft.com/office/drawing/2014/main" id="{4D9291A9-8C5E-9543-9D93-1C286927337D}"/>
+              </a:ext>
+            </a:extLst>
+          </p:cNvPr>
+          <p:cNvCxnSpPr>
+            <a:cxnSpLocks/>
+          </p:cNvCxnSpPr>
+          <p:nvPr/>
+        </p:nvCxnSpPr>
+        <p:spPr>
+          <a:xfrm flipH="1">
+            <a:off x="9857273" y="4272391"/>
+            <a:ext cx="292806" cy="0"/>
+          </a:xfrm>
+          <a:prstGeom prst="line">
+            <a:avLst/>
+          </a:prstGeom>
+          <a:ln w="50800">
+            <a:solidFill>
+              <a:srgbClr val="FF0000"/>
+            </a:solidFill>
+          </a:ln>
+        </p:spPr>
+        <p:style>
+          <a:lnRef idx="1">
+            <a:schemeClr val="accent1"/>
+          </a:lnRef>
+          <a:fillRef idx="0">
+            <a:schemeClr val="accent1"/>
+          </a:fillRef>
+          <a:effectRef idx="0">
+            <a:schemeClr val="accent1"/>
+          </a:effectRef>
+          <a:fontRef idx="minor">
+            <a:schemeClr val="tx1"/>
+          </a:fontRef>
+        </p:style>
+      </p:cxnSp>
+      <p:sp>
+        <p:nvSpPr>
+          <p:cNvPr id="115" name="TextBox 114">
+            <a:extLst>
+              <a:ext uri="{FF2B5EF4-FFF2-40B4-BE49-F238E27FC236}">
+                <a16:creationId xmlns:a16="http://schemas.microsoft.com/office/drawing/2014/main" id="{DB2E855D-D42F-BA43-AA89-5DF789AB1BD4}"/>
+              </a:ext>
+            </a:extLst>
+          </p:cNvPr>
+          <p:cNvSpPr txBox="1"/>
+          <p:nvPr/>
+        </p:nvSpPr>
+        <p:spPr>
+          <a:xfrm>
+            <a:off x="9344025" y="3442906"/>
+            <a:ext cx="1314450" cy="369332"/>
+          </a:xfrm>
+          <a:prstGeom prst="rect">
+            <a:avLst/>
+          </a:prstGeom>
+          <a:noFill/>
+        </p:spPr>
+        <p:txBody>
+          <a:bodyPr wrap="square" rtlCol="0">
+            <a:spAutoFit/>
+          </a:bodyPr>
+          <a:lstStyle/>
+          <a:p>
+            <a:pPr algn="ctr"/>
+            <a:r>
+              <a:rPr lang="en-US" dirty="0">
+                <a:latin typeface="Calibri" panose="020F0502020204030204" pitchFamily="34" charset="0"/>
+                <a:cs typeface="Calibri" panose="020F0502020204030204" pitchFamily="34" charset="0"/>
+              </a:rPr>
+              <a:t>Filter status</a:t>
+            </a:r>
+          </a:p>
+        </p:txBody>
+      </p:sp>
+      <p:cxnSp>
+        <p:nvCxnSpPr>
+          <p:cNvPr id="116" name="Straight Connector 115">
+            <a:extLst>
+              <a:ext uri="{FF2B5EF4-FFF2-40B4-BE49-F238E27FC236}">
+                <a16:creationId xmlns:a16="http://schemas.microsoft.com/office/drawing/2014/main" id="{E1120594-863B-A24C-90C0-D528BEB9A95C}"/>
+              </a:ext>
+            </a:extLst>
+          </p:cNvPr>
+          <p:cNvCxnSpPr>
+            <a:cxnSpLocks/>
+          </p:cNvCxnSpPr>
+          <p:nvPr/>
+        </p:nvCxnSpPr>
+        <p:spPr>
+          <a:xfrm flipV="1">
+            <a:off x="10006280" y="3795014"/>
+            <a:ext cx="0" cy="477377"/>
+          </a:xfrm>
+          <a:prstGeom prst="line">
+            <a:avLst/>
+          </a:prstGeom>
+          <a:ln w="50800">
+            <a:solidFill>
+              <a:srgbClr val="FF0000"/>
+            </a:solidFill>
+          </a:ln>
+        </p:spPr>
+        <p:style>
+          <a:lnRef idx="1">
+            <a:schemeClr val="accent1"/>
+          </a:lnRef>
+          <a:fillRef idx="0">
+            <a:schemeClr val="accent1"/>
+          </a:fillRef>
+          <a:effectRef idx="0">
+            <a:schemeClr val="accent1"/>
+          </a:effectRef>
+          <a:fontRef idx="minor">
+            <a:schemeClr val="tx1"/>
+          </a:fontRef>
+        </p:style>
+      </p:cxnSp>
+      <p:cxnSp>
+        <p:nvCxnSpPr>
+          <p:cNvPr id="118" name="Straight Connector 117">
+            <a:extLst>
+              <a:ext uri="{FF2B5EF4-FFF2-40B4-BE49-F238E27FC236}">
+                <a16:creationId xmlns:a16="http://schemas.microsoft.com/office/drawing/2014/main" id="{5CC42217-3795-944E-AE86-4AB7EFA17CFD}"/>
+              </a:ext>
+            </a:extLst>
+          </p:cNvPr>
+          <p:cNvCxnSpPr>
+            <a:cxnSpLocks/>
+          </p:cNvCxnSpPr>
+          <p:nvPr/>
+        </p:nvCxnSpPr>
+        <p:spPr>
+          <a:xfrm flipH="1" flipV="1">
+            <a:off x="10231956" y="4863453"/>
+            <a:ext cx="1" cy="526357"/>
+          </a:xfrm>
+          <a:prstGeom prst="line">
+            <a:avLst/>
+          </a:prstGeom>
+          <a:ln w="50800">
+            <a:solidFill>
+              <a:srgbClr val="FF0000"/>
+            </a:solidFill>
+          </a:ln>
+        </p:spPr>
+        <p:style>
+          <a:lnRef idx="1">
+            <a:schemeClr val="accent1"/>
+          </a:lnRef>
+          <a:fillRef idx="0">
+            <a:schemeClr val="accent1"/>
+          </a:fillRef>
+          <a:effectRef idx="0">
+            <a:schemeClr val="accent1"/>
+          </a:effectRef>
+          <a:fontRef idx="minor">
+            <a:schemeClr val="tx1"/>
+          </a:fontRef>
+        </p:style>
+      </p:cxnSp>
+      <p:cxnSp>
+        <p:nvCxnSpPr>
+          <p:cNvPr id="119" name="Straight Connector 118">
+            <a:extLst>
+              <a:ext uri="{FF2B5EF4-FFF2-40B4-BE49-F238E27FC236}">
+                <a16:creationId xmlns:a16="http://schemas.microsoft.com/office/drawing/2014/main" id="{97BC96FE-E2C5-D944-BFBC-2F2FDDD2181D}"/>
+              </a:ext>
+            </a:extLst>
+          </p:cNvPr>
+          <p:cNvCxnSpPr>
+            <a:cxnSpLocks/>
+          </p:cNvCxnSpPr>
+          <p:nvPr/>
+        </p:nvCxnSpPr>
+        <p:spPr>
+          <a:xfrm flipH="1">
+            <a:off x="10119430" y="4863453"/>
+            <a:ext cx="246987" cy="1"/>
+          </a:xfrm>
+          <a:prstGeom prst="line">
+            <a:avLst/>
+          </a:prstGeom>
+          <a:ln w="50800">
+            <a:solidFill>
+              <a:srgbClr val="FF0000"/>
+            </a:solidFill>
+          </a:ln>
+        </p:spPr>
+        <p:style>
+          <a:lnRef idx="1">
+            <a:schemeClr val="accent1"/>
+          </a:lnRef>
+          <a:fillRef idx="0">
+            <a:schemeClr val="accent1"/>
+          </a:fillRef>
+          <a:effectRef idx="0">
+            <a:schemeClr val="accent1"/>
+          </a:effectRef>
+          <a:fontRef idx="minor">
+            <a:schemeClr val="tx1"/>
+          </a:fontRef>
+        </p:style>
+      </p:cxnSp>
+      <p:sp>
+        <p:nvSpPr>
+          <p:cNvPr id="120" name="TextBox 119">
+            <a:extLst>
+              <a:ext uri="{FF2B5EF4-FFF2-40B4-BE49-F238E27FC236}">
+                <a16:creationId xmlns:a16="http://schemas.microsoft.com/office/drawing/2014/main" id="{FE466135-0E9F-134F-AC24-9A7C263FB571}"/>
+              </a:ext>
+            </a:extLst>
+          </p:cNvPr>
+          <p:cNvSpPr txBox="1"/>
+          <p:nvPr/>
+        </p:nvSpPr>
+        <p:spPr>
+          <a:xfrm>
+            <a:off x="9793166" y="5407907"/>
+            <a:ext cx="1107945" cy="369332"/>
+          </a:xfrm>
+          <a:prstGeom prst="rect">
+            <a:avLst/>
+          </a:prstGeom>
+          <a:noFill/>
+        </p:spPr>
+        <p:txBody>
+          <a:bodyPr wrap="square" rtlCol="0">
+            <a:spAutoFit/>
+          </a:bodyPr>
+          <a:lstStyle/>
+          <a:p>
+            <a:pPr algn="ctr"/>
+            <a:r>
+              <a:rPr lang="en-US" dirty="0">
+                <a:latin typeface="Calibri" panose="020F0502020204030204" pitchFamily="34" charset="0"/>
+                <a:cs typeface="Calibri" panose="020F0502020204030204" pitchFamily="34" charset="0"/>
+              </a:rPr>
+              <a:t>Control #</a:t>
             </a:r>
           </a:p>
         </p:txBody>
@@ -5709,7 +8774,7 @@
     </p:spTree>
     <p:extLst>
       <p:ext uri="{BB962C8B-B14F-4D97-AF65-F5344CB8AC3E}">
-        <p14:creationId xmlns:p14="http://schemas.microsoft.com/office/powerpoint/2010/main" val="3845206435"/>
+        <p14:creationId xmlns:p14="http://schemas.microsoft.com/office/powerpoint/2010/main" val="2536073040"/>
       </p:ext>
     </p:extLst>
   </p:cSld>
@@ -5759,6 +8824,13 @@
           <a:lstStyle/>
           <a:p>
             <a:r>
+              <a:rPr lang="en-US" sz="4000" dirty="0">
+                <a:latin typeface="Calibri" panose="020F0502020204030204" pitchFamily="34" charset="0"/>
+                <a:cs typeface="Calibri" panose="020F0502020204030204" pitchFamily="34" charset="0"/>
+              </a:rPr>
+              <a:t>Quality values - </a:t>
+            </a:r>
+            <a:r>
               <a:rPr lang="en-US" sz="4000" dirty="0" err="1">
                 <a:latin typeface="Calibri" panose="020F0502020204030204" pitchFamily="34" charset="0"/>
                 <a:cs typeface="Calibri" panose="020F0502020204030204" pitchFamily="34" charset="0"/>
@@ -5784,7 +8856,7 @@
           <p:nvPr>
             <p:extLst>
               <p:ext uri="{D42A27DB-BD31-4B8C-83A1-F6EECF244321}">
-                <p14:modId xmlns:p14="http://schemas.microsoft.com/office/powerpoint/2010/main" val="3171265672"/>
+                <p14:modId xmlns:p14="http://schemas.microsoft.com/office/powerpoint/2010/main" val="837261209"/>
               </p:ext>
             </p:extLst>
           </p:nvPr>
@@ -5797,7 +8869,7 @@
           <a:graphicData uri="http://schemas.openxmlformats.org/drawingml/2006/table">
             <a:tbl>
               <a:tblPr firstRow="1" bandRow="1">
-                <a:tableStyleId>{5C22544A-7EE6-4342-B048-85BDC9FD1C3A}</a:tableStyleId>
+                <a:tableStyleId>{7DF18680-E054-41AD-8BC1-D1AEF772440D}</a:tableStyleId>
               </a:tblPr>
               <a:tblGrid>
                 <a:gridCol w="1219200">
@@ -5844,25 +8916,24 @@
                     <a:p>
                       <a:pPr algn="ctr" fontAlgn="b"/>
                       <a:r>
-                        <a:rPr lang="en-US" sz="1900" b="1" i="0" u="none" strike="noStrike" dirty="0" err="1">
-                          <a:solidFill>
-                            <a:srgbClr val="333333"/>
-                          </a:solidFill>
+                        <a:rPr lang="en-US" sz="1900" u="none" strike="noStrike" dirty="0" err="1">
                           <a:effectLst/>
-                          <a:latin typeface="+mn-lt"/>
                         </a:rPr>
                         <a:t>Phred</a:t>
                       </a:r>
                       <a:r>
-                        <a:rPr lang="en-US" sz="1900" b="1" i="0" u="none" strike="noStrike" dirty="0">
-                          <a:solidFill>
-                            <a:srgbClr val="333333"/>
-                          </a:solidFill>
+                        <a:rPr lang="en-US" sz="1900" u="none" strike="noStrike" dirty="0">
                           <a:effectLst/>
-                          <a:latin typeface="+mn-lt"/>
                         </a:rPr>
                         <a:t> Q</a:t>
                       </a:r>
+                      <a:endParaRPr lang="en-US" sz="1900" b="1" i="0" u="none" strike="noStrike" dirty="0">
+                        <a:solidFill>
+                          <a:srgbClr val="333333"/>
+                        </a:solidFill>
+                        <a:effectLst/>
+                        <a:latin typeface="+mn-lt"/>
+                      </a:endParaRPr>
                     </a:p>
                   </a:txBody>
                   <a:tcPr marL="16933" marR="16933" marT="16933" marB="0" anchor="b"/>
@@ -5874,15 +8945,18 @@
                     <a:p>
                       <a:pPr algn="ctr" fontAlgn="b"/>
                       <a:r>
-                        <a:rPr lang="en-US" sz="1900" b="1" i="0" u="none" strike="noStrike" dirty="0">
-                          <a:solidFill>
-                            <a:srgbClr val="333333"/>
-                          </a:solidFill>
+                        <a:rPr lang="en-US" sz="1900" u="none" strike="noStrike" dirty="0">
                           <a:effectLst/>
-                          <a:latin typeface="+mn-lt"/>
                         </a:rPr>
                         <a:t>Probability (P) of Wrong Base</a:t>
                       </a:r>
+                      <a:endParaRPr lang="en-US" sz="1900" b="1" i="0" u="none" strike="noStrike" dirty="0">
+                        <a:solidFill>
+                          <a:srgbClr val="333333"/>
+                        </a:solidFill>
+                        <a:effectLst/>
+                        <a:latin typeface="+mn-lt"/>
+                      </a:endParaRPr>
                     </a:p>
                   </a:txBody>
                   <a:tcPr marL="16933" marR="16933" marT="16933" marB="0" anchor="b"/>
@@ -5894,22 +8968,14 @@
                     <a:p>
                       <a:pPr algn="ctr" fontAlgn="b"/>
                       <a:r>
-                        <a:rPr lang="en-US" sz="1900" b="1" i="0" u="none" strike="noStrike" dirty="0">
-                          <a:solidFill>
-                            <a:srgbClr val="333333"/>
-                          </a:solidFill>
+                        <a:rPr lang="en-US" sz="1900" u="none" strike="noStrike" dirty="0">
                           <a:effectLst/>
-                          <a:latin typeface="+mn-lt"/>
                         </a:rPr>
                         <a:t>Base</a:t>
                       </a:r>
                       <a:r>
-                        <a:rPr lang="en-US" sz="1900" b="1" i="0" u="none" strike="noStrike" baseline="0" dirty="0">
-                          <a:solidFill>
-                            <a:srgbClr val="333333"/>
-                          </a:solidFill>
+                        <a:rPr lang="en-US" sz="1900" u="none" strike="noStrike" baseline="0" dirty="0">
                           <a:effectLst/>
-                          <a:latin typeface="+mn-lt"/>
                         </a:rPr>
                         <a:t> Call Accuracy</a:t>
                       </a:r>
@@ -5931,15 +8997,18 @@
                     <a:p>
                       <a:pPr algn="ctr" fontAlgn="b"/>
                       <a:r>
-                        <a:rPr lang="en-US" sz="1900" b="1" i="0" u="none" strike="noStrike" dirty="0">
-                          <a:solidFill>
-                            <a:srgbClr val="333333"/>
-                          </a:solidFill>
+                        <a:rPr lang="en-US" sz="1900" u="none" strike="noStrike" dirty="0">
                           <a:effectLst/>
-                          <a:latin typeface="+mn-lt"/>
                         </a:rPr>
                         <a:t>Sanger “Q + 33” Shift</a:t>
                       </a:r>
+                      <a:endParaRPr lang="en-US" sz="1900" b="1" i="0" u="none" strike="noStrike" dirty="0">
+                        <a:solidFill>
+                          <a:srgbClr val="333333"/>
+                        </a:solidFill>
+                        <a:effectLst/>
+                        <a:latin typeface="+mn-lt"/>
+                      </a:endParaRPr>
                     </a:p>
                   </a:txBody>
                   <a:tcPr marL="16933" marR="16933" marT="16933" marB="0" anchor="b"/>
@@ -5951,15 +9020,18 @@
                     <a:p>
                       <a:pPr algn="ctr" fontAlgn="b"/>
                       <a:r>
-                        <a:rPr lang="en-US" sz="1900" b="1" i="0" u="none" strike="noStrike" dirty="0">
-                          <a:solidFill>
-                            <a:srgbClr val="333333"/>
-                          </a:solidFill>
+                        <a:rPr lang="en-US" sz="1900" u="none" strike="noStrike" dirty="0">
                           <a:effectLst/>
-                          <a:latin typeface="+mn-lt"/>
                         </a:rPr>
                         <a:t>Sanger “Q + 33” Shift ASCII glyph</a:t>
                       </a:r>
+                      <a:endParaRPr lang="en-US" sz="1900" b="1" i="0" u="none" strike="noStrike" dirty="0">
+                        <a:solidFill>
+                          <a:srgbClr val="333333"/>
+                        </a:solidFill>
+                        <a:effectLst/>
+                        <a:latin typeface="+mn-lt"/>
+                      </a:endParaRPr>
                     </a:p>
                   </a:txBody>
                   <a:tcPr marL="16933" marR="16933" marT="16933" marB="0" anchor="b"/>
@@ -5978,15 +9050,18 @@
                     <a:p>
                       <a:pPr algn="ctr" fontAlgn="b"/>
                       <a:r>
-                        <a:rPr lang="en-US" sz="1900" b="0" i="0" u="none" strike="noStrike" dirty="0">
-                          <a:solidFill>
-                            <a:srgbClr val="333333"/>
-                          </a:solidFill>
+                        <a:rPr lang="en-US" sz="1900" u="none" strike="noStrike" dirty="0">
                           <a:effectLst/>
-                          <a:latin typeface="+mn-lt"/>
                         </a:rPr>
                         <a:t>0</a:t>
                       </a:r>
+                      <a:endParaRPr lang="en-US" sz="1900" b="0" i="0" u="none" strike="noStrike" dirty="0">
+                        <a:solidFill>
+                          <a:srgbClr val="333333"/>
+                        </a:solidFill>
+                        <a:effectLst/>
+                        <a:latin typeface="+mn-lt"/>
+                      </a:endParaRPr>
                     </a:p>
                   </a:txBody>
                   <a:tcPr marL="16933" marR="16933" marT="16933" marB="0" anchor="b"/>
@@ -5998,15 +9073,18 @@
                     <a:p>
                       <a:pPr algn="ctr" fontAlgn="b"/>
                       <a:r>
-                        <a:rPr lang="en-US" sz="1900" b="0" i="0" u="none" strike="noStrike" dirty="0">
-                          <a:solidFill>
-                            <a:srgbClr val="333333"/>
-                          </a:solidFill>
+                        <a:rPr lang="en-US" sz="1900" u="none" strike="noStrike" dirty="0">
                           <a:effectLst/>
-                          <a:latin typeface="+mn-lt"/>
                         </a:rPr>
                         <a:t>1</a:t>
                       </a:r>
+                      <a:endParaRPr lang="en-US" sz="1900" b="0" i="0" u="none" strike="noStrike" dirty="0">
+                        <a:solidFill>
+                          <a:srgbClr val="333333"/>
+                        </a:solidFill>
+                        <a:effectLst/>
+                        <a:latin typeface="+mn-lt"/>
+                      </a:endParaRPr>
                     </a:p>
                   </a:txBody>
                   <a:tcPr marL="16933" marR="16933" marT="16933" marB="0" anchor="b"/>
@@ -6018,15 +9096,18 @@
                     <a:p>
                       <a:pPr algn="ctr" fontAlgn="b"/>
                       <a:r>
-                        <a:rPr lang="en-US" sz="1900" b="0" i="0" u="none" strike="noStrike" dirty="0">
-                          <a:solidFill>
-                            <a:srgbClr val="333333"/>
-                          </a:solidFill>
+                        <a:rPr lang="en-US" sz="1900" u="none" strike="noStrike" dirty="0">
                           <a:effectLst/>
-                          <a:latin typeface="+mn-lt"/>
                         </a:rPr>
                         <a:t>0</a:t>
                       </a:r>
+                      <a:endParaRPr lang="en-US" sz="1900" b="0" i="0" u="none" strike="noStrike" dirty="0">
+                        <a:solidFill>
+                          <a:srgbClr val="333333"/>
+                        </a:solidFill>
+                        <a:effectLst/>
+                        <a:latin typeface="+mn-lt"/>
+                      </a:endParaRPr>
                     </a:p>
                   </a:txBody>
                   <a:tcPr marL="16933" marR="16933" marT="16933" marB="0" anchor="b"/>
@@ -6038,15 +9119,18 @@
                     <a:p>
                       <a:pPr algn="ctr" fontAlgn="b"/>
                       <a:r>
-                        <a:rPr lang="en-US" sz="1900" b="0" i="0" u="none" strike="noStrike" dirty="0">
-                          <a:solidFill>
-                            <a:srgbClr val="333333"/>
-                          </a:solidFill>
+                        <a:rPr lang="en-US" sz="1900" u="none" strike="noStrike" dirty="0">
                           <a:effectLst/>
-                          <a:latin typeface="+mn-lt"/>
                         </a:rPr>
                         <a:t>33</a:t>
                       </a:r>
+                      <a:endParaRPr lang="en-US" sz="1900" b="0" i="0" u="none" strike="noStrike" dirty="0">
+                        <a:solidFill>
+                          <a:srgbClr val="333333"/>
+                        </a:solidFill>
+                        <a:effectLst/>
+                        <a:latin typeface="+mn-lt"/>
+                      </a:endParaRPr>
                     </a:p>
                   </a:txBody>
                   <a:tcPr marL="16933" marR="16933" marT="16933" marB="0" anchor="b"/>
@@ -6058,15 +9142,18 @@
                     <a:p>
                       <a:pPr algn="ctr" fontAlgn="b"/>
                       <a:r>
-                        <a:rPr lang="ru-RU" sz="1900" b="0" i="0" u="none" strike="noStrike">
-                          <a:solidFill>
-                            <a:srgbClr val="333333"/>
-                          </a:solidFill>
+                        <a:rPr lang="ru-RU" sz="1900" u="none" strike="noStrike">
                           <a:effectLst/>
-                          <a:latin typeface="+mn-lt"/>
                         </a:rPr>
                         <a:t>!</a:t>
                       </a:r>
+                      <a:endParaRPr lang="ru-RU" sz="1900" b="0" i="0" u="none" strike="noStrike">
+                        <a:solidFill>
+                          <a:srgbClr val="333333"/>
+                        </a:solidFill>
+                        <a:effectLst/>
+                        <a:latin typeface="+mn-lt"/>
+                      </a:endParaRPr>
                     </a:p>
                   </a:txBody>
                   <a:tcPr marL="16933" marR="16933" marT="16933" marB="0" anchor="b"/>
@@ -6085,15 +9172,18 @@
                     <a:p>
                       <a:pPr algn="ctr" fontAlgn="b"/>
                       <a:r>
-                        <a:rPr lang="en-US" sz="1900" b="0" i="0" u="none" strike="noStrike">
-                          <a:solidFill>
-                            <a:srgbClr val="333333"/>
-                          </a:solidFill>
+                        <a:rPr lang="en-US" sz="1900" u="none" strike="noStrike">
                           <a:effectLst/>
-                          <a:latin typeface="+mn-lt"/>
                         </a:rPr>
                         <a:t>1</a:t>
                       </a:r>
+                      <a:endParaRPr lang="en-US" sz="1900" b="0" i="0" u="none" strike="noStrike">
+                        <a:solidFill>
+                          <a:srgbClr val="333333"/>
+                        </a:solidFill>
+                        <a:effectLst/>
+                        <a:latin typeface="+mn-lt"/>
+                      </a:endParaRPr>
                     </a:p>
                   </a:txBody>
                   <a:tcPr marL="16933" marR="16933" marT="16933" marB="0" anchor="b"/>
@@ -6105,15 +9195,18 @@
                     <a:p>
                       <a:pPr algn="ctr" fontAlgn="b"/>
                       <a:r>
-                        <a:rPr lang="is-IS" sz="1900" b="0" i="0" u="none" strike="noStrike" dirty="0">
-                          <a:solidFill>
-                            <a:srgbClr val="333333"/>
-                          </a:solidFill>
+                        <a:rPr lang="is-IS" sz="1900" u="none" strike="noStrike" dirty="0">
                           <a:effectLst/>
-                          <a:latin typeface="+mn-lt"/>
                         </a:rPr>
                         <a:t>0.794</a:t>
                       </a:r>
+                      <a:endParaRPr lang="is-IS" sz="1900" b="0" i="0" u="none" strike="noStrike" dirty="0">
+                        <a:solidFill>
+                          <a:srgbClr val="333333"/>
+                        </a:solidFill>
+                        <a:effectLst/>
+                        <a:latin typeface="+mn-lt"/>
+                      </a:endParaRPr>
                     </a:p>
                   </a:txBody>
                   <a:tcPr marL="16933" marR="16933" marT="16933" marB="0" anchor="b"/>
@@ -6125,12 +9218,8 @@
                     <a:p>
                       <a:pPr algn="ctr" fontAlgn="b"/>
                       <a:r>
-                        <a:rPr lang="en-US" sz="1900" b="0" i="0" u="none" strike="noStrike" dirty="0">
-                          <a:solidFill>
-                            <a:srgbClr val="333333"/>
-                          </a:solidFill>
+                        <a:rPr lang="en-US" sz="1900" u="none" strike="noStrike" dirty="0">
                           <a:effectLst/>
-                          <a:latin typeface="+mn-lt"/>
                         </a:rPr>
                         <a:t>0.206</a:t>
                       </a:r>
@@ -6152,15 +9241,18 @@
                     <a:p>
                       <a:pPr algn="ctr" fontAlgn="b"/>
                       <a:r>
-                        <a:rPr lang="ru-RU" sz="1900" b="0" i="0" u="none" strike="noStrike" dirty="0">
-                          <a:solidFill>
-                            <a:srgbClr val="333333"/>
-                          </a:solidFill>
+                        <a:rPr lang="ru-RU" sz="1900" u="none" strike="noStrike" dirty="0">
                           <a:effectLst/>
-                          <a:latin typeface="+mn-lt"/>
                         </a:rPr>
                         <a:t>34</a:t>
                       </a:r>
+                      <a:endParaRPr lang="ru-RU" sz="1900" b="0" i="0" u="none" strike="noStrike" dirty="0">
+                        <a:solidFill>
+                          <a:srgbClr val="333333"/>
+                        </a:solidFill>
+                        <a:effectLst/>
+                        <a:latin typeface="+mn-lt"/>
+                      </a:endParaRPr>
                     </a:p>
                   </a:txBody>
                   <a:tcPr marL="16933" marR="16933" marT="16933" marB="0" anchor="b"/>
@@ -6172,15 +9264,18 @@
                     <a:p>
                       <a:pPr algn="ctr" fontAlgn="b"/>
                       <a:r>
-                        <a:rPr lang="de-DE" sz="1900" b="0" i="0" u="none" strike="noStrike">
-                          <a:solidFill>
-                            <a:srgbClr val="333333"/>
-                          </a:solidFill>
+                        <a:rPr lang="de-DE" sz="1900" u="none" strike="noStrike">
                           <a:effectLst/>
-                          <a:latin typeface="+mn-lt"/>
                         </a:rPr>
                         <a:t>“</a:t>
                       </a:r>
+                      <a:endParaRPr lang="de-DE" sz="1900" b="0" i="0" u="none" strike="noStrike">
+                        <a:solidFill>
+                          <a:srgbClr val="333333"/>
+                        </a:solidFill>
+                        <a:effectLst/>
+                        <a:latin typeface="+mn-lt"/>
+                      </a:endParaRPr>
                     </a:p>
                   </a:txBody>
                   <a:tcPr marL="16933" marR="16933" marT="16933" marB="0" anchor="b"/>
@@ -6199,15 +9294,18 @@
                     <a:p>
                       <a:pPr algn="ctr" fontAlgn="b"/>
                       <a:r>
-                        <a:rPr lang="is-IS" sz="1900" b="0" i="0" u="none" strike="noStrike" dirty="0">
-                          <a:solidFill>
-                            <a:srgbClr val="333333"/>
-                          </a:solidFill>
+                        <a:rPr lang="is-IS" sz="1900" u="none" strike="noStrike" dirty="0">
                           <a:effectLst/>
-                          <a:latin typeface="+mn-lt"/>
                         </a:rPr>
                         <a:t>2</a:t>
                       </a:r>
+                      <a:endParaRPr lang="is-IS" sz="1900" b="0" i="0" u="none" strike="noStrike" dirty="0">
+                        <a:solidFill>
+                          <a:srgbClr val="333333"/>
+                        </a:solidFill>
+                        <a:effectLst/>
+                        <a:latin typeface="+mn-lt"/>
+                      </a:endParaRPr>
                     </a:p>
                   </a:txBody>
                   <a:tcPr marL="16933" marR="16933" marT="16933" marB="0" anchor="b"/>
@@ -6219,15 +9317,18 @@
                     <a:p>
                       <a:pPr algn="ctr" fontAlgn="b"/>
                       <a:r>
-                        <a:rPr lang="is-IS" sz="1900" b="0" i="0" u="none" strike="noStrike" dirty="0">
-                          <a:solidFill>
-                            <a:srgbClr val="333333"/>
-                          </a:solidFill>
+                        <a:rPr lang="is-IS" sz="1900" u="none" strike="noStrike" dirty="0">
                           <a:effectLst/>
-                          <a:latin typeface="+mn-lt"/>
                         </a:rPr>
                         <a:t>0.631</a:t>
                       </a:r>
+                      <a:endParaRPr lang="is-IS" sz="1900" b="0" i="0" u="none" strike="noStrike" dirty="0">
+                        <a:solidFill>
+                          <a:srgbClr val="333333"/>
+                        </a:solidFill>
+                        <a:effectLst/>
+                        <a:latin typeface="+mn-lt"/>
+                      </a:endParaRPr>
                     </a:p>
                   </a:txBody>
                   <a:tcPr marL="16933" marR="16933" marT="16933" marB="0" anchor="b"/>
@@ -6239,15 +9340,18 @@
                     <a:p>
                       <a:pPr algn="ctr" fontAlgn="b"/>
                       <a:r>
-                        <a:rPr lang="en-US" sz="1900" b="0" i="0" u="none" strike="noStrike" dirty="0">
-                          <a:solidFill>
-                            <a:srgbClr val="333333"/>
-                          </a:solidFill>
+                        <a:rPr lang="en-US" sz="1900" u="none" strike="noStrike" dirty="0">
                           <a:effectLst/>
-                          <a:latin typeface="+mn-lt"/>
                         </a:rPr>
                         <a:t>0.369</a:t>
                       </a:r>
+                      <a:endParaRPr lang="en-US" sz="1900" b="0" i="0" u="none" strike="noStrike" dirty="0">
+                        <a:solidFill>
+                          <a:srgbClr val="333333"/>
+                        </a:solidFill>
+                        <a:effectLst/>
+                        <a:latin typeface="+mn-lt"/>
+                      </a:endParaRPr>
                     </a:p>
                   </a:txBody>
                   <a:tcPr marL="16933" marR="16933" marT="16933" marB="0" anchor="b"/>
@@ -6259,15 +9363,18 @@
                     <a:p>
                       <a:pPr algn="ctr" fontAlgn="b"/>
                       <a:r>
-                        <a:rPr lang="en-US" sz="1900" b="0" i="0" u="none" strike="noStrike" dirty="0">
-                          <a:solidFill>
-                            <a:srgbClr val="333333"/>
-                          </a:solidFill>
+                        <a:rPr lang="en-US" sz="1900" u="none" strike="noStrike" dirty="0">
                           <a:effectLst/>
-                          <a:latin typeface="+mn-lt"/>
                         </a:rPr>
                         <a:t>35</a:t>
                       </a:r>
+                      <a:endParaRPr lang="en-US" sz="1900" b="0" i="0" u="none" strike="noStrike" dirty="0">
+                        <a:solidFill>
+                          <a:srgbClr val="333333"/>
+                        </a:solidFill>
+                        <a:effectLst/>
+                        <a:latin typeface="+mn-lt"/>
+                      </a:endParaRPr>
                     </a:p>
                   </a:txBody>
                   <a:tcPr marL="16933" marR="16933" marT="16933" marB="0" anchor="b"/>
@@ -6279,15 +9386,18 @@
                     <a:p>
                       <a:pPr algn="ctr" fontAlgn="b"/>
                       <a:r>
-                        <a:rPr lang="uk-UA" sz="1900" b="0" i="0" u="none" strike="noStrike" dirty="0">
-                          <a:solidFill>
-                            <a:srgbClr val="333333"/>
-                          </a:solidFill>
+                        <a:rPr lang="uk-UA" sz="1900" u="none" strike="noStrike" dirty="0">
                           <a:effectLst/>
-                          <a:latin typeface="+mn-lt"/>
                         </a:rPr>
                         <a:t>#</a:t>
                       </a:r>
+                      <a:endParaRPr lang="uk-UA" sz="1900" b="0" i="0" u="none" strike="noStrike" dirty="0">
+                        <a:solidFill>
+                          <a:srgbClr val="333333"/>
+                        </a:solidFill>
+                        <a:effectLst/>
+                        <a:latin typeface="+mn-lt"/>
+                      </a:endParaRPr>
                     </a:p>
                   </a:txBody>
                   <a:tcPr marL="16933" marR="16933" marT="16933" marB="0" anchor="b"/>
@@ -6306,15 +9416,18 @@
                     <a:p>
                       <a:pPr algn="ctr" fontAlgn="b"/>
                       <a:r>
-                        <a:rPr lang="en-US" sz="1900" b="0" i="0" u="none" strike="noStrike" dirty="0">
-                          <a:solidFill>
-                            <a:srgbClr val="333333"/>
-                          </a:solidFill>
+                        <a:rPr lang="en-US" sz="1900" u="none" strike="noStrike" dirty="0">
                           <a:effectLst/>
-                          <a:latin typeface="+mn-lt"/>
                         </a:rPr>
                         <a:t>10</a:t>
                       </a:r>
+                      <a:endParaRPr lang="en-US" sz="1900" b="0" i="0" u="none" strike="noStrike" dirty="0">
+                        <a:solidFill>
+                          <a:srgbClr val="333333"/>
+                        </a:solidFill>
+                        <a:effectLst/>
+                        <a:latin typeface="+mn-lt"/>
+                      </a:endParaRPr>
                     </a:p>
                   </a:txBody>
                   <a:tcPr marL="16933" marR="16933" marT="16933" marB="0" anchor="b"/>
@@ -6326,15 +9439,18 @@
                     <a:p>
                       <a:pPr algn="ctr" fontAlgn="b"/>
                       <a:r>
-                        <a:rPr lang="nb-NO" sz="1900" b="0" i="0" u="none" strike="noStrike" dirty="0">
-                          <a:solidFill>
-                            <a:srgbClr val="333333"/>
-                          </a:solidFill>
+                        <a:rPr lang="nb-NO" sz="1900" u="none" strike="noStrike" dirty="0">
                           <a:effectLst/>
-                          <a:latin typeface="+mn-lt"/>
                         </a:rPr>
                         <a:t>0.1</a:t>
                       </a:r>
+                      <a:endParaRPr lang="nb-NO" sz="1900" b="0" i="0" u="none" strike="noStrike" dirty="0">
+                        <a:solidFill>
+                          <a:srgbClr val="333333"/>
+                        </a:solidFill>
+                        <a:effectLst/>
+                        <a:latin typeface="+mn-lt"/>
+                      </a:endParaRPr>
                     </a:p>
                   </a:txBody>
                   <a:tcPr marL="16933" marR="16933" marT="16933" marB="0" anchor="b"/>
@@ -6346,11 +9462,12 @@
                     <a:p>
                       <a:pPr algn="ctr"/>
                       <a:r>
-                        <a:rPr lang="en-US" sz="1900" dirty="0">
-                          <a:latin typeface="+mn-lt"/>
-                        </a:rPr>
+                        <a:rPr lang="en-US" sz="1900" dirty="0"/>
                         <a:t>0.90</a:t>
                       </a:r>
+                      <a:endParaRPr lang="en-US" sz="1900" dirty="0">
+                        <a:latin typeface="+mn-lt"/>
+                      </a:endParaRPr>
                     </a:p>
                   </a:txBody>
                   <a:tcPr marL="16933" marR="16933" marT="16933" marB="0" anchor="b"/>
@@ -6362,15 +9479,18 @@
                     <a:p>
                       <a:pPr algn="ctr" fontAlgn="b"/>
                       <a:r>
-                        <a:rPr lang="en-US" sz="1900" b="0" i="0" u="none" strike="noStrike" dirty="0">
-                          <a:solidFill>
-                            <a:srgbClr val="333333"/>
-                          </a:solidFill>
+                        <a:rPr lang="en-US" sz="1900" u="none" strike="noStrike" dirty="0">
                           <a:effectLst/>
-                          <a:latin typeface="+mn-lt"/>
                         </a:rPr>
                         <a:t>43</a:t>
                       </a:r>
+                      <a:endParaRPr lang="en-US" sz="1900" b="0" i="0" u="none" strike="noStrike" dirty="0">
+                        <a:solidFill>
+                          <a:srgbClr val="333333"/>
+                        </a:solidFill>
+                        <a:effectLst/>
+                        <a:latin typeface="+mn-lt"/>
+                      </a:endParaRPr>
                     </a:p>
                   </a:txBody>
                   <a:tcPr marL="16933" marR="16933" marT="16933" marB="0" anchor="b"/>
@@ -6382,15 +9502,18 @@
                     <a:p>
                       <a:pPr algn="ctr" fontAlgn="b"/>
                       <a:r>
-                        <a:rPr lang="en-US" sz="1900" b="0" i="0" u="none" strike="noStrike" dirty="0">
-                          <a:solidFill>
-                            <a:srgbClr val="333333"/>
-                          </a:solidFill>
+                        <a:rPr lang="en-US" sz="1900" u="none" strike="noStrike" dirty="0">
                           <a:effectLst/>
-                          <a:latin typeface="+mn-lt"/>
                         </a:rPr>
                         <a:t>+</a:t>
                       </a:r>
+                      <a:endParaRPr lang="en-US" sz="1900" b="0" i="0" u="none" strike="noStrike" dirty="0">
+                        <a:solidFill>
+                          <a:srgbClr val="333333"/>
+                        </a:solidFill>
+                        <a:effectLst/>
+                        <a:latin typeface="+mn-lt"/>
+                      </a:endParaRPr>
                     </a:p>
                   </a:txBody>
                   <a:tcPr marL="16933" marR="16933" marT="16933" marB="0" anchor="b"/>
@@ -6409,15 +9532,18 @@
                     <a:p>
                       <a:pPr algn="ctr" fontAlgn="b"/>
                       <a:r>
-                        <a:rPr lang="is-IS" sz="1900" b="0" i="0" u="none" strike="noStrike" dirty="0">
-                          <a:solidFill>
-                            <a:srgbClr val="333333"/>
-                          </a:solidFill>
+                        <a:rPr lang="is-IS" sz="1900" u="none" strike="noStrike" dirty="0">
                           <a:effectLst/>
-                          <a:latin typeface="+mn-lt"/>
                         </a:rPr>
                         <a:t>20</a:t>
                       </a:r>
+                      <a:endParaRPr lang="is-IS" sz="1900" b="0" i="0" u="none" strike="noStrike" dirty="0">
+                        <a:solidFill>
+                          <a:srgbClr val="333333"/>
+                        </a:solidFill>
+                        <a:effectLst/>
+                        <a:latin typeface="+mn-lt"/>
+                      </a:endParaRPr>
                     </a:p>
                   </a:txBody>
                   <a:tcPr marL="16933" marR="16933" marT="16933" marB="0" anchor="b"/>
@@ -6429,15 +9555,18 @@
                     <a:p>
                       <a:pPr algn="ctr" fontAlgn="b"/>
                       <a:r>
-                        <a:rPr lang="nb-NO" sz="1900" b="0" i="0" u="none" strike="noStrike" dirty="0">
-                          <a:solidFill>
-                            <a:srgbClr val="333333"/>
-                          </a:solidFill>
+                        <a:rPr lang="nb-NO" sz="1900" u="none" strike="noStrike" dirty="0">
                           <a:effectLst/>
-                          <a:latin typeface="+mn-lt"/>
                         </a:rPr>
                         <a:t>0.01</a:t>
                       </a:r>
+                      <a:endParaRPr lang="nb-NO" sz="1900" b="0" i="0" u="none" strike="noStrike" dirty="0">
+                        <a:solidFill>
+                          <a:srgbClr val="333333"/>
+                        </a:solidFill>
+                        <a:effectLst/>
+                        <a:latin typeface="+mn-lt"/>
+                      </a:endParaRPr>
                     </a:p>
                   </a:txBody>
                   <a:tcPr marL="16933" marR="16933" marT="16933" marB="0" anchor="b"/>
@@ -6449,11 +9578,12 @@
                     <a:p>
                       <a:pPr algn="ctr"/>
                       <a:r>
-                        <a:rPr lang="en-US" sz="1900" dirty="0">
-                          <a:latin typeface="+mn-lt"/>
-                        </a:rPr>
+                        <a:rPr lang="en-US" sz="1900" dirty="0"/>
                         <a:t>0.99</a:t>
                       </a:r>
+                      <a:endParaRPr lang="en-US" sz="1900" dirty="0">
+                        <a:latin typeface="+mn-lt"/>
+                      </a:endParaRPr>
                     </a:p>
                   </a:txBody>
                   <a:tcPr marL="16933" marR="16933" marT="16933" marB="0" anchor="b"/>
@@ -6465,15 +9595,18 @@
                     <a:p>
                       <a:pPr algn="ctr" fontAlgn="b"/>
                       <a:r>
-                        <a:rPr lang="en-US" sz="1900" b="0" i="0" u="none" strike="noStrike" dirty="0">
-                          <a:solidFill>
-                            <a:srgbClr val="333333"/>
-                          </a:solidFill>
+                        <a:rPr lang="en-US" sz="1900" u="none" strike="noStrike" dirty="0">
                           <a:effectLst/>
-                          <a:latin typeface="+mn-lt"/>
                         </a:rPr>
                         <a:t>53</a:t>
                       </a:r>
+                      <a:endParaRPr lang="en-US" sz="1900" b="0" i="0" u="none" strike="noStrike" dirty="0">
+                        <a:solidFill>
+                          <a:srgbClr val="333333"/>
+                        </a:solidFill>
+                        <a:effectLst/>
+                        <a:latin typeface="+mn-lt"/>
+                      </a:endParaRPr>
                     </a:p>
                   </a:txBody>
                   <a:tcPr marL="16933" marR="16933" marT="16933" marB="0" anchor="b"/>
@@ -6485,15 +9618,18 @@
                     <a:p>
                       <a:pPr algn="ctr" fontAlgn="b"/>
                       <a:r>
-                        <a:rPr lang="en-US" sz="1900" b="0" i="0" u="none" strike="noStrike" dirty="0">
-                          <a:solidFill>
-                            <a:srgbClr val="333333"/>
-                          </a:solidFill>
+                        <a:rPr lang="en-US" sz="1900" u="none" strike="noStrike" dirty="0">
                           <a:effectLst/>
-                          <a:latin typeface="+mn-lt"/>
                         </a:rPr>
                         <a:t>5</a:t>
                       </a:r>
+                      <a:endParaRPr lang="en-US" sz="1900" b="0" i="0" u="none" strike="noStrike" dirty="0">
+                        <a:solidFill>
+                          <a:srgbClr val="333333"/>
+                        </a:solidFill>
+                        <a:effectLst/>
+                        <a:latin typeface="+mn-lt"/>
+                      </a:endParaRPr>
                     </a:p>
                   </a:txBody>
                   <a:tcPr marL="16933" marR="16933" marT="16933" marB="0" anchor="b"/>
@@ -6512,15 +9648,18 @@
                     <a:p>
                       <a:pPr algn="ctr" fontAlgn="b"/>
                       <a:r>
-                        <a:rPr lang="en-US" sz="1900" b="0" i="0" u="none" strike="noStrike" dirty="0">
-                          <a:solidFill>
-                            <a:srgbClr val="333333"/>
-                          </a:solidFill>
+                        <a:rPr lang="en-US" sz="1900" u="none" strike="noStrike" dirty="0">
                           <a:effectLst/>
-                          <a:latin typeface="+mn-lt"/>
                         </a:rPr>
                         <a:t>30</a:t>
                       </a:r>
+                      <a:endParaRPr lang="en-US" sz="1900" b="0" i="0" u="none" strike="noStrike" dirty="0">
+                        <a:solidFill>
+                          <a:srgbClr val="333333"/>
+                        </a:solidFill>
+                        <a:effectLst/>
+                        <a:latin typeface="+mn-lt"/>
+                      </a:endParaRPr>
                     </a:p>
                   </a:txBody>
                   <a:tcPr marL="16933" marR="16933" marT="16933" marB="0" anchor="b"/>
@@ -6532,15 +9671,18 @@
                     <a:p>
                       <a:pPr algn="ctr" fontAlgn="b"/>
                       <a:r>
-                        <a:rPr lang="nb-NO" sz="1900" b="0" i="0" u="none" strike="noStrike">
-                          <a:solidFill>
-                            <a:srgbClr val="333333"/>
-                          </a:solidFill>
+                        <a:rPr lang="nb-NO" sz="1900" u="none" strike="noStrike">
                           <a:effectLst/>
-                          <a:latin typeface="+mn-lt"/>
                         </a:rPr>
                         <a:t>0.001</a:t>
                       </a:r>
+                      <a:endParaRPr lang="nb-NO" sz="1900" b="0" i="0" u="none" strike="noStrike">
+                        <a:solidFill>
+                          <a:srgbClr val="333333"/>
+                        </a:solidFill>
+                        <a:effectLst/>
+                        <a:latin typeface="+mn-lt"/>
+                      </a:endParaRPr>
                     </a:p>
                   </a:txBody>
                   <a:tcPr marL="16933" marR="16933" marT="16933" marB="0" anchor="b"/>
@@ -6552,11 +9694,12 @@
                     <a:p>
                       <a:pPr algn="ctr"/>
                       <a:r>
-                        <a:rPr lang="en-US" sz="1900" dirty="0">
-                          <a:latin typeface="+mn-lt"/>
-                        </a:rPr>
+                        <a:rPr lang="en-US" sz="1900" dirty="0"/>
                         <a:t>0.999</a:t>
                       </a:r>
+                      <a:endParaRPr lang="en-US" sz="1900" dirty="0">
+                        <a:latin typeface="+mn-lt"/>
+                      </a:endParaRPr>
                     </a:p>
                   </a:txBody>
                   <a:tcPr marL="16933" marR="16933" marT="16933" marB="0" anchor="b"/>
@@ -6568,15 +9711,18 @@
                     <a:p>
                       <a:pPr algn="ctr" fontAlgn="b"/>
                       <a:r>
-                        <a:rPr lang="is-IS" sz="1900" b="0" i="0" u="none" strike="noStrike" dirty="0">
-                          <a:solidFill>
-                            <a:srgbClr val="333333"/>
-                          </a:solidFill>
+                        <a:rPr lang="is-IS" sz="1900" u="none" strike="noStrike" dirty="0">
                           <a:effectLst/>
-                          <a:latin typeface="+mn-lt"/>
                         </a:rPr>
                         <a:t>63</a:t>
                       </a:r>
+                      <a:endParaRPr lang="is-IS" sz="1900" b="0" i="0" u="none" strike="noStrike" dirty="0">
+                        <a:solidFill>
+                          <a:srgbClr val="333333"/>
+                        </a:solidFill>
+                        <a:effectLst/>
+                        <a:latin typeface="+mn-lt"/>
+                      </a:endParaRPr>
                     </a:p>
                   </a:txBody>
                   <a:tcPr marL="16933" marR="16933" marT="16933" marB="0" anchor="b"/>
@@ -6588,15 +9734,18 @@
                     <a:p>
                       <a:pPr algn="ctr" fontAlgn="b"/>
                       <a:r>
-                        <a:rPr lang="ru-RU" sz="1900" b="0" i="0" u="none" strike="noStrike" dirty="0">
-                          <a:solidFill>
-                            <a:srgbClr val="333333"/>
-                          </a:solidFill>
+                        <a:rPr lang="ru-RU" sz="1900" u="none" strike="noStrike" dirty="0">
                           <a:effectLst/>
-                          <a:latin typeface="+mn-lt"/>
                         </a:rPr>
                         <a:t>?</a:t>
                       </a:r>
+                      <a:endParaRPr lang="ru-RU" sz="1900" b="0" i="0" u="none" strike="noStrike" dirty="0">
+                        <a:solidFill>
+                          <a:srgbClr val="333333"/>
+                        </a:solidFill>
+                        <a:effectLst/>
+                        <a:latin typeface="+mn-lt"/>
+                      </a:endParaRPr>
                     </a:p>
                   </a:txBody>
                   <a:tcPr marL="16933" marR="16933" marT="16933" marB="0" anchor="b"/>
@@ -6794,6 +9943,1950 @@
     <p:extLst>
       <p:ext uri="{BB962C8B-B14F-4D97-AF65-F5344CB8AC3E}">
         <p14:creationId xmlns:p14="http://schemas.microsoft.com/office/powerpoint/2010/main" val="3957395573"/>
+      </p:ext>
+    </p:extLst>
+  </p:cSld>
+  <p:clrMapOvr>
+    <a:masterClrMapping/>
+  </p:clrMapOvr>
+</p:sld>
+</file>
+
+<file path=ppt/slides/slide6.xml><?xml version="1.0" encoding="utf-8"?>
+<p:sld xmlns:a="http://schemas.openxmlformats.org/drawingml/2006/main" xmlns:r="http://schemas.openxmlformats.org/officeDocument/2006/relationships" xmlns:p="http://schemas.openxmlformats.org/presentationml/2006/main">
+  <p:cSld>
+    <p:spTree>
+      <p:nvGrpSpPr>
+        <p:cNvPr id="1" name=""/>
+        <p:cNvGrpSpPr/>
+        <p:nvPr/>
+      </p:nvGrpSpPr>
+      <p:grpSpPr>
+        <a:xfrm>
+          <a:off x="0" y="0"/>
+          <a:ext cx="0" cy="0"/>
+          <a:chOff x="0" y="0"/>
+          <a:chExt cx="0" cy="0"/>
+        </a:xfrm>
+      </p:grpSpPr>
+      <p:sp>
+        <p:nvSpPr>
+          <p:cNvPr id="2" name="Title 1">
+            <a:extLst>
+              <a:ext uri="{FF2B5EF4-FFF2-40B4-BE49-F238E27FC236}">
+                <a16:creationId xmlns:a16="http://schemas.microsoft.com/office/drawing/2014/main" id="{A1E6F025-9974-EB48-9CDF-6321AFB75F81}"/>
+              </a:ext>
+            </a:extLst>
+          </p:cNvPr>
+          <p:cNvSpPr>
+            <a:spLocks noGrp="1"/>
+          </p:cNvSpPr>
+          <p:nvPr>
+            <p:ph type="title"/>
+          </p:nvPr>
+        </p:nvSpPr>
+        <p:spPr>
+          <a:xfrm>
+            <a:off x="838200" y="100013"/>
+            <a:ext cx="10515600" cy="1143001"/>
+          </a:xfrm>
+        </p:spPr>
+        <p:txBody>
+          <a:bodyPr>
+            <a:normAutofit fontScale="90000"/>
+          </a:bodyPr>
+          <a:lstStyle/>
+          <a:p>
+            <a:r>
+              <a:rPr lang="en-US" dirty="0">
+                <a:latin typeface="Calibri" panose="020F0502020204030204" pitchFamily="34" charset="0"/>
+                <a:cs typeface="Calibri" panose="020F0502020204030204" pitchFamily="34" charset="0"/>
+              </a:rPr>
+              <a:t>GFF/GTF – formats for representing sequence features</a:t>
+            </a:r>
+          </a:p>
+        </p:txBody>
+      </p:sp>
+      <p:sp>
+        <p:nvSpPr>
+          <p:cNvPr id="3" name="Content Placeholder 2">
+            <a:extLst>
+              <a:ext uri="{FF2B5EF4-FFF2-40B4-BE49-F238E27FC236}">
+                <a16:creationId xmlns:a16="http://schemas.microsoft.com/office/drawing/2014/main" id="{A9214984-05AB-4243-98AB-625773E2471C}"/>
+              </a:ext>
+            </a:extLst>
+          </p:cNvPr>
+          <p:cNvSpPr>
+            <a:spLocks noGrp="1"/>
+          </p:cNvSpPr>
+          <p:nvPr>
+            <p:ph idx="1"/>
+          </p:nvPr>
+        </p:nvSpPr>
+        <p:spPr/>
+        <p:txBody>
+          <a:bodyPr/>
+          <a:lstStyle/>
+          <a:p>
+            <a:r>
+              <a:rPr lang="en-US" dirty="0">
+                <a:latin typeface="Calibri" panose="020F0502020204030204" pitchFamily="34" charset="0"/>
+                <a:cs typeface="Calibri" panose="020F0502020204030204" pitchFamily="34" charset="0"/>
+              </a:rPr>
+              <a:t>GFF – General/Generic Feature Format; Gene Finding Format</a:t>
+            </a:r>
+          </a:p>
+          <a:p>
+            <a:pPr lvl="1"/>
+            <a:r>
+              <a:rPr lang="en-US" dirty="0">
+                <a:latin typeface="Calibri" panose="020F0502020204030204" pitchFamily="34" charset="0"/>
+                <a:cs typeface="Calibri" panose="020F0502020204030204" pitchFamily="34" charset="0"/>
+              </a:rPr>
+              <a:t>Two versions in wide use</a:t>
+            </a:r>
+          </a:p>
+          <a:p>
+            <a:pPr lvl="2"/>
+            <a:r>
+              <a:rPr lang="en-US" dirty="0">
+                <a:latin typeface="Calibri" panose="020F0502020204030204" pitchFamily="34" charset="0"/>
+                <a:cs typeface="Calibri" panose="020F0502020204030204" pitchFamily="34" charset="0"/>
+              </a:rPr>
+              <a:t>GFF2 (see also GTF)</a:t>
+            </a:r>
+          </a:p>
+          <a:p>
+            <a:pPr lvl="2"/>
+            <a:r>
+              <a:rPr lang="en-US" dirty="0">
+                <a:latin typeface="Calibri" panose="020F0502020204030204" pitchFamily="34" charset="0"/>
+                <a:cs typeface="Calibri" panose="020F0502020204030204" pitchFamily="34" charset="0"/>
+              </a:rPr>
+              <a:t>GFF3</a:t>
+            </a:r>
+          </a:p>
+          <a:p>
+            <a:pPr lvl="3"/>
+            <a:r>
+              <a:rPr lang="en-US" dirty="0">
+                <a:latin typeface="Calibri" panose="020F0502020204030204" pitchFamily="34" charset="0"/>
+                <a:cs typeface="Calibri" panose="020F0502020204030204" pitchFamily="34" charset="0"/>
+              </a:rPr>
+              <a:t>Added formal support for multiple levels (and direction) of hierarchy (e.g., gene -&gt; transcript -&gt; exon)</a:t>
+            </a:r>
+          </a:p>
+          <a:p>
+            <a:r>
+              <a:rPr lang="en-US" dirty="0">
+                <a:latin typeface="Calibri" panose="020F0502020204030204" pitchFamily="34" charset="0"/>
+                <a:cs typeface="Calibri" panose="020F0502020204030204" pitchFamily="34" charset="0"/>
+              </a:rPr>
+              <a:t>GTF – Gene Transfer Format</a:t>
+            </a:r>
+          </a:p>
+          <a:p>
+            <a:pPr lvl="1"/>
+            <a:r>
+              <a:rPr lang="en-US" dirty="0">
+                <a:latin typeface="Calibri" panose="020F0502020204030204" pitchFamily="34" charset="0"/>
+                <a:cs typeface="Calibri" panose="020F0502020204030204" pitchFamily="34" charset="0"/>
+              </a:rPr>
+              <a:t>An extension of GFF2</a:t>
+            </a:r>
+          </a:p>
+          <a:p>
+            <a:pPr lvl="1"/>
+            <a:endParaRPr lang="en-US" dirty="0">
+              <a:latin typeface="Calibri" panose="020F0502020204030204" pitchFamily="34" charset="0"/>
+              <a:cs typeface="Calibri" panose="020F0502020204030204" pitchFamily="34" charset="0"/>
+            </a:endParaRPr>
+          </a:p>
+          <a:p>
+            <a:r>
+              <a:rPr lang="en-US" dirty="0">
+                <a:latin typeface="Calibri" panose="020F0502020204030204" pitchFamily="34" charset="0"/>
+                <a:cs typeface="Calibri" panose="020F0502020204030204" pitchFamily="34" charset="0"/>
+              </a:rPr>
+              <a:t>GFF2, GFF3 and GTF are all tab-separate files with 9 fields</a:t>
+            </a:r>
+          </a:p>
+          <a:p>
+            <a:pPr lvl="1"/>
+            <a:r>
+              <a:rPr lang="en-US" dirty="0">
+                <a:latin typeface="Calibri" panose="020F0502020204030204" pitchFamily="34" charset="0"/>
+                <a:cs typeface="Calibri" panose="020F0502020204030204" pitchFamily="34" charset="0"/>
+              </a:rPr>
+              <a:t>Differing content in 9</a:t>
+            </a:r>
+            <a:r>
+              <a:rPr lang="en-US" baseline="30000" dirty="0">
+                <a:latin typeface="Calibri" panose="020F0502020204030204" pitchFamily="34" charset="0"/>
+                <a:cs typeface="Calibri" panose="020F0502020204030204" pitchFamily="34" charset="0"/>
+              </a:rPr>
+              <a:t>th</a:t>
+            </a:r>
+            <a:r>
+              <a:rPr lang="en-US" dirty="0">
+                <a:latin typeface="Calibri" panose="020F0502020204030204" pitchFamily="34" charset="0"/>
+                <a:cs typeface="Calibri" panose="020F0502020204030204" pitchFamily="34" charset="0"/>
+              </a:rPr>
+              <a:t> column</a:t>
+            </a:r>
+          </a:p>
+          <a:p>
+            <a:endParaRPr lang="en-US" dirty="0">
+              <a:latin typeface="Calibri" panose="020F0502020204030204" pitchFamily="34" charset="0"/>
+              <a:cs typeface="Calibri" panose="020F0502020204030204" pitchFamily="34" charset="0"/>
+            </a:endParaRPr>
+          </a:p>
+        </p:txBody>
+      </p:sp>
+    </p:spTree>
+    <p:extLst>
+      <p:ext uri="{BB962C8B-B14F-4D97-AF65-F5344CB8AC3E}">
+        <p14:creationId xmlns:p14="http://schemas.microsoft.com/office/powerpoint/2010/main" val="3243958111"/>
+      </p:ext>
+    </p:extLst>
+  </p:cSld>
+  <p:clrMapOvr>
+    <a:masterClrMapping/>
+  </p:clrMapOvr>
+</p:sld>
+</file>
+
+<file path=ppt/slides/slide7.xml><?xml version="1.0" encoding="utf-8"?>
+<p:sld xmlns:a="http://schemas.openxmlformats.org/drawingml/2006/main" xmlns:r="http://schemas.openxmlformats.org/officeDocument/2006/relationships" xmlns:p="http://schemas.openxmlformats.org/presentationml/2006/main">
+  <p:cSld>
+    <p:spTree>
+      <p:nvGrpSpPr>
+        <p:cNvPr id="1" name=""/>
+        <p:cNvGrpSpPr/>
+        <p:nvPr/>
+      </p:nvGrpSpPr>
+      <p:grpSpPr>
+        <a:xfrm>
+          <a:off x="0" y="0"/>
+          <a:ext cx="0" cy="0"/>
+          <a:chOff x="0" y="0"/>
+          <a:chExt cx="0" cy="0"/>
+        </a:xfrm>
+      </p:grpSpPr>
+      <p:sp>
+        <p:nvSpPr>
+          <p:cNvPr id="2" name="Title 1">
+            <a:extLst>
+              <a:ext uri="{FF2B5EF4-FFF2-40B4-BE49-F238E27FC236}">
+                <a16:creationId xmlns:a16="http://schemas.microsoft.com/office/drawing/2014/main" id="{E3ED2281-4418-C74B-9F69-281E463D62B3}"/>
+              </a:ext>
+            </a:extLst>
+          </p:cNvPr>
+          <p:cNvSpPr>
+            <a:spLocks noGrp="1"/>
+          </p:cNvSpPr>
+          <p:nvPr>
+            <p:ph type="title"/>
+          </p:nvPr>
+        </p:nvSpPr>
+        <p:spPr>
+          <a:xfrm>
+            <a:off x="838200" y="107946"/>
+            <a:ext cx="10515600" cy="792163"/>
+          </a:xfrm>
+        </p:spPr>
+        <p:txBody>
+          <a:bodyPr/>
+          <a:lstStyle/>
+          <a:p>
+            <a:r>
+              <a:rPr lang="en-US" dirty="0">
+                <a:latin typeface="Calibri" panose="020F0502020204030204" pitchFamily="34" charset="0"/>
+                <a:cs typeface="Calibri" panose="020F0502020204030204" pitchFamily="34" charset="0"/>
+              </a:rPr>
+              <a:t>GFF/GTF – general structure</a:t>
+            </a:r>
+          </a:p>
+        </p:txBody>
+      </p:sp>
+      <p:pic>
+        <p:nvPicPr>
+          <p:cNvPr id="5" name="Content Placeholder 4">
+            <a:extLst>
+              <a:ext uri="{FF2B5EF4-FFF2-40B4-BE49-F238E27FC236}">
+                <a16:creationId xmlns:a16="http://schemas.microsoft.com/office/drawing/2014/main" id="{24440EE7-67A5-8548-80B4-BB6A4E23C5D8}"/>
+              </a:ext>
+            </a:extLst>
+          </p:cNvPr>
+          <p:cNvPicPr>
+            <a:picLocks noGrp="1" noChangeAspect="1"/>
+          </p:cNvPicPr>
+          <p:nvPr>
+            <p:ph idx="1"/>
+          </p:nvPr>
+        </p:nvPicPr>
+        <p:blipFill>
+          <a:blip r:embed="rId3"/>
+          <a:stretch>
+            <a:fillRect/>
+          </a:stretch>
+        </p:blipFill>
+        <p:spPr>
+          <a:xfrm>
+            <a:off x="294503" y="1628776"/>
+            <a:ext cx="11808869" cy="4276670"/>
+          </a:xfrm>
+        </p:spPr>
+      </p:pic>
+    </p:spTree>
+    <p:extLst>
+      <p:ext uri="{BB962C8B-B14F-4D97-AF65-F5344CB8AC3E}">
+        <p14:creationId xmlns:p14="http://schemas.microsoft.com/office/powerpoint/2010/main" val="965887651"/>
+      </p:ext>
+    </p:extLst>
+  </p:cSld>
+  <p:clrMapOvr>
+    <a:masterClrMapping/>
+  </p:clrMapOvr>
+</p:sld>
+</file>
+
+<file path=ppt/slides/slide8.xml><?xml version="1.0" encoding="utf-8"?>
+<p:sld xmlns:a="http://schemas.openxmlformats.org/drawingml/2006/main" xmlns:r="http://schemas.openxmlformats.org/officeDocument/2006/relationships" xmlns:p="http://schemas.openxmlformats.org/presentationml/2006/main">
+  <p:cSld>
+    <p:spTree>
+      <p:nvGrpSpPr>
+        <p:cNvPr id="1" name=""/>
+        <p:cNvGrpSpPr/>
+        <p:nvPr/>
+      </p:nvGrpSpPr>
+      <p:grpSpPr>
+        <a:xfrm>
+          <a:off x="0" y="0"/>
+          <a:ext cx="0" cy="0"/>
+          <a:chOff x="0" y="0"/>
+          <a:chExt cx="0" cy="0"/>
+        </a:xfrm>
+      </p:grpSpPr>
+      <p:sp>
+        <p:nvSpPr>
+          <p:cNvPr id="2" name="Title 1">
+            <a:extLst>
+              <a:ext uri="{FF2B5EF4-FFF2-40B4-BE49-F238E27FC236}">
+                <a16:creationId xmlns:a16="http://schemas.microsoft.com/office/drawing/2014/main" id="{00389891-ECCF-F445-8317-47962E3264F7}"/>
+              </a:ext>
+            </a:extLst>
+          </p:cNvPr>
+          <p:cNvSpPr>
+            <a:spLocks noGrp="1"/>
+          </p:cNvSpPr>
+          <p:nvPr>
+            <p:ph type="title"/>
+          </p:nvPr>
+        </p:nvSpPr>
+        <p:spPr>
+          <a:xfrm>
+            <a:off x="357188" y="18255"/>
+            <a:ext cx="11530012" cy="1325563"/>
+          </a:xfrm>
+        </p:spPr>
+        <p:txBody>
+          <a:bodyPr/>
+          <a:lstStyle/>
+          <a:p>
+            <a:r>
+              <a:rPr lang="en-US" dirty="0" err="1">
+                <a:latin typeface="Calibri" panose="020F0502020204030204" pitchFamily="34" charset="0"/>
+                <a:cs typeface="Calibri" panose="020F0502020204030204" pitchFamily="34" charset="0"/>
+              </a:rPr>
+              <a:t>Ensembl</a:t>
+            </a:r>
+            <a:r>
+              <a:rPr lang="en-US" dirty="0">
+                <a:latin typeface="Calibri" panose="020F0502020204030204" pitchFamily="34" charset="0"/>
+                <a:cs typeface="Calibri" panose="020F0502020204030204" pitchFamily="34" charset="0"/>
+              </a:rPr>
+              <a:t> GTF example record</a:t>
+            </a:r>
+          </a:p>
+        </p:txBody>
+      </p:sp>
+      <p:sp>
+        <p:nvSpPr>
+          <p:cNvPr id="3" name="Content Placeholder 2">
+            <a:extLst>
+              <a:ext uri="{FF2B5EF4-FFF2-40B4-BE49-F238E27FC236}">
+                <a16:creationId xmlns:a16="http://schemas.microsoft.com/office/drawing/2014/main" id="{4F21A5B6-0F0F-2C46-93FD-262FC2456D07}"/>
+              </a:ext>
+            </a:extLst>
+          </p:cNvPr>
+          <p:cNvSpPr>
+            <a:spLocks noGrp="1"/>
+          </p:cNvSpPr>
+          <p:nvPr>
+            <p:ph idx="1"/>
+          </p:nvPr>
+        </p:nvSpPr>
+        <p:spPr>
+          <a:xfrm>
+            <a:off x="357187" y="1825625"/>
+            <a:ext cx="11530011" cy="531813"/>
+          </a:xfrm>
+        </p:spPr>
+        <p:txBody>
+          <a:bodyPr>
+            <a:normAutofit/>
+          </a:bodyPr>
+          <a:lstStyle/>
+          <a:p>
+            <a:pPr marL="0" indent="0" algn="ctr">
+              <a:buNone/>
+            </a:pPr>
+            <a:r>
+              <a:rPr lang="en-US" sz="2000" dirty="0">
+                <a:latin typeface="Calibri" panose="020F0502020204030204" pitchFamily="34" charset="0"/>
+                <a:cs typeface="Calibri" panose="020F0502020204030204" pitchFamily="34" charset="0"/>
+              </a:rPr>
+              <a:t>22	</a:t>
+            </a:r>
+            <a:r>
+              <a:rPr lang="en-US" sz="2000" dirty="0" err="1">
+                <a:latin typeface="Calibri" panose="020F0502020204030204" pitchFamily="34" charset="0"/>
+                <a:cs typeface="Calibri" panose="020F0502020204030204" pitchFamily="34" charset="0"/>
+              </a:rPr>
+              <a:t>ensembl</a:t>
+            </a:r>
+            <a:r>
+              <a:rPr lang="en-US" sz="2000" dirty="0">
+                <a:latin typeface="Calibri" panose="020F0502020204030204" pitchFamily="34" charset="0"/>
+                <a:cs typeface="Calibri" panose="020F0502020204030204" pitchFamily="34" charset="0"/>
+              </a:rPr>
+              <a:t> </a:t>
+            </a:r>
+            <a:r>
+              <a:rPr lang="en-US" sz="2000" dirty="0" err="1">
+                <a:latin typeface="Calibri" panose="020F0502020204030204" pitchFamily="34" charset="0"/>
+                <a:cs typeface="Calibri" panose="020F0502020204030204" pitchFamily="34" charset="0"/>
+              </a:rPr>
+              <a:t>start_codon</a:t>
+            </a:r>
+            <a:r>
+              <a:rPr lang="en-US" sz="2000" dirty="0">
+                <a:latin typeface="Calibri" panose="020F0502020204030204" pitchFamily="34" charset="0"/>
+                <a:cs typeface="Calibri" panose="020F0502020204030204" pitchFamily="34" charset="0"/>
+              </a:rPr>
+              <a:t>     11066501        11066503        .       +       0       </a:t>
+            </a:r>
+            <a:r>
+              <a:rPr lang="en-US" sz="2000" dirty="0" err="1">
+                <a:latin typeface="Calibri" panose="020F0502020204030204" pitchFamily="34" charset="0"/>
+                <a:cs typeface="Calibri" panose="020F0502020204030204" pitchFamily="34" charset="0"/>
+              </a:rPr>
+              <a:t>gene_id</a:t>
+            </a:r>
+            <a:r>
+              <a:rPr lang="en-US" sz="2000" dirty="0">
+                <a:latin typeface="Calibri" panose="020F0502020204030204" pitchFamily="34" charset="0"/>
+                <a:cs typeface="Calibri" panose="020F0502020204030204" pitchFamily="34" charset="0"/>
+              </a:rPr>
+              <a:t> "ENSG00000279973”; … </a:t>
+            </a:r>
+          </a:p>
+          <a:p>
+            <a:pPr marL="0" indent="0" algn="ctr">
+              <a:buNone/>
+            </a:pPr>
+            <a:endParaRPr lang="en-US" sz="2000" dirty="0">
+              <a:latin typeface="Calibri" panose="020F0502020204030204" pitchFamily="34" charset="0"/>
+              <a:cs typeface="Calibri" panose="020F0502020204030204" pitchFamily="34" charset="0"/>
+            </a:endParaRPr>
+          </a:p>
+          <a:p>
+            <a:pPr marL="0" indent="0" algn="ctr">
+              <a:buNone/>
+            </a:pPr>
+            <a:endParaRPr lang="en-US" sz="2000" dirty="0">
+              <a:latin typeface="Calibri" panose="020F0502020204030204" pitchFamily="34" charset="0"/>
+              <a:cs typeface="Calibri" panose="020F0502020204030204" pitchFamily="34" charset="0"/>
+            </a:endParaRPr>
+          </a:p>
+        </p:txBody>
+      </p:sp>
+      <p:cxnSp>
+        <p:nvCxnSpPr>
+          <p:cNvPr id="4" name="Straight Connector 3">
+            <a:extLst>
+              <a:ext uri="{FF2B5EF4-FFF2-40B4-BE49-F238E27FC236}">
+                <a16:creationId xmlns:a16="http://schemas.microsoft.com/office/drawing/2014/main" id="{F2789394-F52E-AB45-9614-59FFEDECD030}"/>
+              </a:ext>
+            </a:extLst>
+          </p:cNvPr>
+          <p:cNvCxnSpPr>
+            <a:cxnSpLocks/>
+          </p:cNvCxnSpPr>
+          <p:nvPr/>
+        </p:nvCxnSpPr>
+        <p:spPr>
+          <a:xfrm flipH="1">
+            <a:off x="478073" y="2368322"/>
+            <a:ext cx="307743" cy="0"/>
+          </a:xfrm>
+          <a:prstGeom prst="line">
+            <a:avLst/>
+          </a:prstGeom>
+          <a:ln w="50800">
+            <a:solidFill>
+              <a:srgbClr val="FF0000"/>
+            </a:solidFill>
+          </a:ln>
+        </p:spPr>
+        <p:style>
+          <a:lnRef idx="1">
+            <a:schemeClr val="accent1"/>
+          </a:lnRef>
+          <a:fillRef idx="0">
+            <a:schemeClr val="accent1"/>
+          </a:fillRef>
+          <a:effectRef idx="0">
+            <a:schemeClr val="accent1"/>
+          </a:effectRef>
+          <a:fontRef idx="minor">
+            <a:schemeClr val="tx1"/>
+          </a:fontRef>
+        </p:style>
+      </p:cxnSp>
+      <p:cxnSp>
+        <p:nvCxnSpPr>
+          <p:cNvPr id="5" name="Straight Connector 4">
+            <a:extLst>
+              <a:ext uri="{FF2B5EF4-FFF2-40B4-BE49-F238E27FC236}">
+                <a16:creationId xmlns:a16="http://schemas.microsoft.com/office/drawing/2014/main" id="{04E29FA5-C0FF-E143-B0EB-1684B97D56EB}"/>
+              </a:ext>
+            </a:extLst>
+          </p:cNvPr>
+          <p:cNvCxnSpPr>
+            <a:cxnSpLocks/>
+          </p:cNvCxnSpPr>
+          <p:nvPr/>
+        </p:nvCxnSpPr>
+        <p:spPr>
+          <a:xfrm flipV="1">
+            <a:off x="635226" y="2369716"/>
+            <a:ext cx="1" cy="514349"/>
+          </a:xfrm>
+          <a:prstGeom prst="line">
+            <a:avLst/>
+          </a:prstGeom>
+          <a:ln w="50800">
+            <a:solidFill>
+              <a:srgbClr val="FF0000"/>
+            </a:solidFill>
+          </a:ln>
+        </p:spPr>
+        <p:style>
+          <a:lnRef idx="1">
+            <a:schemeClr val="accent1"/>
+          </a:lnRef>
+          <a:fillRef idx="0">
+            <a:schemeClr val="accent1"/>
+          </a:fillRef>
+          <a:effectRef idx="0">
+            <a:schemeClr val="accent1"/>
+          </a:effectRef>
+          <a:fontRef idx="minor">
+            <a:schemeClr val="tx1"/>
+          </a:fontRef>
+        </p:style>
+      </p:cxnSp>
+      <p:sp>
+        <p:nvSpPr>
+          <p:cNvPr id="6" name="TextBox 5">
+            <a:extLst>
+              <a:ext uri="{FF2B5EF4-FFF2-40B4-BE49-F238E27FC236}">
+                <a16:creationId xmlns:a16="http://schemas.microsoft.com/office/drawing/2014/main" id="{22095A62-59CF-5945-AAFA-46715DAEEC53}"/>
+              </a:ext>
+            </a:extLst>
+          </p:cNvPr>
+          <p:cNvSpPr txBox="1"/>
+          <p:nvPr/>
+        </p:nvSpPr>
+        <p:spPr>
+          <a:xfrm>
+            <a:off x="38093" y="2913128"/>
+            <a:ext cx="1199980" cy="646331"/>
+          </a:xfrm>
+          <a:prstGeom prst="rect">
+            <a:avLst/>
+          </a:prstGeom>
+          <a:noFill/>
+        </p:spPr>
+        <p:txBody>
+          <a:bodyPr wrap="square" rtlCol="0">
+            <a:spAutoFit/>
+          </a:bodyPr>
+          <a:lstStyle/>
+          <a:p>
+            <a:pPr algn="ctr"/>
+            <a:r>
+              <a:rPr lang="en-US" dirty="0">
+                <a:latin typeface="Calibri" panose="020F0502020204030204" pitchFamily="34" charset="0"/>
+                <a:cs typeface="Calibri" panose="020F0502020204030204" pitchFamily="34" charset="0"/>
+              </a:rPr>
+              <a:t>Sequence Name</a:t>
+            </a:r>
+          </a:p>
+        </p:txBody>
+      </p:sp>
+      <p:cxnSp>
+        <p:nvCxnSpPr>
+          <p:cNvPr id="7" name="Straight Connector 6">
+            <a:extLst>
+              <a:ext uri="{FF2B5EF4-FFF2-40B4-BE49-F238E27FC236}">
+                <a16:creationId xmlns:a16="http://schemas.microsoft.com/office/drawing/2014/main" id="{DB48A505-9283-1242-A7C6-7CDC16C374B6}"/>
+              </a:ext>
+            </a:extLst>
+          </p:cNvPr>
+          <p:cNvCxnSpPr>
+            <a:cxnSpLocks/>
+          </p:cNvCxnSpPr>
+          <p:nvPr/>
+        </p:nvCxnSpPr>
+        <p:spPr>
+          <a:xfrm flipH="1" flipV="1">
+            <a:off x="4414656" y="2351502"/>
+            <a:ext cx="16278" cy="1029368"/>
+          </a:xfrm>
+          <a:prstGeom prst="line">
+            <a:avLst/>
+          </a:prstGeom>
+          <a:ln w="50800">
+            <a:solidFill>
+              <a:srgbClr val="FF0000"/>
+            </a:solidFill>
+          </a:ln>
+        </p:spPr>
+        <p:style>
+          <a:lnRef idx="1">
+            <a:schemeClr val="accent1"/>
+          </a:lnRef>
+          <a:fillRef idx="0">
+            <a:schemeClr val="accent1"/>
+          </a:fillRef>
+          <a:effectRef idx="0">
+            <a:schemeClr val="accent1"/>
+          </a:effectRef>
+          <a:fontRef idx="minor">
+            <a:schemeClr val="tx1"/>
+          </a:fontRef>
+        </p:style>
+      </p:cxnSp>
+      <p:cxnSp>
+        <p:nvCxnSpPr>
+          <p:cNvPr id="8" name="Straight Connector 7">
+            <a:extLst>
+              <a:ext uri="{FF2B5EF4-FFF2-40B4-BE49-F238E27FC236}">
+                <a16:creationId xmlns:a16="http://schemas.microsoft.com/office/drawing/2014/main" id="{65AD9228-8A71-8F40-ADFE-A446B3D86ACB}"/>
+              </a:ext>
+            </a:extLst>
+          </p:cNvPr>
+          <p:cNvCxnSpPr>
+            <a:cxnSpLocks/>
+          </p:cNvCxnSpPr>
+          <p:nvPr/>
+        </p:nvCxnSpPr>
+        <p:spPr>
+          <a:xfrm flipH="1">
+            <a:off x="4014790" y="2351502"/>
+            <a:ext cx="732322" cy="0"/>
+          </a:xfrm>
+          <a:prstGeom prst="line">
+            <a:avLst/>
+          </a:prstGeom>
+          <a:ln w="50800">
+            <a:solidFill>
+              <a:srgbClr val="FF0000"/>
+            </a:solidFill>
+          </a:ln>
+        </p:spPr>
+        <p:style>
+          <a:lnRef idx="1">
+            <a:schemeClr val="accent1"/>
+          </a:lnRef>
+          <a:fillRef idx="0">
+            <a:schemeClr val="accent1"/>
+          </a:fillRef>
+          <a:effectRef idx="0">
+            <a:schemeClr val="accent1"/>
+          </a:effectRef>
+          <a:fontRef idx="minor">
+            <a:schemeClr val="tx1"/>
+          </a:fontRef>
+        </p:style>
+      </p:cxnSp>
+      <p:sp>
+        <p:nvSpPr>
+          <p:cNvPr id="9" name="TextBox 8">
+            <a:extLst>
+              <a:ext uri="{FF2B5EF4-FFF2-40B4-BE49-F238E27FC236}">
+                <a16:creationId xmlns:a16="http://schemas.microsoft.com/office/drawing/2014/main" id="{A1AA2082-DBB4-1E4F-85B2-9F6080EB2938}"/>
+              </a:ext>
+            </a:extLst>
+          </p:cNvPr>
+          <p:cNvSpPr txBox="1"/>
+          <p:nvPr/>
+        </p:nvSpPr>
+        <p:spPr>
+          <a:xfrm>
+            <a:off x="4114823" y="3397690"/>
+            <a:ext cx="632289" cy="369332"/>
+          </a:xfrm>
+          <a:prstGeom prst="rect">
+            <a:avLst/>
+          </a:prstGeom>
+          <a:noFill/>
+        </p:spPr>
+        <p:txBody>
+          <a:bodyPr wrap="none" rtlCol="0">
+            <a:spAutoFit/>
+          </a:bodyPr>
+          <a:lstStyle/>
+          <a:p>
+            <a:pPr algn="ctr"/>
+            <a:r>
+              <a:rPr lang="en-US" dirty="0">
+                <a:latin typeface="Calibri" panose="020F0502020204030204" pitchFamily="34" charset="0"/>
+                <a:cs typeface="Calibri" panose="020F0502020204030204" pitchFamily="34" charset="0"/>
+              </a:rPr>
+              <a:t>Start</a:t>
+            </a:r>
+          </a:p>
+        </p:txBody>
+      </p:sp>
+      <p:cxnSp>
+        <p:nvCxnSpPr>
+          <p:cNvPr id="10" name="Straight Connector 9">
+            <a:extLst>
+              <a:ext uri="{FF2B5EF4-FFF2-40B4-BE49-F238E27FC236}">
+                <a16:creationId xmlns:a16="http://schemas.microsoft.com/office/drawing/2014/main" id="{F005792A-4839-BC4E-A5DB-C1D7245BA4E5}"/>
+              </a:ext>
+            </a:extLst>
+          </p:cNvPr>
+          <p:cNvCxnSpPr>
+            <a:cxnSpLocks/>
+          </p:cNvCxnSpPr>
+          <p:nvPr/>
+        </p:nvCxnSpPr>
+        <p:spPr>
+          <a:xfrm flipH="1" flipV="1">
+            <a:off x="5837693" y="2352507"/>
+            <a:ext cx="1" cy="531422"/>
+          </a:xfrm>
+          <a:prstGeom prst="line">
+            <a:avLst/>
+          </a:prstGeom>
+          <a:ln w="50800">
+            <a:solidFill>
+              <a:srgbClr val="FF0000"/>
+            </a:solidFill>
+          </a:ln>
+        </p:spPr>
+        <p:style>
+          <a:lnRef idx="1">
+            <a:schemeClr val="accent1"/>
+          </a:lnRef>
+          <a:fillRef idx="0">
+            <a:schemeClr val="accent1"/>
+          </a:fillRef>
+          <a:effectRef idx="0">
+            <a:schemeClr val="accent1"/>
+          </a:effectRef>
+          <a:fontRef idx="minor">
+            <a:schemeClr val="tx1"/>
+          </a:fontRef>
+        </p:style>
+      </p:cxnSp>
+      <p:cxnSp>
+        <p:nvCxnSpPr>
+          <p:cNvPr id="11" name="Straight Connector 10">
+            <a:extLst>
+              <a:ext uri="{FF2B5EF4-FFF2-40B4-BE49-F238E27FC236}">
+                <a16:creationId xmlns:a16="http://schemas.microsoft.com/office/drawing/2014/main" id="{4F8C256F-0D12-0546-9B46-24A351D04225}"/>
+              </a:ext>
+            </a:extLst>
+          </p:cNvPr>
+          <p:cNvCxnSpPr>
+            <a:cxnSpLocks/>
+          </p:cNvCxnSpPr>
+          <p:nvPr/>
+        </p:nvCxnSpPr>
+        <p:spPr>
+          <a:xfrm flipH="1">
+            <a:off x="5457826" y="2352507"/>
+            <a:ext cx="860811" cy="0"/>
+          </a:xfrm>
+          <a:prstGeom prst="line">
+            <a:avLst/>
+          </a:prstGeom>
+          <a:ln w="50800">
+            <a:solidFill>
+              <a:srgbClr val="FF0000"/>
+            </a:solidFill>
+          </a:ln>
+        </p:spPr>
+        <p:style>
+          <a:lnRef idx="1">
+            <a:schemeClr val="accent1"/>
+          </a:lnRef>
+          <a:fillRef idx="0">
+            <a:schemeClr val="accent1"/>
+          </a:fillRef>
+          <a:effectRef idx="0">
+            <a:schemeClr val="accent1"/>
+          </a:effectRef>
+          <a:fontRef idx="minor">
+            <a:schemeClr val="tx1"/>
+          </a:fontRef>
+        </p:style>
+      </p:cxnSp>
+      <p:sp>
+        <p:nvSpPr>
+          <p:cNvPr id="12" name="TextBox 11">
+            <a:extLst>
+              <a:ext uri="{FF2B5EF4-FFF2-40B4-BE49-F238E27FC236}">
+                <a16:creationId xmlns:a16="http://schemas.microsoft.com/office/drawing/2014/main" id="{76929899-D70C-EE40-8C80-20DF865217D3}"/>
+              </a:ext>
+            </a:extLst>
+          </p:cNvPr>
+          <p:cNvSpPr txBox="1"/>
+          <p:nvPr/>
+        </p:nvSpPr>
+        <p:spPr>
+          <a:xfrm>
+            <a:off x="5566370" y="2883336"/>
+            <a:ext cx="540534" cy="369332"/>
+          </a:xfrm>
+          <a:prstGeom prst="rect">
+            <a:avLst/>
+          </a:prstGeom>
+          <a:noFill/>
+        </p:spPr>
+        <p:txBody>
+          <a:bodyPr wrap="none" rtlCol="0">
+            <a:spAutoFit/>
+          </a:bodyPr>
+          <a:lstStyle/>
+          <a:p>
+            <a:pPr algn="ctr"/>
+            <a:r>
+              <a:rPr lang="en-US" dirty="0">
+                <a:latin typeface="Calibri" panose="020F0502020204030204" pitchFamily="34" charset="0"/>
+                <a:cs typeface="Calibri" panose="020F0502020204030204" pitchFamily="34" charset="0"/>
+              </a:rPr>
+              <a:t>End</a:t>
+            </a:r>
+          </a:p>
+        </p:txBody>
+      </p:sp>
+      <p:cxnSp>
+        <p:nvCxnSpPr>
+          <p:cNvPr id="13" name="Straight Connector 12">
+            <a:extLst>
+              <a:ext uri="{FF2B5EF4-FFF2-40B4-BE49-F238E27FC236}">
+                <a16:creationId xmlns:a16="http://schemas.microsoft.com/office/drawing/2014/main" id="{71E3251E-76A6-8345-9E71-C74DCD35CBE0}"/>
+              </a:ext>
+            </a:extLst>
+          </p:cNvPr>
+          <p:cNvCxnSpPr>
+            <a:cxnSpLocks/>
+          </p:cNvCxnSpPr>
+          <p:nvPr/>
+        </p:nvCxnSpPr>
+        <p:spPr>
+          <a:xfrm flipH="1" flipV="1">
+            <a:off x="6904060" y="2384409"/>
+            <a:ext cx="4798" cy="995144"/>
+          </a:xfrm>
+          <a:prstGeom prst="line">
+            <a:avLst/>
+          </a:prstGeom>
+          <a:ln w="50800">
+            <a:solidFill>
+              <a:srgbClr val="FF0000"/>
+            </a:solidFill>
+          </a:ln>
+        </p:spPr>
+        <p:style>
+          <a:lnRef idx="1">
+            <a:schemeClr val="accent1"/>
+          </a:lnRef>
+          <a:fillRef idx="0">
+            <a:schemeClr val="accent1"/>
+          </a:fillRef>
+          <a:effectRef idx="0">
+            <a:schemeClr val="accent1"/>
+          </a:effectRef>
+          <a:fontRef idx="minor">
+            <a:schemeClr val="tx1"/>
+          </a:fontRef>
+        </p:style>
+      </p:cxnSp>
+      <p:cxnSp>
+        <p:nvCxnSpPr>
+          <p:cNvPr id="14" name="Straight Connector 13">
+            <a:extLst>
+              <a:ext uri="{FF2B5EF4-FFF2-40B4-BE49-F238E27FC236}">
+                <a16:creationId xmlns:a16="http://schemas.microsoft.com/office/drawing/2014/main" id="{BCD85AD5-691B-124E-A613-C4F95546F9F5}"/>
+              </a:ext>
+            </a:extLst>
+          </p:cNvPr>
+          <p:cNvCxnSpPr>
+            <a:cxnSpLocks/>
+          </p:cNvCxnSpPr>
+          <p:nvPr/>
+        </p:nvCxnSpPr>
+        <p:spPr>
+          <a:xfrm flipH="1">
+            <a:off x="6772271" y="2353522"/>
+            <a:ext cx="242888" cy="0"/>
+          </a:xfrm>
+          <a:prstGeom prst="line">
+            <a:avLst/>
+          </a:prstGeom>
+          <a:ln w="50800">
+            <a:solidFill>
+              <a:srgbClr val="FF0000"/>
+            </a:solidFill>
+          </a:ln>
+        </p:spPr>
+        <p:style>
+          <a:lnRef idx="1">
+            <a:schemeClr val="accent1"/>
+          </a:lnRef>
+          <a:fillRef idx="0">
+            <a:schemeClr val="accent1"/>
+          </a:fillRef>
+          <a:effectRef idx="0">
+            <a:schemeClr val="accent1"/>
+          </a:effectRef>
+          <a:fontRef idx="minor">
+            <a:schemeClr val="tx1"/>
+          </a:fontRef>
+        </p:style>
+      </p:cxnSp>
+      <p:sp>
+        <p:nvSpPr>
+          <p:cNvPr id="15" name="TextBox 14">
+            <a:extLst>
+              <a:ext uri="{FF2B5EF4-FFF2-40B4-BE49-F238E27FC236}">
+                <a16:creationId xmlns:a16="http://schemas.microsoft.com/office/drawing/2014/main" id="{1651A2FA-C1E0-4B48-8871-430C465C3D3B}"/>
+              </a:ext>
+            </a:extLst>
+          </p:cNvPr>
+          <p:cNvSpPr txBox="1"/>
+          <p:nvPr/>
+        </p:nvSpPr>
+        <p:spPr>
+          <a:xfrm>
+            <a:off x="6563198" y="3393841"/>
+            <a:ext cx="700705" cy="369332"/>
+          </a:xfrm>
+          <a:prstGeom prst="rect">
+            <a:avLst/>
+          </a:prstGeom>
+          <a:noFill/>
+        </p:spPr>
+        <p:txBody>
+          <a:bodyPr wrap="none" rtlCol="0">
+            <a:spAutoFit/>
+          </a:bodyPr>
+          <a:lstStyle/>
+          <a:p>
+            <a:pPr algn="ctr"/>
+            <a:r>
+              <a:rPr lang="en-US" dirty="0">
+                <a:latin typeface="Calibri" panose="020F0502020204030204" pitchFamily="34" charset="0"/>
+                <a:cs typeface="Calibri" panose="020F0502020204030204" pitchFamily="34" charset="0"/>
+              </a:rPr>
+              <a:t>Score</a:t>
+            </a:r>
+          </a:p>
+        </p:txBody>
+      </p:sp>
+      <p:cxnSp>
+        <p:nvCxnSpPr>
+          <p:cNvPr id="19" name="Straight Connector 18">
+            <a:extLst>
+              <a:ext uri="{FF2B5EF4-FFF2-40B4-BE49-F238E27FC236}">
+                <a16:creationId xmlns:a16="http://schemas.microsoft.com/office/drawing/2014/main" id="{9990FA4A-DEB9-DE40-9F45-DB0351A66A23}"/>
+              </a:ext>
+            </a:extLst>
+          </p:cNvPr>
+          <p:cNvCxnSpPr>
+            <a:cxnSpLocks/>
+          </p:cNvCxnSpPr>
+          <p:nvPr/>
+        </p:nvCxnSpPr>
+        <p:spPr>
+          <a:xfrm flipV="1">
+            <a:off x="7906873" y="2373617"/>
+            <a:ext cx="0" cy="1020224"/>
+          </a:xfrm>
+          <a:prstGeom prst="line">
+            <a:avLst/>
+          </a:prstGeom>
+          <a:ln w="50800">
+            <a:solidFill>
+              <a:srgbClr val="FF0000"/>
+            </a:solidFill>
+          </a:ln>
+        </p:spPr>
+        <p:style>
+          <a:lnRef idx="1">
+            <a:schemeClr val="accent1"/>
+          </a:lnRef>
+          <a:fillRef idx="0">
+            <a:schemeClr val="accent1"/>
+          </a:fillRef>
+          <a:effectRef idx="0">
+            <a:schemeClr val="accent1"/>
+          </a:effectRef>
+          <a:fontRef idx="minor">
+            <a:schemeClr val="tx1"/>
+          </a:fontRef>
+        </p:style>
+      </p:cxnSp>
+      <p:cxnSp>
+        <p:nvCxnSpPr>
+          <p:cNvPr id="20" name="Straight Connector 19">
+            <a:extLst>
+              <a:ext uri="{FF2B5EF4-FFF2-40B4-BE49-F238E27FC236}">
+                <a16:creationId xmlns:a16="http://schemas.microsoft.com/office/drawing/2014/main" id="{032BFC9B-5A46-6540-B66A-249973A07A8D}"/>
+              </a:ext>
+            </a:extLst>
+          </p:cNvPr>
+          <p:cNvCxnSpPr>
+            <a:cxnSpLocks/>
+          </p:cNvCxnSpPr>
+          <p:nvPr/>
+        </p:nvCxnSpPr>
+        <p:spPr>
+          <a:xfrm flipH="1">
+            <a:off x="7757445" y="2370205"/>
+            <a:ext cx="292806" cy="0"/>
+          </a:xfrm>
+          <a:prstGeom prst="line">
+            <a:avLst/>
+          </a:prstGeom>
+          <a:ln w="50800">
+            <a:solidFill>
+              <a:srgbClr val="FF0000"/>
+            </a:solidFill>
+          </a:ln>
+        </p:spPr>
+        <p:style>
+          <a:lnRef idx="1">
+            <a:schemeClr val="accent1"/>
+          </a:lnRef>
+          <a:fillRef idx="0">
+            <a:schemeClr val="accent1"/>
+          </a:fillRef>
+          <a:effectRef idx="0">
+            <a:schemeClr val="accent1"/>
+          </a:effectRef>
+          <a:fontRef idx="minor">
+            <a:schemeClr val="tx1"/>
+          </a:fontRef>
+        </p:style>
+      </p:cxnSp>
+      <p:sp>
+        <p:nvSpPr>
+          <p:cNvPr id="21" name="TextBox 20">
+            <a:extLst>
+              <a:ext uri="{FF2B5EF4-FFF2-40B4-BE49-F238E27FC236}">
+                <a16:creationId xmlns:a16="http://schemas.microsoft.com/office/drawing/2014/main" id="{8049F456-75A8-244C-A82C-8A4C2997B584}"/>
+              </a:ext>
+            </a:extLst>
+          </p:cNvPr>
+          <p:cNvSpPr txBox="1"/>
+          <p:nvPr/>
+        </p:nvSpPr>
+        <p:spPr>
+          <a:xfrm>
+            <a:off x="7467564" y="3401693"/>
+            <a:ext cx="838512" cy="646331"/>
+          </a:xfrm>
+          <a:prstGeom prst="rect">
+            <a:avLst/>
+          </a:prstGeom>
+          <a:noFill/>
+        </p:spPr>
+        <p:txBody>
+          <a:bodyPr wrap="square" rtlCol="0">
+            <a:spAutoFit/>
+          </a:bodyPr>
+          <a:lstStyle/>
+          <a:p>
+            <a:pPr algn="ctr"/>
+            <a:r>
+              <a:rPr lang="en-US" dirty="0">
+                <a:latin typeface="Calibri" panose="020F0502020204030204" pitchFamily="34" charset="0"/>
+                <a:cs typeface="Calibri" panose="020F0502020204030204" pitchFamily="34" charset="0"/>
+              </a:rPr>
+              <a:t>Phase/Frame</a:t>
+            </a:r>
+          </a:p>
+        </p:txBody>
+      </p:sp>
+      <p:cxnSp>
+        <p:nvCxnSpPr>
+          <p:cNvPr id="22" name="Straight Connector 21">
+            <a:extLst>
+              <a:ext uri="{FF2B5EF4-FFF2-40B4-BE49-F238E27FC236}">
+                <a16:creationId xmlns:a16="http://schemas.microsoft.com/office/drawing/2014/main" id="{9C9FC021-7994-6D4F-8566-797CA8BFB917}"/>
+              </a:ext>
+            </a:extLst>
+          </p:cNvPr>
+          <p:cNvCxnSpPr>
+            <a:cxnSpLocks/>
+          </p:cNvCxnSpPr>
+          <p:nvPr/>
+        </p:nvCxnSpPr>
+        <p:spPr>
+          <a:xfrm flipH="1">
+            <a:off x="1685114" y="2359385"/>
+            <a:ext cx="386566" cy="0"/>
+          </a:xfrm>
+          <a:prstGeom prst="line">
+            <a:avLst/>
+          </a:prstGeom>
+          <a:ln w="50800">
+            <a:solidFill>
+              <a:srgbClr val="FF0000"/>
+            </a:solidFill>
+          </a:ln>
+        </p:spPr>
+        <p:style>
+          <a:lnRef idx="1">
+            <a:schemeClr val="accent1"/>
+          </a:lnRef>
+          <a:fillRef idx="0">
+            <a:schemeClr val="accent1"/>
+          </a:fillRef>
+          <a:effectRef idx="0">
+            <a:schemeClr val="accent1"/>
+          </a:effectRef>
+          <a:fontRef idx="minor">
+            <a:schemeClr val="tx1"/>
+          </a:fontRef>
+        </p:style>
+      </p:cxnSp>
+      <p:cxnSp>
+        <p:nvCxnSpPr>
+          <p:cNvPr id="23" name="Straight Connector 22">
+            <a:extLst>
+              <a:ext uri="{FF2B5EF4-FFF2-40B4-BE49-F238E27FC236}">
+                <a16:creationId xmlns:a16="http://schemas.microsoft.com/office/drawing/2014/main" id="{EC708C91-68AE-194D-A6D6-5A9BF7FE525A}"/>
+              </a:ext>
+            </a:extLst>
+          </p:cNvPr>
+          <p:cNvCxnSpPr>
+            <a:cxnSpLocks/>
+          </p:cNvCxnSpPr>
+          <p:nvPr/>
+        </p:nvCxnSpPr>
+        <p:spPr>
+          <a:xfrm flipH="1" flipV="1">
+            <a:off x="1887591" y="2364705"/>
+            <a:ext cx="7606" cy="1036988"/>
+          </a:xfrm>
+          <a:prstGeom prst="line">
+            <a:avLst/>
+          </a:prstGeom>
+          <a:ln w="50800">
+            <a:solidFill>
+              <a:srgbClr val="FF0000"/>
+            </a:solidFill>
+          </a:ln>
+        </p:spPr>
+        <p:style>
+          <a:lnRef idx="1">
+            <a:schemeClr val="accent1"/>
+          </a:lnRef>
+          <a:fillRef idx="0">
+            <a:schemeClr val="accent1"/>
+          </a:fillRef>
+          <a:effectRef idx="0">
+            <a:schemeClr val="accent1"/>
+          </a:effectRef>
+          <a:fontRef idx="minor">
+            <a:schemeClr val="tx1"/>
+          </a:fontRef>
+        </p:style>
+      </p:cxnSp>
+      <p:sp>
+        <p:nvSpPr>
+          <p:cNvPr id="24" name="TextBox 23">
+            <a:extLst>
+              <a:ext uri="{FF2B5EF4-FFF2-40B4-BE49-F238E27FC236}">
+                <a16:creationId xmlns:a16="http://schemas.microsoft.com/office/drawing/2014/main" id="{A0B4C6E8-EDAD-EF41-AF49-EAE51E7596F6}"/>
+              </a:ext>
+            </a:extLst>
+          </p:cNvPr>
+          <p:cNvSpPr txBox="1"/>
+          <p:nvPr/>
+        </p:nvSpPr>
+        <p:spPr>
+          <a:xfrm>
+            <a:off x="1387731" y="3401693"/>
+            <a:ext cx="1014932" cy="369332"/>
+          </a:xfrm>
+          <a:prstGeom prst="rect">
+            <a:avLst/>
+          </a:prstGeom>
+          <a:noFill/>
+        </p:spPr>
+        <p:txBody>
+          <a:bodyPr wrap="square" rtlCol="0">
+            <a:spAutoFit/>
+          </a:bodyPr>
+          <a:lstStyle/>
+          <a:p>
+            <a:pPr algn="ctr"/>
+            <a:r>
+              <a:rPr lang="en-US" dirty="0">
+                <a:latin typeface="Calibri" panose="020F0502020204030204" pitchFamily="34" charset="0"/>
+                <a:cs typeface="Calibri" panose="020F0502020204030204" pitchFamily="34" charset="0"/>
+              </a:rPr>
+              <a:t>Source</a:t>
+            </a:r>
+          </a:p>
+        </p:txBody>
+      </p:sp>
+      <p:cxnSp>
+        <p:nvCxnSpPr>
+          <p:cNvPr id="25" name="Straight Connector 24">
+            <a:extLst>
+              <a:ext uri="{FF2B5EF4-FFF2-40B4-BE49-F238E27FC236}">
+                <a16:creationId xmlns:a16="http://schemas.microsoft.com/office/drawing/2014/main" id="{C460EA50-714F-6245-BB1C-1EE8E8119260}"/>
+              </a:ext>
+            </a:extLst>
+          </p:cNvPr>
+          <p:cNvCxnSpPr>
+            <a:cxnSpLocks/>
+          </p:cNvCxnSpPr>
+          <p:nvPr/>
+        </p:nvCxnSpPr>
+        <p:spPr>
+          <a:xfrm flipH="1">
+            <a:off x="2443159" y="2354065"/>
+            <a:ext cx="823208" cy="0"/>
+          </a:xfrm>
+          <a:prstGeom prst="line">
+            <a:avLst/>
+          </a:prstGeom>
+          <a:ln w="50800">
+            <a:solidFill>
+              <a:srgbClr val="FF0000"/>
+            </a:solidFill>
+          </a:ln>
+        </p:spPr>
+        <p:style>
+          <a:lnRef idx="1">
+            <a:schemeClr val="accent1"/>
+          </a:lnRef>
+          <a:fillRef idx="0">
+            <a:schemeClr val="accent1"/>
+          </a:fillRef>
+          <a:effectRef idx="0">
+            <a:schemeClr val="accent1"/>
+          </a:effectRef>
+          <a:fontRef idx="minor">
+            <a:schemeClr val="tx1"/>
+          </a:fontRef>
+        </p:style>
+      </p:cxnSp>
+      <p:cxnSp>
+        <p:nvCxnSpPr>
+          <p:cNvPr id="26" name="Straight Connector 25">
+            <a:extLst>
+              <a:ext uri="{FF2B5EF4-FFF2-40B4-BE49-F238E27FC236}">
+                <a16:creationId xmlns:a16="http://schemas.microsoft.com/office/drawing/2014/main" id="{2825F888-210F-9C47-B5F4-A66ACBEDEF33}"/>
+              </a:ext>
+            </a:extLst>
+          </p:cNvPr>
+          <p:cNvCxnSpPr>
+            <a:cxnSpLocks/>
+          </p:cNvCxnSpPr>
+          <p:nvPr/>
+        </p:nvCxnSpPr>
+        <p:spPr>
+          <a:xfrm flipV="1">
+            <a:off x="2856533" y="2359385"/>
+            <a:ext cx="0" cy="520102"/>
+          </a:xfrm>
+          <a:prstGeom prst="line">
+            <a:avLst/>
+          </a:prstGeom>
+          <a:ln w="50800">
+            <a:solidFill>
+              <a:srgbClr val="FF0000"/>
+            </a:solidFill>
+          </a:ln>
+        </p:spPr>
+        <p:style>
+          <a:lnRef idx="1">
+            <a:schemeClr val="accent1"/>
+          </a:lnRef>
+          <a:fillRef idx="0">
+            <a:schemeClr val="accent1"/>
+          </a:fillRef>
+          <a:effectRef idx="0">
+            <a:schemeClr val="accent1"/>
+          </a:effectRef>
+          <a:fontRef idx="minor">
+            <a:schemeClr val="tx1"/>
+          </a:fontRef>
+        </p:style>
+      </p:cxnSp>
+      <p:sp>
+        <p:nvSpPr>
+          <p:cNvPr id="27" name="TextBox 26">
+            <a:extLst>
+              <a:ext uri="{FF2B5EF4-FFF2-40B4-BE49-F238E27FC236}">
+                <a16:creationId xmlns:a16="http://schemas.microsoft.com/office/drawing/2014/main" id="{FB03BA7B-EB8F-974F-AA05-B86CF2D48B98}"/>
+              </a:ext>
+            </a:extLst>
+          </p:cNvPr>
+          <p:cNvSpPr txBox="1"/>
+          <p:nvPr/>
+        </p:nvSpPr>
+        <p:spPr>
+          <a:xfrm>
+            <a:off x="2342157" y="2913128"/>
+            <a:ext cx="1048198" cy="369332"/>
+          </a:xfrm>
+          <a:prstGeom prst="rect">
+            <a:avLst/>
+          </a:prstGeom>
+          <a:noFill/>
+        </p:spPr>
+        <p:txBody>
+          <a:bodyPr wrap="square" rtlCol="0">
+            <a:spAutoFit/>
+          </a:bodyPr>
+          <a:lstStyle/>
+          <a:p>
+            <a:pPr algn="ctr"/>
+            <a:r>
+              <a:rPr lang="en-US" dirty="0">
+                <a:latin typeface="Calibri" panose="020F0502020204030204" pitchFamily="34" charset="0"/>
+                <a:cs typeface="Calibri" panose="020F0502020204030204" pitchFamily="34" charset="0"/>
+              </a:rPr>
+              <a:t>Feature</a:t>
+            </a:r>
+          </a:p>
+        </p:txBody>
+      </p:sp>
+      <p:cxnSp>
+        <p:nvCxnSpPr>
+          <p:cNvPr id="28" name="Straight Connector 27">
+            <a:extLst>
+              <a:ext uri="{FF2B5EF4-FFF2-40B4-BE49-F238E27FC236}">
+                <a16:creationId xmlns:a16="http://schemas.microsoft.com/office/drawing/2014/main" id="{420DE3D5-5F23-0A42-A4A0-28F2D65F8AC2}"/>
+              </a:ext>
+            </a:extLst>
+          </p:cNvPr>
+          <p:cNvCxnSpPr>
+            <a:cxnSpLocks/>
+          </p:cNvCxnSpPr>
+          <p:nvPr/>
+        </p:nvCxnSpPr>
+        <p:spPr>
+          <a:xfrm flipH="1" flipV="1">
+            <a:off x="7367548" y="2354065"/>
+            <a:ext cx="2" cy="524676"/>
+          </a:xfrm>
+          <a:prstGeom prst="line">
+            <a:avLst/>
+          </a:prstGeom>
+          <a:ln w="50800">
+            <a:solidFill>
+              <a:srgbClr val="FF0000"/>
+            </a:solidFill>
+          </a:ln>
+        </p:spPr>
+        <p:style>
+          <a:lnRef idx="1">
+            <a:schemeClr val="accent1"/>
+          </a:lnRef>
+          <a:fillRef idx="0">
+            <a:schemeClr val="accent1"/>
+          </a:fillRef>
+          <a:effectRef idx="0">
+            <a:schemeClr val="accent1"/>
+          </a:effectRef>
+          <a:fontRef idx="minor">
+            <a:schemeClr val="tx1"/>
+          </a:fontRef>
+        </p:style>
+      </p:cxnSp>
+      <p:cxnSp>
+        <p:nvCxnSpPr>
+          <p:cNvPr id="29" name="Straight Connector 28">
+            <a:extLst>
+              <a:ext uri="{FF2B5EF4-FFF2-40B4-BE49-F238E27FC236}">
+                <a16:creationId xmlns:a16="http://schemas.microsoft.com/office/drawing/2014/main" id="{E3160C7B-3630-4348-BCFA-CD4986CD65C6}"/>
+              </a:ext>
+            </a:extLst>
+          </p:cNvPr>
+          <p:cNvCxnSpPr>
+            <a:cxnSpLocks/>
+          </p:cNvCxnSpPr>
+          <p:nvPr/>
+        </p:nvCxnSpPr>
+        <p:spPr>
+          <a:xfrm flipH="1">
+            <a:off x="7263903" y="2363133"/>
+            <a:ext cx="237035" cy="0"/>
+          </a:xfrm>
+          <a:prstGeom prst="line">
+            <a:avLst/>
+          </a:prstGeom>
+          <a:ln w="50800">
+            <a:solidFill>
+              <a:srgbClr val="FF0000"/>
+            </a:solidFill>
+          </a:ln>
+        </p:spPr>
+        <p:style>
+          <a:lnRef idx="1">
+            <a:schemeClr val="accent1"/>
+          </a:lnRef>
+          <a:fillRef idx="0">
+            <a:schemeClr val="accent1"/>
+          </a:fillRef>
+          <a:effectRef idx="0">
+            <a:schemeClr val="accent1"/>
+          </a:effectRef>
+          <a:fontRef idx="minor">
+            <a:schemeClr val="tx1"/>
+          </a:fontRef>
+        </p:style>
+      </p:cxnSp>
+      <p:sp>
+        <p:nvSpPr>
+          <p:cNvPr id="30" name="TextBox 29">
+            <a:extLst>
+              <a:ext uri="{FF2B5EF4-FFF2-40B4-BE49-F238E27FC236}">
+                <a16:creationId xmlns:a16="http://schemas.microsoft.com/office/drawing/2014/main" id="{FA5E76AE-013C-5D42-ADF2-09CD5AE37E6C}"/>
+              </a:ext>
+            </a:extLst>
+          </p:cNvPr>
+          <p:cNvSpPr txBox="1"/>
+          <p:nvPr/>
+        </p:nvSpPr>
+        <p:spPr>
+          <a:xfrm>
+            <a:off x="6967910" y="2878147"/>
+            <a:ext cx="836273" cy="369332"/>
+          </a:xfrm>
+          <a:prstGeom prst="rect">
+            <a:avLst/>
+          </a:prstGeom>
+          <a:noFill/>
+        </p:spPr>
+        <p:txBody>
+          <a:bodyPr wrap="square" rtlCol="0">
+            <a:spAutoFit/>
+          </a:bodyPr>
+          <a:lstStyle/>
+          <a:p>
+            <a:pPr algn="ctr"/>
+            <a:r>
+              <a:rPr lang="en-US" dirty="0">
+                <a:latin typeface="Calibri" panose="020F0502020204030204" pitchFamily="34" charset="0"/>
+                <a:cs typeface="Calibri" panose="020F0502020204030204" pitchFamily="34" charset="0"/>
+              </a:rPr>
+              <a:t>Strand</a:t>
+            </a:r>
+          </a:p>
+        </p:txBody>
+      </p:sp>
+      <p:cxnSp>
+        <p:nvCxnSpPr>
+          <p:cNvPr id="31" name="Straight Connector 30">
+            <a:extLst>
+              <a:ext uri="{FF2B5EF4-FFF2-40B4-BE49-F238E27FC236}">
+                <a16:creationId xmlns:a16="http://schemas.microsoft.com/office/drawing/2014/main" id="{93057B6F-372C-1B49-8393-B917399B378D}"/>
+              </a:ext>
+            </a:extLst>
+          </p:cNvPr>
+          <p:cNvCxnSpPr>
+            <a:cxnSpLocks/>
+          </p:cNvCxnSpPr>
+          <p:nvPr/>
+        </p:nvCxnSpPr>
+        <p:spPr>
+          <a:xfrm flipH="1" flipV="1">
+            <a:off x="9874769" y="2363133"/>
+            <a:ext cx="1" cy="526357"/>
+          </a:xfrm>
+          <a:prstGeom prst="line">
+            <a:avLst/>
+          </a:prstGeom>
+          <a:ln w="50800">
+            <a:solidFill>
+              <a:srgbClr val="FF0000"/>
+            </a:solidFill>
+          </a:ln>
+        </p:spPr>
+        <p:style>
+          <a:lnRef idx="1">
+            <a:schemeClr val="accent1"/>
+          </a:lnRef>
+          <a:fillRef idx="0">
+            <a:schemeClr val="accent1"/>
+          </a:fillRef>
+          <a:effectRef idx="0">
+            <a:schemeClr val="accent1"/>
+          </a:effectRef>
+          <a:fontRef idx="minor">
+            <a:schemeClr val="tx1"/>
+          </a:fontRef>
+        </p:style>
+      </p:cxnSp>
+      <p:cxnSp>
+        <p:nvCxnSpPr>
+          <p:cNvPr id="32" name="Straight Connector 31">
+            <a:extLst>
+              <a:ext uri="{FF2B5EF4-FFF2-40B4-BE49-F238E27FC236}">
+                <a16:creationId xmlns:a16="http://schemas.microsoft.com/office/drawing/2014/main" id="{03153F29-4436-E344-85C3-A1EC3C83E699}"/>
+              </a:ext>
+            </a:extLst>
+          </p:cNvPr>
+          <p:cNvCxnSpPr>
+            <a:cxnSpLocks/>
+          </p:cNvCxnSpPr>
+          <p:nvPr/>
+        </p:nvCxnSpPr>
+        <p:spPr>
+          <a:xfrm flipH="1">
+            <a:off x="8549849" y="2363133"/>
+            <a:ext cx="2751564" cy="0"/>
+          </a:xfrm>
+          <a:prstGeom prst="line">
+            <a:avLst/>
+          </a:prstGeom>
+          <a:ln w="50800">
+            <a:solidFill>
+              <a:srgbClr val="FF0000"/>
+            </a:solidFill>
+          </a:ln>
+        </p:spPr>
+        <p:style>
+          <a:lnRef idx="1">
+            <a:schemeClr val="accent1"/>
+          </a:lnRef>
+          <a:fillRef idx="0">
+            <a:schemeClr val="accent1"/>
+          </a:fillRef>
+          <a:effectRef idx="0">
+            <a:schemeClr val="accent1"/>
+          </a:effectRef>
+          <a:fontRef idx="minor">
+            <a:schemeClr val="tx1"/>
+          </a:fontRef>
+        </p:style>
+      </p:cxnSp>
+      <p:sp>
+        <p:nvSpPr>
+          <p:cNvPr id="33" name="TextBox 32">
+            <a:extLst>
+              <a:ext uri="{FF2B5EF4-FFF2-40B4-BE49-F238E27FC236}">
+                <a16:creationId xmlns:a16="http://schemas.microsoft.com/office/drawing/2014/main" id="{6C875271-319C-034C-AFCA-6420FB71423C}"/>
+              </a:ext>
+            </a:extLst>
+          </p:cNvPr>
+          <p:cNvSpPr txBox="1"/>
+          <p:nvPr/>
+        </p:nvSpPr>
+        <p:spPr>
+          <a:xfrm>
+            <a:off x="9127497" y="2907587"/>
+            <a:ext cx="1473579" cy="369332"/>
+          </a:xfrm>
+          <a:prstGeom prst="rect">
+            <a:avLst/>
+          </a:prstGeom>
+          <a:noFill/>
+        </p:spPr>
+        <p:txBody>
+          <a:bodyPr wrap="square" rtlCol="0">
+            <a:spAutoFit/>
+          </a:bodyPr>
+          <a:lstStyle/>
+          <a:p>
+            <a:pPr algn="ctr"/>
+            <a:r>
+              <a:rPr lang="en-US" dirty="0">
+                <a:latin typeface="Calibri" panose="020F0502020204030204" pitchFamily="34" charset="0"/>
+                <a:cs typeface="Calibri" panose="020F0502020204030204" pitchFamily="34" charset="0"/>
+              </a:rPr>
+              <a:t>Attributes</a:t>
+            </a:r>
+          </a:p>
+        </p:txBody>
+      </p:sp>
+      <p:sp>
+        <p:nvSpPr>
+          <p:cNvPr id="50" name="Rectangle 49">
+            <a:extLst>
+              <a:ext uri="{FF2B5EF4-FFF2-40B4-BE49-F238E27FC236}">
+                <a16:creationId xmlns:a16="http://schemas.microsoft.com/office/drawing/2014/main" id="{82C5E331-28BD-974A-A560-D76C6C45FA9F}"/>
+              </a:ext>
+            </a:extLst>
+          </p:cNvPr>
+          <p:cNvSpPr/>
+          <p:nvPr/>
+        </p:nvSpPr>
+        <p:spPr>
+          <a:xfrm>
+            <a:off x="278594" y="4613816"/>
+            <a:ext cx="11530011" cy="923330"/>
+          </a:xfrm>
+          <a:prstGeom prst="rect">
+            <a:avLst/>
+          </a:prstGeom>
+        </p:spPr>
+        <p:txBody>
+          <a:bodyPr wrap="square">
+            <a:spAutoFit/>
+          </a:bodyPr>
+          <a:lstStyle/>
+          <a:p>
+            <a:pPr lvl="0">
+              <a:defRPr/>
+            </a:pPr>
+            <a:r>
+              <a:rPr lang="en-US" dirty="0" err="1">
+                <a:latin typeface="Calibri" panose="020F0502020204030204" pitchFamily="34" charset="0"/>
+                <a:cs typeface="Calibri" panose="020F0502020204030204" pitchFamily="34" charset="0"/>
+              </a:rPr>
+              <a:t>gene_id</a:t>
+            </a:r>
+            <a:r>
+              <a:rPr lang="en-US" dirty="0">
+                <a:latin typeface="Calibri" panose="020F0502020204030204" pitchFamily="34" charset="0"/>
+                <a:cs typeface="Calibri" panose="020F0502020204030204" pitchFamily="34" charset="0"/>
+              </a:rPr>
+              <a:t> "ENSG00000279973”; </a:t>
+            </a:r>
+            <a:r>
+              <a:rPr lang="en-US" dirty="0" err="1">
+                <a:latin typeface="Calibri" panose="020F0502020204030204" pitchFamily="34" charset="0"/>
+                <a:cs typeface="Calibri" panose="020F0502020204030204" pitchFamily="34" charset="0"/>
+              </a:rPr>
+              <a:t>gene_version</a:t>
+            </a:r>
+            <a:r>
+              <a:rPr lang="en-US" dirty="0">
+                <a:latin typeface="Calibri" panose="020F0502020204030204" pitchFamily="34" charset="0"/>
+                <a:cs typeface="Calibri" panose="020F0502020204030204" pitchFamily="34" charset="0"/>
+              </a:rPr>
+              <a:t> "1"; </a:t>
+            </a:r>
+            <a:r>
+              <a:rPr lang="en-US" dirty="0" err="1">
+                <a:latin typeface="Calibri" panose="020F0502020204030204" pitchFamily="34" charset="0"/>
+                <a:cs typeface="Calibri" panose="020F0502020204030204" pitchFamily="34" charset="0"/>
+              </a:rPr>
+              <a:t>transcript_id</a:t>
+            </a:r>
+            <a:r>
+              <a:rPr lang="en-US" dirty="0">
+                <a:latin typeface="Calibri" panose="020F0502020204030204" pitchFamily="34" charset="0"/>
+                <a:cs typeface="Calibri" panose="020F0502020204030204" pitchFamily="34" charset="0"/>
+              </a:rPr>
+              <a:t> "ENST00000624155"; </a:t>
+            </a:r>
+            <a:r>
+              <a:rPr lang="en-US" dirty="0" err="1">
+                <a:latin typeface="Calibri" panose="020F0502020204030204" pitchFamily="34" charset="0"/>
+                <a:cs typeface="Calibri" panose="020F0502020204030204" pitchFamily="34" charset="0"/>
+              </a:rPr>
+              <a:t>transcript_version</a:t>
+            </a:r>
+            <a:r>
+              <a:rPr lang="en-US" dirty="0">
+                <a:latin typeface="Calibri" panose="020F0502020204030204" pitchFamily="34" charset="0"/>
+                <a:cs typeface="Calibri" panose="020F0502020204030204" pitchFamily="34" charset="0"/>
+              </a:rPr>
+              <a:t> "1"; </a:t>
+            </a:r>
+            <a:r>
+              <a:rPr lang="en-US" dirty="0" err="1">
+                <a:latin typeface="Calibri" panose="020F0502020204030204" pitchFamily="34" charset="0"/>
+                <a:cs typeface="Calibri" panose="020F0502020204030204" pitchFamily="34" charset="0"/>
+              </a:rPr>
+              <a:t>exon_number</a:t>
+            </a:r>
+            <a:r>
+              <a:rPr lang="en-US" dirty="0">
+                <a:latin typeface="Calibri" panose="020F0502020204030204" pitchFamily="34" charset="0"/>
+                <a:cs typeface="Calibri" panose="020F0502020204030204" pitchFamily="34" charset="0"/>
+              </a:rPr>
+              <a:t> "1"; </a:t>
+            </a:r>
+            <a:r>
+              <a:rPr lang="en-US" dirty="0" err="1">
+                <a:latin typeface="Calibri" panose="020F0502020204030204" pitchFamily="34" charset="0"/>
+                <a:cs typeface="Calibri" panose="020F0502020204030204" pitchFamily="34" charset="0"/>
+              </a:rPr>
+              <a:t>gene_name</a:t>
+            </a:r>
+            <a:r>
+              <a:rPr lang="en-US" dirty="0">
+                <a:latin typeface="Calibri" panose="020F0502020204030204" pitchFamily="34" charset="0"/>
+                <a:cs typeface="Calibri" panose="020F0502020204030204" pitchFamily="34" charset="0"/>
+              </a:rPr>
+              <a:t> "BAGE5"; </a:t>
+            </a:r>
+            <a:r>
+              <a:rPr lang="en-US" dirty="0" err="1">
+                <a:latin typeface="Calibri" panose="020F0502020204030204" pitchFamily="34" charset="0"/>
+                <a:cs typeface="Calibri" panose="020F0502020204030204" pitchFamily="34" charset="0"/>
+              </a:rPr>
+              <a:t>gene_source</a:t>
+            </a:r>
+            <a:r>
+              <a:rPr lang="en-US" dirty="0">
+                <a:latin typeface="Calibri" panose="020F0502020204030204" pitchFamily="34" charset="0"/>
+                <a:cs typeface="Calibri" panose="020F0502020204030204" pitchFamily="34" charset="0"/>
+              </a:rPr>
+              <a:t> "</a:t>
+            </a:r>
+            <a:r>
+              <a:rPr lang="en-US" dirty="0" err="1">
+                <a:latin typeface="Calibri" panose="020F0502020204030204" pitchFamily="34" charset="0"/>
+                <a:cs typeface="Calibri" panose="020F0502020204030204" pitchFamily="34" charset="0"/>
+              </a:rPr>
+              <a:t>ensembl</a:t>
+            </a:r>
+            <a:r>
+              <a:rPr lang="en-US" dirty="0">
+                <a:latin typeface="Calibri" panose="020F0502020204030204" pitchFamily="34" charset="0"/>
+                <a:cs typeface="Calibri" panose="020F0502020204030204" pitchFamily="34" charset="0"/>
+              </a:rPr>
+              <a:t>"; </a:t>
+            </a:r>
+            <a:r>
+              <a:rPr lang="en-US" dirty="0" err="1">
+                <a:latin typeface="Calibri" panose="020F0502020204030204" pitchFamily="34" charset="0"/>
+                <a:cs typeface="Calibri" panose="020F0502020204030204" pitchFamily="34" charset="0"/>
+              </a:rPr>
+              <a:t>gene_biotype</a:t>
+            </a:r>
+            <a:r>
+              <a:rPr lang="en-US" dirty="0">
+                <a:latin typeface="Calibri" panose="020F0502020204030204" pitchFamily="34" charset="0"/>
+                <a:cs typeface="Calibri" panose="020F0502020204030204" pitchFamily="34" charset="0"/>
+              </a:rPr>
+              <a:t> "</a:t>
+            </a:r>
+            <a:r>
+              <a:rPr lang="en-US" dirty="0" err="1">
+                <a:latin typeface="Calibri" panose="020F0502020204030204" pitchFamily="34" charset="0"/>
+                <a:cs typeface="Calibri" panose="020F0502020204030204" pitchFamily="34" charset="0"/>
+              </a:rPr>
+              <a:t>protein_coding</a:t>
+            </a:r>
+            <a:r>
+              <a:rPr lang="en-US" dirty="0">
+                <a:latin typeface="Calibri" panose="020F0502020204030204" pitchFamily="34" charset="0"/>
+                <a:cs typeface="Calibri" panose="020F0502020204030204" pitchFamily="34" charset="0"/>
+              </a:rPr>
+              <a:t>"; </a:t>
+            </a:r>
+            <a:r>
+              <a:rPr lang="en-US" dirty="0" err="1">
+                <a:latin typeface="Calibri" panose="020F0502020204030204" pitchFamily="34" charset="0"/>
+                <a:cs typeface="Calibri" panose="020F0502020204030204" pitchFamily="34" charset="0"/>
+              </a:rPr>
+              <a:t>transcript_name</a:t>
+            </a:r>
+            <a:r>
+              <a:rPr lang="en-US" dirty="0">
+                <a:latin typeface="Calibri" panose="020F0502020204030204" pitchFamily="34" charset="0"/>
+                <a:cs typeface="Calibri" panose="020F0502020204030204" pitchFamily="34" charset="0"/>
+              </a:rPr>
+              <a:t> "BAGE5-201"; </a:t>
+            </a:r>
+            <a:r>
+              <a:rPr lang="en-US" dirty="0" err="1">
+                <a:latin typeface="Calibri" panose="020F0502020204030204" pitchFamily="34" charset="0"/>
+                <a:cs typeface="Calibri" panose="020F0502020204030204" pitchFamily="34" charset="0"/>
+              </a:rPr>
+              <a:t>transcript_source</a:t>
+            </a:r>
+            <a:r>
+              <a:rPr lang="en-US" dirty="0">
+                <a:latin typeface="Calibri" panose="020F0502020204030204" pitchFamily="34" charset="0"/>
+                <a:cs typeface="Calibri" panose="020F0502020204030204" pitchFamily="34" charset="0"/>
+              </a:rPr>
+              <a:t> "</a:t>
+            </a:r>
+            <a:r>
+              <a:rPr lang="en-US" dirty="0" err="1">
+                <a:latin typeface="Calibri" panose="020F0502020204030204" pitchFamily="34" charset="0"/>
+                <a:cs typeface="Calibri" panose="020F0502020204030204" pitchFamily="34" charset="0"/>
+              </a:rPr>
+              <a:t>ensembl</a:t>
+            </a:r>
+            <a:r>
+              <a:rPr lang="en-US" dirty="0">
+                <a:latin typeface="Calibri" panose="020F0502020204030204" pitchFamily="34" charset="0"/>
+                <a:cs typeface="Calibri" panose="020F0502020204030204" pitchFamily="34" charset="0"/>
+              </a:rPr>
+              <a:t>"; </a:t>
+            </a:r>
+            <a:r>
+              <a:rPr lang="en-US" dirty="0" err="1">
+                <a:latin typeface="Calibri" panose="020F0502020204030204" pitchFamily="34" charset="0"/>
+                <a:cs typeface="Calibri" panose="020F0502020204030204" pitchFamily="34" charset="0"/>
+              </a:rPr>
+              <a:t>transcript_biotype</a:t>
+            </a:r>
+            <a:r>
+              <a:rPr lang="en-US" dirty="0">
+                <a:latin typeface="Calibri" panose="020F0502020204030204" pitchFamily="34" charset="0"/>
+                <a:cs typeface="Calibri" panose="020F0502020204030204" pitchFamily="34" charset="0"/>
+              </a:rPr>
+              <a:t> "</a:t>
+            </a:r>
+            <a:r>
+              <a:rPr lang="en-US" dirty="0" err="1">
+                <a:latin typeface="Calibri" panose="020F0502020204030204" pitchFamily="34" charset="0"/>
+                <a:cs typeface="Calibri" panose="020F0502020204030204" pitchFamily="34" charset="0"/>
+              </a:rPr>
+              <a:t>protein_coding</a:t>
+            </a:r>
+            <a:r>
+              <a:rPr lang="en-US" dirty="0">
+                <a:latin typeface="Calibri" panose="020F0502020204030204" pitchFamily="34" charset="0"/>
+                <a:cs typeface="Calibri" panose="020F0502020204030204" pitchFamily="34" charset="0"/>
+              </a:rPr>
+              <a:t>"; tag "basic"; </a:t>
+            </a:r>
+            <a:r>
+              <a:rPr lang="en-US" dirty="0" err="1">
+                <a:latin typeface="Calibri" panose="020F0502020204030204" pitchFamily="34" charset="0"/>
+                <a:cs typeface="Calibri" panose="020F0502020204030204" pitchFamily="34" charset="0"/>
+              </a:rPr>
+              <a:t>transcript_support_level</a:t>
+            </a:r>
+            <a:r>
+              <a:rPr lang="en-US" dirty="0">
+                <a:latin typeface="Calibri" panose="020F0502020204030204" pitchFamily="34" charset="0"/>
+                <a:cs typeface="Calibri" panose="020F0502020204030204" pitchFamily="34" charset="0"/>
+              </a:rPr>
+              <a:t> "1";</a:t>
+            </a:r>
+          </a:p>
+        </p:txBody>
+      </p:sp>
+      <p:sp>
+        <p:nvSpPr>
+          <p:cNvPr id="51" name="TextBox 50">
+            <a:extLst>
+              <a:ext uri="{FF2B5EF4-FFF2-40B4-BE49-F238E27FC236}">
+                <a16:creationId xmlns:a16="http://schemas.microsoft.com/office/drawing/2014/main" id="{E8D0AEE9-BAAA-5A4D-938F-65F8A95E783A}"/>
+              </a:ext>
+            </a:extLst>
+          </p:cNvPr>
+          <p:cNvSpPr txBox="1"/>
+          <p:nvPr/>
+        </p:nvSpPr>
+        <p:spPr>
+          <a:xfrm>
+            <a:off x="212275" y="4271384"/>
+            <a:ext cx="2945678" cy="369332"/>
+          </a:xfrm>
+          <a:prstGeom prst="rect">
+            <a:avLst/>
+          </a:prstGeom>
+          <a:noFill/>
+        </p:spPr>
+        <p:txBody>
+          <a:bodyPr wrap="none" rtlCol="0">
+            <a:spAutoFit/>
+          </a:bodyPr>
+          <a:lstStyle/>
+          <a:p>
+            <a:r>
+              <a:rPr lang="en-US" b="1" dirty="0">
+                <a:latin typeface="Calibri" panose="020F0502020204030204" pitchFamily="34" charset="0"/>
+                <a:cs typeface="Calibri" panose="020F0502020204030204" pitchFamily="34" charset="0"/>
+              </a:rPr>
+              <a:t>Example of attributes string: </a:t>
+            </a:r>
+          </a:p>
+        </p:txBody>
+      </p:sp>
+      <p:sp>
+        <p:nvSpPr>
+          <p:cNvPr id="52" name="TextBox 51">
+            <a:extLst>
+              <a:ext uri="{FF2B5EF4-FFF2-40B4-BE49-F238E27FC236}">
+                <a16:creationId xmlns:a16="http://schemas.microsoft.com/office/drawing/2014/main" id="{5A725938-1340-9345-8570-8A5997645A3A}"/>
+              </a:ext>
+            </a:extLst>
+          </p:cNvPr>
+          <p:cNvSpPr txBox="1"/>
+          <p:nvPr/>
+        </p:nvSpPr>
+        <p:spPr>
+          <a:xfrm>
+            <a:off x="315959" y="6000750"/>
+            <a:ext cx="11739752" cy="369332"/>
+          </a:xfrm>
+          <a:prstGeom prst="rect">
+            <a:avLst/>
+          </a:prstGeom>
+          <a:noFill/>
+        </p:spPr>
+        <p:txBody>
+          <a:bodyPr wrap="none" rtlCol="0">
+            <a:spAutoFit/>
+          </a:bodyPr>
+          <a:lstStyle/>
+          <a:p>
+            <a:r>
+              <a:rPr lang="en-US" dirty="0"/>
+              <a:t>Note: there will be many GTF records/rows per transcript per gene (UTRs, </a:t>
+            </a:r>
+            <a:r>
+              <a:rPr lang="en-US" dirty="0" err="1"/>
+              <a:t>start_codon</a:t>
+            </a:r>
+            <a:r>
+              <a:rPr lang="en-US" dirty="0"/>
+              <a:t>, exons, </a:t>
+            </a:r>
+            <a:r>
+              <a:rPr lang="en-US" dirty="0" err="1"/>
+              <a:t>etc</a:t>
+            </a:r>
+            <a:r>
+              <a:rPr lang="en-US" dirty="0"/>
+              <a:t>)</a:t>
+            </a:r>
+          </a:p>
+        </p:txBody>
+      </p:sp>
+    </p:spTree>
+    <p:extLst>
+      <p:ext uri="{BB962C8B-B14F-4D97-AF65-F5344CB8AC3E}">
+        <p14:creationId xmlns:p14="http://schemas.microsoft.com/office/powerpoint/2010/main" val="534825604"/>
       </p:ext>
     </p:extLst>
   </p:cSld>

--- a/assets/lectures/cbw-cshl/2019/mini/RNASeq_MiniLecture_07_FASTA_FASTQ_GTF.pptx
+++ b/assets/lectures/cbw-cshl/2019/mini/RNASeq_MiniLecture_07_FASTA_FASTQ_GTF.pptx
@@ -204,7 +204,7 @@
           <a:p>
             <a:fld id="{827BD9F9-8452-A342-BB1B-28ECF19E2CC5}" type="datetimeFigureOut">
               <a:rPr lang="en-US" smtClean="0"/>
-              <a:t>3/11/19</a:t>
+              <a:t>3/12/19</a:t>
             </a:fld>
             <a:endParaRPr lang="en-US"/>
           </a:p>
@@ -1275,14 +1275,14 @@
           </a:ln>
           <a:extLst>
             <a:ext uri="{909E8E84-426E-40dd-AFC4-6F175D3DCCD1}">
-              <a14:hiddenFill xmlns:a14="http://schemas.microsoft.com/office/drawing/2010/main" xmlns="">
+              <a14:hiddenFill xmlns="" xmlns:a14="http://schemas.microsoft.com/office/drawing/2010/main">
                 <a:solidFill>
                   <a:srgbClr val="FFFFFF"/>
                 </a:solidFill>
               </a14:hiddenFill>
             </a:ext>
             <a:ext uri="{91240B29-F687-4f45-9708-019B960494DF}">
-              <a14:hiddenLine xmlns:a14="http://schemas.microsoft.com/office/drawing/2010/main" xmlns="" w="9525">
+              <a14:hiddenLine xmlns="" xmlns:a14="http://schemas.microsoft.com/office/drawing/2010/main" w="9525">
                 <a:solidFill>
                   <a:srgbClr val="000000"/>
                 </a:solidFill>
@@ -4038,14 +4038,14 @@
           </a:ln>
           <a:extLst>
             <a:ext uri="{909E8E84-426E-40dd-AFC4-6F175D3DCCD1}">
-              <a14:hiddenFill xmlns:a14="http://schemas.microsoft.com/office/drawing/2010/main" xmlns="">
+              <a14:hiddenFill xmlns="" xmlns:a14="http://schemas.microsoft.com/office/drawing/2010/main">
                 <a:solidFill>
                   <a:srgbClr val="FFFFFF"/>
                 </a:solidFill>
               </a14:hiddenFill>
             </a:ext>
             <a:ext uri="{91240B29-F687-4f45-9708-019B960494DF}">
-              <a14:hiddenLine xmlns:a14="http://schemas.microsoft.com/office/drawing/2010/main" xmlns="" w="9525">
+              <a14:hiddenLine xmlns="" xmlns:a14="http://schemas.microsoft.com/office/drawing/2010/main" w="9525">
                 <a:solidFill>
                   <a:srgbClr val="000000"/>
                 </a:solidFill>
@@ -4932,14 +4932,14 @@
           </a:ln>
           <a:extLst>
             <a:ext uri="{909E8E84-426E-40dd-AFC4-6F175D3DCCD1}">
-              <a14:hiddenFill xmlns:a14="http://schemas.microsoft.com/office/drawing/2010/main" xmlns="">
+              <a14:hiddenFill xmlns="" xmlns:a14="http://schemas.microsoft.com/office/drawing/2010/main">
                 <a:solidFill>
                   <a:srgbClr val="FFFFFF"/>
                 </a:solidFill>
               </a14:hiddenFill>
             </a:ext>
             <a:ext uri="{91240B29-F687-4f45-9708-019B960494DF}">
-              <a14:hiddenLine xmlns:a14="http://schemas.microsoft.com/office/drawing/2010/main" xmlns="" w="9525">
+              <a14:hiddenLine xmlns="" xmlns:a14="http://schemas.microsoft.com/office/drawing/2010/main" w="9525">
                 <a:solidFill>
                   <a:srgbClr val="000000"/>
                 </a:solidFill>
@@ -5050,7 +5050,7 @@
         </p:spPr>
         <p:txBody>
           <a:bodyPr>
-            <a:normAutofit/>
+            <a:normAutofit fontScale="92500"/>
           </a:bodyPr>
           <a:lstStyle/>
           <a:p>
@@ -5059,7 +5059,7 @@
             </a:pPr>
             <a:r>
               <a:rPr lang="en-US" sz="1400" dirty="0">
-                <a:latin typeface="Calibri" panose="020F0502020204030204" pitchFamily="34" charset="0"/>
+                <a:latin typeface="Courier" pitchFamily="2" charset="0"/>
                 <a:cs typeface="Calibri" panose="020F0502020204030204" pitchFamily="34" charset="0"/>
               </a:rPr>
               <a:t>&gt;AY274119.3 Severe acute respiratory syndrome-related coronavirus isolate Tor2, complete genome</a:t>
@@ -5070,7 +5070,7 @@
               <a:buNone/>
             </a:pPr>
             <a:endParaRPr lang="en-US" sz="1400" dirty="0">
-              <a:latin typeface="Calibri" panose="020F0502020204030204" pitchFamily="34" charset="0"/>
+              <a:latin typeface="Courier" pitchFamily="2" charset="0"/>
               <a:cs typeface="Calibri" panose="020F0502020204030204" pitchFamily="34" charset="0"/>
             </a:endParaRPr>
           </a:p>
@@ -5080,7 +5080,7 @@
             </a:pPr>
             <a:r>
               <a:rPr lang="en-US" sz="1400" dirty="0">
-                <a:latin typeface="Calibri" panose="020F0502020204030204" pitchFamily="34" charset="0"/>
+                <a:latin typeface="Courier" pitchFamily="2" charset="0"/>
                 <a:cs typeface="Calibri" panose="020F0502020204030204" pitchFamily="34" charset="0"/>
               </a:rPr>
               <a:t>ATATTAGGTTTTTACCTACCCAGGAAAAGCCAACCAACCTCGATCTCTTGTAGATCTGTTCTCTAAACGA</a:t>
@@ -5092,7 +5092,7 @@
             </a:pPr>
             <a:r>
               <a:rPr lang="en-US" sz="1400" dirty="0">
-                <a:latin typeface="Calibri" panose="020F0502020204030204" pitchFamily="34" charset="0"/>
+                <a:latin typeface="Courier" pitchFamily="2" charset="0"/>
                 <a:cs typeface="Calibri" panose="020F0502020204030204" pitchFamily="34" charset="0"/>
               </a:rPr>
               <a:t>ACTTTAAAATCTGTGTAGCTGTCGCTCGGCTGCATGCCTAGTGCACCTACGCAGTATAAACAATAATAAA</a:t>
@@ -5104,7 +5104,7 @@
             </a:pPr>
             <a:r>
               <a:rPr lang="en-US" sz="1400" dirty="0">
-                <a:latin typeface="Calibri" panose="020F0502020204030204" pitchFamily="34" charset="0"/>
+                <a:latin typeface="Courier" pitchFamily="2" charset="0"/>
                 <a:cs typeface="Calibri" panose="020F0502020204030204" pitchFamily="34" charset="0"/>
               </a:rPr>
               <a:t>TTTTACTGTCGTTGACAAGAAACGAGTAACTCGTCCCTCTTCTGCAGACTGCTTACGGTTTCGTCCGTGT</a:t>
@@ -5116,7 +5116,7 @@
             </a:pPr>
             <a:r>
               <a:rPr lang="en-US" sz="1400" dirty="0">
-                <a:latin typeface="Calibri" panose="020F0502020204030204" pitchFamily="34" charset="0"/>
+                <a:latin typeface="Courier" pitchFamily="2" charset="0"/>
                 <a:cs typeface="Calibri" panose="020F0502020204030204" pitchFamily="34" charset="0"/>
               </a:rPr>
               <a:t>TGCAGTCGATCATCAGCATACCTAGGTTTCGTCCGGGTGTGACCGAAAGGTAAGATGGAGAGCCTTGTTC</a:t>
@@ -5128,7 +5128,7 @@
             </a:pPr>
             <a:r>
               <a:rPr lang="en-US" sz="1400" dirty="0">
-                <a:latin typeface="Calibri" panose="020F0502020204030204" pitchFamily="34" charset="0"/>
+                <a:latin typeface="Courier" pitchFamily="2" charset="0"/>
                 <a:cs typeface="Calibri" panose="020F0502020204030204" pitchFamily="34" charset="0"/>
               </a:rPr>
               <a:t>TTGGTGTCAACGAGAAAACACACGTCCAACTCAGTTTGCCTGTCCTTCAGGTTAGAGACGTGCTAGTGCG</a:t>
@@ -5140,7 +5140,7 @@
             </a:pPr>
             <a:r>
               <a:rPr lang="en-US" sz="1400" dirty="0">
-                <a:latin typeface="Calibri" panose="020F0502020204030204" pitchFamily="34" charset="0"/>
+                <a:latin typeface="Courier" pitchFamily="2" charset="0"/>
                 <a:cs typeface="Calibri" panose="020F0502020204030204" pitchFamily="34" charset="0"/>
               </a:rPr>
               <a:t>TGGCTTCGGGGACTCTGTGGAAGAGGCCCTATCGGAGGCACGTGAACACCTCAAAAATGGCACTTGTGGT</a:t>
@@ -5152,7 +5152,7 @@
             </a:pPr>
             <a:r>
               <a:rPr lang="en-US" sz="1400" dirty="0">
-                <a:latin typeface="Calibri" panose="020F0502020204030204" pitchFamily="34" charset="0"/>
+                <a:latin typeface="Courier" pitchFamily="2" charset="0"/>
                 <a:cs typeface="Calibri" panose="020F0502020204030204" pitchFamily="34" charset="0"/>
               </a:rPr>
               <a:t>…</a:t>
@@ -5163,7 +5163,7 @@
               <a:buNone/>
             </a:pPr>
             <a:endParaRPr lang="en-US" sz="1400" dirty="0">
-              <a:latin typeface="Calibri" panose="020F0502020204030204" pitchFamily="34" charset="0"/>
+              <a:latin typeface="Courier" pitchFamily="2" charset="0"/>
               <a:cs typeface="Calibri" panose="020F0502020204030204" pitchFamily="34" charset="0"/>
             </a:endParaRPr>
           </a:p>
@@ -5173,7 +5173,7 @@
             </a:pPr>
             <a:r>
               <a:rPr lang="en-US" sz="1400" dirty="0">
-                <a:latin typeface="Calibri" panose="020F0502020204030204" pitchFamily="34" charset="0"/>
+                <a:latin typeface="Courier" pitchFamily="2" charset="0"/>
                 <a:cs typeface="Calibri" panose="020F0502020204030204" pitchFamily="34" charset="0"/>
               </a:rPr>
               <a:t>&gt;FJ882960.1 SARS coronavirus ExoN1 isolate P3pp34, complete genome</a:t>
@@ -5185,7 +5185,7 @@
             </a:pPr>
             <a:r>
               <a:rPr lang="en-US" sz="1400" dirty="0">
-                <a:latin typeface="Calibri" panose="020F0502020204030204" pitchFamily="34" charset="0"/>
+                <a:latin typeface="Courier" pitchFamily="2" charset="0"/>
                 <a:cs typeface="Calibri" panose="020F0502020204030204" pitchFamily="34" charset="0"/>
               </a:rPr>
               <a:t>CGATCTCTTGTAGATCTGTTCTCTAAACGAACTTTAAAATCTGTGTAGCTGTCGCTCGGCTGCATGCCTA</a:t>
@@ -5197,7 +5197,7 @@
             </a:pPr>
             <a:r>
               <a:rPr lang="en-US" sz="1400" dirty="0">
-                <a:latin typeface="Calibri" panose="020F0502020204030204" pitchFamily="34" charset="0"/>
+                <a:latin typeface="Courier" pitchFamily="2" charset="0"/>
                 <a:cs typeface="Calibri" panose="020F0502020204030204" pitchFamily="34" charset="0"/>
               </a:rPr>
               <a:t>GTGCACCTACGCAGTATAAACAATAATAAATTTTACTGTCGTTGACAAGAAACGAGTAACTCGTCCCTCT</a:t>
@@ -5209,7 +5209,7 @@
             </a:pPr>
             <a:r>
               <a:rPr lang="en-US" sz="1400" dirty="0">
-                <a:latin typeface="Calibri" panose="020F0502020204030204" pitchFamily="34" charset="0"/>
+                <a:latin typeface="Courier" pitchFamily="2" charset="0"/>
                 <a:cs typeface="Calibri" panose="020F0502020204030204" pitchFamily="34" charset="0"/>
               </a:rPr>
               <a:t>TCTGCAGACTGCTTACGGTTTCGTCCGTGTTGCAGTCGATCATCAGCATACCTAGGTTTCGTCCGGGTGT</a:t>
@@ -5221,7 +5221,7 @@
             </a:pPr>
             <a:r>
               <a:rPr lang="en-US" sz="1400" dirty="0">
-                <a:latin typeface="Calibri" panose="020F0502020204030204" pitchFamily="34" charset="0"/>
+                <a:latin typeface="Courier" pitchFamily="2" charset="0"/>
                 <a:cs typeface="Calibri" panose="020F0502020204030204" pitchFamily="34" charset="0"/>
               </a:rPr>
               <a:t>…</a:t>
@@ -5366,7 +5366,7 @@
         <p:spPr>
           <a:xfrm>
             <a:off x="8080322" y="2340303"/>
-            <a:ext cx="3815255" cy="1754326"/>
+            <a:ext cx="3815255" cy="1477328"/>
           </a:xfrm>
           <a:prstGeom prst="rect">
             <a:avLst/>
@@ -5397,7 +5397,7 @@
                 <a:latin typeface="Calibri" panose="020F0502020204030204" pitchFamily="34" charset="0"/>
                 <a:cs typeface="Calibri" panose="020F0502020204030204" pitchFamily="34" charset="0"/>
               </a:rPr>
-              <a:t>Interleaved: sequence broken into multiple lines of 70/80/120 characters</a:t>
+              <a:t>Interleaved: sequence broken into multiple lines of characters</a:t>
             </a:r>
           </a:p>
           <a:p>
@@ -5588,11 +5588,14 @@
           <a:lstStyle/>
           <a:p>
             <a:pPr marL="0" indent="0">
+              <a:lnSpc>
+                <a:spcPct val="100000"/>
+              </a:lnSpc>
               <a:buNone/>
             </a:pPr>
             <a:r>
-              <a:rPr lang="en-US" sz="2667" dirty="0">
-                <a:latin typeface="Calibri" panose="020F0502020204030204" pitchFamily="34" charset="0"/>
+              <a:rPr lang="en-US" sz="2200" dirty="0">
+                <a:latin typeface="Courier" pitchFamily="2" charset="0"/>
                 <a:cs typeface="Calibri" panose="020F0502020204030204" pitchFamily="34" charset="0"/>
               </a:rPr>
               <a:t>@HWUSI-EAS100R:6:73:941:1973#0/1</a:t>
@@ -5600,11 +5603,14 @@
           </a:p>
           <a:p>
             <a:pPr marL="0" indent="0">
+              <a:lnSpc>
+                <a:spcPct val="100000"/>
+              </a:lnSpc>
               <a:buNone/>
             </a:pPr>
             <a:r>
-              <a:rPr lang="en-US" sz="2667" dirty="0">
-                <a:latin typeface="Calibri" panose="020F0502020204030204" pitchFamily="34" charset="0"/>
+              <a:rPr lang="en-US" sz="2200" dirty="0">
+                <a:latin typeface="Courier" pitchFamily="2" charset="0"/>
                 <a:cs typeface="Calibri" panose="020F0502020204030204" pitchFamily="34" charset="0"/>
               </a:rPr>
               <a:t>CTTTTTTATTTTTGTCTGACTGGGTTGATTCAAAA</a:t>
@@ -5612,11 +5618,14 @@
           </a:p>
           <a:p>
             <a:pPr marL="0" indent="0">
+              <a:lnSpc>
+                <a:spcPct val="100000"/>
+              </a:lnSpc>
               <a:buNone/>
             </a:pPr>
             <a:r>
-              <a:rPr lang="en-US" sz="2667" dirty="0">
-                <a:latin typeface="Calibri" panose="020F0502020204030204" pitchFamily="34" charset="0"/>
+              <a:rPr lang="en-US" sz="2200" dirty="0">
+                <a:latin typeface="Courier" pitchFamily="2" charset="0"/>
                 <a:cs typeface="Calibri" panose="020F0502020204030204" pitchFamily="34" charset="0"/>
               </a:rPr>
               <a:t>+</a:t>
@@ -5624,11 +5633,14 @@
           </a:p>
           <a:p>
             <a:pPr marL="0" indent="0">
+              <a:lnSpc>
+                <a:spcPct val="100000"/>
+              </a:lnSpc>
               <a:buNone/>
             </a:pPr>
             <a:r>
-              <a:rPr lang="en-US" sz="2667" dirty="0">
-                <a:latin typeface="Calibri" panose="020F0502020204030204" pitchFamily="34" charset="0"/>
+              <a:rPr lang="en-US" sz="2200" dirty="0">
+                <a:latin typeface="Courier" pitchFamily="2" charset="0"/>
                 <a:cs typeface="Calibri" panose="020F0502020204030204" pitchFamily="34" charset="0"/>
               </a:rPr>
               <a:t>CCCFFFFFHHHHGJHIIJHIHIIIFHIJJJJIJJGIBBFGE</a:t>
@@ -5636,20 +5648,26 @@
           </a:p>
           <a:p>
             <a:pPr marL="0" indent="0">
+              <a:lnSpc>
+                <a:spcPct val="100000"/>
+              </a:lnSpc>
               <a:buNone/>
             </a:pPr>
-            <a:endParaRPr lang="en-US" sz="2667" dirty="0">
-              <a:latin typeface="Calibri" panose="020F0502020204030204" pitchFamily="34" charset="0"/>
+            <a:endParaRPr lang="en-US" sz="2200" dirty="0">
+              <a:latin typeface="Courier" pitchFamily="2" charset="0"/>
               <a:cs typeface="Calibri" panose="020F0502020204030204" pitchFamily="34" charset="0"/>
             </a:endParaRPr>
           </a:p>
           <a:p>
             <a:pPr marL="0" indent="0">
+              <a:lnSpc>
+                <a:spcPct val="100000"/>
+              </a:lnSpc>
               <a:buNone/>
             </a:pPr>
             <a:r>
-              <a:rPr lang="en-US" sz="2667" dirty="0">
-                <a:latin typeface="Calibri" panose="020F0502020204030204" pitchFamily="34" charset="0"/>
+              <a:rPr lang="en-US" sz="2200" dirty="0">
+                <a:latin typeface="Courier" pitchFamily="2" charset="0"/>
                 <a:cs typeface="Calibri" panose="020F0502020204030204" pitchFamily="34" charset="0"/>
               </a:rPr>
               <a:t>@HWUSI-EAS100R:6:2303:11793:37095#0/1</a:t>
@@ -5657,11 +5675,14 @@
           </a:p>
           <a:p>
             <a:pPr marL="0" indent="0">
+              <a:lnSpc>
+                <a:spcPct val="100000"/>
+              </a:lnSpc>
               <a:buNone/>
             </a:pPr>
             <a:r>
-              <a:rPr lang="en-US" sz="2667" dirty="0">
-                <a:latin typeface="Calibri" panose="020F0502020204030204" pitchFamily="34" charset="0"/>
+              <a:rPr lang="en-US" sz="2200" dirty="0">
+                <a:latin typeface="Courier" pitchFamily="2" charset="0"/>
                 <a:cs typeface="Calibri" panose="020F0502020204030204" pitchFamily="34" charset="0"/>
               </a:rPr>
               <a:t>ATGAATTATAGGGCTGTATTTTAATTTTGCATTTTAA</a:t>
@@ -5669,11 +5690,14 @@
           </a:p>
           <a:p>
             <a:pPr marL="0" indent="0">
+              <a:lnSpc>
+                <a:spcPct val="100000"/>
+              </a:lnSpc>
               <a:buNone/>
             </a:pPr>
             <a:r>
-              <a:rPr lang="en-US" sz="2667" dirty="0">
-                <a:latin typeface="Calibri" panose="020F0502020204030204" pitchFamily="34" charset="0"/>
+              <a:rPr lang="en-US" sz="2200" dirty="0">
+                <a:latin typeface="Courier" pitchFamily="2" charset="0"/>
                 <a:cs typeface="Calibri" panose="020F0502020204030204" pitchFamily="34" charset="0"/>
               </a:rPr>
               <a:t>+</a:t>
@@ -5681,11 +5705,14 @@
           </a:p>
           <a:p>
             <a:pPr marL="0" indent="0">
+              <a:lnSpc>
+                <a:spcPct val="100000"/>
+              </a:lnSpc>
               <a:buNone/>
             </a:pPr>
             <a:r>
-              <a:rPr lang="en-US" sz="2667" dirty="0">
-                <a:latin typeface="Calibri" panose="020F0502020204030204" pitchFamily="34" charset="0"/>
+              <a:rPr lang="en-US" sz="2200" dirty="0">
+                <a:latin typeface="Courier" pitchFamily="2" charset="0"/>
                 <a:cs typeface="Calibri" panose="020F0502020204030204" pitchFamily="34" charset="0"/>
               </a:rPr>
               <a:t>@@??BDDFFF&lt;FHEGFFGGIEBGHIIIIIBEHIIGIH&lt;FHE</a:t>
@@ -6362,18 +6389,11 @@
           <a:lstStyle/>
           <a:p>
             <a:r>
-              <a:rPr lang="en-US" sz="3600" b="1" dirty="0" err="1">
-                <a:latin typeface="Calibri" panose="020F0502020204030204" pitchFamily="34" charset="0"/>
-                <a:cs typeface="Calibri" panose="020F0502020204030204" pitchFamily="34" charset="0"/>
-              </a:rPr>
-              <a:t>Fastq</a:t>
-            </a:r>
-            <a:r>
               <a:rPr lang="en-US" sz="3600" b="1" dirty="0">
                 <a:latin typeface="Calibri" panose="020F0502020204030204" pitchFamily="34" charset="0"/>
                 <a:cs typeface="Calibri" panose="020F0502020204030204" pitchFamily="34" charset="0"/>
               </a:rPr>
-              <a:t> – format for representing raw sequence – base calls and quality values</a:t>
+              <a:t>Read naming conventions</a:t>
             </a:r>
           </a:p>
         </p:txBody>
@@ -8824,21 +8844,21 @@
           <a:lstStyle/>
           <a:p>
             <a:r>
-              <a:rPr lang="en-US" sz="4000" dirty="0">
+              <a:rPr lang="en-US" sz="4000" b="1" dirty="0">
                 <a:latin typeface="Calibri" panose="020F0502020204030204" pitchFamily="34" charset="0"/>
                 <a:cs typeface="Calibri" panose="020F0502020204030204" pitchFamily="34" charset="0"/>
               </a:rPr>
               <a:t>Quality values - </a:t>
             </a:r>
             <a:r>
-              <a:rPr lang="en-US" sz="4000" dirty="0" err="1">
+              <a:rPr lang="en-US" sz="4000" b="1" dirty="0" err="1">
                 <a:latin typeface="Calibri" panose="020F0502020204030204" pitchFamily="34" charset="0"/>
                 <a:cs typeface="Calibri" panose="020F0502020204030204" pitchFamily="34" charset="0"/>
               </a:rPr>
               <a:t>Phred</a:t>
             </a:r>
             <a:r>
-              <a:rPr lang="en-US" sz="4000" dirty="0">
+              <a:rPr lang="en-US" sz="4000" b="1" dirty="0">
                 <a:latin typeface="Calibri" panose="020F0502020204030204" pitchFamily="34" charset="0"/>
                 <a:cs typeface="Calibri" panose="020F0502020204030204" pitchFamily="34" charset="0"/>
               </a:rPr>
@@ -8856,7 +8876,7 @@
           <p:nvPr>
             <p:extLst>
               <p:ext uri="{D42A27DB-BD31-4B8C-83A1-F6EECF244321}">
-                <p14:modId xmlns:p14="http://schemas.microsoft.com/office/powerpoint/2010/main" val="837261209"/>
+                <p14:modId xmlns:p14="http://schemas.microsoft.com/office/powerpoint/2010/main" val="2643136791"/>
               </p:ext>
             </p:extLst>
           </p:nvPr>
@@ -9463,7 +9483,7 @@
                       <a:pPr algn="ctr"/>
                       <a:r>
                         <a:rPr lang="en-US" sz="1900" dirty="0"/>
-                        <a:t>0.90</a:t>
+                        <a:t>0.9</a:t>
                       </a:r>
                       <a:endParaRPr lang="en-US" sz="1900" dirty="0">
                         <a:latin typeface="+mn-lt"/>
@@ -9671,12 +9691,12 @@
                     <a:p>
                       <a:pPr algn="ctr" fontAlgn="b"/>
                       <a:r>
-                        <a:rPr lang="nb-NO" sz="1900" u="none" strike="noStrike">
+                        <a:rPr lang="nb-NO" sz="1900" u="none" strike="noStrike" dirty="0">
                           <a:effectLst/>
                         </a:rPr>
                         <a:t>0.001</a:t>
                       </a:r>
-                      <a:endParaRPr lang="nb-NO" sz="1900" b="0" i="0" u="none" strike="noStrike">
+                      <a:endParaRPr lang="nb-NO" sz="1900" b="0" i="0" u="none" strike="noStrike" dirty="0">
                         <a:solidFill>
                           <a:srgbClr val="333333"/>
                         </a:solidFill>
@@ -9993,16 +10013,16 @@
         </p:spPr>
         <p:txBody>
           <a:bodyPr>
-            <a:normAutofit fontScale="90000"/>
+            <a:normAutofit/>
           </a:bodyPr>
           <a:lstStyle/>
           <a:p>
             <a:r>
-              <a:rPr lang="en-US" dirty="0">
-                <a:latin typeface="Calibri" panose="020F0502020204030204" pitchFamily="34" charset="0"/>
-                <a:cs typeface="Calibri" panose="020F0502020204030204" pitchFamily="34" charset="0"/>
-              </a:rPr>
-              <a:t>GFF/GTF – formats for representing sequence features</a:t>
+              <a:rPr lang="en-US" b="1" dirty="0">
+                <a:latin typeface="Calibri" panose="020F0502020204030204" pitchFamily="34" charset="0"/>
+                <a:cs typeface="Calibri" panose="020F0502020204030204" pitchFamily="34" charset="0"/>
+              </a:rPr>
+              <a:t>GFF/GTF - representing sequence features</a:t>
             </a:r>
           </a:p>
         </p:txBody>
@@ -10023,9 +10043,16 @@
             <p:ph idx="1"/>
           </p:nvPr>
         </p:nvSpPr>
-        <p:spPr/>
+        <p:spPr>
+          <a:xfrm>
+            <a:off x="838200" y="1243015"/>
+            <a:ext cx="10515600" cy="4925556"/>
+          </a:xfrm>
+        </p:spPr>
         <p:txBody>
-          <a:bodyPr/>
+          <a:bodyPr>
+            <a:normAutofit/>
+          </a:bodyPr>
           <a:lstStyle/>
           <a:p>
             <a:r>
@@ -10073,8 +10100,31 @@
                 <a:latin typeface="Calibri" panose="020F0502020204030204" pitchFamily="34" charset="0"/>
                 <a:cs typeface="Calibri" panose="020F0502020204030204" pitchFamily="34" charset="0"/>
               </a:rPr>
-              <a:t>Added formal support for multiple levels (and direction) of hierarchy (e.g., gene -&gt; transcript -&gt; exon)</a:t>
-            </a:r>
+              <a:t>Added formal support for multiple levels (and direction) of hierarchy </a:t>
+            </a:r>
+            <a:br>
+              <a:rPr lang="en-US" dirty="0">
+                <a:latin typeface="Calibri" panose="020F0502020204030204" pitchFamily="34" charset="0"/>
+                <a:cs typeface="Calibri" panose="020F0502020204030204" pitchFamily="34" charset="0"/>
+              </a:rPr>
+            </a:br>
+            <a:r>
+              <a:rPr lang="en-US" dirty="0">
+                <a:latin typeface="Calibri" panose="020F0502020204030204" pitchFamily="34" charset="0"/>
+                <a:cs typeface="Calibri" panose="020F0502020204030204" pitchFamily="34" charset="0"/>
+              </a:rPr>
+              <a:t>(e.g., gene -&gt; transcript -&gt; exon)</a:t>
+            </a:r>
+            <a:br>
+              <a:rPr lang="en-US" dirty="0">
+                <a:latin typeface="Calibri" panose="020F0502020204030204" pitchFamily="34" charset="0"/>
+                <a:cs typeface="Calibri" panose="020F0502020204030204" pitchFamily="34" charset="0"/>
+              </a:rPr>
+            </a:br>
+            <a:endParaRPr lang="en-US" dirty="0">
+              <a:latin typeface="Calibri" panose="020F0502020204030204" pitchFamily="34" charset="0"/>
+              <a:cs typeface="Calibri" panose="020F0502020204030204" pitchFamily="34" charset="0"/>
+            </a:endParaRPr>
           </a:p>
           <a:p>
             <a:r>
@@ -10233,11 +10283,62 @@
         </p:blipFill>
         <p:spPr>
           <a:xfrm>
-            <a:off x="294503" y="1628776"/>
-            <a:ext cx="11808869" cy="4276670"/>
+            <a:off x="85349" y="1494973"/>
+            <a:ext cx="12018024" cy="4352417"/>
           </a:xfrm>
         </p:spPr>
       </p:pic>
+      <p:sp>
+        <p:nvSpPr>
+          <p:cNvPr id="3" name="TextBox 2">
+            <a:extLst>
+              <a:ext uri="{FF2B5EF4-FFF2-40B4-BE49-F238E27FC236}">
+                <a16:creationId xmlns:a16="http://schemas.microsoft.com/office/drawing/2014/main" id="{C01A94F1-34F5-C84C-9370-9D39AEB21EE4}"/>
+              </a:ext>
+            </a:extLst>
+          </p:cNvPr>
+          <p:cNvSpPr txBox="1"/>
+          <p:nvPr/>
+        </p:nvSpPr>
+        <p:spPr>
+          <a:xfrm>
+            <a:off x="7729546" y="6080115"/>
+            <a:ext cx="4373826" cy="553998"/>
+          </a:xfrm>
+          <a:prstGeom prst="rect">
+            <a:avLst/>
+          </a:prstGeom>
+          <a:noFill/>
+        </p:spPr>
+        <p:txBody>
+          <a:bodyPr wrap="none" rtlCol="0">
+            <a:spAutoFit/>
+          </a:bodyPr>
+          <a:lstStyle/>
+          <a:p>
+            <a:r>
+              <a:rPr lang="en-US" sz="1200" dirty="0"/>
+              <a:t>https://</a:t>
+            </a:r>
+            <a:r>
+              <a:rPr lang="en-US" sz="1200" dirty="0" err="1"/>
+              <a:t>en.wikipedia.org</a:t>
+            </a:r>
+            <a:r>
+              <a:rPr lang="en-US" sz="1200" dirty="0"/>
+              <a:t>/wiki/</a:t>
+            </a:r>
+            <a:r>
+              <a:rPr lang="en-US" sz="1200" dirty="0" err="1"/>
+              <a:t>General_feature_format</a:t>
+            </a:r>
+            <a:endParaRPr lang="en-US" sz="1200" dirty="0"/>
+          </a:p>
+          <a:p>
+            <a:endParaRPr lang="en-US" dirty="0"/>
+          </a:p>
+        </p:txBody>
+      </p:sp>
     </p:spTree>
     <p:extLst>
       <p:ext uri="{BB962C8B-B14F-4D97-AF65-F5344CB8AC3E}">
